--- a/icon.pptx
+++ b/icon.pptx
@@ -13,9 +13,12 @@
     <p:sldId id="266" r:id="rId7"/>
     <p:sldId id="267" r:id="rId8"/>
     <p:sldId id="268" r:id="rId9"/>
-    <p:sldId id="259" r:id="rId10"/>
-    <p:sldId id="260" r:id="rId11"/>
-    <p:sldId id="261" r:id="rId12"/>
+    <p:sldId id="269" r:id="rId10"/>
+    <p:sldId id="271" r:id="rId11"/>
+    <p:sldId id="270" r:id="rId12"/>
+    <p:sldId id="259" r:id="rId13"/>
+    <p:sldId id="260" r:id="rId14"/>
+    <p:sldId id="261" r:id="rId15"/>
   </p:sldIdLst>
   <p:sldSz cx="12192000" cy="6858000"/>
   <p:notesSz cx="6858000" cy="9144000"/>
@@ -4108,6 +4111,961 @@
   <p:cSld>
     <p:spTree>
       <p:nvGrpSpPr>
+        <p:cNvPr id="1" name="">
+          <a:extLst>
+            <a:ext uri="{FF2B5EF4-FFF2-40B4-BE49-F238E27FC236}">
+              <a16:creationId xmlns:a16="http://schemas.microsoft.com/office/drawing/2014/main" id="{678AB8F1-9764-A9AB-3BEA-56E188F266C3}"/>
+            </a:ext>
+          </a:extLst>
+        </p:cNvPr>
+        <p:cNvGrpSpPr/>
+        <p:nvPr/>
+      </p:nvGrpSpPr>
+      <p:grpSpPr>
+        <a:xfrm>
+          <a:off x="0" y="0"/>
+          <a:ext cx="0" cy="0"/>
+          <a:chOff x="0" y="0"/>
+          <a:chExt cx="0" cy="0"/>
+        </a:xfrm>
+      </p:grpSpPr>
+      <p:sp>
+        <p:nvSpPr>
+          <p:cNvPr id="6" name="正方形/長方形 5">
+            <a:extLst>
+              <a:ext uri="{FF2B5EF4-FFF2-40B4-BE49-F238E27FC236}">
+                <a16:creationId xmlns:a16="http://schemas.microsoft.com/office/drawing/2014/main" id="{1143CCE3-39BD-4B5F-150D-60279E2BAAE2}"/>
+              </a:ext>
+            </a:extLst>
+          </p:cNvPr>
+          <p:cNvSpPr/>
+          <p:nvPr/>
+        </p:nvSpPr>
+        <p:spPr>
+          <a:xfrm>
+            <a:off x="2676000" y="0"/>
+            <a:ext cx="6840000" cy="6840000"/>
+          </a:xfrm>
+          <a:prstGeom prst="rect">
+            <a:avLst/>
+          </a:prstGeom>
+          <a:solidFill>
+            <a:srgbClr val="332826"/>
+          </a:solidFill>
+          <a:ln>
+            <a:noFill/>
+          </a:ln>
+        </p:spPr>
+        <p:style>
+          <a:lnRef idx="2">
+            <a:schemeClr val="accent1">
+              <a:shade val="50000"/>
+            </a:schemeClr>
+          </a:lnRef>
+          <a:fillRef idx="1">
+            <a:schemeClr val="accent1"/>
+          </a:fillRef>
+          <a:effectRef idx="0">
+            <a:schemeClr val="accent1"/>
+          </a:effectRef>
+          <a:fontRef idx="minor">
+            <a:schemeClr val="lt1"/>
+          </a:fontRef>
+        </p:style>
+        <p:txBody>
+          <a:bodyPr rtlCol="0" anchor="ctr"/>
+          <a:lstStyle/>
+          <a:p>
+            <a:pPr algn="ctr"/>
+            <a:endParaRPr kumimoji="1" lang="ja-JP" altLang="en-US"/>
+          </a:p>
+        </p:txBody>
+      </p:sp>
+      <p:grpSp>
+        <p:nvGrpSpPr>
+          <p:cNvPr id="39" name="グループ化 38">
+            <a:extLst>
+              <a:ext uri="{FF2B5EF4-FFF2-40B4-BE49-F238E27FC236}">
+                <a16:creationId xmlns:a16="http://schemas.microsoft.com/office/drawing/2014/main" id="{753505CE-6BEC-0AF4-C0D2-C0D32E558DDF}"/>
+              </a:ext>
+            </a:extLst>
+          </p:cNvPr>
+          <p:cNvGrpSpPr/>
+          <p:nvPr/>
+        </p:nvGrpSpPr>
+        <p:grpSpPr>
+          <a:xfrm>
+            <a:off x="3825760" y="977538"/>
+            <a:ext cx="4308981" cy="4633784"/>
+            <a:chOff x="3773942" y="977538"/>
+            <a:chExt cx="4308981" cy="4633784"/>
+          </a:xfrm>
+        </p:grpSpPr>
+        <p:grpSp>
+          <p:nvGrpSpPr>
+            <p:cNvPr id="38" name="グループ化 37">
+              <a:extLst>
+                <a:ext uri="{FF2B5EF4-FFF2-40B4-BE49-F238E27FC236}">
+                  <a16:creationId xmlns:a16="http://schemas.microsoft.com/office/drawing/2014/main" id="{5555488C-9297-6A7A-9456-05E26E224C9A}"/>
+                </a:ext>
+              </a:extLst>
+            </p:cNvPr>
+            <p:cNvGrpSpPr/>
+            <p:nvPr/>
+          </p:nvGrpSpPr>
+          <p:grpSpPr>
+            <a:xfrm>
+              <a:off x="4499463" y="977538"/>
+              <a:ext cx="3583460" cy="4633784"/>
+              <a:chOff x="8335892" y="729777"/>
+              <a:chExt cx="3583460" cy="4633784"/>
+            </a:xfrm>
+          </p:grpSpPr>
+          <p:sp>
+            <p:nvSpPr>
+              <p:cNvPr id="34" name="フリーフォーム 33">
+                <a:extLst>
+                  <a:ext uri="{FF2B5EF4-FFF2-40B4-BE49-F238E27FC236}">
+                    <a16:creationId xmlns:a16="http://schemas.microsoft.com/office/drawing/2014/main" id="{3D8DBCFD-E9FE-EC16-87FD-1FE97EF0E369}"/>
+                  </a:ext>
+                </a:extLst>
+              </p:cNvPr>
+              <p:cNvSpPr>
+                <a:spLocks noChangeAspect="1"/>
+              </p:cNvSpPr>
+              <p:nvPr/>
+            </p:nvSpPr>
+            <p:spPr>
+              <a:xfrm rot="10800000">
+                <a:off x="10521381" y="853487"/>
+                <a:ext cx="1254170" cy="1254179"/>
+              </a:xfrm>
+              <a:custGeom>
+                <a:avLst/>
+                <a:gdLst>
+                  <a:gd name="connsiteX0" fmla="*/ 1254170 w 1254170"/>
+                  <a:gd name="connsiteY0" fmla="*/ 1254179 h 1254179"/>
+                  <a:gd name="connsiteX1" fmla="*/ 0 w 1254170"/>
+                  <a:gd name="connsiteY1" fmla="*/ 0 h 1254179"/>
+                  <a:gd name="connsiteX2" fmla="*/ 1087826 w 1254170"/>
+                  <a:gd name="connsiteY2" fmla="*/ 0 h 1254179"/>
+                  <a:gd name="connsiteX3" fmla="*/ 1254170 w 1254170"/>
+                  <a:gd name="connsiteY3" fmla="*/ 166344 h 1254179"/>
+                  <a:gd name="connsiteX4" fmla="*/ 1254170 w 1254170"/>
+                  <a:gd name="connsiteY4" fmla="*/ 1254179 h 1254179"/>
+                </a:gdLst>
+                <a:ahLst/>
+                <a:cxnLst>
+                  <a:cxn ang="0">
+                    <a:pos x="connsiteX0" y="connsiteY0"/>
+                  </a:cxn>
+                  <a:cxn ang="0">
+                    <a:pos x="connsiteX1" y="connsiteY1"/>
+                  </a:cxn>
+                  <a:cxn ang="0">
+                    <a:pos x="connsiteX2" y="connsiteY2"/>
+                  </a:cxn>
+                  <a:cxn ang="0">
+                    <a:pos x="connsiteX3" y="connsiteY3"/>
+                  </a:cxn>
+                  <a:cxn ang="0">
+                    <a:pos x="connsiteX4" y="connsiteY4"/>
+                  </a:cxn>
+                </a:cxnLst>
+                <a:rect l="l" t="t" r="r" b="b"/>
+                <a:pathLst>
+                  <a:path w="1254170" h="1254179">
+                    <a:moveTo>
+                      <a:pt x="1254170" y="1254179"/>
+                    </a:moveTo>
+                    <a:lnTo>
+                      <a:pt x="0" y="0"/>
+                    </a:lnTo>
+                    <a:lnTo>
+                      <a:pt x="1087826" y="0"/>
+                    </a:lnTo>
+                    <a:cubicBezTo>
+                      <a:pt x="1179695" y="0"/>
+                      <a:pt x="1254170" y="74475"/>
+                      <a:pt x="1254170" y="166344"/>
+                    </a:cubicBezTo>
+                    <a:lnTo>
+                      <a:pt x="1254170" y="1254179"/>
+                    </a:lnTo>
+                    <a:close/>
+                  </a:path>
+                </a:pathLst>
+              </a:custGeom>
+              <a:solidFill>
+                <a:srgbClr val="C0B8B5"/>
+              </a:solidFill>
+              <a:ln>
+                <a:solidFill>
+                  <a:srgbClr val="A8A5A6"/>
+                </a:solidFill>
+              </a:ln>
+            </p:spPr>
+            <p:style>
+              <a:lnRef idx="2">
+                <a:schemeClr val="accent1">
+                  <a:shade val="15000"/>
+                </a:schemeClr>
+              </a:lnRef>
+              <a:fillRef idx="1">
+                <a:schemeClr val="accent1"/>
+              </a:fillRef>
+              <a:effectRef idx="0">
+                <a:schemeClr val="accent1"/>
+              </a:effectRef>
+              <a:fontRef idx="minor">
+                <a:schemeClr val="lt1"/>
+              </a:fontRef>
+            </p:style>
+            <p:txBody>
+              <a:bodyPr wrap="square" rtlCol="0" anchor="ctr">
+                <a:noAutofit/>
+              </a:bodyPr>
+              <a:lstStyle/>
+              <a:p>
+                <a:pPr algn="ctr"/>
+                <a:endParaRPr kumimoji="1" lang="ja-JP" altLang="en-US"/>
+              </a:p>
+            </p:txBody>
+          </p:sp>
+          <p:sp>
+            <p:nvSpPr>
+              <p:cNvPr id="24" name="フリーフォーム 23">
+                <a:extLst>
+                  <a:ext uri="{FF2B5EF4-FFF2-40B4-BE49-F238E27FC236}">
+                    <a16:creationId xmlns:a16="http://schemas.microsoft.com/office/drawing/2014/main" id="{2EB95D43-C874-79A2-63CD-BFB6F4081C34}"/>
+                  </a:ext>
+                </a:extLst>
+              </p:cNvPr>
+              <p:cNvSpPr/>
+              <p:nvPr/>
+            </p:nvSpPr>
+            <p:spPr>
+              <a:xfrm>
+                <a:off x="8335892" y="729777"/>
+                <a:ext cx="3583460" cy="4633784"/>
+              </a:xfrm>
+              <a:custGeom>
+                <a:avLst/>
+                <a:gdLst>
+                  <a:gd name="connsiteX0" fmla="*/ 166344 w 3583460"/>
+                  <a:gd name="connsiteY0" fmla="*/ 0 h 4633784"/>
+                  <a:gd name="connsiteX1" fmla="*/ 2270952 w 3583460"/>
+                  <a:gd name="connsiteY1" fmla="*/ 0 h 4633784"/>
+                  <a:gd name="connsiteX2" fmla="*/ 3583460 w 3583460"/>
+                  <a:gd name="connsiteY2" fmla="*/ 1312517 h 4633784"/>
+                  <a:gd name="connsiteX3" fmla="*/ 3583460 w 3583460"/>
+                  <a:gd name="connsiteY3" fmla="*/ 4467440 h 4633784"/>
+                  <a:gd name="connsiteX4" fmla="*/ 3417116 w 3583460"/>
+                  <a:gd name="connsiteY4" fmla="*/ 4633784 h 4633784"/>
+                  <a:gd name="connsiteX5" fmla="*/ 166344 w 3583460"/>
+                  <a:gd name="connsiteY5" fmla="*/ 4633784 h 4633784"/>
+                  <a:gd name="connsiteX6" fmla="*/ 0 w 3583460"/>
+                  <a:gd name="connsiteY6" fmla="*/ 4467440 h 4633784"/>
+                  <a:gd name="connsiteX7" fmla="*/ 0 w 3583460"/>
+                  <a:gd name="connsiteY7" fmla="*/ 166344 h 4633784"/>
+                  <a:gd name="connsiteX8" fmla="*/ 166344 w 3583460"/>
+                  <a:gd name="connsiteY8" fmla="*/ 0 h 4633784"/>
+                </a:gdLst>
+                <a:ahLst/>
+                <a:cxnLst>
+                  <a:cxn ang="0">
+                    <a:pos x="connsiteX0" y="connsiteY0"/>
+                  </a:cxn>
+                  <a:cxn ang="0">
+                    <a:pos x="connsiteX1" y="connsiteY1"/>
+                  </a:cxn>
+                  <a:cxn ang="0">
+                    <a:pos x="connsiteX2" y="connsiteY2"/>
+                  </a:cxn>
+                  <a:cxn ang="0">
+                    <a:pos x="connsiteX3" y="connsiteY3"/>
+                  </a:cxn>
+                  <a:cxn ang="0">
+                    <a:pos x="connsiteX4" y="connsiteY4"/>
+                  </a:cxn>
+                  <a:cxn ang="0">
+                    <a:pos x="connsiteX5" y="connsiteY5"/>
+                  </a:cxn>
+                  <a:cxn ang="0">
+                    <a:pos x="connsiteX6" y="connsiteY6"/>
+                  </a:cxn>
+                  <a:cxn ang="0">
+                    <a:pos x="connsiteX7" y="connsiteY7"/>
+                  </a:cxn>
+                  <a:cxn ang="0">
+                    <a:pos x="connsiteX8" y="connsiteY8"/>
+                  </a:cxn>
+                </a:cxnLst>
+                <a:rect l="l" t="t" r="r" b="b"/>
+                <a:pathLst>
+                  <a:path w="3583460" h="4633784">
+                    <a:moveTo>
+                      <a:pt x="166344" y="0"/>
+                    </a:moveTo>
+                    <a:lnTo>
+                      <a:pt x="2270952" y="0"/>
+                    </a:lnTo>
+                    <a:lnTo>
+                      <a:pt x="3583460" y="1312517"/>
+                    </a:lnTo>
+                    <a:lnTo>
+                      <a:pt x="3583460" y="4467440"/>
+                    </a:lnTo>
+                    <a:cubicBezTo>
+                      <a:pt x="3583460" y="4559309"/>
+                      <a:pt x="3508985" y="4633784"/>
+                      <a:pt x="3417116" y="4633784"/>
+                    </a:cubicBezTo>
+                    <a:lnTo>
+                      <a:pt x="166344" y="4633784"/>
+                    </a:lnTo>
+                    <a:cubicBezTo>
+                      <a:pt x="74475" y="4633784"/>
+                      <a:pt x="0" y="4559309"/>
+                      <a:pt x="0" y="4467440"/>
+                    </a:cubicBezTo>
+                    <a:lnTo>
+                      <a:pt x="0" y="166344"/>
+                    </a:lnTo>
+                    <a:cubicBezTo>
+                      <a:pt x="0" y="74475"/>
+                      <a:pt x="74475" y="0"/>
+                      <a:pt x="166344" y="0"/>
+                    </a:cubicBezTo>
+                    <a:close/>
+                  </a:path>
+                </a:pathLst>
+              </a:custGeom>
+              <a:noFill/>
+              <a:ln w="355600">
+                <a:solidFill>
+                  <a:srgbClr val="C0B8B5"/>
+                </a:solidFill>
+              </a:ln>
+            </p:spPr>
+            <p:style>
+              <a:lnRef idx="2">
+                <a:schemeClr val="accent1">
+                  <a:shade val="50000"/>
+                </a:schemeClr>
+              </a:lnRef>
+              <a:fillRef idx="1">
+                <a:schemeClr val="accent1"/>
+              </a:fillRef>
+              <a:effectRef idx="0">
+                <a:schemeClr val="accent1"/>
+              </a:effectRef>
+              <a:fontRef idx="minor">
+                <a:schemeClr val="lt1"/>
+              </a:fontRef>
+            </p:style>
+            <p:txBody>
+              <a:bodyPr wrap="square" rtlCol="0" anchor="ctr">
+                <a:noAutofit/>
+              </a:bodyPr>
+              <a:lstStyle/>
+              <a:p>
+                <a:pPr algn="ctr"/>
+                <a:endParaRPr kumimoji="1" lang="ja-JP" altLang="en-US"/>
+              </a:p>
+            </p:txBody>
+          </p:sp>
+        </p:grpSp>
+        <p:sp>
+          <p:nvSpPr>
+            <p:cNvPr id="3" name="テキスト ボックス 2">
+              <a:extLst>
+                <a:ext uri="{FF2B5EF4-FFF2-40B4-BE49-F238E27FC236}">
+                  <a16:creationId xmlns:a16="http://schemas.microsoft.com/office/drawing/2014/main" id="{8B5D8463-5CA6-7DA9-1386-682D2812EE44}"/>
+                </a:ext>
+              </a:extLst>
+            </p:cNvPr>
+            <p:cNvSpPr txBox="1"/>
+            <p:nvPr/>
+          </p:nvSpPr>
+          <p:spPr>
+            <a:xfrm>
+              <a:off x="3773942" y="2497976"/>
+              <a:ext cx="3889270" cy="2215991"/>
+            </a:xfrm>
+            <a:prstGeom prst="rect">
+              <a:avLst/>
+            </a:prstGeom>
+            <a:solidFill>
+              <a:srgbClr val="C0B8B5"/>
+            </a:solidFill>
+            <a:ln>
+              <a:solidFill>
+                <a:srgbClr val="A8A5A6"/>
+              </a:solidFill>
+            </a:ln>
+          </p:spPr>
+          <p:txBody>
+            <a:bodyPr wrap="none" rtlCol="0">
+              <a:spAutoFit/>
+            </a:bodyPr>
+            <a:lstStyle/>
+            <a:p>
+              <a:r>
+                <a:rPr lang="en-US" altLang="ja-JP" sz="13800" b="1" dirty="0">
+                  <a:solidFill>
+                    <a:srgbClr val="332826"/>
+                  </a:solidFill>
+                  <a:latin typeface="Arial" panose="020B0604020202020204" pitchFamily="34" charset="0"/>
+                  <a:ea typeface="Meiryo UI" panose="020B0604030504040204" pitchFamily="34" charset="-128"/>
+                  <a:cs typeface="Arial" panose="020B0604020202020204" pitchFamily="34" charset="0"/>
+                </a:rPr>
+                <a:t> ZIP </a:t>
+              </a:r>
+              <a:endParaRPr kumimoji="1" lang="ja-JP" altLang="en-US" sz="13800" b="1">
+                <a:solidFill>
+                  <a:srgbClr val="332826"/>
+                </a:solidFill>
+                <a:latin typeface="Arial" panose="020B0604020202020204" pitchFamily="34" charset="0"/>
+                <a:ea typeface="Meiryo UI" panose="020B0604030504040204" pitchFamily="34" charset="-128"/>
+                <a:cs typeface="Arial" panose="020B0604020202020204" pitchFamily="34" charset="0"/>
+              </a:endParaRPr>
+            </a:p>
+          </p:txBody>
+        </p:sp>
+      </p:grpSp>
+    </p:spTree>
+    <p:extLst>
+      <p:ext uri="{BB962C8B-B14F-4D97-AF65-F5344CB8AC3E}">
+        <p14:creationId xmlns:p14="http://schemas.microsoft.com/office/powerpoint/2010/main" val="2410695658"/>
+      </p:ext>
+    </p:extLst>
+  </p:cSld>
+  <p:clrMapOvr>
+    <a:masterClrMapping/>
+  </p:clrMapOvr>
+</p:sld>
+</file>
+
+<file path=ppt/slides/slide11.xml><?xml version="1.0" encoding="utf-8"?>
+<p:sld xmlns:a="http://schemas.openxmlformats.org/drawingml/2006/main" xmlns:r="http://schemas.openxmlformats.org/officeDocument/2006/relationships" xmlns:p="http://schemas.openxmlformats.org/presentationml/2006/main">
+  <p:cSld>
+    <p:spTree>
+      <p:nvGrpSpPr>
+        <p:cNvPr id="1" name="">
+          <a:extLst>
+            <a:ext uri="{FF2B5EF4-FFF2-40B4-BE49-F238E27FC236}">
+              <a16:creationId xmlns:a16="http://schemas.microsoft.com/office/drawing/2014/main" id="{65C871C1-15C5-07FE-20F1-B085C6B1C03C}"/>
+            </a:ext>
+          </a:extLst>
+        </p:cNvPr>
+        <p:cNvGrpSpPr/>
+        <p:nvPr/>
+      </p:nvGrpSpPr>
+      <p:grpSpPr>
+        <a:xfrm>
+          <a:off x="0" y="0"/>
+          <a:ext cx="0" cy="0"/>
+          <a:chOff x="0" y="0"/>
+          <a:chExt cx="0" cy="0"/>
+        </a:xfrm>
+      </p:grpSpPr>
+      <p:sp>
+        <p:nvSpPr>
+          <p:cNvPr id="6" name="正方形/長方形 5">
+            <a:extLst>
+              <a:ext uri="{FF2B5EF4-FFF2-40B4-BE49-F238E27FC236}">
+                <a16:creationId xmlns:a16="http://schemas.microsoft.com/office/drawing/2014/main" id="{11A8E4C2-75EC-FB58-1252-468D11369692}"/>
+              </a:ext>
+            </a:extLst>
+          </p:cNvPr>
+          <p:cNvSpPr/>
+          <p:nvPr/>
+        </p:nvSpPr>
+        <p:spPr>
+          <a:xfrm>
+            <a:off x="2676000" y="0"/>
+            <a:ext cx="6840000" cy="6840000"/>
+          </a:xfrm>
+          <a:prstGeom prst="rect">
+            <a:avLst/>
+          </a:prstGeom>
+          <a:solidFill>
+            <a:srgbClr val="E8E5E6"/>
+          </a:solidFill>
+          <a:ln>
+            <a:noFill/>
+          </a:ln>
+        </p:spPr>
+        <p:style>
+          <a:lnRef idx="2">
+            <a:schemeClr val="accent1">
+              <a:shade val="50000"/>
+            </a:schemeClr>
+          </a:lnRef>
+          <a:fillRef idx="1">
+            <a:schemeClr val="accent1"/>
+          </a:fillRef>
+          <a:effectRef idx="0">
+            <a:schemeClr val="accent1"/>
+          </a:effectRef>
+          <a:fontRef idx="minor">
+            <a:schemeClr val="lt1"/>
+          </a:fontRef>
+        </p:style>
+        <p:txBody>
+          <a:bodyPr rtlCol="0" anchor="ctr"/>
+          <a:lstStyle/>
+          <a:p>
+            <a:pPr algn="ctr"/>
+            <a:endParaRPr kumimoji="1" lang="ja-JP" altLang="en-US"/>
+          </a:p>
+        </p:txBody>
+      </p:sp>
+      <p:grpSp>
+        <p:nvGrpSpPr>
+          <p:cNvPr id="39" name="グループ化 38">
+            <a:extLst>
+              <a:ext uri="{FF2B5EF4-FFF2-40B4-BE49-F238E27FC236}">
+                <a16:creationId xmlns:a16="http://schemas.microsoft.com/office/drawing/2014/main" id="{670C2E18-372B-2E66-C9EA-BCCE896E6C26}"/>
+              </a:ext>
+            </a:extLst>
+          </p:cNvPr>
+          <p:cNvGrpSpPr/>
+          <p:nvPr/>
+        </p:nvGrpSpPr>
+        <p:grpSpPr>
+          <a:xfrm>
+            <a:off x="3825760" y="977538"/>
+            <a:ext cx="4308981" cy="4633784"/>
+            <a:chOff x="3773942" y="977538"/>
+            <a:chExt cx="4308981" cy="4633784"/>
+          </a:xfrm>
+        </p:grpSpPr>
+        <p:grpSp>
+          <p:nvGrpSpPr>
+            <p:cNvPr id="38" name="グループ化 37">
+              <a:extLst>
+                <a:ext uri="{FF2B5EF4-FFF2-40B4-BE49-F238E27FC236}">
+                  <a16:creationId xmlns:a16="http://schemas.microsoft.com/office/drawing/2014/main" id="{A18B1391-BE0A-8F87-BC55-E76AA439888F}"/>
+                </a:ext>
+              </a:extLst>
+            </p:cNvPr>
+            <p:cNvGrpSpPr/>
+            <p:nvPr/>
+          </p:nvGrpSpPr>
+          <p:grpSpPr>
+            <a:xfrm>
+              <a:off x="4499463" y="977538"/>
+              <a:ext cx="3583460" cy="4633784"/>
+              <a:chOff x="8335892" y="729777"/>
+              <a:chExt cx="3583460" cy="4633784"/>
+            </a:xfrm>
+          </p:grpSpPr>
+          <p:sp>
+            <p:nvSpPr>
+              <p:cNvPr id="34" name="フリーフォーム 33">
+                <a:extLst>
+                  <a:ext uri="{FF2B5EF4-FFF2-40B4-BE49-F238E27FC236}">
+                    <a16:creationId xmlns:a16="http://schemas.microsoft.com/office/drawing/2014/main" id="{EB3ECFFC-A3F9-1AA5-FC24-9AEE19C22263}"/>
+                  </a:ext>
+                </a:extLst>
+              </p:cNvPr>
+              <p:cNvSpPr>
+                <a:spLocks noChangeAspect="1"/>
+              </p:cNvSpPr>
+              <p:nvPr/>
+            </p:nvSpPr>
+            <p:spPr>
+              <a:xfrm rot="10800000">
+                <a:off x="10521381" y="853487"/>
+                <a:ext cx="1254170" cy="1254179"/>
+              </a:xfrm>
+              <a:custGeom>
+                <a:avLst/>
+                <a:gdLst>
+                  <a:gd name="connsiteX0" fmla="*/ 1254170 w 1254170"/>
+                  <a:gd name="connsiteY0" fmla="*/ 1254179 h 1254179"/>
+                  <a:gd name="connsiteX1" fmla="*/ 0 w 1254170"/>
+                  <a:gd name="connsiteY1" fmla="*/ 0 h 1254179"/>
+                  <a:gd name="connsiteX2" fmla="*/ 1087826 w 1254170"/>
+                  <a:gd name="connsiteY2" fmla="*/ 0 h 1254179"/>
+                  <a:gd name="connsiteX3" fmla="*/ 1254170 w 1254170"/>
+                  <a:gd name="connsiteY3" fmla="*/ 166344 h 1254179"/>
+                  <a:gd name="connsiteX4" fmla="*/ 1254170 w 1254170"/>
+                  <a:gd name="connsiteY4" fmla="*/ 1254179 h 1254179"/>
+                </a:gdLst>
+                <a:ahLst/>
+                <a:cxnLst>
+                  <a:cxn ang="0">
+                    <a:pos x="connsiteX0" y="connsiteY0"/>
+                  </a:cxn>
+                  <a:cxn ang="0">
+                    <a:pos x="connsiteX1" y="connsiteY1"/>
+                  </a:cxn>
+                  <a:cxn ang="0">
+                    <a:pos x="connsiteX2" y="connsiteY2"/>
+                  </a:cxn>
+                  <a:cxn ang="0">
+                    <a:pos x="connsiteX3" y="connsiteY3"/>
+                  </a:cxn>
+                  <a:cxn ang="0">
+                    <a:pos x="connsiteX4" y="connsiteY4"/>
+                  </a:cxn>
+                </a:cxnLst>
+                <a:rect l="l" t="t" r="r" b="b"/>
+                <a:pathLst>
+                  <a:path w="1254170" h="1254179">
+                    <a:moveTo>
+                      <a:pt x="1254170" y="1254179"/>
+                    </a:moveTo>
+                    <a:lnTo>
+                      <a:pt x="0" y="0"/>
+                    </a:lnTo>
+                    <a:lnTo>
+                      <a:pt x="1087826" y="0"/>
+                    </a:lnTo>
+                    <a:cubicBezTo>
+                      <a:pt x="1179695" y="0"/>
+                      <a:pt x="1254170" y="74475"/>
+                      <a:pt x="1254170" y="166344"/>
+                    </a:cubicBezTo>
+                    <a:lnTo>
+                      <a:pt x="1254170" y="1254179"/>
+                    </a:lnTo>
+                    <a:close/>
+                  </a:path>
+                </a:pathLst>
+              </a:custGeom>
+              <a:solidFill>
+                <a:srgbClr val="6D6766"/>
+              </a:solidFill>
+              <a:ln>
+                <a:noFill/>
+              </a:ln>
+            </p:spPr>
+            <p:style>
+              <a:lnRef idx="2">
+                <a:schemeClr val="accent1">
+                  <a:shade val="15000"/>
+                </a:schemeClr>
+              </a:lnRef>
+              <a:fillRef idx="1">
+                <a:schemeClr val="accent1"/>
+              </a:fillRef>
+              <a:effectRef idx="0">
+                <a:schemeClr val="accent1"/>
+              </a:effectRef>
+              <a:fontRef idx="minor">
+                <a:schemeClr val="lt1"/>
+              </a:fontRef>
+            </p:style>
+            <p:txBody>
+              <a:bodyPr wrap="square" rtlCol="0" anchor="ctr">
+                <a:noAutofit/>
+              </a:bodyPr>
+              <a:lstStyle/>
+              <a:p>
+                <a:pPr algn="ctr"/>
+                <a:endParaRPr kumimoji="1" lang="ja-JP" altLang="en-US"/>
+              </a:p>
+            </p:txBody>
+          </p:sp>
+          <p:sp>
+            <p:nvSpPr>
+              <p:cNvPr id="24" name="フリーフォーム 23">
+                <a:extLst>
+                  <a:ext uri="{FF2B5EF4-FFF2-40B4-BE49-F238E27FC236}">
+                    <a16:creationId xmlns:a16="http://schemas.microsoft.com/office/drawing/2014/main" id="{52273957-88D9-5D89-9AB4-F7F238FF10AA}"/>
+                  </a:ext>
+                </a:extLst>
+              </p:cNvPr>
+              <p:cNvSpPr/>
+              <p:nvPr/>
+            </p:nvSpPr>
+            <p:spPr>
+              <a:xfrm>
+                <a:off x="8335892" y="729777"/>
+                <a:ext cx="3583460" cy="4633784"/>
+              </a:xfrm>
+              <a:custGeom>
+                <a:avLst/>
+                <a:gdLst>
+                  <a:gd name="connsiteX0" fmla="*/ 166344 w 3583460"/>
+                  <a:gd name="connsiteY0" fmla="*/ 0 h 4633784"/>
+                  <a:gd name="connsiteX1" fmla="*/ 2270952 w 3583460"/>
+                  <a:gd name="connsiteY1" fmla="*/ 0 h 4633784"/>
+                  <a:gd name="connsiteX2" fmla="*/ 3583460 w 3583460"/>
+                  <a:gd name="connsiteY2" fmla="*/ 1312517 h 4633784"/>
+                  <a:gd name="connsiteX3" fmla="*/ 3583460 w 3583460"/>
+                  <a:gd name="connsiteY3" fmla="*/ 4467440 h 4633784"/>
+                  <a:gd name="connsiteX4" fmla="*/ 3417116 w 3583460"/>
+                  <a:gd name="connsiteY4" fmla="*/ 4633784 h 4633784"/>
+                  <a:gd name="connsiteX5" fmla="*/ 166344 w 3583460"/>
+                  <a:gd name="connsiteY5" fmla="*/ 4633784 h 4633784"/>
+                  <a:gd name="connsiteX6" fmla="*/ 0 w 3583460"/>
+                  <a:gd name="connsiteY6" fmla="*/ 4467440 h 4633784"/>
+                  <a:gd name="connsiteX7" fmla="*/ 0 w 3583460"/>
+                  <a:gd name="connsiteY7" fmla="*/ 166344 h 4633784"/>
+                  <a:gd name="connsiteX8" fmla="*/ 166344 w 3583460"/>
+                  <a:gd name="connsiteY8" fmla="*/ 0 h 4633784"/>
+                </a:gdLst>
+                <a:ahLst/>
+                <a:cxnLst>
+                  <a:cxn ang="0">
+                    <a:pos x="connsiteX0" y="connsiteY0"/>
+                  </a:cxn>
+                  <a:cxn ang="0">
+                    <a:pos x="connsiteX1" y="connsiteY1"/>
+                  </a:cxn>
+                  <a:cxn ang="0">
+                    <a:pos x="connsiteX2" y="connsiteY2"/>
+                  </a:cxn>
+                  <a:cxn ang="0">
+                    <a:pos x="connsiteX3" y="connsiteY3"/>
+                  </a:cxn>
+                  <a:cxn ang="0">
+                    <a:pos x="connsiteX4" y="connsiteY4"/>
+                  </a:cxn>
+                  <a:cxn ang="0">
+                    <a:pos x="connsiteX5" y="connsiteY5"/>
+                  </a:cxn>
+                  <a:cxn ang="0">
+                    <a:pos x="connsiteX6" y="connsiteY6"/>
+                  </a:cxn>
+                  <a:cxn ang="0">
+                    <a:pos x="connsiteX7" y="connsiteY7"/>
+                  </a:cxn>
+                  <a:cxn ang="0">
+                    <a:pos x="connsiteX8" y="connsiteY8"/>
+                  </a:cxn>
+                </a:cxnLst>
+                <a:rect l="l" t="t" r="r" b="b"/>
+                <a:pathLst>
+                  <a:path w="3583460" h="4633784">
+                    <a:moveTo>
+                      <a:pt x="166344" y="0"/>
+                    </a:moveTo>
+                    <a:lnTo>
+                      <a:pt x="2270952" y="0"/>
+                    </a:lnTo>
+                    <a:lnTo>
+                      <a:pt x="3583460" y="1312517"/>
+                    </a:lnTo>
+                    <a:lnTo>
+                      <a:pt x="3583460" y="4467440"/>
+                    </a:lnTo>
+                    <a:cubicBezTo>
+                      <a:pt x="3583460" y="4559309"/>
+                      <a:pt x="3508985" y="4633784"/>
+                      <a:pt x="3417116" y="4633784"/>
+                    </a:cubicBezTo>
+                    <a:lnTo>
+                      <a:pt x="166344" y="4633784"/>
+                    </a:lnTo>
+                    <a:cubicBezTo>
+                      <a:pt x="74475" y="4633784"/>
+                      <a:pt x="0" y="4559309"/>
+                      <a:pt x="0" y="4467440"/>
+                    </a:cubicBezTo>
+                    <a:lnTo>
+                      <a:pt x="0" y="166344"/>
+                    </a:lnTo>
+                    <a:cubicBezTo>
+                      <a:pt x="0" y="74475"/>
+                      <a:pt x="74475" y="0"/>
+                      <a:pt x="166344" y="0"/>
+                    </a:cubicBezTo>
+                    <a:close/>
+                  </a:path>
+                </a:pathLst>
+              </a:custGeom>
+              <a:noFill/>
+              <a:ln w="355600">
+                <a:solidFill>
+                  <a:srgbClr val="6D6766"/>
+                </a:solidFill>
+              </a:ln>
+            </p:spPr>
+            <p:style>
+              <a:lnRef idx="2">
+                <a:schemeClr val="accent1">
+                  <a:shade val="50000"/>
+                </a:schemeClr>
+              </a:lnRef>
+              <a:fillRef idx="1">
+                <a:schemeClr val="accent1"/>
+              </a:fillRef>
+              <a:effectRef idx="0">
+                <a:schemeClr val="accent1"/>
+              </a:effectRef>
+              <a:fontRef idx="minor">
+                <a:schemeClr val="lt1"/>
+              </a:fontRef>
+            </p:style>
+            <p:txBody>
+              <a:bodyPr wrap="square" rtlCol="0" anchor="ctr">
+                <a:noAutofit/>
+              </a:bodyPr>
+              <a:lstStyle/>
+              <a:p>
+                <a:pPr algn="ctr"/>
+                <a:endParaRPr kumimoji="1" lang="ja-JP" altLang="en-US"/>
+              </a:p>
+            </p:txBody>
+          </p:sp>
+        </p:grpSp>
+        <p:sp>
+          <p:nvSpPr>
+            <p:cNvPr id="3" name="テキスト ボックス 2">
+              <a:extLst>
+                <a:ext uri="{FF2B5EF4-FFF2-40B4-BE49-F238E27FC236}">
+                  <a16:creationId xmlns:a16="http://schemas.microsoft.com/office/drawing/2014/main" id="{3BC96B3F-6D3A-3173-BF1B-BA120AA3CE17}"/>
+                </a:ext>
+              </a:extLst>
+            </p:cNvPr>
+            <p:cNvSpPr txBox="1"/>
+            <p:nvPr/>
+          </p:nvSpPr>
+          <p:spPr>
+            <a:xfrm>
+              <a:off x="3773942" y="2497976"/>
+              <a:ext cx="3889270" cy="2215991"/>
+            </a:xfrm>
+            <a:prstGeom prst="rect">
+              <a:avLst/>
+            </a:prstGeom>
+            <a:solidFill>
+              <a:srgbClr val="6D6766"/>
+            </a:solidFill>
+          </p:spPr>
+          <p:txBody>
+            <a:bodyPr wrap="none" rtlCol="0">
+              <a:spAutoFit/>
+            </a:bodyPr>
+            <a:lstStyle/>
+            <a:p>
+              <a:r>
+                <a:rPr lang="en-US" altLang="ja-JP" sz="13800" b="1" dirty="0">
+                  <a:solidFill>
+                    <a:srgbClr val="E8E5E6"/>
+                  </a:solidFill>
+                  <a:latin typeface="Arial" panose="020B0604020202020204" pitchFamily="34" charset="0"/>
+                  <a:ea typeface="Meiryo UI" panose="020B0604030504040204" pitchFamily="34" charset="-128"/>
+                  <a:cs typeface="Arial" panose="020B0604020202020204" pitchFamily="34" charset="0"/>
+                </a:rPr>
+                <a:t> ZIP </a:t>
+              </a:r>
+              <a:endParaRPr kumimoji="1" lang="ja-JP" altLang="en-US" sz="13800" b="1">
+                <a:solidFill>
+                  <a:srgbClr val="E8E5E6"/>
+                </a:solidFill>
+                <a:latin typeface="Arial" panose="020B0604020202020204" pitchFamily="34" charset="0"/>
+                <a:ea typeface="Meiryo UI" panose="020B0604030504040204" pitchFamily="34" charset="-128"/>
+                <a:cs typeface="Arial" panose="020B0604020202020204" pitchFamily="34" charset="0"/>
+              </a:endParaRPr>
+            </a:p>
+          </p:txBody>
+        </p:sp>
+      </p:grpSp>
+    </p:spTree>
+    <p:extLst>
+      <p:ext uri="{BB962C8B-B14F-4D97-AF65-F5344CB8AC3E}">
+        <p14:creationId xmlns:p14="http://schemas.microsoft.com/office/powerpoint/2010/main" val="2324462233"/>
+      </p:ext>
+    </p:extLst>
+  </p:cSld>
+  <p:clrMapOvr>
+    <a:masterClrMapping/>
+  </p:clrMapOvr>
+</p:sld>
+</file>
+
+<file path=ppt/slides/slide12.xml><?xml version="1.0" encoding="utf-8"?>
+<p:sld xmlns:a="http://schemas.openxmlformats.org/drawingml/2006/main" xmlns:r="http://schemas.openxmlformats.org/officeDocument/2006/relationships" xmlns:p="http://schemas.openxmlformats.org/presentationml/2006/main">
+  <p:cSld>
+    <p:spTree>
+      <p:nvGrpSpPr>
+        <p:cNvPr id="1" name=""/>
+        <p:cNvGrpSpPr/>
+        <p:nvPr/>
+      </p:nvGrpSpPr>
+      <p:grpSpPr>
+        <a:xfrm>
+          <a:off x="0" y="0"/>
+          <a:ext cx="0" cy="0"/>
+          <a:chOff x="0" y="0"/>
+          <a:chExt cx="0" cy="0"/>
+        </a:xfrm>
+      </p:grpSpPr>
+      <p:sp>
+        <p:nvSpPr>
+          <p:cNvPr id="2" name="タイトル 1">
+            <a:extLst>
+              <a:ext uri="{FF2B5EF4-FFF2-40B4-BE49-F238E27FC236}">
+                <a16:creationId xmlns:a16="http://schemas.microsoft.com/office/drawing/2014/main" id="{6B330255-0DC4-0D62-29A8-38448216D940}"/>
+              </a:ext>
+            </a:extLst>
+          </p:cNvPr>
+          <p:cNvSpPr>
+            <a:spLocks noGrp="1"/>
+          </p:cNvSpPr>
+          <p:nvPr>
+            <p:ph type="title"/>
+          </p:nvPr>
+        </p:nvSpPr>
+        <p:spPr/>
+        <p:txBody>
+          <a:bodyPr/>
+          <a:lstStyle/>
+          <a:p>
+            <a:endParaRPr kumimoji="1" lang="ja-JP" altLang="en-US"/>
+          </a:p>
+        </p:txBody>
+      </p:sp>
+      <p:sp>
+        <p:nvSpPr>
+          <p:cNvPr id="3" name="コンテンツ プレースホルダー 2">
+            <a:extLst>
+              <a:ext uri="{FF2B5EF4-FFF2-40B4-BE49-F238E27FC236}">
+                <a16:creationId xmlns:a16="http://schemas.microsoft.com/office/drawing/2014/main" id="{9C352F47-2682-7F5E-16CC-34CCBA767D45}"/>
+              </a:ext>
+            </a:extLst>
+          </p:cNvPr>
+          <p:cNvSpPr>
+            <a:spLocks noGrp="1"/>
+          </p:cNvSpPr>
+          <p:nvPr>
+            <p:ph idx="1"/>
+          </p:nvPr>
+        </p:nvSpPr>
+        <p:spPr/>
+        <p:txBody>
+          <a:bodyPr/>
+          <a:lstStyle/>
+          <a:p>
+            <a:endParaRPr kumimoji="1" lang="ja-JP" altLang="en-US"/>
+          </a:p>
+        </p:txBody>
+      </p:sp>
+    </p:spTree>
+    <p:extLst>
+      <p:ext uri="{BB962C8B-B14F-4D97-AF65-F5344CB8AC3E}">
+        <p14:creationId xmlns:p14="http://schemas.microsoft.com/office/powerpoint/2010/main" val="2727143370"/>
+      </p:ext>
+    </p:extLst>
+  </p:cSld>
+  <p:clrMapOvr>
+    <a:masterClrMapping/>
+  </p:clrMapOvr>
+</p:sld>
+</file>
+
+<file path=ppt/slides/slide13.xml><?xml version="1.0" encoding="utf-8"?>
+<p:sld xmlns:a="http://schemas.openxmlformats.org/drawingml/2006/main" xmlns:r="http://schemas.openxmlformats.org/officeDocument/2006/relationships" xmlns:p="http://schemas.openxmlformats.org/presentationml/2006/main">
+  <p:cSld>
+    <p:spTree>
+      <p:nvGrpSpPr>
         <p:cNvPr id="1" name=""/>
         <p:cNvGrpSpPr/>
         <p:nvPr/>
@@ -4416,7 +5374,7 @@
 </p:sld>
 </file>
 
-<file path=ppt/slides/slide11.xml><?xml version="1.0" encoding="utf-8"?>
+<file path=ppt/slides/slide14.xml><?xml version="1.0" encoding="utf-8"?>
 <p:sld xmlns:a="http://schemas.openxmlformats.org/drawingml/2006/main" xmlns:r="http://schemas.openxmlformats.org/officeDocument/2006/relationships" xmlns:p="http://schemas.openxmlformats.org/presentationml/2006/main">
   <p:cSld>
     <p:spTree>
@@ -7244,7 +8202,13 @@
   <p:cSld>
     <p:spTree>
       <p:nvGrpSpPr>
-        <p:cNvPr id="1" name=""/>
+        <p:cNvPr id="1" name="">
+          <a:extLst>
+            <a:ext uri="{FF2B5EF4-FFF2-40B4-BE49-F238E27FC236}">
+              <a16:creationId xmlns:a16="http://schemas.microsoft.com/office/drawing/2014/main" id="{CD2320F2-B772-92E3-2BC7-B29F17654E49}"/>
+            </a:ext>
+          </a:extLst>
+        </p:cNvPr>
         <p:cNvGrpSpPr/>
         <p:nvPr/>
       </p:nvGrpSpPr>
@@ -7258,58 +8222,342 @@
       </p:grpSpPr>
       <p:sp>
         <p:nvSpPr>
-          <p:cNvPr id="2" name="タイトル 1">
-            <a:extLst>
-              <a:ext uri="{FF2B5EF4-FFF2-40B4-BE49-F238E27FC236}">
-                <a16:creationId xmlns:a16="http://schemas.microsoft.com/office/drawing/2014/main" id="{6B330255-0DC4-0D62-29A8-38448216D940}"/>
-              </a:ext>
-            </a:extLst>
-          </p:cNvPr>
-          <p:cNvSpPr>
-            <a:spLocks noGrp="1"/>
-          </p:cNvSpPr>
-          <p:nvPr>
-            <p:ph type="title"/>
-          </p:nvPr>
-        </p:nvSpPr>
-        <p:spPr/>
-        <p:txBody>
-          <a:bodyPr/>
+          <p:cNvPr id="6" name="正方形/長方形 5">
+            <a:extLst>
+              <a:ext uri="{FF2B5EF4-FFF2-40B4-BE49-F238E27FC236}">
+                <a16:creationId xmlns:a16="http://schemas.microsoft.com/office/drawing/2014/main" id="{0AC49742-4B4A-7760-0001-56AD4A23E6D2}"/>
+              </a:ext>
+            </a:extLst>
+          </p:cNvPr>
+          <p:cNvSpPr/>
+          <p:nvPr/>
+        </p:nvSpPr>
+        <p:spPr>
+          <a:xfrm>
+            <a:off x="2685000" y="9000"/>
+            <a:ext cx="6840000" cy="6840000"/>
+          </a:xfrm>
+          <a:prstGeom prst="rect">
+            <a:avLst/>
+          </a:prstGeom>
+          <a:solidFill>
+            <a:srgbClr val="332826"/>
+          </a:solidFill>
+          <a:ln>
+            <a:noFill/>
+          </a:ln>
+        </p:spPr>
+        <p:style>
+          <a:lnRef idx="2">
+            <a:schemeClr val="accent1">
+              <a:shade val="50000"/>
+            </a:schemeClr>
+          </a:lnRef>
+          <a:fillRef idx="1">
+            <a:schemeClr val="accent1"/>
+          </a:fillRef>
+          <a:effectRef idx="0">
+            <a:schemeClr val="accent1"/>
+          </a:effectRef>
+          <a:fontRef idx="minor">
+            <a:schemeClr val="lt1"/>
+          </a:fontRef>
+        </p:style>
+        <p:txBody>
+          <a:bodyPr rtlCol="0" anchor="ctr"/>
           <a:lstStyle/>
           <a:p>
+            <a:pPr algn="ctr"/>
             <a:endParaRPr kumimoji="1" lang="ja-JP" altLang="en-US"/>
           </a:p>
         </p:txBody>
       </p:sp>
-      <p:sp>
-        <p:nvSpPr>
-          <p:cNvPr id="3" name="コンテンツ プレースホルダー 2">
-            <a:extLst>
-              <a:ext uri="{FF2B5EF4-FFF2-40B4-BE49-F238E27FC236}">
-                <a16:creationId xmlns:a16="http://schemas.microsoft.com/office/drawing/2014/main" id="{9C352F47-2682-7F5E-16CC-34CCBA767D45}"/>
-              </a:ext>
-            </a:extLst>
-          </p:cNvPr>
-          <p:cNvSpPr>
-            <a:spLocks noGrp="1"/>
-          </p:cNvSpPr>
-          <p:nvPr>
-            <p:ph idx="1"/>
-          </p:nvPr>
-        </p:nvSpPr>
-        <p:spPr/>
-        <p:txBody>
-          <a:bodyPr/>
+      <p:grpSp>
+        <p:nvGrpSpPr>
+          <p:cNvPr id="18" name="グループ化 17">
+            <a:extLst>
+              <a:ext uri="{FF2B5EF4-FFF2-40B4-BE49-F238E27FC236}">
+                <a16:creationId xmlns:a16="http://schemas.microsoft.com/office/drawing/2014/main" id="{EACB8444-E0BD-FB6D-132F-CF79B30AC2D9}"/>
+              </a:ext>
+            </a:extLst>
+          </p:cNvPr>
+          <p:cNvGrpSpPr/>
+          <p:nvPr/>
+        </p:nvGrpSpPr>
+        <p:grpSpPr>
+          <a:xfrm>
+            <a:off x="3993308" y="883507"/>
+            <a:ext cx="3583460" cy="4633784"/>
+            <a:chOff x="4300151" y="1099751"/>
+            <a:chExt cx="3583460" cy="4633784"/>
+          </a:xfrm>
+        </p:grpSpPr>
+        <p:sp>
+          <p:nvSpPr>
+            <p:cNvPr id="8" name="角丸四角形 7">
+              <a:extLst>
+                <a:ext uri="{FF2B5EF4-FFF2-40B4-BE49-F238E27FC236}">
+                  <a16:creationId xmlns:a16="http://schemas.microsoft.com/office/drawing/2014/main" id="{5F5B0C50-AB41-C33A-6380-1B802816505B}"/>
+                </a:ext>
+              </a:extLst>
+            </p:cNvPr>
+            <p:cNvSpPr/>
+            <p:nvPr/>
+          </p:nvSpPr>
+          <p:spPr>
+            <a:xfrm>
+              <a:off x="4300151" y="1099751"/>
+              <a:ext cx="3583460" cy="4633784"/>
+            </a:xfrm>
+            <a:prstGeom prst="roundRect">
+              <a:avLst/>
+            </a:prstGeom>
+            <a:noFill/>
+            <a:ln w="355600">
+              <a:solidFill>
+                <a:srgbClr val="C0B8B5"/>
+              </a:solidFill>
+            </a:ln>
+          </p:spPr>
+          <p:style>
+            <a:lnRef idx="2">
+              <a:schemeClr val="accent1">
+                <a:shade val="50000"/>
+              </a:schemeClr>
+            </a:lnRef>
+            <a:fillRef idx="1">
+              <a:schemeClr val="accent1"/>
+            </a:fillRef>
+            <a:effectRef idx="0">
+              <a:schemeClr val="accent1"/>
+            </a:effectRef>
+            <a:fontRef idx="minor">
+              <a:schemeClr val="lt1"/>
+            </a:fontRef>
+          </p:style>
+          <p:txBody>
+            <a:bodyPr rtlCol="0" anchor="ctr"/>
+            <a:lstStyle/>
+            <a:p>
+              <a:pPr algn="ctr"/>
+              <a:endParaRPr kumimoji="1" lang="ja-JP" altLang="en-US"/>
+            </a:p>
+          </p:txBody>
+        </p:sp>
+        <p:grpSp>
+          <p:nvGrpSpPr>
+            <p:cNvPr id="17" name="グループ化 16">
+              <a:extLst>
+                <a:ext uri="{FF2B5EF4-FFF2-40B4-BE49-F238E27FC236}">
+                  <a16:creationId xmlns:a16="http://schemas.microsoft.com/office/drawing/2014/main" id="{1B25F458-D719-8757-B25D-53C1DB0AC61B}"/>
+                </a:ext>
+              </a:extLst>
+            </p:cNvPr>
+            <p:cNvGrpSpPr/>
+            <p:nvPr/>
+          </p:nvGrpSpPr>
+          <p:grpSpPr>
+            <a:xfrm>
+              <a:off x="5009351" y="2131541"/>
+              <a:ext cx="2165060" cy="2570205"/>
+              <a:chOff x="5002791" y="2298357"/>
+              <a:chExt cx="2165060" cy="2570205"/>
+            </a:xfrm>
+          </p:grpSpPr>
+          <p:cxnSp>
+            <p:nvCxnSpPr>
+              <p:cNvPr id="12" name="直線コネクタ 11">
+                <a:extLst>
+                  <a:ext uri="{FF2B5EF4-FFF2-40B4-BE49-F238E27FC236}">
+                    <a16:creationId xmlns:a16="http://schemas.microsoft.com/office/drawing/2014/main" id="{5AEC21C3-A51E-D43E-CA5C-167745C6CCFB}"/>
+                  </a:ext>
+                </a:extLst>
+              </p:cNvPr>
+              <p:cNvCxnSpPr>
+                <a:cxnSpLocks/>
+              </p:cNvCxnSpPr>
+              <p:nvPr/>
+            </p:nvCxnSpPr>
+            <p:spPr>
+              <a:xfrm>
+                <a:off x="5002791" y="2298357"/>
+                <a:ext cx="2165060" cy="0"/>
+              </a:xfrm>
+              <a:prstGeom prst="line">
+                <a:avLst/>
+              </a:prstGeom>
+              <a:ln w="355600">
+                <a:solidFill>
+                  <a:srgbClr val="C0B8B5"/>
+                </a:solidFill>
+              </a:ln>
+            </p:spPr>
+            <p:style>
+              <a:lnRef idx="1">
+                <a:schemeClr val="accent1"/>
+              </a:lnRef>
+              <a:fillRef idx="0">
+                <a:schemeClr val="accent1"/>
+              </a:fillRef>
+              <a:effectRef idx="0">
+                <a:schemeClr val="accent1"/>
+              </a:effectRef>
+              <a:fontRef idx="minor">
+                <a:schemeClr val="tx1"/>
+              </a:fontRef>
+            </p:style>
+          </p:cxnSp>
+          <p:cxnSp>
+            <p:nvCxnSpPr>
+              <p:cNvPr id="16" name="直線コネクタ 15">
+                <a:extLst>
+                  <a:ext uri="{FF2B5EF4-FFF2-40B4-BE49-F238E27FC236}">
+                    <a16:creationId xmlns:a16="http://schemas.microsoft.com/office/drawing/2014/main" id="{DB068314-8CA4-9693-787B-D4011C2DF29C}"/>
+                  </a:ext>
+                </a:extLst>
+              </p:cNvPr>
+              <p:cNvCxnSpPr>
+                <a:cxnSpLocks/>
+              </p:cNvCxnSpPr>
+              <p:nvPr/>
+            </p:nvCxnSpPr>
+            <p:spPr>
+              <a:xfrm>
+                <a:off x="5002791" y="4868562"/>
+                <a:ext cx="2165060" cy="0"/>
+              </a:xfrm>
+              <a:prstGeom prst="line">
+                <a:avLst/>
+              </a:prstGeom>
+              <a:ln w="355600">
+                <a:solidFill>
+                  <a:srgbClr val="C0B8B5"/>
+                </a:solidFill>
+              </a:ln>
+            </p:spPr>
+            <p:style>
+              <a:lnRef idx="1">
+                <a:schemeClr val="accent1"/>
+              </a:lnRef>
+              <a:fillRef idx="0">
+                <a:schemeClr val="accent1"/>
+              </a:fillRef>
+              <a:effectRef idx="0">
+                <a:schemeClr val="accent1"/>
+              </a:effectRef>
+              <a:fontRef idx="minor">
+                <a:schemeClr val="tx1"/>
+              </a:fontRef>
+            </p:style>
+          </p:cxnSp>
+        </p:grpSp>
+      </p:grpSp>
+      <p:sp>
+        <p:nvSpPr>
+          <p:cNvPr id="2" name="下矢印 1">
+            <a:extLst>
+              <a:ext uri="{FF2B5EF4-FFF2-40B4-BE49-F238E27FC236}">
+                <a16:creationId xmlns:a16="http://schemas.microsoft.com/office/drawing/2014/main" id="{871F6EAE-0EE3-F011-D8EB-B0165010B984}"/>
+              </a:ext>
+            </a:extLst>
+          </p:cNvPr>
+          <p:cNvSpPr/>
+          <p:nvPr/>
+        </p:nvSpPr>
+        <p:spPr>
+          <a:xfrm>
+            <a:off x="6191922" y="2547279"/>
+            <a:ext cx="879176" cy="1196948"/>
+          </a:xfrm>
+          <a:prstGeom prst="downArrow">
+            <a:avLst/>
+          </a:prstGeom>
+          <a:solidFill>
+            <a:srgbClr val="C0B8B5"/>
+          </a:solidFill>
+          <a:ln>
+            <a:solidFill>
+              <a:srgbClr val="C0B8B5"/>
+            </a:solidFill>
+          </a:ln>
+        </p:spPr>
+        <p:style>
+          <a:lnRef idx="2">
+            <a:schemeClr val="accent1">
+              <a:shade val="15000"/>
+            </a:schemeClr>
+          </a:lnRef>
+          <a:fillRef idx="1">
+            <a:schemeClr val="accent1"/>
+          </a:fillRef>
+          <a:effectRef idx="0">
+            <a:schemeClr val="accent1"/>
+          </a:effectRef>
+          <a:fontRef idx="minor">
+            <a:schemeClr val="lt1"/>
+          </a:fontRef>
+        </p:style>
+        <p:txBody>
+          <a:bodyPr rtlCol="0" anchor="ctr"/>
           <a:lstStyle/>
           <a:p>
+            <a:pPr algn="ctr"/>
             <a:endParaRPr kumimoji="1" lang="ja-JP" altLang="en-US"/>
+          </a:p>
+        </p:txBody>
+      </p:sp>
+      <p:sp>
+        <p:nvSpPr>
+          <p:cNvPr id="4" name="テキスト ボックス 3">
+            <a:extLst>
+              <a:ext uri="{FF2B5EF4-FFF2-40B4-BE49-F238E27FC236}">
+                <a16:creationId xmlns:a16="http://schemas.microsoft.com/office/drawing/2014/main" id="{DC5AF267-167B-7D98-A97E-F5D054666E71}"/>
+              </a:ext>
+            </a:extLst>
+          </p:cNvPr>
+          <p:cNvSpPr txBox="1"/>
+          <p:nvPr/>
+        </p:nvSpPr>
+        <p:spPr>
+          <a:xfrm>
+            <a:off x="4483720" y="2021599"/>
+            <a:ext cx="1750800" cy="2215991"/>
+          </a:xfrm>
+          <a:prstGeom prst="rect">
+            <a:avLst/>
+          </a:prstGeom>
+          <a:noFill/>
+        </p:spPr>
+        <p:txBody>
+          <a:bodyPr wrap="none" rtlCol="0">
+            <a:spAutoFit/>
+          </a:bodyPr>
+          <a:lstStyle/>
+          <a:p>
+            <a:r>
+              <a:rPr kumimoji="1" lang="en-US" altLang="ja-JP" sz="13800" b="1" dirty="0">
+                <a:solidFill>
+                  <a:srgbClr val="C0B8B5"/>
+                </a:solidFill>
+                <a:latin typeface="Gill Sans MT" panose="020B0502020104020203" pitchFamily="34" charset="0"/>
+                <a:cs typeface="Arial" panose="020B0604020202020204" pitchFamily="34" charset="0"/>
+              </a:rPr>
+              <a:t>M</a:t>
+            </a:r>
+            <a:endParaRPr kumimoji="1" lang="ja-JP" altLang="en-US" sz="13800" b="1">
+              <a:solidFill>
+                <a:srgbClr val="C0B8B5"/>
+              </a:solidFill>
+              <a:latin typeface="Gill Sans MT" panose="020B0502020104020203" pitchFamily="34" charset="0"/>
+              <a:cs typeface="Arial" panose="020B0604020202020204" pitchFamily="34" charset="0"/>
+            </a:endParaRPr>
           </a:p>
         </p:txBody>
       </p:sp>
     </p:spTree>
     <p:extLst>
       <p:ext uri="{BB962C8B-B14F-4D97-AF65-F5344CB8AC3E}">
-        <p14:creationId xmlns:p14="http://schemas.microsoft.com/office/powerpoint/2010/main" val="2727143370"/>
+        <p14:creationId xmlns:p14="http://schemas.microsoft.com/office/powerpoint/2010/main" val="4274926621"/>
       </p:ext>
     </p:extLst>
   </p:cSld>

--- a/icon.pptx
+++ b/icon.pptx
@@ -4153,7 +4153,9 @@
             <a:srgbClr val="332826"/>
           </a:solidFill>
           <a:ln>
-            <a:noFill/>
+            <a:solidFill>
+              <a:srgbClr val="332826"/>
+            </a:solidFill>
           </a:ln>
         </p:spPr>
         <p:style>
@@ -4500,9 +4502,7 @@
               <a:srgbClr val="C0B8B5"/>
             </a:solidFill>
             <a:ln>
-              <a:solidFill>
-                <a:srgbClr val="A8A5A6"/>
-              </a:solidFill>
+              <a:noFill/>
             </a:ln>
           </p:spPr>
           <p:txBody>
@@ -4938,6 +4938,9 @@
             <a:solidFill>
               <a:srgbClr val="6D6766"/>
             </a:solidFill>
+            <a:ln>
+              <a:noFill/>
+            </a:ln>
           </p:spPr>
           <p:txBody>
             <a:bodyPr wrap="none" rtlCol="0">

--- a/icon.pptx
+++ b/icon.pptx
@@ -5,20 +5,19 @@
     <p:sldMasterId id="2147483648" r:id="rId1"/>
   </p:sldMasterIdLst>
   <p:sldIdLst>
-    <p:sldId id="256" r:id="rId2"/>
-    <p:sldId id="263" r:id="rId3"/>
-    <p:sldId id="265" r:id="rId4"/>
-    <p:sldId id="258" r:id="rId5"/>
-    <p:sldId id="264" r:id="rId6"/>
-    <p:sldId id="266" r:id="rId7"/>
-    <p:sldId id="267" r:id="rId8"/>
-    <p:sldId id="268" r:id="rId9"/>
-    <p:sldId id="269" r:id="rId10"/>
-    <p:sldId id="271" r:id="rId11"/>
-    <p:sldId id="270" r:id="rId12"/>
-    <p:sldId id="259" r:id="rId13"/>
-    <p:sldId id="260" r:id="rId14"/>
-    <p:sldId id="261" r:id="rId15"/>
+    <p:sldId id="263" r:id="rId2"/>
+    <p:sldId id="265" r:id="rId3"/>
+    <p:sldId id="264" r:id="rId4"/>
+    <p:sldId id="266" r:id="rId5"/>
+    <p:sldId id="267" r:id="rId6"/>
+    <p:sldId id="268" r:id="rId7"/>
+    <p:sldId id="271" r:id="rId8"/>
+    <p:sldId id="270" r:id="rId9"/>
+    <p:sldId id="274" r:id="rId10"/>
+    <p:sldId id="273" r:id="rId11"/>
+    <p:sldId id="272" r:id="rId12"/>
+    <p:sldId id="260" r:id="rId13"/>
+    <p:sldId id="261" r:id="rId14"/>
   </p:sldIdLst>
   <p:sldSz cx="12192000" cy="6858000"/>
   <p:notesSz cx="6858000" cy="9144000"/>
@@ -272,7 +271,7 @@
           <a:p>
             <a:fld id="{64BCA9FD-1E12-584C-8F7B-A5108B2B2A1D}" type="datetimeFigureOut">
               <a:rPr kumimoji="1" lang="ja-JP" altLang="en-US" smtClean="0"/>
-              <a:t>2025/6/11</a:t>
+              <a:t>2025/6/13</a:t>
             </a:fld>
             <a:endParaRPr kumimoji="1" lang="ja-JP" altLang="en-US"/>
           </a:p>
@@ -502,7 +501,7 @@
           <a:p>
             <a:fld id="{64BCA9FD-1E12-584C-8F7B-A5108B2B2A1D}" type="datetimeFigureOut">
               <a:rPr kumimoji="1" lang="ja-JP" altLang="en-US" smtClean="0"/>
-              <a:t>2025/6/11</a:t>
+              <a:t>2025/6/13</a:t>
             </a:fld>
             <a:endParaRPr kumimoji="1" lang="ja-JP" altLang="en-US"/>
           </a:p>
@@ -742,7 +741,7 @@
           <a:p>
             <a:fld id="{64BCA9FD-1E12-584C-8F7B-A5108B2B2A1D}" type="datetimeFigureOut">
               <a:rPr kumimoji="1" lang="ja-JP" altLang="en-US" smtClean="0"/>
-              <a:t>2025/6/11</a:t>
+              <a:t>2025/6/13</a:t>
             </a:fld>
             <a:endParaRPr kumimoji="1" lang="ja-JP" altLang="en-US"/>
           </a:p>
@@ -972,7 +971,7 @@
           <a:p>
             <a:fld id="{64BCA9FD-1E12-584C-8F7B-A5108B2B2A1D}" type="datetimeFigureOut">
               <a:rPr kumimoji="1" lang="ja-JP" altLang="en-US" smtClean="0"/>
-              <a:t>2025/6/11</a:t>
+              <a:t>2025/6/13</a:t>
             </a:fld>
             <a:endParaRPr kumimoji="1" lang="ja-JP" altLang="en-US"/>
           </a:p>
@@ -1247,7 +1246,7 @@
           <a:p>
             <a:fld id="{64BCA9FD-1E12-584C-8F7B-A5108B2B2A1D}" type="datetimeFigureOut">
               <a:rPr kumimoji="1" lang="ja-JP" altLang="en-US" smtClean="0"/>
-              <a:t>2025/6/11</a:t>
+              <a:t>2025/6/13</a:t>
             </a:fld>
             <a:endParaRPr kumimoji="1" lang="ja-JP" altLang="en-US"/>
           </a:p>
@@ -1576,7 +1575,7 @@
           <a:p>
             <a:fld id="{64BCA9FD-1E12-584C-8F7B-A5108B2B2A1D}" type="datetimeFigureOut">
               <a:rPr kumimoji="1" lang="ja-JP" altLang="en-US" smtClean="0"/>
-              <a:t>2025/6/11</a:t>
+              <a:t>2025/6/13</a:t>
             </a:fld>
             <a:endParaRPr kumimoji="1" lang="ja-JP" altLang="en-US"/>
           </a:p>
@@ -2052,7 +2051,7 @@
           <a:p>
             <a:fld id="{64BCA9FD-1E12-584C-8F7B-A5108B2B2A1D}" type="datetimeFigureOut">
               <a:rPr kumimoji="1" lang="ja-JP" altLang="en-US" smtClean="0"/>
-              <a:t>2025/6/11</a:t>
+              <a:t>2025/6/13</a:t>
             </a:fld>
             <a:endParaRPr kumimoji="1" lang="ja-JP" altLang="en-US"/>
           </a:p>
@@ -2193,7 +2192,7 @@
           <a:p>
             <a:fld id="{64BCA9FD-1E12-584C-8F7B-A5108B2B2A1D}" type="datetimeFigureOut">
               <a:rPr kumimoji="1" lang="ja-JP" altLang="en-US" smtClean="0"/>
-              <a:t>2025/6/11</a:t>
+              <a:t>2025/6/13</a:t>
             </a:fld>
             <a:endParaRPr kumimoji="1" lang="ja-JP" altLang="en-US"/>
           </a:p>
@@ -2306,7 +2305,7 @@
           <a:p>
             <a:fld id="{64BCA9FD-1E12-584C-8F7B-A5108B2B2A1D}" type="datetimeFigureOut">
               <a:rPr kumimoji="1" lang="ja-JP" altLang="en-US" smtClean="0"/>
-              <a:t>2025/6/11</a:t>
+              <a:t>2025/6/13</a:t>
             </a:fld>
             <a:endParaRPr kumimoji="1" lang="ja-JP" altLang="en-US"/>
           </a:p>
@@ -2649,7 +2648,7 @@
           <a:p>
             <a:fld id="{64BCA9FD-1E12-584C-8F7B-A5108B2B2A1D}" type="datetimeFigureOut">
               <a:rPr kumimoji="1" lang="ja-JP" altLang="en-US" smtClean="0"/>
-              <a:t>2025/6/11</a:t>
+              <a:t>2025/6/13</a:t>
             </a:fld>
             <a:endParaRPr kumimoji="1" lang="ja-JP" altLang="en-US"/>
           </a:p>
@@ -2937,7 +2936,7 @@
           <a:p>
             <a:fld id="{64BCA9FD-1E12-584C-8F7B-A5108B2B2A1D}" type="datetimeFigureOut">
               <a:rPr kumimoji="1" lang="ja-JP" altLang="en-US" smtClean="0"/>
-              <a:t>2025/6/11</a:t>
+              <a:t>2025/6/13</a:t>
             </a:fld>
             <a:endParaRPr kumimoji="1" lang="ja-JP" altLang="en-US"/>
           </a:p>
@@ -3210,7 +3209,7 @@
           <a:p>
             <a:fld id="{64BCA9FD-1E12-584C-8F7B-A5108B2B2A1D}" type="datetimeFigureOut">
               <a:rPr kumimoji="1" lang="ja-JP" altLang="en-US" smtClean="0"/>
-              <a:t>2025/6/11</a:t>
+              <a:t>2025/6/13</a:t>
             </a:fld>
             <a:endParaRPr kumimoji="1" lang="ja-JP" altLang="en-US"/>
           </a:p>
@@ -3714,1997 +3713,6 @@
           <p:grpSpPr>
             <a:xfrm>
               <a:off x="3993308" y="883507"/>
-              <a:ext cx="4223384" cy="5090985"/>
-              <a:chOff x="4300151" y="1099751"/>
-              <a:chExt cx="4223384" cy="5090985"/>
-            </a:xfrm>
-          </p:grpSpPr>
-          <p:sp>
-            <p:nvSpPr>
-              <p:cNvPr id="9" name="円/楕円 8">
-                <a:extLst>
-                  <a:ext uri="{FF2B5EF4-FFF2-40B4-BE49-F238E27FC236}">
-                    <a16:creationId xmlns:a16="http://schemas.microsoft.com/office/drawing/2014/main" id="{05918B7B-49C9-80B0-0E6D-75F7704411D8}"/>
-                  </a:ext>
-                </a:extLst>
-              </p:cNvPr>
-              <p:cNvSpPr/>
-              <p:nvPr/>
-            </p:nvSpPr>
-            <p:spPr>
-              <a:xfrm>
-                <a:off x="6645307" y="4312508"/>
-                <a:ext cx="1878228" cy="1878228"/>
-              </a:xfrm>
-              <a:prstGeom prst="ellipse">
-                <a:avLst/>
-              </a:prstGeom>
-              <a:solidFill>
-                <a:srgbClr val="C0B8B5"/>
-              </a:solidFill>
-              <a:ln>
-                <a:noFill/>
-              </a:ln>
-            </p:spPr>
-            <p:style>
-              <a:lnRef idx="2">
-                <a:schemeClr val="accent1">
-                  <a:shade val="50000"/>
-                </a:schemeClr>
-              </a:lnRef>
-              <a:fillRef idx="1">
-                <a:schemeClr val="accent1"/>
-              </a:fillRef>
-              <a:effectRef idx="0">
-                <a:schemeClr val="accent1"/>
-              </a:effectRef>
-              <a:fontRef idx="minor">
-                <a:schemeClr val="lt1"/>
-              </a:fontRef>
-            </p:style>
-            <p:txBody>
-              <a:bodyPr rtlCol="0" anchor="ctr"/>
-              <a:lstStyle/>
-              <a:p>
-                <a:pPr algn="ctr"/>
-                <a:endParaRPr kumimoji="1" lang="ja-JP" altLang="en-US"/>
-              </a:p>
-            </p:txBody>
-          </p:sp>
-          <p:grpSp>
-            <p:nvGrpSpPr>
-              <p:cNvPr id="18" name="グループ化 17">
-                <a:extLst>
-                  <a:ext uri="{FF2B5EF4-FFF2-40B4-BE49-F238E27FC236}">
-                    <a16:creationId xmlns:a16="http://schemas.microsoft.com/office/drawing/2014/main" id="{61BA24B7-4F34-DE33-4748-ED4A64CCCA14}"/>
-                  </a:ext>
-                </a:extLst>
-              </p:cNvPr>
-              <p:cNvGrpSpPr/>
-              <p:nvPr/>
-            </p:nvGrpSpPr>
-            <p:grpSpPr>
-              <a:xfrm>
-                <a:off x="4300151" y="1099751"/>
-                <a:ext cx="3583460" cy="4633784"/>
-                <a:chOff x="4300151" y="1099751"/>
-                <a:chExt cx="3583460" cy="4633784"/>
-              </a:xfrm>
-            </p:grpSpPr>
-            <p:sp>
-              <p:nvSpPr>
-                <p:cNvPr id="8" name="角丸四角形 7">
-                  <a:extLst>
-                    <a:ext uri="{FF2B5EF4-FFF2-40B4-BE49-F238E27FC236}">
-                      <a16:creationId xmlns:a16="http://schemas.microsoft.com/office/drawing/2014/main" id="{ACFC660C-BA1A-C9E0-2663-101E096FB1E3}"/>
-                    </a:ext>
-                  </a:extLst>
-                </p:cNvPr>
-                <p:cNvSpPr/>
-                <p:nvPr/>
-              </p:nvSpPr>
-              <p:spPr>
-                <a:xfrm>
-                  <a:off x="4300151" y="1099751"/>
-                  <a:ext cx="3583460" cy="4633784"/>
-                </a:xfrm>
-                <a:prstGeom prst="roundRect">
-                  <a:avLst/>
-                </a:prstGeom>
-                <a:noFill/>
-                <a:ln w="203200">
-                  <a:solidFill>
-                    <a:srgbClr val="C0B8B5"/>
-                  </a:solidFill>
-                </a:ln>
-              </p:spPr>
-              <p:style>
-                <a:lnRef idx="2">
-                  <a:schemeClr val="accent1">
-                    <a:shade val="50000"/>
-                  </a:schemeClr>
-                </a:lnRef>
-                <a:fillRef idx="1">
-                  <a:schemeClr val="accent1"/>
-                </a:fillRef>
-                <a:effectRef idx="0">
-                  <a:schemeClr val="accent1"/>
-                </a:effectRef>
-                <a:fontRef idx="minor">
-                  <a:schemeClr val="lt1"/>
-                </a:fontRef>
-              </p:style>
-              <p:txBody>
-                <a:bodyPr rtlCol="0" anchor="ctr"/>
-                <a:lstStyle/>
-                <a:p>
-                  <a:pPr algn="ctr"/>
-                  <a:endParaRPr kumimoji="1" lang="ja-JP" altLang="en-US"/>
-                </a:p>
-              </p:txBody>
-            </p:sp>
-            <p:grpSp>
-              <p:nvGrpSpPr>
-                <p:cNvPr id="17" name="グループ化 16">
-                  <a:extLst>
-                    <a:ext uri="{FF2B5EF4-FFF2-40B4-BE49-F238E27FC236}">
-                      <a16:creationId xmlns:a16="http://schemas.microsoft.com/office/drawing/2014/main" id="{6835A3D2-047B-98A0-A4AC-7F8560962739}"/>
-                    </a:ext>
-                  </a:extLst>
-                </p:cNvPr>
-                <p:cNvGrpSpPr/>
-                <p:nvPr/>
-              </p:nvGrpSpPr>
-              <p:grpSpPr>
-                <a:xfrm>
-                  <a:off x="5009351" y="2131541"/>
-                  <a:ext cx="2165060" cy="2570205"/>
-                  <a:chOff x="5002791" y="2298357"/>
-                  <a:chExt cx="2165060" cy="2570205"/>
-                </a:xfrm>
-              </p:grpSpPr>
-              <p:cxnSp>
-                <p:nvCxnSpPr>
-                  <p:cNvPr id="12" name="直線コネクタ 11">
-                    <a:extLst>
-                      <a:ext uri="{FF2B5EF4-FFF2-40B4-BE49-F238E27FC236}">
-                        <a16:creationId xmlns:a16="http://schemas.microsoft.com/office/drawing/2014/main" id="{86EC920D-FA83-2A9F-AD67-CD6E58F88556}"/>
-                      </a:ext>
-                    </a:extLst>
-                  </p:cNvPr>
-                  <p:cNvCxnSpPr>
-                    <a:cxnSpLocks/>
-                  </p:cNvCxnSpPr>
-                  <p:nvPr/>
-                </p:nvCxnSpPr>
-                <p:spPr>
-                  <a:xfrm>
-                    <a:off x="5002791" y="2298357"/>
-                    <a:ext cx="2165060" cy="0"/>
-                  </a:xfrm>
-                  <a:prstGeom prst="line">
-                    <a:avLst/>
-                  </a:prstGeom>
-                  <a:ln w="203200">
-                    <a:solidFill>
-                      <a:srgbClr val="C0B8B5"/>
-                    </a:solidFill>
-                  </a:ln>
-                </p:spPr>
-                <p:style>
-                  <a:lnRef idx="1">
-                    <a:schemeClr val="accent1"/>
-                  </a:lnRef>
-                  <a:fillRef idx="0">
-                    <a:schemeClr val="accent1"/>
-                  </a:fillRef>
-                  <a:effectRef idx="0">
-                    <a:schemeClr val="accent1"/>
-                  </a:effectRef>
-                  <a:fontRef idx="minor">
-                    <a:schemeClr val="tx1"/>
-                  </a:fontRef>
-                </p:style>
-              </p:cxnSp>
-              <p:cxnSp>
-                <p:nvCxnSpPr>
-                  <p:cNvPr id="14" name="直線コネクタ 13">
-                    <a:extLst>
-                      <a:ext uri="{FF2B5EF4-FFF2-40B4-BE49-F238E27FC236}">
-                        <a16:creationId xmlns:a16="http://schemas.microsoft.com/office/drawing/2014/main" id="{CFD1F8B5-21DF-9F90-30F0-12424FCB1D1D}"/>
-                      </a:ext>
-                    </a:extLst>
-                  </p:cNvPr>
-                  <p:cNvCxnSpPr>
-                    <a:cxnSpLocks/>
-                  </p:cNvCxnSpPr>
-                  <p:nvPr/>
-                </p:nvCxnSpPr>
-                <p:spPr>
-                  <a:xfrm>
-                    <a:off x="5002791" y="3155092"/>
-                    <a:ext cx="2165060" cy="0"/>
-                  </a:xfrm>
-                  <a:prstGeom prst="line">
-                    <a:avLst/>
-                  </a:prstGeom>
-                  <a:ln w="203200">
-                    <a:solidFill>
-                      <a:srgbClr val="C0B8B5"/>
-                    </a:solidFill>
-                  </a:ln>
-                </p:spPr>
-                <p:style>
-                  <a:lnRef idx="1">
-                    <a:schemeClr val="accent1"/>
-                  </a:lnRef>
-                  <a:fillRef idx="0">
-                    <a:schemeClr val="accent1"/>
-                  </a:fillRef>
-                  <a:effectRef idx="0">
-                    <a:schemeClr val="accent1"/>
-                  </a:effectRef>
-                  <a:fontRef idx="minor">
-                    <a:schemeClr val="tx1"/>
-                  </a:fontRef>
-                </p:style>
-              </p:cxnSp>
-              <p:cxnSp>
-                <p:nvCxnSpPr>
-                  <p:cNvPr id="15" name="直線コネクタ 14">
-                    <a:extLst>
-                      <a:ext uri="{FF2B5EF4-FFF2-40B4-BE49-F238E27FC236}">
-                        <a16:creationId xmlns:a16="http://schemas.microsoft.com/office/drawing/2014/main" id="{81ADDA29-E0C4-6C4B-7BF7-37AAD00D8CF8}"/>
-                      </a:ext>
-                    </a:extLst>
-                  </p:cNvPr>
-                  <p:cNvCxnSpPr>
-                    <a:cxnSpLocks/>
-                  </p:cNvCxnSpPr>
-                  <p:nvPr/>
-                </p:nvCxnSpPr>
-                <p:spPr>
-                  <a:xfrm>
-                    <a:off x="5002791" y="4011827"/>
-                    <a:ext cx="2165060" cy="0"/>
-                  </a:xfrm>
-                  <a:prstGeom prst="line">
-                    <a:avLst/>
-                  </a:prstGeom>
-                  <a:ln w="203200">
-                    <a:solidFill>
-                      <a:srgbClr val="C0B8B5"/>
-                    </a:solidFill>
-                  </a:ln>
-                </p:spPr>
-                <p:style>
-                  <a:lnRef idx="1">
-                    <a:schemeClr val="accent1"/>
-                  </a:lnRef>
-                  <a:fillRef idx="0">
-                    <a:schemeClr val="accent1"/>
-                  </a:fillRef>
-                  <a:effectRef idx="0">
-                    <a:schemeClr val="accent1"/>
-                  </a:effectRef>
-                  <a:fontRef idx="minor">
-                    <a:schemeClr val="tx1"/>
-                  </a:fontRef>
-                </p:style>
-              </p:cxnSp>
-              <p:cxnSp>
-                <p:nvCxnSpPr>
-                  <p:cNvPr id="16" name="直線コネクタ 15">
-                    <a:extLst>
-                      <a:ext uri="{FF2B5EF4-FFF2-40B4-BE49-F238E27FC236}">
-                        <a16:creationId xmlns:a16="http://schemas.microsoft.com/office/drawing/2014/main" id="{E4486970-E992-1C2F-0677-AE13DF6D5112}"/>
-                      </a:ext>
-                    </a:extLst>
-                  </p:cNvPr>
-                  <p:cNvCxnSpPr>
-                    <a:cxnSpLocks/>
-                  </p:cNvCxnSpPr>
-                  <p:nvPr/>
-                </p:nvCxnSpPr>
-                <p:spPr>
-                  <a:xfrm>
-                    <a:off x="5002791" y="4868562"/>
-                    <a:ext cx="2165060" cy="0"/>
-                  </a:xfrm>
-                  <a:prstGeom prst="line">
-                    <a:avLst/>
-                  </a:prstGeom>
-                  <a:ln w="203200">
-                    <a:solidFill>
-                      <a:srgbClr val="C0B8B5"/>
-                    </a:solidFill>
-                  </a:ln>
-                </p:spPr>
-                <p:style>
-                  <a:lnRef idx="1">
-                    <a:schemeClr val="accent1"/>
-                  </a:lnRef>
-                  <a:fillRef idx="0">
-                    <a:schemeClr val="accent1"/>
-                  </a:fillRef>
-                  <a:effectRef idx="0">
-                    <a:schemeClr val="accent1"/>
-                  </a:effectRef>
-                  <a:fontRef idx="minor">
-                    <a:schemeClr val="tx1"/>
-                  </a:fontRef>
-                </p:style>
-              </p:cxnSp>
-            </p:grpSp>
-          </p:grpSp>
-          <p:sp>
-            <p:nvSpPr>
-              <p:cNvPr id="10" name="十字形 9">
-                <a:extLst>
-                  <a:ext uri="{FF2B5EF4-FFF2-40B4-BE49-F238E27FC236}">
-                    <a16:creationId xmlns:a16="http://schemas.microsoft.com/office/drawing/2014/main" id="{69DA0BA6-908A-05F7-7B0F-6C8E047D4B65}"/>
-                  </a:ext>
-                </a:extLst>
-              </p:cNvPr>
-              <p:cNvSpPr/>
-              <p:nvPr/>
-            </p:nvSpPr>
-            <p:spPr>
-              <a:xfrm>
-                <a:off x="6966583" y="4604384"/>
-                <a:ext cx="1235675" cy="1235675"/>
-              </a:xfrm>
-              <a:prstGeom prst="plus">
-                <a:avLst>
-                  <a:gd name="adj" fmla="val 39000"/>
-                </a:avLst>
-              </a:prstGeom>
-              <a:solidFill>
-                <a:srgbClr val="332826"/>
-              </a:solidFill>
-              <a:ln>
-                <a:noFill/>
-              </a:ln>
-            </p:spPr>
-            <p:style>
-              <a:lnRef idx="2">
-                <a:schemeClr val="accent1">
-                  <a:shade val="50000"/>
-                </a:schemeClr>
-              </a:lnRef>
-              <a:fillRef idx="1">
-                <a:schemeClr val="accent1"/>
-              </a:fillRef>
-              <a:effectRef idx="0">
-                <a:schemeClr val="accent1"/>
-              </a:effectRef>
-              <a:fontRef idx="minor">
-                <a:schemeClr val="lt1"/>
-              </a:fontRef>
-            </p:style>
-            <p:txBody>
-              <a:bodyPr rtlCol="0" anchor="ctr"/>
-              <a:lstStyle/>
-              <a:p>
-                <a:pPr algn="ctr"/>
-                <a:endParaRPr kumimoji="1" lang="ja-JP" altLang="en-US"/>
-              </a:p>
-            </p:txBody>
-          </p:sp>
-        </p:grpSp>
-      </p:grpSp>
-    </p:spTree>
-    <p:extLst>
-      <p:ext uri="{BB962C8B-B14F-4D97-AF65-F5344CB8AC3E}">
-        <p14:creationId xmlns:p14="http://schemas.microsoft.com/office/powerpoint/2010/main" val="2569233898"/>
-      </p:ext>
-    </p:extLst>
-  </p:cSld>
-  <p:clrMapOvr>
-    <a:masterClrMapping/>
-  </p:clrMapOvr>
-</p:sld>
-</file>
-
-<file path=ppt/slides/slide10.xml><?xml version="1.0" encoding="utf-8"?>
-<p:sld xmlns:a="http://schemas.openxmlformats.org/drawingml/2006/main" xmlns:r="http://schemas.openxmlformats.org/officeDocument/2006/relationships" xmlns:p="http://schemas.openxmlformats.org/presentationml/2006/main">
-  <p:cSld>
-    <p:spTree>
-      <p:nvGrpSpPr>
-        <p:cNvPr id="1" name="">
-          <a:extLst>
-            <a:ext uri="{FF2B5EF4-FFF2-40B4-BE49-F238E27FC236}">
-              <a16:creationId xmlns:a16="http://schemas.microsoft.com/office/drawing/2014/main" id="{678AB8F1-9764-A9AB-3BEA-56E188F266C3}"/>
-            </a:ext>
-          </a:extLst>
-        </p:cNvPr>
-        <p:cNvGrpSpPr/>
-        <p:nvPr/>
-      </p:nvGrpSpPr>
-      <p:grpSpPr>
-        <a:xfrm>
-          <a:off x="0" y="0"/>
-          <a:ext cx="0" cy="0"/>
-          <a:chOff x="0" y="0"/>
-          <a:chExt cx="0" cy="0"/>
-        </a:xfrm>
-      </p:grpSpPr>
-      <p:sp>
-        <p:nvSpPr>
-          <p:cNvPr id="6" name="正方形/長方形 5">
-            <a:extLst>
-              <a:ext uri="{FF2B5EF4-FFF2-40B4-BE49-F238E27FC236}">
-                <a16:creationId xmlns:a16="http://schemas.microsoft.com/office/drawing/2014/main" id="{1143CCE3-39BD-4B5F-150D-60279E2BAAE2}"/>
-              </a:ext>
-            </a:extLst>
-          </p:cNvPr>
-          <p:cNvSpPr/>
-          <p:nvPr/>
-        </p:nvSpPr>
-        <p:spPr>
-          <a:xfrm>
-            <a:off x="2676000" y="0"/>
-            <a:ext cx="6840000" cy="6840000"/>
-          </a:xfrm>
-          <a:prstGeom prst="rect">
-            <a:avLst/>
-          </a:prstGeom>
-          <a:solidFill>
-            <a:srgbClr val="332826"/>
-          </a:solidFill>
-          <a:ln>
-            <a:solidFill>
-              <a:srgbClr val="332826"/>
-            </a:solidFill>
-          </a:ln>
-        </p:spPr>
-        <p:style>
-          <a:lnRef idx="2">
-            <a:schemeClr val="accent1">
-              <a:shade val="50000"/>
-            </a:schemeClr>
-          </a:lnRef>
-          <a:fillRef idx="1">
-            <a:schemeClr val="accent1"/>
-          </a:fillRef>
-          <a:effectRef idx="0">
-            <a:schemeClr val="accent1"/>
-          </a:effectRef>
-          <a:fontRef idx="minor">
-            <a:schemeClr val="lt1"/>
-          </a:fontRef>
-        </p:style>
-        <p:txBody>
-          <a:bodyPr rtlCol="0" anchor="ctr"/>
-          <a:lstStyle/>
-          <a:p>
-            <a:pPr algn="ctr"/>
-            <a:endParaRPr kumimoji="1" lang="ja-JP" altLang="en-US"/>
-          </a:p>
-        </p:txBody>
-      </p:sp>
-      <p:grpSp>
-        <p:nvGrpSpPr>
-          <p:cNvPr id="39" name="グループ化 38">
-            <a:extLst>
-              <a:ext uri="{FF2B5EF4-FFF2-40B4-BE49-F238E27FC236}">
-                <a16:creationId xmlns:a16="http://schemas.microsoft.com/office/drawing/2014/main" id="{753505CE-6BEC-0AF4-C0D2-C0D32E558DDF}"/>
-              </a:ext>
-            </a:extLst>
-          </p:cNvPr>
-          <p:cNvGrpSpPr/>
-          <p:nvPr/>
-        </p:nvGrpSpPr>
-        <p:grpSpPr>
-          <a:xfrm>
-            <a:off x="3825760" y="977538"/>
-            <a:ext cx="4308981" cy="4633784"/>
-            <a:chOff x="3773942" y="977538"/>
-            <a:chExt cx="4308981" cy="4633784"/>
-          </a:xfrm>
-        </p:grpSpPr>
-        <p:grpSp>
-          <p:nvGrpSpPr>
-            <p:cNvPr id="38" name="グループ化 37">
-              <a:extLst>
-                <a:ext uri="{FF2B5EF4-FFF2-40B4-BE49-F238E27FC236}">
-                  <a16:creationId xmlns:a16="http://schemas.microsoft.com/office/drawing/2014/main" id="{5555488C-9297-6A7A-9456-05E26E224C9A}"/>
-                </a:ext>
-              </a:extLst>
-            </p:cNvPr>
-            <p:cNvGrpSpPr/>
-            <p:nvPr/>
-          </p:nvGrpSpPr>
-          <p:grpSpPr>
-            <a:xfrm>
-              <a:off x="4499463" y="977538"/>
-              <a:ext cx="3583460" cy="4633784"/>
-              <a:chOff x="8335892" y="729777"/>
-              <a:chExt cx="3583460" cy="4633784"/>
-            </a:xfrm>
-          </p:grpSpPr>
-          <p:sp>
-            <p:nvSpPr>
-              <p:cNvPr id="34" name="フリーフォーム 33">
-                <a:extLst>
-                  <a:ext uri="{FF2B5EF4-FFF2-40B4-BE49-F238E27FC236}">
-                    <a16:creationId xmlns:a16="http://schemas.microsoft.com/office/drawing/2014/main" id="{3D8DBCFD-E9FE-EC16-87FD-1FE97EF0E369}"/>
-                  </a:ext>
-                </a:extLst>
-              </p:cNvPr>
-              <p:cNvSpPr>
-                <a:spLocks noChangeAspect="1"/>
-              </p:cNvSpPr>
-              <p:nvPr/>
-            </p:nvSpPr>
-            <p:spPr>
-              <a:xfrm rot="10800000">
-                <a:off x="10521381" y="853487"/>
-                <a:ext cx="1254170" cy="1254179"/>
-              </a:xfrm>
-              <a:custGeom>
-                <a:avLst/>
-                <a:gdLst>
-                  <a:gd name="connsiteX0" fmla="*/ 1254170 w 1254170"/>
-                  <a:gd name="connsiteY0" fmla="*/ 1254179 h 1254179"/>
-                  <a:gd name="connsiteX1" fmla="*/ 0 w 1254170"/>
-                  <a:gd name="connsiteY1" fmla="*/ 0 h 1254179"/>
-                  <a:gd name="connsiteX2" fmla="*/ 1087826 w 1254170"/>
-                  <a:gd name="connsiteY2" fmla="*/ 0 h 1254179"/>
-                  <a:gd name="connsiteX3" fmla="*/ 1254170 w 1254170"/>
-                  <a:gd name="connsiteY3" fmla="*/ 166344 h 1254179"/>
-                  <a:gd name="connsiteX4" fmla="*/ 1254170 w 1254170"/>
-                  <a:gd name="connsiteY4" fmla="*/ 1254179 h 1254179"/>
-                </a:gdLst>
-                <a:ahLst/>
-                <a:cxnLst>
-                  <a:cxn ang="0">
-                    <a:pos x="connsiteX0" y="connsiteY0"/>
-                  </a:cxn>
-                  <a:cxn ang="0">
-                    <a:pos x="connsiteX1" y="connsiteY1"/>
-                  </a:cxn>
-                  <a:cxn ang="0">
-                    <a:pos x="connsiteX2" y="connsiteY2"/>
-                  </a:cxn>
-                  <a:cxn ang="0">
-                    <a:pos x="connsiteX3" y="connsiteY3"/>
-                  </a:cxn>
-                  <a:cxn ang="0">
-                    <a:pos x="connsiteX4" y="connsiteY4"/>
-                  </a:cxn>
-                </a:cxnLst>
-                <a:rect l="l" t="t" r="r" b="b"/>
-                <a:pathLst>
-                  <a:path w="1254170" h="1254179">
-                    <a:moveTo>
-                      <a:pt x="1254170" y="1254179"/>
-                    </a:moveTo>
-                    <a:lnTo>
-                      <a:pt x="0" y="0"/>
-                    </a:lnTo>
-                    <a:lnTo>
-                      <a:pt x="1087826" y="0"/>
-                    </a:lnTo>
-                    <a:cubicBezTo>
-                      <a:pt x="1179695" y="0"/>
-                      <a:pt x="1254170" y="74475"/>
-                      <a:pt x="1254170" y="166344"/>
-                    </a:cubicBezTo>
-                    <a:lnTo>
-                      <a:pt x="1254170" y="1254179"/>
-                    </a:lnTo>
-                    <a:close/>
-                  </a:path>
-                </a:pathLst>
-              </a:custGeom>
-              <a:solidFill>
-                <a:srgbClr val="C0B8B5"/>
-              </a:solidFill>
-              <a:ln>
-                <a:solidFill>
-                  <a:srgbClr val="A8A5A6"/>
-                </a:solidFill>
-              </a:ln>
-            </p:spPr>
-            <p:style>
-              <a:lnRef idx="2">
-                <a:schemeClr val="accent1">
-                  <a:shade val="15000"/>
-                </a:schemeClr>
-              </a:lnRef>
-              <a:fillRef idx="1">
-                <a:schemeClr val="accent1"/>
-              </a:fillRef>
-              <a:effectRef idx="0">
-                <a:schemeClr val="accent1"/>
-              </a:effectRef>
-              <a:fontRef idx="minor">
-                <a:schemeClr val="lt1"/>
-              </a:fontRef>
-            </p:style>
-            <p:txBody>
-              <a:bodyPr wrap="square" rtlCol="0" anchor="ctr">
-                <a:noAutofit/>
-              </a:bodyPr>
-              <a:lstStyle/>
-              <a:p>
-                <a:pPr algn="ctr"/>
-                <a:endParaRPr kumimoji="1" lang="ja-JP" altLang="en-US"/>
-              </a:p>
-            </p:txBody>
-          </p:sp>
-          <p:sp>
-            <p:nvSpPr>
-              <p:cNvPr id="24" name="フリーフォーム 23">
-                <a:extLst>
-                  <a:ext uri="{FF2B5EF4-FFF2-40B4-BE49-F238E27FC236}">
-                    <a16:creationId xmlns:a16="http://schemas.microsoft.com/office/drawing/2014/main" id="{2EB95D43-C874-79A2-63CD-BFB6F4081C34}"/>
-                  </a:ext>
-                </a:extLst>
-              </p:cNvPr>
-              <p:cNvSpPr/>
-              <p:nvPr/>
-            </p:nvSpPr>
-            <p:spPr>
-              <a:xfrm>
-                <a:off x="8335892" y="729777"/>
-                <a:ext cx="3583460" cy="4633784"/>
-              </a:xfrm>
-              <a:custGeom>
-                <a:avLst/>
-                <a:gdLst>
-                  <a:gd name="connsiteX0" fmla="*/ 166344 w 3583460"/>
-                  <a:gd name="connsiteY0" fmla="*/ 0 h 4633784"/>
-                  <a:gd name="connsiteX1" fmla="*/ 2270952 w 3583460"/>
-                  <a:gd name="connsiteY1" fmla="*/ 0 h 4633784"/>
-                  <a:gd name="connsiteX2" fmla="*/ 3583460 w 3583460"/>
-                  <a:gd name="connsiteY2" fmla="*/ 1312517 h 4633784"/>
-                  <a:gd name="connsiteX3" fmla="*/ 3583460 w 3583460"/>
-                  <a:gd name="connsiteY3" fmla="*/ 4467440 h 4633784"/>
-                  <a:gd name="connsiteX4" fmla="*/ 3417116 w 3583460"/>
-                  <a:gd name="connsiteY4" fmla="*/ 4633784 h 4633784"/>
-                  <a:gd name="connsiteX5" fmla="*/ 166344 w 3583460"/>
-                  <a:gd name="connsiteY5" fmla="*/ 4633784 h 4633784"/>
-                  <a:gd name="connsiteX6" fmla="*/ 0 w 3583460"/>
-                  <a:gd name="connsiteY6" fmla="*/ 4467440 h 4633784"/>
-                  <a:gd name="connsiteX7" fmla="*/ 0 w 3583460"/>
-                  <a:gd name="connsiteY7" fmla="*/ 166344 h 4633784"/>
-                  <a:gd name="connsiteX8" fmla="*/ 166344 w 3583460"/>
-                  <a:gd name="connsiteY8" fmla="*/ 0 h 4633784"/>
-                </a:gdLst>
-                <a:ahLst/>
-                <a:cxnLst>
-                  <a:cxn ang="0">
-                    <a:pos x="connsiteX0" y="connsiteY0"/>
-                  </a:cxn>
-                  <a:cxn ang="0">
-                    <a:pos x="connsiteX1" y="connsiteY1"/>
-                  </a:cxn>
-                  <a:cxn ang="0">
-                    <a:pos x="connsiteX2" y="connsiteY2"/>
-                  </a:cxn>
-                  <a:cxn ang="0">
-                    <a:pos x="connsiteX3" y="connsiteY3"/>
-                  </a:cxn>
-                  <a:cxn ang="0">
-                    <a:pos x="connsiteX4" y="connsiteY4"/>
-                  </a:cxn>
-                  <a:cxn ang="0">
-                    <a:pos x="connsiteX5" y="connsiteY5"/>
-                  </a:cxn>
-                  <a:cxn ang="0">
-                    <a:pos x="connsiteX6" y="connsiteY6"/>
-                  </a:cxn>
-                  <a:cxn ang="0">
-                    <a:pos x="connsiteX7" y="connsiteY7"/>
-                  </a:cxn>
-                  <a:cxn ang="0">
-                    <a:pos x="connsiteX8" y="connsiteY8"/>
-                  </a:cxn>
-                </a:cxnLst>
-                <a:rect l="l" t="t" r="r" b="b"/>
-                <a:pathLst>
-                  <a:path w="3583460" h="4633784">
-                    <a:moveTo>
-                      <a:pt x="166344" y="0"/>
-                    </a:moveTo>
-                    <a:lnTo>
-                      <a:pt x="2270952" y="0"/>
-                    </a:lnTo>
-                    <a:lnTo>
-                      <a:pt x="3583460" y="1312517"/>
-                    </a:lnTo>
-                    <a:lnTo>
-                      <a:pt x="3583460" y="4467440"/>
-                    </a:lnTo>
-                    <a:cubicBezTo>
-                      <a:pt x="3583460" y="4559309"/>
-                      <a:pt x="3508985" y="4633784"/>
-                      <a:pt x="3417116" y="4633784"/>
-                    </a:cubicBezTo>
-                    <a:lnTo>
-                      <a:pt x="166344" y="4633784"/>
-                    </a:lnTo>
-                    <a:cubicBezTo>
-                      <a:pt x="74475" y="4633784"/>
-                      <a:pt x="0" y="4559309"/>
-                      <a:pt x="0" y="4467440"/>
-                    </a:cubicBezTo>
-                    <a:lnTo>
-                      <a:pt x="0" y="166344"/>
-                    </a:lnTo>
-                    <a:cubicBezTo>
-                      <a:pt x="0" y="74475"/>
-                      <a:pt x="74475" y="0"/>
-                      <a:pt x="166344" y="0"/>
-                    </a:cubicBezTo>
-                    <a:close/>
-                  </a:path>
-                </a:pathLst>
-              </a:custGeom>
-              <a:noFill/>
-              <a:ln w="355600">
-                <a:solidFill>
-                  <a:srgbClr val="C0B8B5"/>
-                </a:solidFill>
-              </a:ln>
-            </p:spPr>
-            <p:style>
-              <a:lnRef idx="2">
-                <a:schemeClr val="accent1">
-                  <a:shade val="50000"/>
-                </a:schemeClr>
-              </a:lnRef>
-              <a:fillRef idx="1">
-                <a:schemeClr val="accent1"/>
-              </a:fillRef>
-              <a:effectRef idx="0">
-                <a:schemeClr val="accent1"/>
-              </a:effectRef>
-              <a:fontRef idx="minor">
-                <a:schemeClr val="lt1"/>
-              </a:fontRef>
-            </p:style>
-            <p:txBody>
-              <a:bodyPr wrap="square" rtlCol="0" anchor="ctr">
-                <a:noAutofit/>
-              </a:bodyPr>
-              <a:lstStyle/>
-              <a:p>
-                <a:pPr algn="ctr"/>
-                <a:endParaRPr kumimoji="1" lang="ja-JP" altLang="en-US"/>
-              </a:p>
-            </p:txBody>
-          </p:sp>
-        </p:grpSp>
-        <p:sp>
-          <p:nvSpPr>
-            <p:cNvPr id="3" name="テキスト ボックス 2">
-              <a:extLst>
-                <a:ext uri="{FF2B5EF4-FFF2-40B4-BE49-F238E27FC236}">
-                  <a16:creationId xmlns:a16="http://schemas.microsoft.com/office/drawing/2014/main" id="{8B5D8463-5CA6-7DA9-1386-682D2812EE44}"/>
-                </a:ext>
-              </a:extLst>
-            </p:cNvPr>
-            <p:cNvSpPr txBox="1"/>
-            <p:nvPr/>
-          </p:nvSpPr>
-          <p:spPr>
-            <a:xfrm>
-              <a:off x="3773942" y="2497976"/>
-              <a:ext cx="3889270" cy="2215991"/>
-            </a:xfrm>
-            <a:prstGeom prst="rect">
-              <a:avLst/>
-            </a:prstGeom>
-            <a:solidFill>
-              <a:srgbClr val="C0B8B5"/>
-            </a:solidFill>
-            <a:ln>
-              <a:noFill/>
-            </a:ln>
-          </p:spPr>
-          <p:txBody>
-            <a:bodyPr wrap="none" rtlCol="0">
-              <a:spAutoFit/>
-            </a:bodyPr>
-            <a:lstStyle/>
-            <a:p>
-              <a:r>
-                <a:rPr lang="en-US" altLang="ja-JP" sz="13800" b="1" dirty="0">
-                  <a:solidFill>
-                    <a:srgbClr val="332826"/>
-                  </a:solidFill>
-                  <a:latin typeface="Arial" panose="020B0604020202020204" pitchFamily="34" charset="0"/>
-                  <a:ea typeface="Meiryo UI" panose="020B0604030504040204" pitchFamily="34" charset="-128"/>
-                  <a:cs typeface="Arial" panose="020B0604020202020204" pitchFamily="34" charset="0"/>
-                </a:rPr>
-                <a:t> ZIP </a:t>
-              </a:r>
-              <a:endParaRPr kumimoji="1" lang="ja-JP" altLang="en-US" sz="13800" b="1">
-                <a:solidFill>
-                  <a:srgbClr val="332826"/>
-                </a:solidFill>
-                <a:latin typeface="Arial" panose="020B0604020202020204" pitchFamily="34" charset="0"/>
-                <a:ea typeface="Meiryo UI" panose="020B0604030504040204" pitchFamily="34" charset="-128"/>
-                <a:cs typeface="Arial" panose="020B0604020202020204" pitchFamily="34" charset="0"/>
-              </a:endParaRPr>
-            </a:p>
-          </p:txBody>
-        </p:sp>
-      </p:grpSp>
-    </p:spTree>
-    <p:extLst>
-      <p:ext uri="{BB962C8B-B14F-4D97-AF65-F5344CB8AC3E}">
-        <p14:creationId xmlns:p14="http://schemas.microsoft.com/office/powerpoint/2010/main" val="2410695658"/>
-      </p:ext>
-    </p:extLst>
-  </p:cSld>
-  <p:clrMapOvr>
-    <a:masterClrMapping/>
-  </p:clrMapOvr>
-</p:sld>
-</file>
-
-<file path=ppt/slides/slide11.xml><?xml version="1.0" encoding="utf-8"?>
-<p:sld xmlns:a="http://schemas.openxmlformats.org/drawingml/2006/main" xmlns:r="http://schemas.openxmlformats.org/officeDocument/2006/relationships" xmlns:p="http://schemas.openxmlformats.org/presentationml/2006/main">
-  <p:cSld>
-    <p:spTree>
-      <p:nvGrpSpPr>
-        <p:cNvPr id="1" name="">
-          <a:extLst>
-            <a:ext uri="{FF2B5EF4-FFF2-40B4-BE49-F238E27FC236}">
-              <a16:creationId xmlns:a16="http://schemas.microsoft.com/office/drawing/2014/main" id="{65C871C1-15C5-07FE-20F1-B085C6B1C03C}"/>
-            </a:ext>
-          </a:extLst>
-        </p:cNvPr>
-        <p:cNvGrpSpPr/>
-        <p:nvPr/>
-      </p:nvGrpSpPr>
-      <p:grpSpPr>
-        <a:xfrm>
-          <a:off x="0" y="0"/>
-          <a:ext cx="0" cy="0"/>
-          <a:chOff x="0" y="0"/>
-          <a:chExt cx="0" cy="0"/>
-        </a:xfrm>
-      </p:grpSpPr>
-      <p:sp>
-        <p:nvSpPr>
-          <p:cNvPr id="6" name="正方形/長方形 5">
-            <a:extLst>
-              <a:ext uri="{FF2B5EF4-FFF2-40B4-BE49-F238E27FC236}">
-                <a16:creationId xmlns:a16="http://schemas.microsoft.com/office/drawing/2014/main" id="{11A8E4C2-75EC-FB58-1252-468D11369692}"/>
-              </a:ext>
-            </a:extLst>
-          </p:cNvPr>
-          <p:cNvSpPr/>
-          <p:nvPr/>
-        </p:nvSpPr>
-        <p:spPr>
-          <a:xfrm>
-            <a:off x="2676000" y="0"/>
-            <a:ext cx="6840000" cy="6840000"/>
-          </a:xfrm>
-          <a:prstGeom prst="rect">
-            <a:avLst/>
-          </a:prstGeom>
-          <a:solidFill>
-            <a:srgbClr val="E8E5E6"/>
-          </a:solidFill>
-          <a:ln>
-            <a:noFill/>
-          </a:ln>
-        </p:spPr>
-        <p:style>
-          <a:lnRef idx="2">
-            <a:schemeClr val="accent1">
-              <a:shade val="50000"/>
-            </a:schemeClr>
-          </a:lnRef>
-          <a:fillRef idx="1">
-            <a:schemeClr val="accent1"/>
-          </a:fillRef>
-          <a:effectRef idx="0">
-            <a:schemeClr val="accent1"/>
-          </a:effectRef>
-          <a:fontRef idx="minor">
-            <a:schemeClr val="lt1"/>
-          </a:fontRef>
-        </p:style>
-        <p:txBody>
-          <a:bodyPr rtlCol="0" anchor="ctr"/>
-          <a:lstStyle/>
-          <a:p>
-            <a:pPr algn="ctr"/>
-            <a:endParaRPr kumimoji="1" lang="ja-JP" altLang="en-US"/>
-          </a:p>
-        </p:txBody>
-      </p:sp>
-      <p:grpSp>
-        <p:nvGrpSpPr>
-          <p:cNvPr id="39" name="グループ化 38">
-            <a:extLst>
-              <a:ext uri="{FF2B5EF4-FFF2-40B4-BE49-F238E27FC236}">
-                <a16:creationId xmlns:a16="http://schemas.microsoft.com/office/drawing/2014/main" id="{670C2E18-372B-2E66-C9EA-BCCE896E6C26}"/>
-              </a:ext>
-            </a:extLst>
-          </p:cNvPr>
-          <p:cNvGrpSpPr/>
-          <p:nvPr/>
-        </p:nvGrpSpPr>
-        <p:grpSpPr>
-          <a:xfrm>
-            <a:off x="3825760" y="977538"/>
-            <a:ext cx="4308981" cy="4633784"/>
-            <a:chOff x="3773942" y="977538"/>
-            <a:chExt cx="4308981" cy="4633784"/>
-          </a:xfrm>
-        </p:grpSpPr>
-        <p:grpSp>
-          <p:nvGrpSpPr>
-            <p:cNvPr id="38" name="グループ化 37">
-              <a:extLst>
-                <a:ext uri="{FF2B5EF4-FFF2-40B4-BE49-F238E27FC236}">
-                  <a16:creationId xmlns:a16="http://schemas.microsoft.com/office/drawing/2014/main" id="{A18B1391-BE0A-8F87-BC55-E76AA439888F}"/>
-                </a:ext>
-              </a:extLst>
-            </p:cNvPr>
-            <p:cNvGrpSpPr/>
-            <p:nvPr/>
-          </p:nvGrpSpPr>
-          <p:grpSpPr>
-            <a:xfrm>
-              <a:off x="4499463" y="977538"/>
-              <a:ext cx="3583460" cy="4633784"/>
-              <a:chOff x="8335892" y="729777"/>
-              <a:chExt cx="3583460" cy="4633784"/>
-            </a:xfrm>
-          </p:grpSpPr>
-          <p:sp>
-            <p:nvSpPr>
-              <p:cNvPr id="34" name="フリーフォーム 33">
-                <a:extLst>
-                  <a:ext uri="{FF2B5EF4-FFF2-40B4-BE49-F238E27FC236}">
-                    <a16:creationId xmlns:a16="http://schemas.microsoft.com/office/drawing/2014/main" id="{EB3ECFFC-A3F9-1AA5-FC24-9AEE19C22263}"/>
-                  </a:ext>
-                </a:extLst>
-              </p:cNvPr>
-              <p:cNvSpPr>
-                <a:spLocks noChangeAspect="1"/>
-              </p:cNvSpPr>
-              <p:nvPr/>
-            </p:nvSpPr>
-            <p:spPr>
-              <a:xfrm rot="10800000">
-                <a:off x="10521381" y="853487"/>
-                <a:ext cx="1254170" cy="1254179"/>
-              </a:xfrm>
-              <a:custGeom>
-                <a:avLst/>
-                <a:gdLst>
-                  <a:gd name="connsiteX0" fmla="*/ 1254170 w 1254170"/>
-                  <a:gd name="connsiteY0" fmla="*/ 1254179 h 1254179"/>
-                  <a:gd name="connsiteX1" fmla="*/ 0 w 1254170"/>
-                  <a:gd name="connsiteY1" fmla="*/ 0 h 1254179"/>
-                  <a:gd name="connsiteX2" fmla="*/ 1087826 w 1254170"/>
-                  <a:gd name="connsiteY2" fmla="*/ 0 h 1254179"/>
-                  <a:gd name="connsiteX3" fmla="*/ 1254170 w 1254170"/>
-                  <a:gd name="connsiteY3" fmla="*/ 166344 h 1254179"/>
-                  <a:gd name="connsiteX4" fmla="*/ 1254170 w 1254170"/>
-                  <a:gd name="connsiteY4" fmla="*/ 1254179 h 1254179"/>
-                </a:gdLst>
-                <a:ahLst/>
-                <a:cxnLst>
-                  <a:cxn ang="0">
-                    <a:pos x="connsiteX0" y="connsiteY0"/>
-                  </a:cxn>
-                  <a:cxn ang="0">
-                    <a:pos x="connsiteX1" y="connsiteY1"/>
-                  </a:cxn>
-                  <a:cxn ang="0">
-                    <a:pos x="connsiteX2" y="connsiteY2"/>
-                  </a:cxn>
-                  <a:cxn ang="0">
-                    <a:pos x="connsiteX3" y="connsiteY3"/>
-                  </a:cxn>
-                  <a:cxn ang="0">
-                    <a:pos x="connsiteX4" y="connsiteY4"/>
-                  </a:cxn>
-                </a:cxnLst>
-                <a:rect l="l" t="t" r="r" b="b"/>
-                <a:pathLst>
-                  <a:path w="1254170" h="1254179">
-                    <a:moveTo>
-                      <a:pt x="1254170" y="1254179"/>
-                    </a:moveTo>
-                    <a:lnTo>
-                      <a:pt x="0" y="0"/>
-                    </a:lnTo>
-                    <a:lnTo>
-                      <a:pt x="1087826" y="0"/>
-                    </a:lnTo>
-                    <a:cubicBezTo>
-                      <a:pt x="1179695" y="0"/>
-                      <a:pt x="1254170" y="74475"/>
-                      <a:pt x="1254170" y="166344"/>
-                    </a:cubicBezTo>
-                    <a:lnTo>
-                      <a:pt x="1254170" y="1254179"/>
-                    </a:lnTo>
-                    <a:close/>
-                  </a:path>
-                </a:pathLst>
-              </a:custGeom>
-              <a:solidFill>
-                <a:srgbClr val="6D6766"/>
-              </a:solidFill>
-              <a:ln>
-                <a:noFill/>
-              </a:ln>
-            </p:spPr>
-            <p:style>
-              <a:lnRef idx="2">
-                <a:schemeClr val="accent1">
-                  <a:shade val="15000"/>
-                </a:schemeClr>
-              </a:lnRef>
-              <a:fillRef idx="1">
-                <a:schemeClr val="accent1"/>
-              </a:fillRef>
-              <a:effectRef idx="0">
-                <a:schemeClr val="accent1"/>
-              </a:effectRef>
-              <a:fontRef idx="minor">
-                <a:schemeClr val="lt1"/>
-              </a:fontRef>
-            </p:style>
-            <p:txBody>
-              <a:bodyPr wrap="square" rtlCol="0" anchor="ctr">
-                <a:noAutofit/>
-              </a:bodyPr>
-              <a:lstStyle/>
-              <a:p>
-                <a:pPr algn="ctr"/>
-                <a:endParaRPr kumimoji="1" lang="ja-JP" altLang="en-US"/>
-              </a:p>
-            </p:txBody>
-          </p:sp>
-          <p:sp>
-            <p:nvSpPr>
-              <p:cNvPr id="24" name="フリーフォーム 23">
-                <a:extLst>
-                  <a:ext uri="{FF2B5EF4-FFF2-40B4-BE49-F238E27FC236}">
-                    <a16:creationId xmlns:a16="http://schemas.microsoft.com/office/drawing/2014/main" id="{52273957-88D9-5D89-9AB4-F7F238FF10AA}"/>
-                  </a:ext>
-                </a:extLst>
-              </p:cNvPr>
-              <p:cNvSpPr/>
-              <p:nvPr/>
-            </p:nvSpPr>
-            <p:spPr>
-              <a:xfrm>
-                <a:off x="8335892" y="729777"/>
-                <a:ext cx="3583460" cy="4633784"/>
-              </a:xfrm>
-              <a:custGeom>
-                <a:avLst/>
-                <a:gdLst>
-                  <a:gd name="connsiteX0" fmla="*/ 166344 w 3583460"/>
-                  <a:gd name="connsiteY0" fmla="*/ 0 h 4633784"/>
-                  <a:gd name="connsiteX1" fmla="*/ 2270952 w 3583460"/>
-                  <a:gd name="connsiteY1" fmla="*/ 0 h 4633784"/>
-                  <a:gd name="connsiteX2" fmla="*/ 3583460 w 3583460"/>
-                  <a:gd name="connsiteY2" fmla="*/ 1312517 h 4633784"/>
-                  <a:gd name="connsiteX3" fmla="*/ 3583460 w 3583460"/>
-                  <a:gd name="connsiteY3" fmla="*/ 4467440 h 4633784"/>
-                  <a:gd name="connsiteX4" fmla="*/ 3417116 w 3583460"/>
-                  <a:gd name="connsiteY4" fmla="*/ 4633784 h 4633784"/>
-                  <a:gd name="connsiteX5" fmla="*/ 166344 w 3583460"/>
-                  <a:gd name="connsiteY5" fmla="*/ 4633784 h 4633784"/>
-                  <a:gd name="connsiteX6" fmla="*/ 0 w 3583460"/>
-                  <a:gd name="connsiteY6" fmla="*/ 4467440 h 4633784"/>
-                  <a:gd name="connsiteX7" fmla="*/ 0 w 3583460"/>
-                  <a:gd name="connsiteY7" fmla="*/ 166344 h 4633784"/>
-                  <a:gd name="connsiteX8" fmla="*/ 166344 w 3583460"/>
-                  <a:gd name="connsiteY8" fmla="*/ 0 h 4633784"/>
-                </a:gdLst>
-                <a:ahLst/>
-                <a:cxnLst>
-                  <a:cxn ang="0">
-                    <a:pos x="connsiteX0" y="connsiteY0"/>
-                  </a:cxn>
-                  <a:cxn ang="0">
-                    <a:pos x="connsiteX1" y="connsiteY1"/>
-                  </a:cxn>
-                  <a:cxn ang="0">
-                    <a:pos x="connsiteX2" y="connsiteY2"/>
-                  </a:cxn>
-                  <a:cxn ang="0">
-                    <a:pos x="connsiteX3" y="connsiteY3"/>
-                  </a:cxn>
-                  <a:cxn ang="0">
-                    <a:pos x="connsiteX4" y="connsiteY4"/>
-                  </a:cxn>
-                  <a:cxn ang="0">
-                    <a:pos x="connsiteX5" y="connsiteY5"/>
-                  </a:cxn>
-                  <a:cxn ang="0">
-                    <a:pos x="connsiteX6" y="connsiteY6"/>
-                  </a:cxn>
-                  <a:cxn ang="0">
-                    <a:pos x="connsiteX7" y="connsiteY7"/>
-                  </a:cxn>
-                  <a:cxn ang="0">
-                    <a:pos x="connsiteX8" y="connsiteY8"/>
-                  </a:cxn>
-                </a:cxnLst>
-                <a:rect l="l" t="t" r="r" b="b"/>
-                <a:pathLst>
-                  <a:path w="3583460" h="4633784">
-                    <a:moveTo>
-                      <a:pt x="166344" y="0"/>
-                    </a:moveTo>
-                    <a:lnTo>
-                      <a:pt x="2270952" y="0"/>
-                    </a:lnTo>
-                    <a:lnTo>
-                      <a:pt x="3583460" y="1312517"/>
-                    </a:lnTo>
-                    <a:lnTo>
-                      <a:pt x="3583460" y="4467440"/>
-                    </a:lnTo>
-                    <a:cubicBezTo>
-                      <a:pt x="3583460" y="4559309"/>
-                      <a:pt x="3508985" y="4633784"/>
-                      <a:pt x="3417116" y="4633784"/>
-                    </a:cubicBezTo>
-                    <a:lnTo>
-                      <a:pt x="166344" y="4633784"/>
-                    </a:lnTo>
-                    <a:cubicBezTo>
-                      <a:pt x="74475" y="4633784"/>
-                      <a:pt x="0" y="4559309"/>
-                      <a:pt x="0" y="4467440"/>
-                    </a:cubicBezTo>
-                    <a:lnTo>
-                      <a:pt x="0" y="166344"/>
-                    </a:lnTo>
-                    <a:cubicBezTo>
-                      <a:pt x="0" y="74475"/>
-                      <a:pt x="74475" y="0"/>
-                      <a:pt x="166344" y="0"/>
-                    </a:cubicBezTo>
-                    <a:close/>
-                  </a:path>
-                </a:pathLst>
-              </a:custGeom>
-              <a:noFill/>
-              <a:ln w="355600">
-                <a:solidFill>
-                  <a:srgbClr val="6D6766"/>
-                </a:solidFill>
-              </a:ln>
-            </p:spPr>
-            <p:style>
-              <a:lnRef idx="2">
-                <a:schemeClr val="accent1">
-                  <a:shade val="50000"/>
-                </a:schemeClr>
-              </a:lnRef>
-              <a:fillRef idx="1">
-                <a:schemeClr val="accent1"/>
-              </a:fillRef>
-              <a:effectRef idx="0">
-                <a:schemeClr val="accent1"/>
-              </a:effectRef>
-              <a:fontRef idx="minor">
-                <a:schemeClr val="lt1"/>
-              </a:fontRef>
-            </p:style>
-            <p:txBody>
-              <a:bodyPr wrap="square" rtlCol="0" anchor="ctr">
-                <a:noAutofit/>
-              </a:bodyPr>
-              <a:lstStyle/>
-              <a:p>
-                <a:pPr algn="ctr"/>
-                <a:endParaRPr kumimoji="1" lang="ja-JP" altLang="en-US"/>
-              </a:p>
-            </p:txBody>
-          </p:sp>
-        </p:grpSp>
-        <p:sp>
-          <p:nvSpPr>
-            <p:cNvPr id="3" name="テキスト ボックス 2">
-              <a:extLst>
-                <a:ext uri="{FF2B5EF4-FFF2-40B4-BE49-F238E27FC236}">
-                  <a16:creationId xmlns:a16="http://schemas.microsoft.com/office/drawing/2014/main" id="{3BC96B3F-6D3A-3173-BF1B-BA120AA3CE17}"/>
-                </a:ext>
-              </a:extLst>
-            </p:cNvPr>
-            <p:cNvSpPr txBox="1"/>
-            <p:nvPr/>
-          </p:nvSpPr>
-          <p:spPr>
-            <a:xfrm>
-              <a:off x="3773942" y="2497976"/>
-              <a:ext cx="3889270" cy="2215991"/>
-            </a:xfrm>
-            <a:prstGeom prst="rect">
-              <a:avLst/>
-            </a:prstGeom>
-            <a:solidFill>
-              <a:srgbClr val="6D6766"/>
-            </a:solidFill>
-            <a:ln>
-              <a:noFill/>
-            </a:ln>
-          </p:spPr>
-          <p:txBody>
-            <a:bodyPr wrap="none" rtlCol="0">
-              <a:spAutoFit/>
-            </a:bodyPr>
-            <a:lstStyle/>
-            <a:p>
-              <a:r>
-                <a:rPr lang="en-US" altLang="ja-JP" sz="13800" b="1" dirty="0">
-                  <a:solidFill>
-                    <a:srgbClr val="E8E5E6"/>
-                  </a:solidFill>
-                  <a:latin typeface="Arial" panose="020B0604020202020204" pitchFamily="34" charset="0"/>
-                  <a:ea typeface="Meiryo UI" panose="020B0604030504040204" pitchFamily="34" charset="-128"/>
-                  <a:cs typeface="Arial" panose="020B0604020202020204" pitchFamily="34" charset="0"/>
-                </a:rPr>
-                <a:t> ZIP </a:t>
-              </a:r>
-              <a:endParaRPr kumimoji="1" lang="ja-JP" altLang="en-US" sz="13800" b="1">
-                <a:solidFill>
-                  <a:srgbClr val="E8E5E6"/>
-                </a:solidFill>
-                <a:latin typeface="Arial" panose="020B0604020202020204" pitchFamily="34" charset="0"/>
-                <a:ea typeface="Meiryo UI" panose="020B0604030504040204" pitchFamily="34" charset="-128"/>
-                <a:cs typeface="Arial" panose="020B0604020202020204" pitchFamily="34" charset="0"/>
-              </a:endParaRPr>
-            </a:p>
-          </p:txBody>
-        </p:sp>
-      </p:grpSp>
-    </p:spTree>
-    <p:extLst>
-      <p:ext uri="{BB962C8B-B14F-4D97-AF65-F5344CB8AC3E}">
-        <p14:creationId xmlns:p14="http://schemas.microsoft.com/office/powerpoint/2010/main" val="2324462233"/>
-      </p:ext>
-    </p:extLst>
-  </p:cSld>
-  <p:clrMapOvr>
-    <a:masterClrMapping/>
-  </p:clrMapOvr>
-</p:sld>
-</file>
-
-<file path=ppt/slides/slide12.xml><?xml version="1.0" encoding="utf-8"?>
-<p:sld xmlns:a="http://schemas.openxmlformats.org/drawingml/2006/main" xmlns:r="http://schemas.openxmlformats.org/officeDocument/2006/relationships" xmlns:p="http://schemas.openxmlformats.org/presentationml/2006/main">
-  <p:cSld>
-    <p:spTree>
-      <p:nvGrpSpPr>
-        <p:cNvPr id="1" name=""/>
-        <p:cNvGrpSpPr/>
-        <p:nvPr/>
-      </p:nvGrpSpPr>
-      <p:grpSpPr>
-        <a:xfrm>
-          <a:off x="0" y="0"/>
-          <a:ext cx="0" cy="0"/>
-          <a:chOff x="0" y="0"/>
-          <a:chExt cx="0" cy="0"/>
-        </a:xfrm>
-      </p:grpSpPr>
-      <p:sp>
-        <p:nvSpPr>
-          <p:cNvPr id="2" name="タイトル 1">
-            <a:extLst>
-              <a:ext uri="{FF2B5EF4-FFF2-40B4-BE49-F238E27FC236}">
-                <a16:creationId xmlns:a16="http://schemas.microsoft.com/office/drawing/2014/main" id="{6B330255-0DC4-0D62-29A8-38448216D940}"/>
-              </a:ext>
-            </a:extLst>
-          </p:cNvPr>
-          <p:cNvSpPr>
-            <a:spLocks noGrp="1"/>
-          </p:cNvSpPr>
-          <p:nvPr>
-            <p:ph type="title"/>
-          </p:nvPr>
-        </p:nvSpPr>
-        <p:spPr/>
-        <p:txBody>
-          <a:bodyPr/>
-          <a:lstStyle/>
-          <a:p>
-            <a:endParaRPr kumimoji="1" lang="ja-JP" altLang="en-US"/>
-          </a:p>
-        </p:txBody>
-      </p:sp>
-      <p:sp>
-        <p:nvSpPr>
-          <p:cNvPr id="3" name="コンテンツ プレースホルダー 2">
-            <a:extLst>
-              <a:ext uri="{FF2B5EF4-FFF2-40B4-BE49-F238E27FC236}">
-                <a16:creationId xmlns:a16="http://schemas.microsoft.com/office/drawing/2014/main" id="{9C352F47-2682-7F5E-16CC-34CCBA767D45}"/>
-              </a:ext>
-            </a:extLst>
-          </p:cNvPr>
-          <p:cNvSpPr>
-            <a:spLocks noGrp="1"/>
-          </p:cNvSpPr>
-          <p:nvPr>
-            <p:ph idx="1"/>
-          </p:nvPr>
-        </p:nvSpPr>
-        <p:spPr/>
-        <p:txBody>
-          <a:bodyPr/>
-          <a:lstStyle/>
-          <a:p>
-            <a:endParaRPr kumimoji="1" lang="ja-JP" altLang="en-US"/>
-          </a:p>
-        </p:txBody>
-      </p:sp>
-    </p:spTree>
-    <p:extLst>
-      <p:ext uri="{BB962C8B-B14F-4D97-AF65-F5344CB8AC3E}">
-        <p14:creationId xmlns:p14="http://schemas.microsoft.com/office/powerpoint/2010/main" val="2727143370"/>
-      </p:ext>
-    </p:extLst>
-  </p:cSld>
-  <p:clrMapOvr>
-    <a:masterClrMapping/>
-  </p:clrMapOvr>
-</p:sld>
-</file>
-
-<file path=ppt/slides/slide13.xml><?xml version="1.0" encoding="utf-8"?>
-<p:sld xmlns:a="http://schemas.openxmlformats.org/drawingml/2006/main" xmlns:r="http://schemas.openxmlformats.org/officeDocument/2006/relationships" xmlns:p="http://schemas.openxmlformats.org/presentationml/2006/main">
-  <p:cSld>
-    <p:spTree>
-      <p:nvGrpSpPr>
-        <p:cNvPr id="1" name=""/>
-        <p:cNvGrpSpPr/>
-        <p:nvPr/>
-      </p:nvGrpSpPr>
-      <p:grpSpPr>
-        <a:xfrm>
-          <a:off x="0" y="0"/>
-          <a:ext cx="0" cy="0"/>
-          <a:chOff x="0" y="0"/>
-          <a:chExt cx="0" cy="0"/>
-        </a:xfrm>
-      </p:grpSpPr>
-      <p:sp>
-        <p:nvSpPr>
-          <p:cNvPr id="2" name="タイトル 1">
-            <a:extLst>
-              <a:ext uri="{FF2B5EF4-FFF2-40B4-BE49-F238E27FC236}">
-                <a16:creationId xmlns:a16="http://schemas.microsoft.com/office/drawing/2014/main" id="{335A8BCB-B9AA-5FBA-F436-41D35907A5FB}"/>
-              </a:ext>
-            </a:extLst>
-          </p:cNvPr>
-          <p:cNvSpPr>
-            <a:spLocks noGrp="1"/>
-          </p:cNvSpPr>
-          <p:nvPr>
-            <p:ph type="title"/>
-          </p:nvPr>
-        </p:nvSpPr>
-        <p:spPr/>
-        <p:txBody>
-          <a:bodyPr/>
-          <a:lstStyle/>
-          <a:p>
-            <a:endParaRPr kumimoji="1" lang="ja-JP" altLang="en-US"/>
-          </a:p>
-        </p:txBody>
-      </p:sp>
-      <p:pic>
-        <p:nvPicPr>
-          <p:cNvPr id="5" name="コンテンツ プレースホルダー 4">
-            <a:extLst>
-              <a:ext uri="{FF2B5EF4-FFF2-40B4-BE49-F238E27FC236}">
-                <a16:creationId xmlns:a16="http://schemas.microsoft.com/office/drawing/2014/main" id="{5E374483-2695-BA1C-55F9-3D0CFC1B4DD6}"/>
-              </a:ext>
-            </a:extLst>
-          </p:cNvPr>
-          <p:cNvPicPr>
-            <a:picLocks noGrp="1" noChangeAspect="1"/>
-          </p:cNvPicPr>
-          <p:nvPr>
-            <p:ph idx="1"/>
-          </p:nvPr>
-        </p:nvPicPr>
-        <p:blipFill>
-          <a:blip r:embed="rId2"/>
-          <a:stretch>
-            <a:fillRect/>
-          </a:stretch>
-        </p:blipFill>
-        <p:spPr>
-          <a:xfrm>
-            <a:off x="838200" y="3666481"/>
-            <a:ext cx="10515600" cy="669625"/>
-          </a:xfrm>
-        </p:spPr>
-      </p:pic>
-      <p:sp>
-        <p:nvSpPr>
-          <p:cNvPr id="6" name="下矢印 5">
-            <a:extLst>
-              <a:ext uri="{FF2B5EF4-FFF2-40B4-BE49-F238E27FC236}">
-                <a16:creationId xmlns:a16="http://schemas.microsoft.com/office/drawing/2014/main" id="{149FDC35-E94B-093F-0731-58297BF0D913}"/>
-              </a:ext>
-            </a:extLst>
-          </p:cNvPr>
-          <p:cNvSpPr/>
-          <p:nvPr/>
-        </p:nvSpPr>
-        <p:spPr>
-          <a:xfrm flipV="1">
-            <a:off x="7104993" y="4146328"/>
-            <a:ext cx="515007" cy="346842"/>
-          </a:xfrm>
-          <a:prstGeom prst="downArrow">
-            <a:avLst/>
-          </a:prstGeom>
-          <a:solidFill>
-            <a:schemeClr val="accent3">
-              <a:lumMod val="20000"/>
-              <a:lumOff val="80000"/>
-            </a:schemeClr>
-          </a:solidFill>
-          <a:ln>
-            <a:solidFill>
-              <a:schemeClr val="tx1">
-                <a:lumMod val="65000"/>
-                <a:lumOff val="35000"/>
-              </a:schemeClr>
-            </a:solidFill>
-          </a:ln>
-        </p:spPr>
-        <p:style>
-          <a:lnRef idx="2">
-            <a:schemeClr val="accent1">
-              <a:shade val="50000"/>
-            </a:schemeClr>
-          </a:lnRef>
-          <a:fillRef idx="1">
-            <a:schemeClr val="accent1"/>
-          </a:fillRef>
-          <a:effectRef idx="0">
-            <a:schemeClr val="accent1"/>
-          </a:effectRef>
-          <a:fontRef idx="minor">
-            <a:schemeClr val="lt1"/>
-          </a:fontRef>
-        </p:style>
-        <p:txBody>
-          <a:bodyPr rtlCol="0" anchor="ctr"/>
-          <a:lstStyle/>
-          <a:p>
-            <a:pPr algn="ctr"/>
-            <a:endParaRPr kumimoji="1" lang="ja-JP" altLang="en-US"/>
-          </a:p>
-        </p:txBody>
-      </p:sp>
-      <p:sp>
-        <p:nvSpPr>
-          <p:cNvPr id="7" name="下矢印 6">
-            <a:extLst>
-              <a:ext uri="{FF2B5EF4-FFF2-40B4-BE49-F238E27FC236}">
-                <a16:creationId xmlns:a16="http://schemas.microsoft.com/office/drawing/2014/main" id="{12EF858E-F8DE-97D0-634A-890AD0ADA88B}"/>
-              </a:ext>
-            </a:extLst>
-          </p:cNvPr>
-          <p:cNvSpPr/>
-          <p:nvPr/>
-        </p:nvSpPr>
-        <p:spPr>
-          <a:xfrm flipV="1">
-            <a:off x="8098222" y="4146328"/>
-            <a:ext cx="515007" cy="346842"/>
-          </a:xfrm>
-          <a:prstGeom prst="downArrow">
-            <a:avLst/>
-          </a:prstGeom>
-          <a:solidFill>
-            <a:schemeClr val="accent3">
-              <a:lumMod val="20000"/>
-              <a:lumOff val="80000"/>
-            </a:schemeClr>
-          </a:solidFill>
-          <a:ln>
-            <a:solidFill>
-              <a:schemeClr val="tx1">
-                <a:lumMod val="65000"/>
-                <a:lumOff val="35000"/>
-              </a:schemeClr>
-            </a:solidFill>
-          </a:ln>
-        </p:spPr>
-        <p:style>
-          <a:lnRef idx="2">
-            <a:schemeClr val="accent1">
-              <a:shade val="50000"/>
-            </a:schemeClr>
-          </a:lnRef>
-          <a:fillRef idx="1">
-            <a:schemeClr val="accent1"/>
-          </a:fillRef>
-          <a:effectRef idx="0">
-            <a:schemeClr val="accent1"/>
-          </a:effectRef>
-          <a:fontRef idx="minor">
-            <a:schemeClr val="lt1"/>
-          </a:fontRef>
-        </p:style>
-        <p:txBody>
-          <a:bodyPr rtlCol="0" anchor="ctr"/>
-          <a:lstStyle/>
-          <a:p>
-            <a:pPr algn="ctr"/>
-            <a:endParaRPr kumimoji="1" lang="ja-JP" altLang="en-US"/>
-          </a:p>
-        </p:txBody>
-      </p:sp>
-      <p:sp>
-        <p:nvSpPr>
-          <p:cNvPr id="8" name="テキスト ボックス 7">
-            <a:extLst>
-              <a:ext uri="{FF2B5EF4-FFF2-40B4-BE49-F238E27FC236}">
-                <a16:creationId xmlns:a16="http://schemas.microsoft.com/office/drawing/2014/main" id="{BCE33FFC-20E0-384F-4E16-B897EFF659DD}"/>
-              </a:ext>
-            </a:extLst>
-          </p:cNvPr>
-          <p:cNvSpPr txBox="1"/>
-          <p:nvPr/>
-        </p:nvSpPr>
-        <p:spPr>
-          <a:xfrm>
-            <a:off x="6096000" y="4508933"/>
-            <a:ext cx="1842236" cy="523220"/>
-          </a:xfrm>
-          <a:prstGeom prst="rect">
-            <a:avLst/>
-          </a:prstGeom>
-          <a:noFill/>
-        </p:spPr>
-        <p:txBody>
-          <a:bodyPr wrap="none" rtlCol="0">
-            <a:spAutoFit/>
-          </a:bodyPr>
-          <a:lstStyle/>
-          <a:p>
-            <a:r>
-              <a:rPr kumimoji="1" lang="en-US" altLang="ja-JP" sz="1400" b="1" dirty="0" err="1">
-                <a:latin typeface="Meiryo UI" panose="020B0604030504040204" pitchFamily="34" charset="-128"/>
-                <a:ea typeface="Meiryo UI" panose="020B0604030504040204" pitchFamily="34" charset="-128"/>
-              </a:rPr>
-              <a:t>NewTerminal.app</a:t>
-            </a:r>
-            <a:endParaRPr kumimoji="1" lang="en-US" altLang="ja-JP" sz="1400" b="1" dirty="0">
-              <a:latin typeface="Meiryo UI" panose="020B0604030504040204" pitchFamily="34" charset="-128"/>
-              <a:ea typeface="Meiryo UI" panose="020B0604030504040204" pitchFamily="34" charset="-128"/>
-            </a:endParaRPr>
-          </a:p>
-          <a:p>
-            <a:r>
-              <a:rPr kumimoji="1" lang="en-US" altLang="ja-JP" sz="1400" dirty="0">
-                <a:latin typeface="Meiryo UI" panose="020B0604030504040204" pitchFamily="34" charset="-128"/>
-                <a:ea typeface="Meiryo UI" panose="020B0604030504040204" pitchFamily="34" charset="-128"/>
-              </a:rPr>
-              <a:t>Terminal</a:t>
-            </a:r>
-            <a:r>
-              <a:rPr kumimoji="1" lang="ja-JP" altLang="en-US" sz="1400">
-                <a:latin typeface="Meiryo UI" panose="020B0604030504040204" pitchFamily="34" charset="-128"/>
-                <a:ea typeface="Meiryo UI" panose="020B0604030504040204" pitchFamily="34" charset="-128"/>
-              </a:rPr>
-              <a:t>を開くボタン</a:t>
-            </a:r>
-          </a:p>
-        </p:txBody>
-      </p:sp>
-      <p:sp>
-        <p:nvSpPr>
-          <p:cNvPr id="9" name="テキスト ボックス 8">
-            <a:extLst>
-              <a:ext uri="{FF2B5EF4-FFF2-40B4-BE49-F238E27FC236}">
-                <a16:creationId xmlns:a16="http://schemas.microsoft.com/office/drawing/2014/main" id="{7BD6CB6F-53B9-A6C5-0232-F599BBB52837}"/>
-              </a:ext>
-            </a:extLst>
-          </p:cNvPr>
-          <p:cNvSpPr txBox="1"/>
-          <p:nvPr/>
-        </p:nvSpPr>
-        <p:spPr>
-          <a:xfrm>
-            <a:off x="8098222" y="4508933"/>
-            <a:ext cx="2178802" cy="523220"/>
-          </a:xfrm>
-          <a:prstGeom prst="rect">
-            <a:avLst/>
-          </a:prstGeom>
-          <a:noFill/>
-        </p:spPr>
-        <p:txBody>
-          <a:bodyPr wrap="none" rtlCol="0">
-            <a:spAutoFit/>
-          </a:bodyPr>
-          <a:lstStyle/>
-          <a:p>
-            <a:r>
-              <a:rPr kumimoji="1" lang="en-US" altLang="ja-JP" sz="1400" b="1" dirty="0" err="1">
-                <a:latin typeface="Meiryo UI" panose="020B0604030504040204" pitchFamily="34" charset="-128"/>
-                <a:ea typeface="Meiryo UI" panose="020B0604030504040204" pitchFamily="34" charset="-128"/>
-              </a:rPr>
-              <a:t>NewText.app</a:t>
-            </a:r>
-            <a:endParaRPr kumimoji="1" lang="en-US" altLang="ja-JP" sz="1400" b="1" dirty="0">
-              <a:latin typeface="Meiryo UI" panose="020B0604030504040204" pitchFamily="34" charset="-128"/>
-              <a:ea typeface="Meiryo UI" panose="020B0604030504040204" pitchFamily="34" charset="-128"/>
-            </a:endParaRPr>
-          </a:p>
-          <a:p>
-            <a:r>
-              <a:rPr kumimoji="1" lang="ja-JP" altLang="en-US" sz="1400">
-                <a:latin typeface="Meiryo UI" panose="020B0604030504040204" pitchFamily="34" charset="-128"/>
-                <a:ea typeface="Meiryo UI" panose="020B0604030504040204" pitchFamily="34" charset="-128"/>
-              </a:rPr>
-              <a:t>空テキストファイル作成ボタン</a:t>
-            </a:r>
-          </a:p>
-        </p:txBody>
-      </p:sp>
-    </p:spTree>
-    <p:extLst>
-      <p:ext uri="{BB962C8B-B14F-4D97-AF65-F5344CB8AC3E}">
-        <p14:creationId xmlns:p14="http://schemas.microsoft.com/office/powerpoint/2010/main" val="3182617714"/>
-      </p:ext>
-    </p:extLst>
-  </p:cSld>
-  <p:clrMapOvr>
-    <a:masterClrMapping/>
-  </p:clrMapOvr>
-</p:sld>
-</file>
-
-<file path=ppt/slides/slide14.xml><?xml version="1.0" encoding="utf-8"?>
-<p:sld xmlns:a="http://schemas.openxmlformats.org/drawingml/2006/main" xmlns:r="http://schemas.openxmlformats.org/officeDocument/2006/relationships" xmlns:p="http://schemas.openxmlformats.org/presentationml/2006/main">
-  <p:cSld>
-    <p:spTree>
-      <p:nvGrpSpPr>
-        <p:cNvPr id="1" name=""/>
-        <p:cNvGrpSpPr/>
-        <p:nvPr/>
-      </p:nvGrpSpPr>
-      <p:grpSpPr>
-        <a:xfrm>
-          <a:off x="0" y="0"/>
-          <a:ext cx="0" cy="0"/>
-          <a:chOff x="0" y="0"/>
-          <a:chExt cx="0" cy="0"/>
-        </a:xfrm>
-      </p:grpSpPr>
-      <p:pic>
-        <p:nvPicPr>
-          <p:cNvPr id="4" name="図 3">
-            <a:extLst>
-              <a:ext uri="{FF2B5EF4-FFF2-40B4-BE49-F238E27FC236}">
-                <a16:creationId xmlns:a16="http://schemas.microsoft.com/office/drawing/2014/main" id="{9C537510-9496-E2B0-7FEE-4CAC022AE9EE}"/>
-              </a:ext>
-            </a:extLst>
-          </p:cNvPr>
-          <p:cNvPicPr>
-            <a:picLocks noChangeAspect="1"/>
-          </p:cNvPicPr>
-          <p:nvPr/>
-        </p:nvPicPr>
-        <p:blipFill>
-          <a:blip r:embed="rId2"/>
-          <a:stretch>
-            <a:fillRect/>
-          </a:stretch>
-        </p:blipFill>
-        <p:spPr>
-          <a:xfrm>
-            <a:off x="2209800" y="2708654"/>
-            <a:ext cx="7772400" cy="1440692"/>
-          </a:xfrm>
-          <a:prstGeom prst="rect">
-            <a:avLst/>
-          </a:prstGeom>
-        </p:spPr>
-      </p:pic>
-      <p:sp>
-        <p:nvSpPr>
-          <p:cNvPr id="5" name="曲折矢印 4">
-            <a:extLst>
-              <a:ext uri="{FF2B5EF4-FFF2-40B4-BE49-F238E27FC236}">
-                <a16:creationId xmlns:a16="http://schemas.microsoft.com/office/drawing/2014/main" id="{EABE9FFD-674B-07F7-0F57-68573B5FFE76}"/>
-              </a:ext>
-            </a:extLst>
-          </p:cNvPr>
-          <p:cNvSpPr/>
-          <p:nvPr/>
-        </p:nvSpPr>
-        <p:spPr>
-          <a:xfrm rot="16200000" flipV="1">
-            <a:off x="6599183" y="2735318"/>
-            <a:ext cx="570186" cy="1303283"/>
-          </a:xfrm>
-          <a:prstGeom prst="bentArrow">
-            <a:avLst/>
-          </a:prstGeom>
-          <a:solidFill>
-            <a:srgbClr val="CBCBCA"/>
-          </a:solidFill>
-          <a:ln>
-            <a:solidFill>
-              <a:srgbClr val="CBCBCA"/>
-            </a:solidFill>
-          </a:ln>
-        </p:spPr>
-        <p:style>
-          <a:lnRef idx="2">
-            <a:schemeClr val="accent1">
-              <a:shade val="50000"/>
-            </a:schemeClr>
-          </a:lnRef>
-          <a:fillRef idx="1">
-            <a:schemeClr val="accent1"/>
-          </a:fillRef>
-          <a:effectRef idx="0">
-            <a:schemeClr val="accent1"/>
-          </a:effectRef>
-          <a:fontRef idx="minor">
-            <a:schemeClr val="lt1"/>
-          </a:fontRef>
-        </p:style>
-        <p:txBody>
-          <a:bodyPr rtlCol="0" anchor="ctr"/>
-          <a:lstStyle/>
-          <a:p>
-            <a:pPr algn="ctr"/>
-            <a:endParaRPr kumimoji="1" lang="ja-JP" altLang="en-US">
-              <a:solidFill>
-                <a:schemeClr val="tx1"/>
-              </a:solidFill>
-            </a:endParaRPr>
-          </a:p>
-        </p:txBody>
-      </p:sp>
-      <p:sp>
-        <p:nvSpPr>
-          <p:cNvPr id="6" name="テキスト ボックス 5">
-            <a:extLst>
-              <a:ext uri="{FF2B5EF4-FFF2-40B4-BE49-F238E27FC236}">
-                <a16:creationId xmlns:a16="http://schemas.microsoft.com/office/drawing/2014/main" id="{AA4B2A54-F820-325C-2090-8A59AA57FA8F}"/>
-              </a:ext>
-            </a:extLst>
-          </p:cNvPr>
-          <p:cNvSpPr txBox="1"/>
-          <p:nvPr/>
-        </p:nvSpPr>
-        <p:spPr>
-          <a:xfrm>
-            <a:off x="7083973" y="3487387"/>
-            <a:ext cx="1191352" cy="369332"/>
-          </a:xfrm>
-          <a:prstGeom prst="rect">
-            <a:avLst/>
-          </a:prstGeom>
-          <a:noFill/>
-        </p:spPr>
-        <p:txBody>
-          <a:bodyPr wrap="none" rtlCol="0">
-            <a:spAutoFit/>
-          </a:bodyPr>
-          <a:lstStyle/>
-          <a:p>
-            <a:r>
-              <a:rPr kumimoji="1" lang="en-US" altLang="ja-JP" dirty="0">
-                <a:ln w="38100">
-                  <a:solidFill>
-                    <a:schemeClr val="tx1"/>
-                  </a:solidFill>
-                </a:ln>
-                <a:latin typeface="Meiryo UI" panose="020B0604030504040204" pitchFamily="34" charset="-128"/>
-                <a:ea typeface="Meiryo UI" panose="020B0604030504040204" pitchFamily="34" charset="-128"/>
-              </a:rPr>
-              <a:t>⌘+</a:t>
-            </a:r>
-            <a:r>
-              <a:rPr kumimoji="1" lang="ja-JP" altLang="en-US">
-                <a:ln w="38100">
-                  <a:solidFill>
-                    <a:schemeClr val="tx1"/>
-                  </a:solidFill>
-                </a:ln>
-                <a:latin typeface="Meiryo UI" panose="020B0604030504040204" pitchFamily="34" charset="-128"/>
-                <a:ea typeface="Meiryo UI" panose="020B0604030504040204" pitchFamily="34" charset="-128"/>
-              </a:rPr>
-              <a:t>ドラッグ</a:t>
-            </a:r>
-          </a:p>
-        </p:txBody>
-      </p:sp>
-      <p:sp>
-        <p:nvSpPr>
-          <p:cNvPr id="7" name="テキスト ボックス 6">
-            <a:extLst>
-              <a:ext uri="{FF2B5EF4-FFF2-40B4-BE49-F238E27FC236}">
-                <a16:creationId xmlns:a16="http://schemas.microsoft.com/office/drawing/2014/main" id="{23D3BFFD-ACFB-55B7-57EF-DAD01400121E}"/>
-              </a:ext>
-            </a:extLst>
-          </p:cNvPr>
-          <p:cNvSpPr txBox="1"/>
-          <p:nvPr/>
-        </p:nvSpPr>
-        <p:spPr>
-          <a:xfrm>
-            <a:off x="7083973" y="3487387"/>
-            <a:ext cx="1191352" cy="369332"/>
-          </a:xfrm>
-          <a:prstGeom prst="rect">
-            <a:avLst/>
-          </a:prstGeom>
-          <a:noFill/>
-        </p:spPr>
-        <p:txBody>
-          <a:bodyPr wrap="none" rtlCol="0">
-            <a:spAutoFit/>
-          </a:bodyPr>
-          <a:lstStyle/>
-          <a:p>
-            <a:r>
-              <a:rPr kumimoji="1" lang="en-US" altLang="ja-JP" dirty="0">
-                <a:solidFill>
-                  <a:schemeClr val="bg1"/>
-                </a:solidFill>
-                <a:latin typeface="Meiryo UI" panose="020B0604030504040204" pitchFamily="34" charset="-128"/>
-                <a:ea typeface="Meiryo UI" panose="020B0604030504040204" pitchFamily="34" charset="-128"/>
-              </a:rPr>
-              <a:t>⌘+</a:t>
-            </a:r>
-            <a:r>
-              <a:rPr kumimoji="1" lang="ja-JP" altLang="en-US">
-                <a:solidFill>
-                  <a:schemeClr val="bg1"/>
-                </a:solidFill>
-                <a:latin typeface="Meiryo UI" panose="020B0604030504040204" pitchFamily="34" charset="-128"/>
-                <a:ea typeface="Meiryo UI" panose="020B0604030504040204" pitchFamily="34" charset="-128"/>
-              </a:rPr>
-              <a:t>ドラッグ</a:t>
-            </a:r>
-          </a:p>
-        </p:txBody>
-      </p:sp>
-    </p:spTree>
-    <p:extLst>
-      <p:ext uri="{BB962C8B-B14F-4D97-AF65-F5344CB8AC3E}">
-        <p14:creationId xmlns:p14="http://schemas.microsoft.com/office/powerpoint/2010/main" val="895378125"/>
-      </p:ext>
-    </p:extLst>
-  </p:cSld>
-  <p:clrMapOvr>
-    <a:masterClrMapping/>
-  </p:clrMapOvr>
-</p:sld>
-</file>
-
-<file path=ppt/slides/slide2.xml><?xml version="1.0" encoding="utf-8"?>
-<p:sld xmlns:a="http://schemas.openxmlformats.org/drawingml/2006/main" xmlns:r="http://schemas.openxmlformats.org/officeDocument/2006/relationships" xmlns:p="http://schemas.openxmlformats.org/presentationml/2006/main">
-  <p:cSld>
-    <p:spTree>
-      <p:nvGrpSpPr>
-        <p:cNvPr id="1" name=""/>
-        <p:cNvGrpSpPr/>
-        <p:nvPr/>
-      </p:nvGrpSpPr>
-      <p:grpSpPr>
-        <a:xfrm>
-          <a:off x="0" y="0"/>
-          <a:ext cx="0" cy="0"/>
-          <a:chOff x="0" y="0"/>
-          <a:chExt cx="0" cy="0"/>
-        </a:xfrm>
-      </p:grpSpPr>
-      <p:grpSp>
-        <p:nvGrpSpPr>
-          <p:cNvPr id="20" name="グループ化 19">
-            <a:extLst>
-              <a:ext uri="{FF2B5EF4-FFF2-40B4-BE49-F238E27FC236}">
-                <a16:creationId xmlns:a16="http://schemas.microsoft.com/office/drawing/2014/main" id="{1FC5AAD9-2858-27A5-7850-4B49120FA005}"/>
-              </a:ext>
-            </a:extLst>
-          </p:cNvPr>
-          <p:cNvGrpSpPr/>
-          <p:nvPr/>
-        </p:nvGrpSpPr>
-        <p:grpSpPr>
-          <a:xfrm>
-            <a:off x="2685000" y="9000"/>
-            <a:ext cx="6840000" cy="6840000"/>
-            <a:chOff x="2685000" y="9000"/>
-            <a:chExt cx="6840000" cy="6840000"/>
-          </a:xfrm>
-        </p:grpSpPr>
-        <p:sp>
-          <p:nvSpPr>
-            <p:cNvPr id="6" name="正方形/長方形 5">
-              <a:extLst>
-                <a:ext uri="{FF2B5EF4-FFF2-40B4-BE49-F238E27FC236}">
-                  <a16:creationId xmlns:a16="http://schemas.microsoft.com/office/drawing/2014/main" id="{D8AB8ED6-1CBB-10E9-3A01-259728945359}"/>
-                </a:ext>
-              </a:extLst>
-            </p:cNvPr>
-            <p:cNvSpPr/>
-            <p:nvPr/>
-          </p:nvSpPr>
-          <p:spPr>
-            <a:xfrm>
-              <a:off x="2685000" y="9000"/>
-              <a:ext cx="6840000" cy="6840000"/>
-            </a:xfrm>
-            <a:prstGeom prst="rect">
-              <a:avLst/>
-            </a:prstGeom>
-            <a:solidFill>
-              <a:srgbClr val="332826"/>
-            </a:solidFill>
-            <a:ln>
-              <a:noFill/>
-            </a:ln>
-          </p:spPr>
-          <p:style>
-            <a:lnRef idx="2">
-              <a:schemeClr val="accent1">
-                <a:shade val="50000"/>
-              </a:schemeClr>
-            </a:lnRef>
-            <a:fillRef idx="1">
-              <a:schemeClr val="accent1"/>
-            </a:fillRef>
-            <a:effectRef idx="0">
-              <a:schemeClr val="accent1"/>
-            </a:effectRef>
-            <a:fontRef idx="minor">
-              <a:schemeClr val="lt1"/>
-            </a:fontRef>
-          </p:style>
-          <p:txBody>
-            <a:bodyPr rtlCol="0" anchor="ctr"/>
-            <a:lstStyle/>
-            <a:p>
-              <a:pPr algn="ctr"/>
-              <a:endParaRPr kumimoji="1" lang="ja-JP" altLang="en-US"/>
-            </a:p>
-          </p:txBody>
-        </p:sp>
-        <p:grpSp>
-          <p:nvGrpSpPr>
-            <p:cNvPr id="19" name="グループ化 18">
-              <a:extLst>
-                <a:ext uri="{FF2B5EF4-FFF2-40B4-BE49-F238E27FC236}">
-                  <a16:creationId xmlns:a16="http://schemas.microsoft.com/office/drawing/2014/main" id="{6F5306E0-B58C-A47E-DF05-613A4C4C570A}"/>
-                </a:ext>
-              </a:extLst>
-            </p:cNvPr>
-            <p:cNvGrpSpPr/>
-            <p:nvPr/>
-          </p:nvGrpSpPr>
-          <p:grpSpPr>
-            <a:xfrm>
-              <a:off x="3993308" y="883507"/>
               <a:ext cx="4256269" cy="5124632"/>
               <a:chOff x="4300151" y="1099751"/>
               <a:chExt cx="4256269" cy="5124632"/>
@@ -6097,7 +4105,3898 @@
 </p:sld>
 </file>
 
-<file path=ppt/slides/slide3.xml><?xml version="1.0" encoding="utf-8"?>
+<file path=ppt/slides/slide10.xml><?xml version="1.0" encoding="utf-8"?>
+<p:sld xmlns:a="http://schemas.openxmlformats.org/drawingml/2006/main" xmlns:r="http://schemas.openxmlformats.org/officeDocument/2006/relationships" xmlns:p="http://schemas.openxmlformats.org/presentationml/2006/main">
+  <p:cSld>
+    <p:spTree>
+      <p:nvGrpSpPr>
+        <p:cNvPr id="1" name="">
+          <a:extLst>
+            <a:ext uri="{FF2B5EF4-FFF2-40B4-BE49-F238E27FC236}">
+              <a16:creationId xmlns:a16="http://schemas.microsoft.com/office/drawing/2014/main" id="{4C0FF3F9-DCC9-1C5A-2E18-4BD592F52F6B}"/>
+            </a:ext>
+          </a:extLst>
+        </p:cNvPr>
+        <p:cNvGrpSpPr/>
+        <p:nvPr/>
+      </p:nvGrpSpPr>
+      <p:grpSpPr>
+        <a:xfrm>
+          <a:off x="0" y="0"/>
+          <a:ext cx="0" cy="0"/>
+          <a:chOff x="0" y="0"/>
+          <a:chExt cx="0" cy="0"/>
+        </a:xfrm>
+      </p:grpSpPr>
+      <p:sp>
+        <p:nvSpPr>
+          <p:cNvPr id="6" name="正方形/長方形 5">
+            <a:extLst>
+              <a:ext uri="{FF2B5EF4-FFF2-40B4-BE49-F238E27FC236}">
+                <a16:creationId xmlns:a16="http://schemas.microsoft.com/office/drawing/2014/main" id="{148E3872-E510-985B-B2FA-C412D80852A8}"/>
+              </a:ext>
+            </a:extLst>
+          </p:cNvPr>
+          <p:cNvSpPr/>
+          <p:nvPr/>
+        </p:nvSpPr>
+        <p:spPr>
+          <a:xfrm>
+            <a:off x="2676000" y="0"/>
+            <a:ext cx="6840000" cy="6840000"/>
+          </a:xfrm>
+          <a:prstGeom prst="rect">
+            <a:avLst/>
+          </a:prstGeom>
+          <a:solidFill>
+            <a:srgbClr val="E8E5E6"/>
+          </a:solidFill>
+          <a:ln>
+            <a:noFill/>
+          </a:ln>
+        </p:spPr>
+        <p:style>
+          <a:lnRef idx="2">
+            <a:schemeClr val="accent1">
+              <a:shade val="50000"/>
+            </a:schemeClr>
+          </a:lnRef>
+          <a:fillRef idx="1">
+            <a:schemeClr val="accent1"/>
+          </a:fillRef>
+          <a:effectRef idx="0">
+            <a:schemeClr val="accent1"/>
+          </a:effectRef>
+          <a:fontRef idx="minor">
+            <a:schemeClr val="lt1"/>
+          </a:fontRef>
+        </p:style>
+        <p:txBody>
+          <a:bodyPr rtlCol="0" anchor="ctr"/>
+          <a:lstStyle/>
+          <a:p>
+            <a:pPr algn="ctr"/>
+            <a:endParaRPr kumimoji="1" lang="ja-JP" altLang="en-US"/>
+          </a:p>
+        </p:txBody>
+      </p:sp>
+      <p:grpSp>
+        <p:nvGrpSpPr>
+          <p:cNvPr id="2" name="グループ化 1">
+            <a:extLst>
+              <a:ext uri="{FF2B5EF4-FFF2-40B4-BE49-F238E27FC236}">
+                <a16:creationId xmlns:a16="http://schemas.microsoft.com/office/drawing/2014/main" id="{B1CB3E30-1AB7-C44D-7EC0-E634DDDB0F32}"/>
+              </a:ext>
+            </a:extLst>
+          </p:cNvPr>
+          <p:cNvGrpSpPr/>
+          <p:nvPr/>
+        </p:nvGrpSpPr>
+        <p:grpSpPr>
+          <a:xfrm>
+            <a:off x="3571003" y="840960"/>
+            <a:ext cx="5049992" cy="5194080"/>
+            <a:chOff x="3385150" y="838900"/>
+            <a:chExt cx="4219919" cy="4340324"/>
+          </a:xfrm>
+          <a:solidFill>
+            <a:srgbClr val="6D6766"/>
+          </a:solidFill>
+        </p:grpSpPr>
+        <p:sp>
+          <p:nvSpPr>
+            <p:cNvPr id="4" name="角丸四角形 3">
+              <a:extLst>
+                <a:ext uri="{FF2B5EF4-FFF2-40B4-BE49-F238E27FC236}">
+                  <a16:creationId xmlns:a16="http://schemas.microsoft.com/office/drawing/2014/main" id="{59B3D2D9-6E5C-34F1-F2D3-787614BE4C5C}"/>
+                </a:ext>
+              </a:extLst>
+            </p:cNvPr>
+            <p:cNvSpPr/>
+            <p:nvPr/>
+          </p:nvSpPr>
+          <p:spPr>
+            <a:xfrm>
+              <a:off x="7227891" y="1683253"/>
+              <a:ext cx="288000" cy="2923822"/>
+            </a:xfrm>
+            <a:prstGeom prst="roundRect">
+              <a:avLst>
+                <a:gd name="adj" fmla="val 50000"/>
+              </a:avLst>
+            </a:prstGeom>
+            <a:grpFill/>
+            <a:ln>
+              <a:noFill/>
+            </a:ln>
+          </p:spPr>
+          <p:style>
+            <a:lnRef idx="2">
+              <a:schemeClr val="accent1">
+                <a:shade val="15000"/>
+              </a:schemeClr>
+            </a:lnRef>
+            <a:fillRef idx="1">
+              <a:schemeClr val="accent1"/>
+            </a:fillRef>
+            <a:effectRef idx="0">
+              <a:schemeClr val="accent1"/>
+            </a:effectRef>
+            <a:fontRef idx="minor">
+              <a:schemeClr val="lt1"/>
+            </a:fontRef>
+          </p:style>
+          <p:txBody>
+            <a:bodyPr rtlCol="0" anchor="ctr"/>
+            <a:lstStyle/>
+            <a:p>
+              <a:pPr algn="ctr"/>
+              <a:endParaRPr kumimoji="1" lang="ja-JP" altLang="en-US"/>
+            </a:p>
+          </p:txBody>
+        </p:sp>
+        <p:sp>
+          <p:nvSpPr>
+            <p:cNvPr id="5" name="角丸四角形 4">
+              <a:extLst>
+                <a:ext uri="{FF2B5EF4-FFF2-40B4-BE49-F238E27FC236}">
+                  <a16:creationId xmlns:a16="http://schemas.microsoft.com/office/drawing/2014/main" id="{7586F505-DC2B-F0A6-AB36-D9039A2849D2}"/>
+                </a:ext>
+              </a:extLst>
+            </p:cNvPr>
+            <p:cNvSpPr/>
+            <p:nvPr/>
+          </p:nvSpPr>
+          <p:spPr>
+            <a:xfrm rot="18080590">
+              <a:off x="6728130" y="794318"/>
+              <a:ext cx="288000" cy="1445336"/>
+            </a:xfrm>
+            <a:prstGeom prst="roundRect">
+              <a:avLst>
+                <a:gd name="adj" fmla="val 50000"/>
+              </a:avLst>
+            </a:prstGeom>
+            <a:grpFill/>
+            <a:ln>
+              <a:noFill/>
+            </a:ln>
+          </p:spPr>
+          <p:style>
+            <a:lnRef idx="2">
+              <a:schemeClr val="accent1">
+                <a:shade val="15000"/>
+              </a:schemeClr>
+            </a:lnRef>
+            <a:fillRef idx="1">
+              <a:schemeClr val="accent1"/>
+            </a:fillRef>
+            <a:effectRef idx="0">
+              <a:schemeClr val="accent1"/>
+            </a:effectRef>
+            <a:fontRef idx="minor">
+              <a:schemeClr val="lt1"/>
+            </a:fontRef>
+          </p:style>
+          <p:txBody>
+            <a:bodyPr rtlCol="0" anchor="ctr"/>
+            <a:lstStyle/>
+            <a:p>
+              <a:pPr algn="ctr"/>
+              <a:endParaRPr kumimoji="1" lang="ja-JP" altLang="en-US"/>
+            </a:p>
+          </p:txBody>
+        </p:sp>
+        <p:sp>
+          <p:nvSpPr>
+            <p:cNvPr id="7" name="角丸四角形 6">
+              <a:extLst>
+                <a:ext uri="{FF2B5EF4-FFF2-40B4-BE49-F238E27FC236}">
+                  <a16:creationId xmlns:a16="http://schemas.microsoft.com/office/drawing/2014/main" id="{8D3EC1C6-6B35-AF51-AD30-D1DC20688257}"/>
+                </a:ext>
+              </a:extLst>
+            </p:cNvPr>
+            <p:cNvSpPr/>
+            <p:nvPr/>
+          </p:nvSpPr>
+          <p:spPr>
+            <a:xfrm>
+              <a:off x="6242213" y="1105896"/>
+              <a:ext cx="288000" cy="4073328"/>
+            </a:xfrm>
+            <a:prstGeom prst="roundRect">
+              <a:avLst>
+                <a:gd name="adj" fmla="val 50000"/>
+              </a:avLst>
+            </a:prstGeom>
+            <a:grpFill/>
+            <a:ln>
+              <a:noFill/>
+            </a:ln>
+          </p:spPr>
+          <p:style>
+            <a:lnRef idx="2">
+              <a:schemeClr val="accent1">
+                <a:shade val="15000"/>
+              </a:schemeClr>
+            </a:lnRef>
+            <a:fillRef idx="1">
+              <a:schemeClr val="accent1"/>
+            </a:fillRef>
+            <a:effectRef idx="0">
+              <a:schemeClr val="accent1"/>
+            </a:effectRef>
+            <a:fontRef idx="minor">
+              <a:schemeClr val="lt1"/>
+            </a:fontRef>
+          </p:style>
+          <p:txBody>
+            <a:bodyPr rtlCol="0" anchor="ctr"/>
+            <a:lstStyle/>
+            <a:p>
+              <a:pPr algn="ctr"/>
+              <a:endParaRPr kumimoji="1" lang="ja-JP" altLang="en-US"/>
+            </a:p>
+          </p:txBody>
+        </p:sp>
+        <p:sp>
+          <p:nvSpPr>
+            <p:cNvPr id="8" name="角丸四角形 7">
+              <a:extLst>
+                <a:ext uri="{FF2B5EF4-FFF2-40B4-BE49-F238E27FC236}">
+                  <a16:creationId xmlns:a16="http://schemas.microsoft.com/office/drawing/2014/main" id="{62F02C55-AC5D-1D0B-76F8-DC32664E3342}"/>
+                </a:ext>
+              </a:extLst>
+            </p:cNvPr>
+            <p:cNvSpPr/>
+            <p:nvPr/>
+          </p:nvSpPr>
+          <p:spPr>
+            <a:xfrm rot="3519410" flipV="1">
+              <a:off x="6738401" y="4056009"/>
+              <a:ext cx="288000" cy="1445336"/>
+            </a:xfrm>
+            <a:prstGeom prst="roundRect">
+              <a:avLst>
+                <a:gd name="adj" fmla="val 50000"/>
+              </a:avLst>
+            </a:prstGeom>
+            <a:grpFill/>
+            <a:ln>
+              <a:noFill/>
+            </a:ln>
+          </p:spPr>
+          <p:style>
+            <a:lnRef idx="2">
+              <a:schemeClr val="accent1">
+                <a:shade val="15000"/>
+              </a:schemeClr>
+            </a:lnRef>
+            <a:fillRef idx="1">
+              <a:schemeClr val="accent1"/>
+            </a:fillRef>
+            <a:effectRef idx="0">
+              <a:schemeClr val="accent1"/>
+            </a:effectRef>
+            <a:fontRef idx="minor">
+              <a:schemeClr val="lt1"/>
+            </a:fontRef>
+          </p:style>
+          <p:txBody>
+            <a:bodyPr rtlCol="0" anchor="ctr"/>
+            <a:lstStyle/>
+            <a:p>
+              <a:pPr algn="ctr"/>
+              <a:endParaRPr kumimoji="1" lang="ja-JP" altLang="en-US"/>
+            </a:p>
+          </p:txBody>
+        </p:sp>
+        <p:sp>
+          <p:nvSpPr>
+            <p:cNvPr id="9" name="フリーフォーム 8">
+              <a:extLst>
+                <a:ext uri="{FF2B5EF4-FFF2-40B4-BE49-F238E27FC236}">
+                  <a16:creationId xmlns:a16="http://schemas.microsoft.com/office/drawing/2014/main" id="{6ED927A1-97E1-050F-FBC1-271840F160A8}"/>
+                </a:ext>
+              </a:extLst>
+            </p:cNvPr>
+            <p:cNvSpPr/>
+            <p:nvPr/>
+          </p:nvSpPr>
+          <p:spPr>
+            <a:xfrm rot="2570777" flipV="1">
+              <a:off x="4798349" y="2627439"/>
+              <a:ext cx="288000" cy="289401"/>
+            </a:xfrm>
+            <a:custGeom>
+              <a:avLst/>
+              <a:gdLst>
+                <a:gd name="connsiteX0" fmla="*/ 0 w 288000"/>
+                <a:gd name="connsiteY0" fmla="*/ 288003 h 289401"/>
+                <a:gd name="connsiteX1" fmla="*/ 288000 w 288000"/>
+                <a:gd name="connsiteY1" fmla="*/ 289401 h 289401"/>
+                <a:gd name="connsiteX2" fmla="*/ 288000 w 288000"/>
+                <a:gd name="connsiteY2" fmla="*/ 1397 h 289401"/>
+                <a:gd name="connsiteX3" fmla="*/ 0 w 288000"/>
+                <a:gd name="connsiteY3" fmla="*/ 0 h 289401"/>
+                <a:gd name="connsiteX4" fmla="*/ 0 w 288000"/>
+                <a:gd name="connsiteY4" fmla="*/ 288003 h 289401"/>
+              </a:gdLst>
+              <a:ahLst/>
+              <a:cxnLst>
+                <a:cxn ang="0">
+                  <a:pos x="connsiteX0" y="connsiteY0"/>
+                </a:cxn>
+                <a:cxn ang="0">
+                  <a:pos x="connsiteX1" y="connsiteY1"/>
+                </a:cxn>
+                <a:cxn ang="0">
+                  <a:pos x="connsiteX2" y="connsiteY2"/>
+                </a:cxn>
+                <a:cxn ang="0">
+                  <a:pos x="connsiteX3" y="connsiteY3"/>
+                </a:cxn>
+                <a:cxn ang="0">
+                  <a:pos x="connsiteX4" y="connsiteY4"/>
+                </a:cxn>
+              </a:cxnLst>
+              <a:rect l="l" t="t" r="r" b="b"/>
+              <a:pathLst>
+                <a:path w="288000" h="289401">
+                  <a:moveTo>
+                    <a:pt x="0" y="288003"/>
+                  </a:moveTo>
+                  <a:lnTo>
+                    <a:pt x="288000" y="289401"/>
+                  </a:lnTo>
+                  <a:lnTo>
+                    <a:pt x="288000" y="1397"/>
+                  </a:lnTo>
+                  <a:lnTo>
+                    <a:pt x="0" y="0"/>
+                  </a:lnTo>
+                  <a:lnTo>
+                    <a:pt x="0" y="288003"/>
+                  </a:lnTo>
+                  <a:close/>
+                </a:path>
+              </a:pathLst>
+            </a:custGeom>
+            <a:grpFill/>
+            <a:ln>
+              <a:noFill/>
+            </a:ln>
+          </p:spPr>
+          <p:style>
+            <a:lnRef idx="2">
+              <a:schemeClr val="accent1">
+                <a:shade val="15000"/>
+              </a:schemeClr>
+            </a:lnRef>
+            <a:fillRef idx="1">
+              <a:schemeClr val="accent1"/>
+            </a:fillRef>
+            <a:effectRef idx="0">
+              <a:schemeClr val="accent1"/>
+            </a:effectRef>
+            <a:fontRef idx="minor">
+              <a:schemeClr val="lt1"/>
+            </a:fontRef>
+          </p:style>
+          <p:txBody>
+            <a:bodyPr wrap="square" rtlCol="0" anchor="ctr">
+              <a:noAutofit/>
+            </a:bodyPr>
+            <a:lstStyle/>
+            <a:p>
+              <a:pPr algn="ctr"/>
+              <a:endParaRPr kumimoji="1" lang="ja-JP" altLang="en-US"/>
+            </a:p>
+          </p:txBody>
+        </p:sp>
+        <p:sp>
+          <p:nvSpPr>
+            <p:cNvPr id="10" name="フリーフォーム 9">
+              <a:extLst>
+                <a:ext uri="{FF2B5EF4-FFF2-40B4-BE49-F238E27FC236}">
+                  <a16:creationId xmlns:a16="http://schemas.microsoft.com/office/drawing/2014/main" id="{A558F02D-3ACA-68B3-511B-3DBC15FE7220}"/>
+                </a:ext>
+              </a:extLst>
+            </p:cNvPr>
+            <p:cNvSpPr/>
+            <p:nvPr/>
+          </p:nvSpPr>
+          <p:spPr>
+            <a:xfrm rot="2570777" flipV="1">
+              <a:off x="4451202" y="2991162"/>
+              <a:ext cx="288000" cy="310509"/>
+            </a:xfrm>
+            <a:custGeom>
+              <a:avLst/>
+              <a:gdLst>
+                <a:gd name="connsiteX0" fmla="*/ 0 w 288000"/>
+                <a:gd name="connsiteY0" fmla="*/ 310509 h 310509"/>
+                <a:gd name="connsiteX1" fmla="*/ 288000 w 288000"/>
+                <a:gd name="connsiteY1" fmla="*/ 288816 h 310509"/>
+                <a:gd name="connsiteX2" fmla="*/ 288000 w 288000"/>
+                <a:gd name="connsiteY2" fmla="*/ 0 h 310509"/>
+                <a:gd name="connsiteX3" fmla="*/ 0 w 288000"/>
+                <a:gd name="connsiteY3" fmla="*/ 21693 h 310509"/>
+                <a:gd name="connsiteX4" fmla="*/ 0 w 288000"/>
+                <a:gd name="connsiteY4" fmla="*/ 310509 h 310509"/>
+              </a:gdLst>
+              <a:ahLst/>
+              <a:cxnLst>
+                <a:cxn ang="0">
+                  <a:pos x="connsiteX0" y="connsiteY0"/>
+                </a:cxn>
+                <a:cxn ang="0">
+                  <a:pos x="connsiteX1" y="connsiteY1"/>
+                </a:cxn>
+                <a:cxn ang="0">
+                  <a:pos x="connsiteX2" y="connsiteY2"/>
+                </a:cxn>
+                <a:cxn ang="0">
+                  <a:pos x="connsiteX3" y="connsiteY3"/>
+                </a:cxn>
+                <a:cxn ang="0">
+                  <a:pos x="connsiteX4" y="connsiteY4"/>
+                </a:cxn>
+              </a:cxnLst>
+              <a:rect l="l" t="t" r="r" b="b"/>
+              <a:pathLst>
+                <a:path w="288000" h="310509">
+                  <a:moveTo>
+                    <a:pt x="0" y="310509"/>
+                  </a:moveTo>
+                  <a:lnTo>
+                    <a:pt x="288000" y="288816"/>
+                  </a:lnTo>
+                  <a:lnTo>
+                    <a:pt x="288000" y="0"/>
+                  </a:lnTo>
+                  <a:lnTo>
+                    <a:pt x="0" y="21693"/>
+                  </a:lnTo>
+                  <a:lnTo>
+                    <a:pt x="0" y="310509"/>
+                  </a:lnTo>
+                  <a:close/>
+                </a:path>
+              </a:pathLst>
+            </a:custGeom>
+            <a:grpFill/>
+            <a:ln>
+              <a:noFill/>
+            </a:ln>
+          </p:spPr>
+          <p:style>
+            <a:lnRef idx="2">
+              <a:schemeClr val="accent1">
+                <a:shade val="15000"/>
+              </a:schemeClr>
+            </a:lnRef>
+            <a:fillRef idx="1">
+              <a:schemeClr val="accent1"/>
+            </a:fillRef>
+            <a:effectRef idx="0">
+              <a:schemeClr val="accent1"/>
+            </a:effectRef>
+            <a:fontRef idx="minor">
+              <a:schemeClr val="lt1"/>
+            </a:fontRef>
+          </p:style>
+          <p:txBody>
+            <a:bodyPr wrap="square" rtlCol="0" anchor="ctr">
+              <a:noAutofit/>
+            </a:bodyPr>
+            <a:lstStyle/>
+            <a:p>
+              <a:pPr algn="ctr"/>
+              <a:endParaRPr kumimoji="1" lang="ja-JP" altLang="en-US"/>
+            </a:p>
+          </p:txBody>
+        </p:sp>
+        <p:sp>
+          <p:nvSpPr>
+            <p:cNvPr id="11" name="フリーフォーム 10">
+              <a:extLst>
+                <a:ext uri="{FF2B5EF4-FFF2-40B4-BE49-F238E27FC236}">
+                  <a16:creationId xmlns:a16="http://schemas.microsoft.com/office/drawing/2014/main" id="{D2A97D75-BC78-BB19-8CA0-B8323782F047}"/>
+                </a:ext>
+              </a:extLst>
+            </p:cNvPr>
+            <p:cNvSpPr/>
+            <p:nvPr/>
+          </p:nvSpPr>
+          <p:spPr>
+            <a:xfrm rot="2570777" flipV="1">
+              <a:off x="5245072" y="3055619"/>
+              <a:ext cx="327081" cy="289591"/>
+            </a:xfrm>
+            <a:custGeom>
+              <a:avLst/>
+              <a:gdLst>
+                <a:gd name="connsiteX0" fmla="*/ 36590 w 327081"/>
+                <a:gd name="connsiteY0" fmla="*/ 288181 h 289591"/>
+                <a:gd name="connsiteX1" fmla="*/ 327081 w 327081"/>
+                <a:gd name="connsiteY1" fmla="*/ 289591 h 289591"/>
+                <a:gd name="connsiteX2" fmla="*/ 290491 w 327081"/>
+                <a:gd name="connsiteY2" fmla="*/ 1410 h 289591"/>
+                <a:gd name="connsiteX3" fmla="*/ 0 w 327081"/>
+                <a:gd name="connsiteY3" fmla="*/ 0 h 289591"/>
+                <a:gd name="connsiteX4" fmla="*/ 36590 w 327081"/>
+                <a:gd name="connsiteY4" fmla="*/ 288181 h 289591"/>
+              </a:gdLst>
+              <a:ahLst/>
+              <a:cxnLst>
+                <a:cxn ang="0">
+                  <a:pos x="connsiteX0" y="connsiteY0"/>
+                </a:cxn>
+                <a:cxn ang="0">
+                  <a:pos x="connsiteX1" y="connsiteY1"/>
+                </a:cxn>
+                <a:cxn ang="0">
+                  <a:pos x="connsiteX2" y="connsiteY2"/>
+                </a:cxn>
+                <a:cxn ang="0">
+                  <a:pos x="connsiteX3" y="connsiteY3"/>
+                </a:cxn>
+                <a:cxn ang="0">
+                  <a:pos x="connsiteX4" y="connsiteY4"/>
+                </a:cxn>
+              </a:cxnLst>
+              <a:rect l="l" t="t" r="r" b="b"/>
+              <a:pathLst>
+                <a:path w="327081" h="289591">
+                  <a:moveTo>
+                    <a:pt x="36590" y="288181"/>
+                  </a:moveTo>
+                  <a:lnTo>
+                    <a:pt x="327081" y="289591"/>
+                  </a:lnTo>
+                  <a:lnTo>
+                    <a:pt x="290491" y="1410"/>
+                  </a:lnTo>
+                  <a:lnTo>
+                    <a:pt x="0" y="0"/>
+                  </a:lnTo>
+                  <a:lnTo>
+                    <a:pt x="36590" y="288181"/>
+                  </a:lnTo>
+                  <a:close/>
+                </a:path>
+              </a:pathLst>
+            </a:custGeom>
+            <a:grpFill/>
+            <a:ln>
+              <a:noFill/>
+            </a:ln>
+          </p:spPr>
+          <p:style>
+            <a:lnRef idx="2">
+              <a:schemeClr val="accent1">
+                <a:shade val="15000"/>
+              </a:schemeClr>
+            </a:lnRef>
+            <a:fillRef idx="1">
+              <a:schemeClr val="accent1"/>
+            </a:fillRef>
+            <a:effectRef idx="0">
+              <a:schemeClr val="accent1"/>
+            </a:effectRef>
+            <a:fontRef idx="minor">
+              <a:schemeClr val="lt1"/>
+            </a:fontRef>
+          </p:style>
+          <p:txBody>
+            <a:bodyPr wrap="square" rtlCol="0" anchor="ctr">
+              <a:noAutofit/>
+            </a:bodyPr>
+            <a:lstStyle/>
+            <a:p>
+              <a:pPr algn="ctr"/>
+              <a:endParaRPr kumimoji="1" lang="ja-JP" altLang="en-US"/>
+            </a:p>
+          </p:txBody>
+        </p:sp>
+        <p:sp>
+          <p:nvSpPr>
+            <p:cNvPr id="12" name="フリーフォーム 11">
+              <a:extLst>
+                <a:ext uri="{FF2B5EF4-FFF2-40B4-BE49-F238E27FC236}">
+                  <a16:creationId xmlns:a16="http://schemas.microsoft.com/office/drawing/2014/main" id="{1BA2F8DC-BE87-2152-BB01-7663E3CF09B9}"/>
+                </a:ext>
+              </a:extLst>
+            </p:cNvPr>
+            <p:cNvSpPr/>
+            <p:nvPr/>
+          </p:nvSpPr>
+          <p:spPr>
+            <a:xfrm rot="2570777" flipV="1">
+              <a:off x="4816869" y="3406137"/>
+              <a:ext cx="323885" cy="307739"/>
+            </a:xfrm>
+            <a:custGeom>
+              <a:avLst/>
+              <a:gdLst>
+                <a:gd name="connsiteX0" fmla="*/ 36324 w 323885"/>
+                <a:gd name="connsiteY0" fmla="*/ 307739 h 307739"/>
+                <a:gd name="connsiteX1" fmla="*/ 323885 w 323885"/>
+                <a:gd name="connsiteY1" fmla="*/ 286080 h 307739"/>
+                <a:gd name="connsiteX2" fmla="*/ 287562 w 323885"/>
+                <a:gd name="connsiteY2" fmla="*/ 0 h 307739"/>
+                <a:gd name="connsiteX3" fmla="*/ 0 w 323885"/>
+                <a:gd name="connsiteY3" fmla="*/ 21659 h 307739"/>
+                <a:gd name="connsiteX4" fmla="*/ 36324 w 323885"/>
+                <a:gd name="connsiteY4" fmla="*/ 307739 h 307739"/>
+              </a:gdLst>
+              <a:ahLst/>
+              <a:cxnLst>
+                <a:cxn ang="0">
+                  <a:pos x="connsiteX0" y="connsiteY0"/>
+                </a:cxn>
+                <a:cxn ang="0">
+                  <a:pos x="connsiteX1" y="connsiteY1"/>
+                </a:cxn>
+                <a:cxn ang="0">
+                  <a:pos x="connsiteX2" y="connsiteY2"/>
+                </a:cxn>
+                <a:cxn ang="0">
+                  <a:pos x="connsiteX3" y="connsiteY3"/>
+                </a:cxn>
+                <a:cxn ang="0">
+                  <a:pos x="connsiteX4" y="connsiteY4"/>
+                </a:cxn>
+              </a:cxnLst>
+              <a:rect l="l" t="t" r="r" b="b"/>
+              <a:pathLst>
+                <a:path w="323885" h="307739">
+                  <a:moveTo>
+                    <a:pt x="36324" y="307739"/>
+                  </a:moveTo>
+                  <a:lnTo>
+                    <a:pt x="323885" y="286080"/>
+                  </a:lnTo>
+                  <a:lnTo>
+                    <a:pt x="287562" y="0"/>
+                  </a:lnTo>
+                  <a:lnTo>
+                    <a:pt x="0" y="21659"/>
+                  </a:lnTo>
+                  <a:lnTo>
+                    <a:pt x="36324" y="307739"/>
+                  </a:lnTo>
+                  <a:close/>
+                </a:path>
+              </a:pathLst>
+            </a:custGeom>
+            <a:grpFill/>
+            <a:ln>
+              <a:noFill/>
+            </a:ln>
+          </p:spPr>
+          <p:style>
+            <a:lnRef idx="2">
+              <a:schemeClr val="accent1">
+                <a:shade val="15000"/>
+              </a:schemeClr>
+            </a:lnRef>
+            <a:fillRef idx="1">
+              <a:schemeClr val="accent1"/>
+            </a:fillRef>
+            <a:effectRef idx="0">
+              <a:schemeClr val="accent1"/>
+            </a:effectRef>
+            <a:fontRef idx="minor">
+              <a:schemeClr val="lt1"/>
+            </a:fontRef>
+          </p:style>
+          <p:txBody>
+            <a:bodyPr wrap="square" rtlCol="0" anchor="ctr">
+              <a:noAutofit/>
+            </a:bodyPr>
+            <a:lstStyle/>
+            <a:p>
+              <a:pPr algn="ctr"/>
+              <a:endParaRPr kumimoji="1" lang="ja-JP" altLang="en-US"/>
+            </a:p>
+          </p:txBody>
+        </p:sp>
+        <p:sp>
+          <p:nvSpPr>
+            <p:cNvPr id="13" name="フリーフォーム 12">
+              <a:extLst>
+                <a:ext uri="{FF2B5EF4-FFF2-40B4-BE49-F238E27FC236}">
+                  <a16:creationId xmlns:a16="http://schemas.microsoft.com/office/drawing/2014/main" id="{8690334D-1477-280B-9BB4-F16C13412109}"/>
+                </a:ext>
+              </a:extLst>
+            </p:cNvPr>
+            <p:cNvSpPr/>
+            <p:nvPr/>
+          </p:nvSpPr>
+          <p:spPr>
+            <a:xfrm rot="2570777" flipV="1">
+              <a:off x="5613104" y="838900"/>
+              <a:ext cx="288000" cy="2109616"/>
+            </a:xfrm>
+            <a:custGeom>
+              <a:avLst/>
+              <a:gdLst>
+                <a:gd name="connsiteX0" fmla="*/ 42177 w 288000"/>
+                <a:gd name="connsiteY0" fmla="*/ 2067440 h 2109616"/>
+                <a:gd name="connsiteX1" fmla="*/ 144000 w 288000"/>
+                <a:gd name="connsiteY1" fmla="*/ 2109616 h 2109616"/>
+                <a:gd name="connsiteX2" fmla="*/ 288000 w 288000"/>
+                <a:gd name="connsiteY2" fmla="*/ 1965616 h 2109616"/>
+                <a:gd name="connsiteX3" fmla="*/ 288000 w 288000"/>
+                <a:gd name="connsiteY3" fmla="*/ 1398 h 2109616"/>
+                <a:gd name="connsiteX4" fmla="*/ 0 w 288000"/>
+                <a:gd name="connsiteY4" fmla="*/ 0 h 2109616"/>
+                <a:gd name="connsiteX5" fmla="*/ 0 w 288000"/>
+                <a:gd name="connsiteY5" fmla="*/ 1965616 h 2109616"/>
+                <a:gd name="connsiteX6" fmla="*/ 42177 w 288000"/>
+                <a:gd name="connsiteY6" fmla="*/ 2067440 h 2109616"/>
+              </a:gdLst>
+              <a:ahLst/>
+              <a:cxnLst>
+                <a:cxn ang="0">
+                  <a:pos x="connsiteX0" y="connsiteY0"/>
+                </a:cxn>
+                <a:cxn ang="0">
+                  <a:pos x="connsiteX1" y="connsiteY1"/>
+                </a:cxn>
+                <a:cxn ang="0">
+                  <a:pos x="connsiteX2" y="connsiteY2"/>
+                </a:cxn>
+                <a:cxn ang="0">
+                  <a:pos x="connsiteX3" y="connsiteY3"/>
+                </a:cxn>
+                <a:cxn ang="0">
+                  <a:pos x="connsiteX4" y="connsiteY4"/>
+                </a:cxn>
+                <a:cxn ang="0">
+                  <a:pos x="connsiteX5" y="connsiteY5"/>
+                </a:cxn>
+                <a:cxn ang="0">
+                  <a:pos x="connsiteX6" y="connsiteY6"/>
+                </a:cxn>
+              </a:cxnLst>
+              <a:rect l="l" t="t" r="r" b="b"/>
+              <a:pathLst>
+                <a:path w="288000" h="2109616">
+                  <a:moveTo>
+                    <a:pt x="42177" y="2067440"/>
+                  </a:moveTo>
+                  <a:cubicBezTo>
+                    <a:pt x="68236" y="2093498"/>
+                    <a:pt x="104236" y="2109616"/>
+                    <a:pt x="144000" y="2109616"/>
+                  </a:cubicBezTo>
+                  <a:cubicBezTo>
+                    <a:pt x="223529" y="2109616"/>
+                    <a:pt x="288000" y="2045145"/>
+                    <a:pt x="288000" y="1965616"/>
+                  </a:cubicBezTo>
+                  <a:lnTo>
+                    <a:pt x="288000" y="1398"/>
+                  </a:lnTo>
+                  <a:lnTo>
+                    <a:pt x="0" y="0"/>
+                  </a:lnTo>
+                  <a:lnTo>
+                    <a:pt x="0" y="1965616"/>
+                  </a:lnTo>
+                  <a:cubicBezTo>
+                    <a:pt x="0" y="2005381"/>
+                    <a:pt x="16118" y="2041381"/>
+                    <a:pt x="42177" y="2067440"/>
+                  </a:cubicBezTo>
+                  <a:close/>
+                </a:path>
+              </a:pathLst>
+            </a:custGeom>
+            <a:grpFill/>
+            <a:ln>
+              <a:noFill/>
+            </a:ln>
+          </p:spPr>
+          <p:style>
+            <a:lnRef idx="2">
+              <a:schemeClr val="accent1">
+                <a:shade val="15000"/>
+              </a:schemeClr>
+            </a:lnRef>
+            <a:fillRef idx="1">
+              <a:schemeClr val="accent1"/>
+            </a:fillRef>
+            <a:effectRef idx="0">
+              <a:schemeClr val="accent1"/>
+            </a:effectRef>
+            <a:fontRef idx="minor">
+              <a:schemeClr val="lt1"/>
+            </a:fontRef>
+          </p:style>
+          <p:txBody>
+            <a:bodyPr wrap="square" rtlCol="0" anchor="ctr">
+              <a:noAutofit/>
+            </a:bodyPr>
+            <a:lstStyle/>
+            <a:p>
+              <a:pPr algn="ctr"/>
+              <a:endParaRPr kumimoji="1" lang="ja-JP" altLang="en-US"/>
+            </a:p>
+          </p:txBody>
+        </p:sp>
+        <p:sp>
+          <p:nvSpPr>
+            <p:cNvPr id="14" name="フリーフォーム 13">
+              <a:extLst>
+                <a:ext uri="{FF2B5EF4-FFF2-40B4-BE49-F238E27FC236}">
+                  <a16:creationId xmlns:a16="http://schemas.microsoft.com/office/drawing/2014/main" id="{225C3B7C-2478-B3F7-4CCE-8F3C44E8A10C}"/>
+                </a:ext>
+              </a:extLst>
+            </p:cNvPr>
+            <p:cNvSpPr/>
+            <p:nvPr/>
+          </p:nvSpPr>
+          <p:spPr>
+            <a:xfrm rot="2570777" flipV="1">
+              <a:off x="3826967" y="2134704"/>
+              <a:ext cx="1162772" cy="292946"/>
+            </a:xfrm>
+            <a:custGeom>
+              <a:avLst/>
+              <a:gdLst>
+                <a:gd name="connsiteX0" fmla="*/ 41683 w 1162772"/>
+                <a:gd name="connsiteY0" fmla="*/ 245329 h 292946"/>
+                <a:gd name="connsiteX1" fmla="*/ 143300 w 1162772"/>
+                <a:gd name="connsiteY1" fmla="*/ 287999 h 292946"/>
+                <a:gd name="connsiteX2" fmla="*/ 1162772 w 1162772"/>
+                <a:gd name="connsiteY2" fmla="*/ 292946 h 292946"/>
+                <a:gd name="connsiteX3" fmla="*/ 1162772 w 1162772"/>
+                <a:gd name="connsiteY3" fmla="*/ 4943 h 292946"/>
+                <a:gd name="connsiteX4" fmla="*/ 144698 w 1162772"/>
+                <a:gd name="connsiteY4" fmla="*/ 2 h 292946"/>
+                <a:gd name="connsiteX5" fmla="*/ 1 w 1162772"/>
+                <a:gd name="connsiteY5" fmla="*/ 143301 h 292946"/>
+                <a:gd name="connsiteX6" fmla="*/ 41683 w 1162772"/>
+                <a:gd name="connsiteY6" fmla="*/ 245329 h 292946"/>
+              </a:gdLst>
+              <a:ahLst/>
+              <a:cxnLst>
+                <a:cxn ang="0">
+                  <a:pos x="connsiteX0" y="connsiteY0"/>
+                </a:cxn>
+                <a:cxn ang="0">
+                  <a:pos x="connsiteX1" y="connsiteY1"/>
+                </a:cxn>
+                <a:cxn ang="0">
+                  <a:pos x="connsiteX2" y="connsiteY2"/>
+                </a:cxn>
+                <a:cxn ang="0">
+                  <a:pos x="connsiteX3" y="connsiteY3"/>
+                </a:cxn>
+                <a:cxn ang="0">
+                  <a:pos x="connsiteX4" y="connsiteY4"/>
+                </a:cxn>
+                <a:cxn ang="0">
+                  <a:pos x="connsiteX5" y="connsiteY5"/>
+                </a:cxn>
+                <a:cxn ang="0">
+                  <a:pos x="connsiteX6" y="connsiteY6"/>
+                </a:cxn>
+              </a:cxnLst>
+              <a:rect l="l" t="t" r="r" b="b"/>
+              <a:pathLst>
+                <a:path w="1162772" h="292946">
+                  <a:moveTo>
+                    <a:pt x="41683" y="245329"/>
+                  </a:moveTo>
+                  <a:cubicBezTo>
+                    <a:pt x="67615" y="271514"/>
+                    <a:pt x="103536" y="287806"/>
+                    <a:pt x="143300" y="287999"/>
+                  </a:cubicBezTo>
+                  <a:lnTo>
+                    <a:pt x="1162772" y="292946"/>
+                  </a:lnTo>
+                  <a:lnTo>
+                    <a:pt x="1162772" y="4943"/>
+                  </a:lnTo>
+                  <a:lnTo>
+                    <a:pt x="144698" y="2"/>
+                  </a:lnTo>
+                  <a:cubicBezTo>
+                    <a:pt x="65170" y="-383"/>
+                    <a:pt x="387" y="63773"/>
+                    <a:pt x="1" y="143301"/>
+                  </a:cubicBezTo>
+                  <a:cubicBezTo>
+                    <a:pt x="-192" y="183066"/>
+                    <a:pt x="15751" y="219144"/>
+                    <a:pt x="41683" y="245329"/>
+                  </a:cubicBezTo>
+                  <a:close/>
+                </a:path>
+              </a:pathLst>
+            </a:custGeom>
+            <a:grpFill/>
+            <a:ln>
+              <a:noFill/>
+            </a:ln>
+          </p:spPr>
+          <p:style>
+            <a:lnRef idx="2">
+              <a:schemeClr val="accent1">
+                <a:shade val="15000"/>
+              </a:schemeClr>
+            </a:lnRef>
+            <a:fillRef idx="1">
+              <a:schemeClr val="accent1"/>
+            </a:fillRef>
+            <a:effectRef idx="0">
+              <a:schemeClr val="accent1"/>
+            </a:effectRef>
+            <a:fontRef idx="minor">
+              <a:schemeClr val="lt1"/>
+            </a:fontRef>
+          </p:style>
+          <p:txBody>
+            <a:bodyPr wrap="square" rtlCol="0" anchor="ctr">
+              <a:noAutofit/>
+            </a:bodyPr>
+            <a:lstStyle/>
+            <a:p>
+              <a:pPr algn="ctr"/>
+              <a:endParaRPr kumimoji="1" lang="ja-JP" altLang="en-US"/>
+            </a:p>
+          </p:txBody>
+        </p:sp>
+        <p:sp>
+          <p:nvSpPr>
+            <p:cNvPr id="15" name="フリーフォーム 14">
+              <a:extLst>
+                <a:ext uri="{FF2B5EF4-FFF2-40B4-BE49-F238E27FC236}">
+                  <a16:creationId xmlns:a16="http://schemas.microsoft.com/office/drawing/2014/main" id="{CB33EF2D-42C3-F6CF-C287-A3FB108A173D}"/>
+                </a:ext>
+              </a:extLst>
+            </p:cNvPr>
+            <p:cNvSpPr/>
+            <p:nvPr/>
+          </p:nvSpPr>
+          <p:spPr>
+            <a:xfrm rot="2570777" flipV="1">
+              <a:off x="3385150" y="2371894"/>
+              <a:ext cx="1317541" cy="376806"/>
+            </a:xfrm>
+            <a:custGeom>
+              <a:avLst/>
+              <a:gdLst>
+                <a:gd name="connsiteX0" fmla="*/ 50119 w 1317541"/>
+                <a:gd name="connsiteY0" fmla="*/ 341983 h 376806"/>
+                <a:gd name="connsiteX1" fmla="*/ 154822 w 1317541"/>
+                <a:gd name="connsiteY1" fmla="*/ 376393 h 376806"/>
+                <a:gd name="connsiteX2" fmla="*/ 1317541 w 1317541"/>
+                <a:gd name="connsiteY2" fmla="*/ 288816 h 376806"/>
+                <a:gd name="connsiteX3" fmla="*/ 1317541 w 1317541"/>
+                <a:gd name="connsiteY3" fmla="*/ 0 h 376806"/>
+                <a:gd name="connsiteX4" fmla="*/ 133191 w 1317541"/>
+                <a:gd name="connsiteY4" fmla="*/ 89206 h 376806"/>
+                <a:gd name="connsiteX5" fmla="*/ 413 w 1317541"/>
+                <a:gd name="connsiteY5" fmla="*/ 243615 h 376806"/>
+                <a:gd name="connsiteX6" fmla="*/ 50119 w 1317541"/>
+                <a:gd name="connsiteY6" fmla="*/ 341983 h 376806"/>
+              </a:gdLst>
+              <a:ahLst/>
+              <a:cxnLst>
+                <a:cxn ang="0">
+                  <a:pos x="connsiteX0" y="connsiteY0"/>
+                </a:cxn>
+                <a:cxn ang="0">
+                  <a:pos x="connsiteX1" y="connsiteY1"/>
+                </a:cxn>
+                <a:cxn ang="0">
+                  <a:pos x="connsiteX2" y="connsiteY2"/>
+                </a:cxn>
+                <a:cxn ang="0">
+                  <a:pos x="connsiteX3" y="connsiteY3"/>
+                </a:cxn>
+                <a:cxn ang="0">
+                  <a:pos x="connsiteX4" y="connsiteY4"/>
+                </a:cxn>
+                <a:cxn ang="0">
+                  <a:pos x="connsiteX5" y="connsiteY5"/>
+                </a:cxn>
+                <a:cxn ang="0">
+                  <a:pos x="connsiteX6" y="connsiteY6"/>
+                </a:cxn>
+              </a:cxnLst>
+              <a:rect l="l" t="t" r="r" b="b"/>
+              <a:pathLst>
+                <a:path w="1317541" h="376806">
+                  <a:moveTo>
+                    <a:pt x="50119" y="341983"/>
+                  </a:moveTo>
+                  <a:cubicBezTo>
+                    <a:pt x="78061" y="366011"/>
+                    <a:pt x="115170" y="379380"/>
+                    <a:pt x="154822" y="376393"/>
+                  </a:cubicBezTo>
+                  <a:lnTo>
+                    <a:pt x="1317541" y="288816"/>
+                  </a:lnTo>
+                  <a:lnTo>
+                    <a:pt x="1317541" y="0"/>
+                  </a:lnTo>
+                  <a:lnTo>
+                    <a:pt x="133191" y="89206"/>
+                  </a:lnTo>
+                  <a:cubicBezTo>
+                    <a:pt x="53886" y="95179"/>
+                    <a:pt x="-5560" y="164310"/>
+                    <a:pt x="413" y="243615"/>
+                  </a:cubicBezTo>
+                  <a:cubicBezTo>
+                    <a:pt x="3399" y="283267"/>
+                    <a:pt x="22176" y="317955"/>
+                    <a:pt x="50119" y="341983"/>
+                  </a:cubicBezTo>
+                  <a:close/>
+                </a:path>
+              </a:pathLst>
+            </a:custGeom>
+            <a:grpFill/>
+            <a:ln>
+              <a:noFill/>
+            </a:ln>
+          </p:spPr>
+          <p:style>
+            <a:lnRef idx="2">
+              <a:schemeClr val="accent1">
+                <a:shade val="15000"/>
+              </a:schemeClr>
+            </a:lnRef>
+            <a:fillRef idx="1">
+              <a:schemeClr val="accent1"/>
+            </a:fillRef>
+            <a:effectRef idx="0">
+              <a:schemeClr val="accent1"/>
+            </a:effectRef>
+            <a:fontRef idx="minor">
+              <a:schemeClr val="lt1"/>
+            </a:fontRef>
+          </p:style>
+          <p:txBody>
+            <a:bodyPr wrap="square" rtlCol="0" anchor="ctr">
+              <a:noAutofit/>
+            </a:bodyPr>
+            <a:lstStyle/>
+            <a:p>
+              <a:pPr algn="ctr"/>
+              <a:endParaRPr kumimoji="1" lang="ja-JP" altLang="en-US"/>
+            </a:p>
+          </p:txBody>
+        </p:sp>
+        <p:sp>
+          <p:nvSpPr>
+            <p:cNvPr id="16" name="フリーフォーム 15">
+              <a:extLst>
+                <a:ext uri="{FF2B5EF4-FFF2-40B4-BE49-F238E27FC236}">
+                  <a16:creationId xmlns:a16="http://schemas.microsoft.com/office/drawing/2014/main" id="{71E441A5-31DA-98E3-8845-D7BBFA71F7C0}"/>
+                </a:ext>
+              </a:extLst>
+            </p:cNvPr>
+            <p:cNvSpPr/>
+            <p:nvPr/>
+          </p:nvSpPr>
+          <p:spPr>
+            <a:xfrm rot="2570777" flipV="1">
+              <a:off x="5785340" y="2060089"/>
+              <a:ext cx="431401" cy="1264208"/>
+            </a:xfrm>
+            <a:custGeom>
+              <a:avLst/>
+              <a:gdLst>
+                <a:gd name="connsiteX0" fmla="*/ 199199 w 431401"/>
+                <a:gd name="connsiteY0" fmla="*/ 1234032 h 1264208"/>
+                <a:gd name="connsiteX1" fmla="*/ 305525 w 431401"/>
+                <a:gd name="connsiteY1" fmla="*/ 1263046 h 1264208"/>
+                <a:gd name="connsiteX2" fmla="*/ 430239 w 431401"/>
+                <a:gd name="connsiteY2" fmla="*/ 1102055 h 1264208"/>
+                <a:gd name="connsiteX3" fmla="*/ 290491 w 431401"/>
+                <a:gd name="connsiteY3" fmla="*/ 1410 h 1264208"/>
+                <a:gd name="connsiteX4" fmla="*/ 0 w 431401"/>
+                <a:gd name="connsiteY4" fmla="*/ 0 h 1264208"/>
+                <a:gd name="connsiteX5" fmla="*/ 144533 w 431401"/>
+                <a:gd name="connsiteY5" fmla="*/ 1138332 h 1264208"/>
+                <a:gd name="connsiteX6" fmla="*/ 199199 w 431401"/>
+                <a:gd name="connsiteY6" fmla="*/ 1234032 h 1264208"/>
+              </a:gdLst>
+              <a:ahLst/>
+              <a:cxnLst>
+                <a:cxn ang="0">
+                  <a:pos x="connsiteX0" y="connsiteY0"/>
+                </a:cxn>
+                <a:cxn ang="0">
+                  <a:pos x="connsiteX1" y="connsiteY1"/>
+                </a:cxn>
+                <a:cxn ang="0">
+                  <a:pos x="connsiteX2" y="connsiteY2"/>
+                </a:cxn>
+                <a:cxn ang="0">
+                  <a:pos x="connsiteX3" y="connsiteY3"/>
+                </a:cxn>
+                <a:cxn ang="0">
+                  <a:pos x="connsiteX4" y="connsiteY4"/>
+                </a:cxn>
+                <a:cxn ang="0">
+                  <a:pos x="connsiteX5" y="connsiteY5"/>
+                </a:cxn>
+                <a:cxn ang="0">
+                  <a:pos x="connsiteX6" y="connsiteY6"/>
+                </a:cxn>
+              </a:cxnLst>
+              <a:rect l="l" t="t" r="r" b="b"/>
+              <a:pathLst>
+                <a:path w="431401" h="1264208">
+                  <a:moveTo>
+                    <a:pt x="199199" y="1234032"/>
+                  </a:moveTo>
+                  <a:cubicBezTo>
+                    <a:pt x="228333" y="1256601"/>
+                    <a:pt x="266076" y="1268055"/>
+                    <a:pt x="305525" y="1263046"/>
+                  </a:cubicBezTo>
+                  <a:cubicBezTo>
+                    <a:pt x="384420" y="1253029"/>
+                    <a:pt x="440256" y="1180951"/>
+                    <a:pt x="430239" y="1102055"/>
+                  </a:cubicBezTo>
+                  <a:lnTo>
+                    <a:pt x="290491" y="1410"/>
+                  </a:lnTo>
+                  <a:lnTo>
+                    <a:pt x="0" y="0"/>
+                  </a:lnTo>
+                  <a:lnTo>
+                    <a:pt x="144533" y="1138332"/>
+                  </a:lnTo>
+                  <a:cubicBezTo>
+                    <a:pt x="149542" y="1177780"/>
+                    <a:pt x="170065" y="1211462"/>
+                    <a:pt x="199199" y="1234032"/>
+                  </a:cubicBezTo>
+                  <a:close/>
+                </a:path>
+              </a:pathLst>
+            </a:custGeom>
+            <a:grpFill/>
+            <a:ln>
+              <a:noFill/>
+            </a:ln>
+          </p:spPr>
+          <p:style>
+            <a:lnRef idx="2">
+              <a:schemeClr val="accent1">
+                <a:shade val="15000"/>
+              </a:schemeClr>
+            </a:lnRef>
+            <a:fillRef idx="1">
+              <a:schemeClr val="accent1"/>
+            </a:fillRef>
+            <a:effectRef idx="0">
+              <a:schemeClr val="accent1"/>
+            </a:effectRef>
+            <a:fontRef idx="minor">
+              <a:schemeClr val="lt1"/>
+            </a:fontRef>
+          </p:style>
+          <p:txBody>
+            <a:bodyPr wrap="square" rtlCol="0" anchor="ctr">
+              <a:noAutofit/>
+            </a:bodyPr>
+            <a:lstStyle/>
+            <a:p>
+              <a:pPr algn="ctr"/>
+              <a:endParaRPr kumimoji="1" lang="ja-JP" altLang="en-US"/>
+            </a:p>
+          </p:txBody>
+        </p:sp>
+        <p:sp>
+          <p:nvSpPr>
+            <p:cNvPr id="17" name="フリーフォーム 16">
+              <a:extLst>
+                <a:ext uri="{FF2B5EF4-FFF2-40B4-BE49-F238E27FC236}">
+                  <a16:creationId xmlns:a16="http://schemas.microsoft.com/office/drawing/2014/main" id="{6B7D0BD3-4102-69F2-FA2D-589CEA65D61F}"/>
+                </a:ext>
+              </a:extLst>
+            </p:cNvPr>
+            <p:cNvSpPr/>
+            <p:nvPr/>
+          </p:nvSpPr>
+          <p:spPr>
+            <a:xfrm rot="2570777" flipV="1">
+              <a:off x="5000685" y="2847163"/>
+              <a:ext cx="362146" cy="289761"/>
+            </a:xfrm>
+            <a:custGeom>
+              <a:avLst/>
+              <a:gdLst>
+                <a:gd name="connsiteX0" fmla="*/ 0 w 362146"/>
+                <a:gd name="connsiteY0" fmla="*/ 288004 h 289761"/>
+                <a:gd name="connsiteX1" fmla="*/ 362146 w 362146"/>
+                <a:gd name="connsiteY1" fmla="*/ 289761 h 289761"/>
+                <a:gd name="connsiteX2" fmla="*/ 325556 w 362146"/>
+                <a:gd name="connsiteY2" fmla="*/ 1580 h 289761"/>
+                <a:gd name="connsiteX3" fmla="*/ 0 w 362146"/>
+                <a:gd name="connsiteY3" fmla="*/ 0 h 289761"/>
+                <a:gd name="connsiteX4" fmla="*/ 0 w 362146"/>
+                <a:gd name="connsiteY4" fmla="*/ 288004 h 289761"/>
+              </a:gdLst>
+              <a:ahLst/>
+              <a:cxnLst>
+                <a:cxn ang="0">
+                  <a:pos x="connsiteX0" y="connsiteY0"/>
+                </a:cxn>
+                <a:cxn ang="0">
+                  <a:pos x="connsiteX1" y="connsiteY1"/>
+                </a:cxn>
+                <a:cxn ang="0">
+                  <a:pos x="connsiteX2" y="connsiteY2"/>
+                </a:cxn>
+                <a:cxn ang="0">
+                  <a:pos x="connsiteX3" y="connsiteY3"/>
+                </a:cxn>
+                <a:cxn ang="0">
+                  <a:pos x="connsiteX4" y="connsiteY4"/>
+                </a:cxn>
+              </a:cxnLst>
+              <a:rect l="l" t="t" r="r" b="b"/>
+              <a:pathLst>
+                <a:path w="362146" h="289761">
+                  <a:moveTo>
+                    <a:pt x="0" y="288004"/>
+                  </a:moveTo>
+                  <a:lnTo>
+                    <a:pt x="362146" y="289761"/>
+                  </a:lnTo>
+                  <a:lnTo>
+                    <a:pt x="325556" y="1580"/>
+                  </a:lnTo>
+                  <a:lnTo>
+                    <a:pt x="0" y="0"/>
+                  </a:lnTo>
+                  <a:lnTo>
+                    <a:pt x="0" y="288004"/>
+                  </a:lnTo>
+                  <a:close/>
+                </a:path>
+              </a:pathLst>
+            </a:custGeom>
+            <a:grpFill/>
+            <a:ln>
+              <a:noFill/>
+            </a:ln>
+          </p:spPr>
+          <p:style>
+            <a:lnRef idx="2">
+              <a:schemeClr val="accent1">
+                <a:shade val="15000"/>
+              </a:schemeClr>
+            </a:lnRef>
+            <a:fillRef idx="1">
+              <a:schemeClr val="accent1"/>
+            </a:fillRef>
+            <a:effectRef idx="0">
+              <a:schemeClr val="accent1"/>
+            </a:effectRef>
+            <a:fontRef idx="minor">
+              <a:schemeClr val="lt1"/>
+            </a:fontRef>
+          </p:style>
+          <p:txBody>
+            <a:bodyPr wrap="square" rtlCol="0" anchor="ctr">
+              <a:noAutofit/>
+            </a:bodyPr>
+            <a:lstStyle/>
+            <a:p>
+              <a:pPr algn="ctr"/>
+              <a:endParaRPr kumimoji="1" lang="ja-JP" altLang="en-US"/>
+            </a:p>
+          </p:txBody>
+        </p:sp>
+        <p:sp>
+          <p:nvSpPr>
+            <p:cNvPr id="18" name="フリーフォーム 17">
+              <a:extLst>
+                <a:ext uri="{FF2B5EF4-FFF2-40B4-BE49-F238E27FC236}">
+                  <a16:creationId xmlns:a16="http://schemas.microsoft.com/office/drawing/2014/main" id="{7AE4E4CA-ADCE-8FC4-1464-5FDCA49A76D7}"/>
+                </a:ext>
+              </a:extLst>
+            </p:cNvPr>
+            <p:cNvSpPr/>
+            <p:nvPr/>
+          </p:nvSpPr>
+          <p:spPr>
+            <a:xfrm rot="2570777" flipV="1">
+              <a:off x="3903598" y="3065119"/>
+              <a:ext cx="288000" cy="1343399"/>
+            </a:xfrm>
+            <a:custGeom>
+              <a:avLst/>
+              <a:gdLst>
+                <a:gd name="connsiteX0" fmla="*/ 0 w 288000"/>
+                <a:gd name="connsiteY0" fmla="*/ 1343399 h 1343399"/>
+                <a:gd name="connsiteX1" fmla="*/ 288000 w 288000"/>
+                <a:gd name="connsiteY1" fmla="*/ 1321706 h 1343399"/>
+                <a:gd name="connsiteX2" fmla="*/ 288000 w 288000"/>
+                <a:gd name="connsiteY2" fmla="*/ 144000 h 1343399"/>
+                <a:gd name="connsiteX3" fmla="*/ 144000 w 288000"/>
+                <a:gd name="connsiteY3" fmla="*/ 0 h 1343399"/>
+                <a:gd name="connsiteX4" fmla="*/ 0 w 288000"/>
+                <a:gd name="connsiteY4" fmla="*/ 144000 h 1343399"/>
+                <a:gd name="connsiteX5" fmla="*/ 0 w 288000"/>
+                <a:gd name="connsiteY5" fmla="*/ 1343399 h 1343399"/>
+              </a:gdLst>
+              <a:ahLst/>
+              <a:cxnLst>
+                <a:cxn ang="0">
+                  <a:pos x="connsiteX0" y="connsiteY0"/>
+                </a:cxn>
+                <a:cxn ang="0">
+                  <a:pos x="connsiteX1" y="connsiteY1"/>
+                </a:cxn>
+                <a:cxn ang="0">
+                  <a:pos x="connsiteX2" y="connsiteY2"/>
+                </a:cxn>
+                <a:cxn ang="0">
+                  <a:pos x="connsiteX3" y="connsiteY3"/>
+                </a:cxn>
+                <a:cxn ang="0">
+                  <a:pos x="connsiteX4" y="connsiteY4"/>
+                </a:cxn>
+                <a:cxn ang="0">
+                  <a:pos x="connsiteX5" y="connsiteY5"/>
+                </a:cxn>
+              </a:cxnLst>
+              <a:rect l="l" t="t" r="r" b="b"/>
+              <a:pathLst>
+                <a:path w="288000" h="1343399">
+                  <a:moveTo>
+                    <a:pt x="0" y="1343399"/>
+                  </a:moveTo>
+                  <a:lnTo>
+                    <a:pt x="288000" y="1321706"/>
+                  </a:lnTo>
+                  <a:lnTo>
+                    <a:pt x="288000" y="144000"/>
+                  </a:lnTo>
+                  <a:cubicBezTo>
+                    <a:pt x="288001" y="64471"/>
+                    <a:pt x="223529" y="0"/>
+                    <a:pt x="144000" y="0"/>
+                  </a:cubicBezTo>
+                  <a:cubicBezTo>
+                    <a:pt x="64472" y="0"/>
+                    <a:pt x="0" y="64471"/>
+                    <a:pt x="0" y="144000"/>
+                  </a:cubicBezTo>
+                  <a:lnTo>
+                    <a:pt x="0" y="1343399"/>
+                  </a:lnTo>
+                  <a:close/>
+                </a:path>
+              </a:pathLst>
+            </a:custGeom>
+            <a:grpFill/>
+            <a:ln>
+              <a:noFill/>
+            </a:ln>
+          </p:spPr>
+          <p:style>
+            <a:lnRef idx="2">
+              <a:schemeClr val="accent1">
+                <a:shade val="15000"/>
+              </a:schemeClr>
+            </a:lnRef>
+            <a:fillRef idx="1">
+              <a:schemeClr val="accent1"/>
+            </a:fillRef>
+            <a:effectRef idx="0">
+              <a:schemeClr val="accent1"/>
+            </a:effectRef>
+            <a:fontRef idx="minor">
+              <a:schemeClr val="lt1"/>
+            </a:fontRef>
+          </p:style>
+          <p:txBody>
+            <a:bodyPr wrap="square" rtlCol="0" anchor="ctr">
+              <a:noAutofit/>
+            </a:bodyPr>
+            <a:lstStyle/>
+            <a:p>
+              <a:pPr algn="ctr"/>
+              <a:endParaRPr kumimoji="1" lang="ja-JP" altLang="en-US"/>
+            </a:p>
+          </p:txBody>
+        </p:sp>
+        <p:sp>
+          <p:nvSpPr>
+            <p:cNvPr id="19" name="フリーフォーム 18">
+              <a:extLst>
+                <a:ext uri="{FF2B5EF4-FFF2-40B4-BE49-F238E27FC236}">
+                  <a16:creationId xmlns:a16="http://schemas.microsoft.com/office/drawing/2014/main" id="{F8CD1A75-691F-C3FE-7668-7B991E684B78}"/>
+                </a:ext>
+              </a:extLst>
+            </p:cNvPr>
+            <p:cNvSpPr/>
+            <p:nvPr/>
+          </p:nvSpPr>
+          <p:spPr>
+            <a:xfrm rot="2570777" flipV="1">
+              <a:off x="4647758" y="3204897"/>
+              <a:ext cx="292892" cy="308141"/>
+            </a:xfrm>
+            <a:custGeom>
+              <a:avLst/>
+              <a:gdLst>
+                <a:gd name="connsiteX0" fmla="*/ 0 w 292892"/>
+                <a:gd name="connsiteY0" fmla="*/ 308141 h 308141"/>
+                <a:gd name="connsiteX1" fmla="*/ 292892 w 292892"/>
+                <a:gd name="connsiteY1" fmla="*/ 286080 h 308141"/>
+                <a:gd name="connsiteX2" fmla="*/ 256568 w 292892"/>
+                <a:gd name="connsiteY2" fmla="*/ 0 h 308141"/>
+                <a:gd name="connsiteX3" fmla="*/ 0 w 292892"/>
+                <a:gd name="connsiteY3" fmla="*/ 19325 h 308141"/>
+                <a:gd name="connsiteX4" fmla="*/ 0 w 292892"/>
+                <a:gd name="connsiteY4" fmla="*/ 308141 h 308141"/>
+              </a:gdLst>
+              <a:ahLst/>
+              <a:cxnLst>
+                <a:cxn ang="0">
+                  <a:pos x="connsiteX0" y="connsiteY0"/>
+                </a:cxn>
+                <a:cxn ang="0">
+                  <a:pos x="connsiteX1" y="connsiteY1"/>
+                </a:cxn>
+                <a:cxn ang="0">
+                  <a:pos x="connsiteX2" y="connsiteY2"/>
+                </a:cxn>
+                <a:cxn ang="0">
+                  <a:pos x="connsiteX3" y="connsiteY3"/>
+                </a:cxn>
+                <a:cxn ang="0">
+                  <a:pos x="connsiteX4" y="connsiteY4"/>
+                </a:cxn>
+              </a:cxnLst>
+              <a:rect l="l" t="t" r="r" b="b"/>
+              <a:pathLst>
+                <a:path w="292892" h="308141">
+                  <a:moveTo>
+                    <a:pt x="0" y="308141"/>
+                  </a:moveTo>
+                  <a:lnTo>
+                    <a:pt x="292892" y="286080"/>
+                  </a:lnTo>
+                  <a:lnTo>
+                    <a:pt x="256568" y="0"/>
+                  </a:lnTo>
+                  <a:lnTo>
+                    <a:pt x="0" y="19325"/>
+                  </a:lnTo>
+                  <a:lnTo>
+                    <a:pt x="0" y="308141"/>
+                  </a:lnTo>
+                  <a:close/>
+                </a:path>
+              </a:pathLst>
+            </a:custGeom>
+            <a:grpFill/>
+            <a:ln>
+              <a:noFill/>
+            </a:ln>
+          </p:spPr>
+          <p:style>
+            <a:lnRef idx="2">
+              <a:schemeClr val="accent1">
+                <a:shade val="15000"/>
+              </a:schemeClr>
+            </a:lnRef>
+            <a:fillRef idx="1">
+              <a:schemeClr val="accent1"/>
+            </a:fillRef>
+            <a:effectRef idx="0">
+              <a:schemeClr val="accent1"/>
+            </a:effectRef>
+            <a:fontRef idx="minor">
+              <a:schemeClr val="lt1"/>
+            </a:fontRef>
+          </p:style>
+          <p:txBody>
+            <a:bodyPr wrap="square" rtlCol="0" anchor="ctr">
+              <a:noAutofit/>
+            </a:bodyPr>
+            <a:lstStyle/>
+            <a:p>
+              <a:pPr algn="ctr"/>
+              <a:endParaRPr kumimoji="1" lang="ja-JP" altLang="en-US"/>
+            </a:p>
+          </p:txBody>
+        </p:sp>
+        <p:sp>
+          <p:nvSpPr>
+            <p:cNvPr id="20" name="フリーフォーム 19">
+              <a:extLst>
+                <a:ext uri="{FF2B5EF4-FFF2-40B4-BE49-F238E27FC236}">
+                  <a16:creationId xmlns:a16="http://schemas.microsoft.com/office/drawing/2014/main" id="{35273872-3A3F-9167-EE23-42737E8C5813}"/>
+                </a:ext>
+              </a:extLst>
+            </p:cNvPr>
+            <p:cNvSpPr/>
+            <p:nvPr/>
+          </p:nvSpPr>
+          <p:spPr>
+            <a:xfrm rot="2570777" flipV="1">
+              <a:off x="5338887" y="3558290"/>
+              <a:ext cx="1236976" cy="293305"/>
+            </a:xfrm>
+            <a:custGeom>
+              <a:avLst/>
+              <a:gdLst>
+                <a:gd name="connsiteX0" fmla="*/ 36590 w 1236976"/>
+                <a:gd name="connsiteY0" fmla="*/ 288181 h 293305"/>
+                <a:gd name="connsiteX1" fmla="*/ 1092278 w 1236976"/>
+                <a:gd name="connsiteY1" fmla="*/ 293304 h 293305"/>
+                <a:gd name="connsiteX2" fmla="*/ 1236975 w 1236976"/>
+                <a:gd name="connsiteY2" fmla="*/ 150004 h 293305"/>
+                <a:gd name="connsiteX3" fmla="*/ 1093676 w 1236976"/>
+                <a:gd name="connsiteY3" fmla="*/ 5307 h 293305"/>
+                <a:gd name="connsiteX4" fmla="*/ 0 w 1236976"/>
+                <a:gd name="connsiteY4" fmla="*/ 0 h 293305"/>
+                <a:gd name="connsiteX5" fmla="*/ 36590 w 1236976"/>
+                <a:gd name="connsiteY5" fmla="*/ 288181 h 293305"/>
+              </a:gdLst>
+              <a:ahLst/>
+              <a:cxnLst>
+                <a:cxn ang="0">
+                  <a:pos x="connsiteX0" y="connsiteY0"/>
+                </a:cxn>
+                <a:cxn ang="0">
+                  <a:pos x="connsiteX1" y="connsiteY1"/>
+                </a:cxn>
+                <a:cxn ang="0">
+                  <a:pos x="connsiteX2" y="connsiteY2"/>
+                </a:cxn>
+                <a:cxn ang="0">
+                  <a:pos x="connsiteX3" y="connsiteY3"/>
+                </a:cxn>
+                <a:cxn ang="0">
+                  <a:pos x="connsiteX4" y="connsiteY4"/>
+                </a:cxn>
+                <a:cxn ang="0">
+                  <a:pos x="connsiteX5" y="connsiteY5"/>
+                </a:cxn>
+              </a:cxnLst>
+              <a:rect l="l" t="t" r="r" b="b"/>
+              <a:pathLst>
+                <a:path w="1236976" h="293305">
+                  <a:moveTo>
+                    <a:pt x="36590" y="288181"/>
+                  </a:moveTo>
+                  <a:lnTo>
+                    <a:pt x="1092278" y="293304"/>
+                  </a:lnTo>
+                  <a:cubicBezTo>
+                    <a:pt x="1171806" y="293689"/>
+                    <a:pt x="1236589" y="229532"/>
+                    <a:pt x="1236975" y="150004"/>
+                  </a:cubicBezTo>
+                  <a:cubicBezTo>
+                    <a:pt x="1237360" y="70476"/>
+                    <a:pt x="1173204" y="5693"/>
+                    <a:pt x="1093676" y="5307"/>
+                  </a:cubicBezTo>
+                  <a:lnTo>
+                    <a:pt x="0" y="0"/>
+                  </a:lnTo>
+                  <a:lnTo>
+                    <a:pt x="36590" y="288181"/>
+                  </a:lnTo>
+                  <a:close/>
+                </a:path>
+              </a:pathLst>
+            </a:custGeom>
+            <a:grpFill/>
+            <a:ln>
+              <a:noFill/>
+            </a:ln>
+          </p:spPr>
+          <p:style>
+            <a:lnRef idx="2">
+              <a:schemeClr val="accent1">
+                <a:shade val="15000"/>
+              </a:schemeClr>
+            </a:lnRef>
+            <a:fillRef idx="1">
+              <a:schemeClr val="accent1"/>
+            </a:fillRef>
+            <a:effectRef idx="0">
+              <a:schemeClr val="accent1"/>
+            </a:effectRef>
+            <a:fontRef idx="minor">
+              <a:schemeClr val="lt1"/>
+            </a:fontRef>
+          </p:style>
+          <p:txBody>
+            <a:bodyPr wrap="square" rtlCol="0" anchor="ctr">
+              <a:noAutofit/>
+            </a:bodyPr>
+            <a:lstStyle/>
+            <a:p>
+              <a:pPr algn="ctr"/>
+              <a:endParaRPr kumimoji="1" lang="ja-JP" altLang="en-US"/>
+            </a:p>
+          </p:txBody>
+        </p:sp>
+        <p:sp>
+          <p:nvSpPr>
+            <p:cNvPr id="21" name="フリーフォーム 20">
+              <a:extLst>
+                <a:ext uri="{FF2B5EF4-FFF2-40B4-BE49-F238E27FC236}">
+                  <a16:creationId xmlns:a16="http://schemas.microsoft.com/office/drawing/2014/main" id="{E4F67FBE-B399-19B8-D231-2B337EF7B8C1}"/>
+                </a:ext>
+              </a:extLst>
+            </p:cNvPr>
+            <p:cNvSpPr/>
+            <p:nvPr/>
+          </p:nvSpPr>
+          <p:spPr>
+            <a:xfrm rot="2570777" flipV="1">
+              <a:off x="4215733" y="3442103"/>
+              <a:ext cx="418483" cy="1184114"/>
+            </a:xfrm>
+            <a:custGeom>
+              <a:avLst/>
+              <a:gdLst>
+                <a:gd name="connsiteX0" fmla="*/ 130921 w 418483"/>
+                <a:gd name="connsiteY0" fmla="*/ 1184114 h 1184114"/>
+                <a:gd name="connsiteX1" fmla="*/ 418483 w 418483"/>
+                <a:gd name="connsiteY1" fmla="*/ 1162455 h 1184114"/>
+                <a:gd name="connsiteX2" fmla="*/ 286869 w 418483"/>
+                <a:gd name="connsiteY2" fmla="*/ 125878 h 1184114"/>
+                <a:gd name="connsiteX3" fmla="*/ 125879 w 418483"/>
+                <a:gd name="connsiteY3" fmla="*/ 1163 h 1184114"/>
+                <a:gd name="connsiteX4" fmla="*/ 1163 w 418483"/>
+                <a:gd name="connsiteY4" fmla="*/ 162153 h 1184114"/>
+                <a:gd name="connsiteX5" fmla="*/ 130921 w 418483"/>
+                <a:gd name="connsiteY5" fmla="*/ 1184114 h 1184114"/>
+              </a:gdLst>
+              <a:ahLst/>
+              <a:cxnLst>
+                <a:cxn ang="0">
+                  <a:pos x="connsiteX0" y="connsiteY0"/>
+                </a:cxn>
+                <a:cxn ang="0">
+                  <a:pos x="connsiteX1" y="connsiteY1"/>
+                </a:cxn>
+                <a:cxn ang="0">
+                  <a:pos x="connsiteX2" y="connsiteY2"/>
+                </a:cxn>
+                <a:cxn ang="0">
+                  <a:pos x="connsiteX3" y="connsiteY3"/>
+                </a:cxn>
+                <a:cxn ang="0">
+                  <a:pos x="connsiteX4" y="connsiteY4"/>
+                </a:cxn>
+                <a:cxn ang="0">
+                  <a:pos x="connsiteX5" y="connsiteY5"/>
+                </a:cxn>
+              </a:cxnLst>
+              <a:rect l="l" t="t" r="r" b="b"/>
+              <a:pathLst>
+                <a:path w="418483" h="1184114">
+                  <a:moveTo>
+                    <a:pt x="130921" y="1184114"/>
+                  </a:moveTo>
+                  <a:lnTo>
+                    <a:pt x="418483" y="1162455"/>
+                  </a:lnTo>
+                  <a:lnTo>
+                    <a:pt x="286869" y="125878"/>
+                  </a:lnTo>
+                  <a:cubicBezTo>
+                    <a:pt x="276852" y="46982"/>
+                    <a:pt x="204774" y="-8855"/>
+                    <a:pt x="125879" y="1163"/>
+                  </a:cubicBezTo>
+                  <a:cubicBezTo>
+                    <a:pt x="46983" y="11180"/>
+                    <a:pt x="-8855" y="83258"/>
+                    <a:pt x="1163" y="162153"/>
+                  </a:cubicBezTo>
+                  <a:lnTo>
+                    <a:pt x="130921" y="1184114"/>
+                  </a:lnTo>
+                  <a:close/>
+                </a:path>
+              </a:pathLst>
+            </a:custGeom>
+            <a:grpFill/>
+            <a:ln>
+              <a:noFill/>
+            </a:ln>
+          </p:spPr>
+          <p:style>
+            <a:lnRef idx="2">
+              <a:schemeClr val="accent1">
+                <a:shade val="15000"/>
+              </a:schemeClr>
+            </a:lnRef>
+            <a:fillRef idx="1">
+              <a:schemeClr val="accent1"/>
+            </a:fillRef>
+            <a:effectRef idx="0">
+              <a:schemeClr val="accent1"/>
+            </a:effectRef>
+            <a:fontRef idx="minor">
+              <a:schemeClr val="lt1"/>
+            </a:fontRef>
+          </p:style>
+          <p:txBody>
+            <a:bodyPr wrap="square" rtlCol="0" anchor="ctr">
+              <a:noAutofit/>
+            </a:bodyPr>
+            <a:lstStyle/>
+            <a:p>
+              <a:pPr algn="ctr"/>
+              <a:endParaRPr kumimoji="1" lang="ja-JP" altLang="en-US"/>
+            </a:p>
+          </p:txBody>
+        </p:sp>
+        <p:sp>
+          <p:nvSpPr>
+            <p:cNvPr id="22" name="フリーフォーム 21">
+              <a:extLst>
+                <a:ext uri="{FF2B5EF4-FFF2-40B4-BE49-F238E27FC236}">
+                  <a16:creationId xmlns:a16="http://schemas.microsoft.com/office/drawing/2014/main" id="{3CC3C4A6-A169-DE5D-BD40-5B4A5195FDAC}"/>
+                </a:ext>
+              </a:extLst>
+            </p:cNvPr>
+            <p:cNvSpPr/>
+            <p:nvPr/>
+          </p:nvSpPr>
+          <p:spPr>
+            <a:xfrm rot="2570777" flipV="1">
+              <a:off x="4736684" y="4198015"/>
+              <a:ext cx="2079541" cy="431466"/>
+            </a:xfrm>
+            <a:custGeom>
+              <a:avLst/>
+              <a:gdLst>
+                <a:gd name="connsiteX0" fmla="*/ 36323 w 2079541"/>
+                <a:gd name="connsiteY0" fmla="*/ 431466 h 431466"/>
+                <a:gd name="connsiteX1" fmla="*/ 1946350 w 2079541"/>
+                <a:gd name="connsiteY1" fmla="*/ 287601 h 431466"/>
+                <a:gd name="connsiteX2" fmla="*/ 2079128 w 2079541"/>
+                <a:gd name="connsiteY2" fmla="*/ 133192 h 431466"/>
+                <a:gd name="connsiteX3" fmla="*/ 1924719 w 2079541"/>
+                <a:gd name="connsiteY3" fmla="*/ 414 h 431466"/>
+                <a:gd name="connsiteX4" fmla="*/ 0 w 2079541"/>
+                <a:gd name="connsiteY4" fmla="*/ 145386 h 431466"/>
+                <a:gd name="connsiteX5" fmla="*/ 36323 w 2079541"/>
+                <a:gd name="connsiteY5" fmla="*/ 431466 h 431466"/>
+              </a:gdLst>
+              <a:ahLst/>
+              <a:cxnLst>
+                <a:cxn ang="0">
+                  <a:pos x="connsiteX0" y="connsiteY0"/>
+                </a:cxn>
+                <a:cxn ang="0">
+                  <a:pos x="connsiteX1" y="connsiteY1"/>
+                </a:cxn>
+                <a:cxn ang="0">
+                  <a:pos x="connsiteX2" y="connsiteY2"/>
+                </a:cxn>
+                <a:cxn ang="0">
+                  <a:pos x="connsiteX3" y="connsiteY3"/>
+                </a:cxn>
+                <a:cxn ang="0">
+                  <a:pos x="connsiteX4" y="connsiteY4"/>
+                </a:cxn>
+                <a:cxn ang="0">
+                  <a:pos x="connsiteX5" y="connsiteY5"/>
+                </a:cxn>
+              </a:cxnLst>
+              <a:rect l="l" t="t" r="r" b="b"/>
+              <a:pathLst>
+                <a:path w="2079541" h="431466">
+                  <a:moveTo>
+                    <a:pt x="36323" y="431466"/>
+                  </a:moveTo>
+                  <a:lnTo>
+                    <a:pt x="1946350" y="287601"/>
+                  </a:lnTo>
+                  <a:cubicBezTo>
+                    <a:pt x="2025654" y="281628"/>
+                    <a:pt x="2085101" y="212496"/>
+                    <a:pt x="2079128" y="133192"/>
+                  </a:cubicBezTo>
+                  <a:cubicBezTo>
+                    <a:pt x="2073154" y="53888"/>
+                    <a:pt x="2004023" y="-5558"/>
+                    <a:pt x="1924719" y="414"/>
+                  </a:cubicBezTo>
+                  <a:lnTo>
+                    <a:pt x="0" y="145386"/>
+                  </a:lnTo>
+                  <a:lnTo>
+                    <a:pt x="36323" y="431466"/>
+                  </a:lnTo>
+                  <a:close/>
+                </a:path>
+              </a:pathLst>
+            </a:custGeom>
+            <a:grpFill/>
+            <a:ln>
+              <a:noFill/>
+            </a:ln>
+          </p:spPr>
+          <p:style>
+            <a:lnRef idx="2">
+              <a:schemeClr val="accent1">
+                <a:shade val="15000"/>
+              </a:schemeClr>
+            </a:lnRef>
+            <a:fillRef idx="1">
+              <a:schemeClr val="accent1"/>
+            </a:fillRef>
+            <a:effectRef idx="0">
+              <a:schemeClr val="accent1"/>
+            </a:effectRef>
+            <a:fontRef idx="minor">
+              <a:schemeClr val="lt1"/>
+            </a:fontRef>
+          </p:style>
+          <p:txBody>
+            <a:bodyPr wrap="square" rtlCol="0" anchor="ctr">
+              <a:noAutofit/>
+            </a:bodyPr>
+            <a:lstStyle/>
+            <a:p>
+              <a:pPr algn="ctr"/>
+              <a:endParaRPr kumimoji="1" lang="ja-JP" altLang="en-US"/>
+            </a:p>
+          </p:txBody>
+        </p:sp>
+        <p:sp>
+          <p:nvSpPr>
+            <p:cNvPr id="23" name="角丸四角形 22">
+              <a:extLst>
+                <a:ext uri="{FF2B5EF4-FFF2-40B4-BE49-F238E27FC236}">
+                  <a16:creationId xmlns:a16="http://schemas.microsoft.com/office/drawing/2014/main" id="{31DAC182-9012-952B-B458-DFF33A4B0F9D}"/>
+                </a:ext>
+              </a:extLst>
+            </p:cNvPr>
+            <p:cNvSpPr/>
+            <p:nvPr/>
+          </p:nvSpPr>
+          <p:spPr>
+            <a:xfrm rot="3853656">
+              <a:off x="3736213" y="1735088"/>
+              <a:ext cx="288000" cy="692553"/>
+            </a:xfrm>
+            <a:prstGeom prst="roundRect">
+              <a:avLst>
+                <a:gd name="adj" fmla="val 50000"/>
+              </a:avLst>
+            </a:prstGeom>
+            <a:grpFill/>
+            <a:ln>
+              <a:noFill/>
+            </a:ln>
+          </p:spPr>
+          <p:style>
+            <a:lnRef idx="2">
+              <a:schemeClr val="accent1">
+                <a:shade val="15000"/>
+              </a:schemeClr>
+            </a:lnRef>
+            <a:fillRef idx="1">
+              <a:schemeClr val="accent1"/>
+            </a:fillRef>
+            <a:effectRef idx="0">
+              <a:schemeClr val="accent1"/>
+            </a:effectRef>
+            <a:fontRef idx="minor">
+              <a:schemeClr val="lt1"/>
+            </a:fontRef>
+          </p:style>
+          <p:txBody>
+            <a:bodyPr rtlCol="0" anchor="ctr"/>
+            <a:lstStyle/>
+            <a:p>
+              <a:pPr algn="ctr"/>
+              <a:endParaRPr kumimoji="1" lang="ja-JP" altLang="en-US"/>
+            </a:p>
+          </p:txBody>
+        </p:sp>
+        <p:sp>
+          <p:nvSpPr>
+            <p:cNvPr id="25" name="角丸四角形 24">
+              <a:extLst>
+                <a:ext uri="{FF2B5EF4-FFF2-40B4-BE49-F238E27FC236}">
+                  <a16:creationId xmlns:a16="http://schemas.microsoft.com/office/drawing/2014/main" id="{66EFAB96-D59B-6344-ED1C-437E5D22F4B7}"/>
+                </a:ext>
+              </a:extLst>
+            </p:cNvPr>
+            <p:cNvSpPr/>
+            <p:nvPr/>
+          </p:nvSpPr>
+          <p:spPr>
+            <a:xfrm rot="17746344" flipV="1">
+              <a:off x="3733084" y="3879353"/>
+              <a:ext cx="288000" cy="692553"/>
+            </a:xfrm>
+            <a:prstGeom prst="roundRect">
+              <a:avLst>
+                <a:gd name="adj" fmla="val 50000"/>
+              </a:avLst>
+            </a:prstGeom>
+            <a:grpFill/>
+            <a:ln>
+              <a:noFill/>
+            </a:ln>
+          </p:spPr>
+          <p:style>
+            <a:lnRef idx="2">
+              <a:schemeClr val="accent1">
+                <a:shade val="15000"/>
+              </a:schemeClr>
+            </a:lnRef>
+            <a:fillRef idx="1">
+              <a:schemeClr val="accent1"/>
+            </a:fillRef>
+            <a:effectRef idx="0">
+              <a:schemeClr val="accent1"/>
+            </a:effectRef>
+            <a:fontRef idx="minor">
+              <a:schemeClr val="lt1"/>
+            </a:fontRef>
+          </p:style>
+          <p:txBody>
+            <a:bodyPr rtlCol="0" anchor="ctr"/>
+            <a:lstStyle/>
+            <a:p>
+              <a:pPr algn="ctr"/>
+              <a:endParaRPr kumimoji="1" lang="ja-JP" altLang="en-US"/>
+            </a:p>
+          </p:txBody>
+        </p:sp>
+      </p:grpSp>
+      <p:sp>
+        <p:nvSpPr>
+          <p:cNvPr id="26" name="円/楕円 25">
+            <a:extLst>
+              <a:ext uri="{FF2B5EF4-FFF2-40B4-BE49-F238E27FC236}">
+                <a16:creationId xmlns:a16="http://schemas.microsoft.com/office/drawing/2014/main" id="{EE634D4D-6A5A-9833-D4E5-CABF739079FE}"/>
+              </a:ext>
+            </a:extLst>
+          </p:cNvPr>
+          <p:cNvSpPr/>
+          <p:nvPr/>
+        </p:nvSpPr>
+        <p:spPr>
+          <a:xfrm>
+            <a:off x="6773951" y="518275"/>
+            <a:ext cx="2016000" cy="2016000"/>
+          </a:xfrm>
+          <a:prstGeom prst="ellipse">
+            <a:avLst/>
+          </a:prstGeom>
+          <a:solidFill>
+            <a:srgbClr val="6D6766"/>
+          </a:solidFill>
+          <a:ln>
+            <a:noFill/>
+          </a:ln>
+        </p:spPr>
+        <p:style>
+          <a:lnRef idx="2">
+            <a:schemeClr val="accent1">
+              <a:shade val="50000"/>
+            </a:schemeClr>
+          </a:lnRef>
+          <a:fillRef idx="1">
+            <a:schemeClr val="accent1"/>
+          </a:fillRef>
+          <a:effectRef idx="0">
+            <a:schemeClr val="accent1"/>
+          </a:effectRef>
+          <a:fontRef idx="minor">
+            <a:schemeClr val="lt1"/>
+          </a:fontRef>
+        </p:style>
+        <p:txBody>
+          <a:bodyPr rtlCol="0" anchor="ctr"/>
+          <a:lstStyle/>
+          <a:p>
+            <a:pPr algn="ctr"/>
+            <a:endParaRPr kumimoji="1" lang="ja-JP" altLang="en-US"/>
+          </a:p>
+        </p:txBody>
+      </p:sp>
+      <p:sp>
+        <p:nvSpPr>
+          <p:cNvPr id="27" name="十字形 26">
+            <a:extLst>
+              <a:ext uri="{FF2B5EF4-FFF2-40B4-BE49-F238E27FC236}">
+                <a16:creationId xmlns:a16="http://schemas.microsoft.com/office/drawing/2014/main" id="{C3FAB819-2645-E6D2-1647-2E4851810395}"/>
+              </a:ext>
+            </a:extLst>
+          </p:cNvPr>
+          <p:cNvSpPr/>
+          <p:nvPr/>
+        </p:nvSpPr>
+        <p:spPr>
+          <a:xfrm>
+            <a:off x="7094765" y="842275"/>
+            <a:ext cx="1368000" cy="1368000"/>
+          </a:xfrm>
+          <a:prstGeom prst="plus">
+            <a:avLst>
+              <a:gd name="adj" fmla="val 38436"/>
+            </a:avLst>
+          </a:prstGeom>
+          <a:solidFill>
+            <a:srgbClr val="E8E5E6"/>
+          </a:solidFill>
+          <a:ln>
+            <a:noFill/>
+          </a:ln>
+        </p:spPr>
+        <p:style>
+          <a:lnRef idx="2">
+            <a:schemeClr val="accent1">
+              <a:shade val="50000"/>
+            </a:schemeClr>
+          </a:lnRef>
+          <a:fillRef idx="1">
+            <a:schemeClr val="accent1"/>
+          </a:fillRef>
+          <a:effectRef idx="0">
+            <a:schemeClr val="accent1"/>
+          </a:effectRef>
+          <a:fontRef idx="minor">
+            <a:schemeClr val="lt1"/>
+          </a:fontRef>
+        </p:style>
+        <p:txBody>
+          <a:bodyPr rtlCol="0" anchor="ctr"/>
+          <a:lstStyle/>
+          <a:p>
+            <a:pPr algn="ctr"/>
+            <a:endParaRPr kumimoji="1" lang="ja-JP" altLang="en-US">
+              <a:solidFill>
+                <a:srgbClr val="E8E5E6"/>
+              </a:solidFill>
+            </a:endParaRPr>
+          </a:p>
+        </p:txBody>
+      </p:sp>
+    </p:spTree>
+    <p:extLst>
+      <p:ext uri="{BB962C8B-B14F-4D97-AF65-F5344CB8AC3E}">
+        <p14:creationId xmlns:p14="http://schemas.microsoft.com/office/powerpoint/2010/main" val="168503536"/>
+      </p:ext>
+    </p:extLst>
+  </p:cSld>
+  <p:clrMapOvr>
+    <a:masterClrMapping/>
+  </p:clrMapOvr>
+</p:sld>
+</file>
+
+<file path=ppt/slides/slide11.xml><?xml version="1.0" encoding="utf-8"?>
+<p:sld xmlns:a="http://schemas.openxmlformats.org/drawingml/2006/main" xmlns:r="http://schemas.openxmlformats.org/officeDocument/2006/relationships" xmlns:p="http://schemas.openxmlformats.org/presentationml/2006/main">
+  <p:cSld>
+    <p:spTree>
+      <p:nvGrpSpPr>
+        <p:cNvPr id="1" name="">
+          <a:extLst>
+            <a:ext uri="{FF2B5EF4-FFF2-40B4-BE49-F238E27FC236}">
+              <a16:creationId xmlns:a16="http://schemas.microsoft.com/office/drawing/2014/main" id="{FA89F194-5055-0A19-E190-11E09DDC5C2E}"/>
+            </a:ext>
+          </a:extLst>
+        </p:cNvPr>
+        <p:cNvGrpSpPr/>
+        <p:nvPr/>
+      </p:nvGrpSpPr>
+      <p:grpSpPr>
+        <a:xfrm>
+          <a:off x="0" y="0"/>
+          <a:ext cx="0" cy="0"/>
+          <a:chOff x="0" y="0"/>
+          <a:chExt cx="0" cy="0"/>
+        </a:xfrm>
+      </p:grpSpPr>
+      <p:sp>
+        <p:nvSpPr>
+          <p:cNvPr id="6" name="正方形/長方形 5">
+            <a:extLst>
+              <a:ext uri="{FF2B5EF4-FFF2-40B4-BE49-F238E27FC236}">
+                <a16:creationId xmlns:a16="http://schemas.microsoft.com/office/drawing/2014/main" id="{B7FBA440-ABEF-8D19-D69F-FD88E0178E7F}"/>
+              </a:ext>
+            </a:extLst>
+          </p:cNvPr>
+          <p:cNvSpPr/>
+          <p:nvPr/>
+        </p:nvSpPr>
+        <p:spPr>
+          <a:xfrm>
+            <a:off x="2675999" y="18000"/>
+            <a:ext cx="6840000" cy="6840000"/>
+          </a:xfrm>
+          <a:prstGeom prst="rect">
+            <a:avLst/>
+          </a:prstGeom>
+          <a:solidFill>
+            <a:srgbClr val="332826"/>
+          </a:solidFill>
+          <a:ln>
+            <a:solidFill>
+              <a:srgbClr val="332826"/>
+            </a:solidFill>
+          </a:ln>
+        </p:spPr>
+        <p:style>
+          <a:lnRef idx="2">
+            <a:schemeClr val="accent1">
+              <a:shade val="50000"/>
+            </a:schemeClr>
+          </a:lnRef>
+          <a:fillRef idx="1">
+            <a:schemeClr val="accent1"/>
+          </a:fillRef>
+          <a:effectRef idx="0">
+            <a:schemeClr val="accent1"/>
+          </a:effectRef>
+          <a:fontRef idx="minor">
+            <a:schemeClr val="lt1"/>
+          </a:fontRef>
+        </p:style>
+        <p:txBody>
+          <a:bodyPr rtlCol="0" anchor="ctr"/>
+          <a:lstStyle/>
+          <a:p>
+            <a:pPr algn="ctr"/>
+            <a:endParaRPr kumimoji="1" lang="ja-JP" altLang="en-US"/>
+          </a:p>
+        </p:txBody>
+      </p:sp>
+      <p:pic>
+        <p:nvPicPr>
+          <p:cNvPr id="2" name="コンテンツ プレースホルダー 4" descr="図形&#10;&#10;AI 生成コンテンツは誤りを含む可能性があります。">
+            <a:extLst>
+              <a:ext uri="{FF2B5EF4-FFF2-40B4-BE49-F238E27FC236}">
+                <a16:creationId xmlns:a16="http://schemas.microsoft.com/office/drawing/2014/main" id="{C5F4ADAF-8370-67F7-76F1-A6E2A5CFBA28}"/>
+              </a:ext>
+            </a:extLst>
+          </p:cNvPr>
+          <p:cNvPicPr>
+            <a:picLocks noChangeAspect="1"/>
+          </p:cNvPicPr>
+          <p:nvPr/>
+        </p:nvPicPr>
+        <p:blipFill>
+          <a:blip r:embed="rId2"/>
+          <a:stretch>
+            <a:fillRect/>
+          </a:stretch>
+        </p:blipFill>
+        <p:spPr>
+          <a:xfrm>
+            <a:off x="-1574658" y="97035"/>
+            <a:ext cx="5095773" cy="5095773"/>
+          </a:xfrm>
+          <a:prstGeom prst="rect">
+            <a:avLst/>
+          </a:prstGeom>
+        </p:spPr>
+      </p:pic>
+      <p:grpSp>
+        <p:nvGrpSpPr>
+          <p:cNvPr id="21" name="グループ化 20">
+            <a:extLst>
+              <a:ext uri="{FF2B5EF4-FFF2-40B4-BE49-F238E27FC236}">
+                <a16:creationId xmlns:a16="http://schemas.microsoft.com/office/drawing/2014/main" id="{9DAEE0B3-4657-B08C-DBBB-28B2469D9390}"/>
+              </a:ext>
+            </a:extLst>
+          </p:cNvPr>
+          <p:cNvGrpSpPr/>
+          <p:nvPr/>
+        </p:nvGrpSpPr>
+        <p:grpSpPr>
+          <a:xfrm>
+            <a:off x="4132080" y="841934"/>
+            <a:ext cx="4074262" cy="5192131"/>
+            <a:chOff x="4025363" y="817687"/>
+            <a:chExt cx="4074262" cy="5192131"/>
+          </a:xfrm>
+        </p:grpSpPr>
+        <p:sp>
+          <p:nvSpPr>
+            <p:cNvPr id="7" name="角丸四角形 6">
+              <a:extLst>
+                <a:ext uri="{FF2B5EF4-FFF2-40B4-BE49-F238E27FC236}">
+                  <a16:creationId xmlns:a16="http://schemas.microsoft.com/office/drawing/2014/main" id="{50D5E7C8-5713-965F-D31F-B9DE77A0E3DD}"/>
+                </a:ext>
+              </a:extLst>
+            </p:cNvPr>
+            <p:cNvSpPr/>
+            <p:nvPr/>
+          </p:nvSpPr>
+          <p:spPr>
+            <a:xfrm>
+              <a:off x="7722447" y="1946302"/>
+              <a:ext cx="288000" cy="2923822"/>
+            </a:xfrm>
+            <a:prstGeom prst="roundRect">
+              <a:avLst>
+                <a:gd name="adj" fmla="val 50000"/>
+              </a:avLst>
+            </a:prstGeom>
+            <a:solidFill>
+              <a:srgbClr val="C0B8B5"/>
+            </a:solidFill>
+            <a:ln>
+              <a:noFill/>
+            </a:ln>
+          </p:spPr>
+          <p:style>
+            <a:lnRef idx="2">
+              <a:schemeClr val="accent1">
+                <a:shade val="15000"/>
+              </a:schemeClr>
+            </a:lnRef>
+            <a:fillRef idx="1">
+              <a:schemeClr val="accent1"/>
+            </a:fillRef>
+            <a:effectRef idx="0">
+              <a:schemeClr val="accent1"/>
+            </a:effectRef>
+            <a:fontRef idx="minor">
+              <a:schemeClr val="lt1"/>
+            </a:fontRef>
+          </p:style>
+          <p:txBody>
+            <a:bodyPr rtlCol="0" anchor="ctr"/>
+            <a:lstStyle/>
+            <a:p>
+              <a:pPr algn="ctr"/>
+              <a:endParaRPr kumimoji="1" lang="ja-JP" altLang="en-US"/>
+            </a:p>
+          </p:txBody>
+        </p:sp>
+        <p:sp>
+          <p:nvSpPr>
+            <p:cNvPr id="9" name="角丸四角形 8">
+              <a:extLst>
+                <a:ext uri="{FF2B5EF4-FFF2-40B4-BE49-F238E27FC236}">
+                  <a16:creationId xmlns:a16="http://schemas.microsoft.com/office/drawing/2014/main" id="{9CFA15EC-EF25-27F2-E99C-0EA50297A718}"/>
+                </a:ext>
+              </a:extLst>
+            </p:cNvPr>
+            <p:cNvSpPr/>
+            <p:nvPr/>
+          </p:nvSpPr>
+          <p:spPr>
+            <a:xfrm rot="18080590">
+              <a:off x="7222686" y="1057367"/>
+              <a:ext cx="288000" cy="1445336"/>
+            </a:xfrm>
+            <a:prstGeom prst="roundRect">
+              <a:avLst>
+                <a:gd name="adj" fmla="val 50000"/>
+              </a:avLst>
+            </a:prstGeom>
+            <a:solidFill>
+              <a:srgbClr val="C0B8B5"/>
+            </a:solidFill>
+            <a:ln>
+              <a:noFill/>
+            </a:ln>
+          </p:spPr>
+          <p:style>
+            <a:lnRef idx="2">
+              <a:schemeClr val="accent1">
+                <a:shade val="15000"/>
+              </a:schemeClr>
+            </a:lnRef>
+            <a:fillRef idx="1">
+              <a:schemeClr val="accent1"/>
+            </a:fillRef>
+            <a:effectRef idx="0">
+              <a:schemeClr val="accent1"/>
+            </a:effectRef>
+            <a:fontRef idx="minor">
+              <a:schemeClr val="lt1"/>
+            </a:fontRef>
+          </p:style>
+          <p:txBody>
+            <a:bodyPr rtlCol="0" anchor="ctr"/>
+            <a:lstStyle/>
+            <a:p>
+              <a:pPr algn="ctr"/>
+              <a:endParaRPr kumimoji="1" lang="ja-JP" altLang="en-US"/>
+            </a:p>
+          </p:txBody>
+        </p:sp>
+        <p:sp>
+          <p:nvSpPr>
+            <p:cNvPr id="8" name="角丸四角形 7">
+              <a:extLst>
+                <a:ext uri="{FF2B5EF4-FFF2-40B4-BE49-F238E27FC236}">
+                  <a16:creationId xmlns:a16="http://schemas.microsoft.com/office/drawing/2014/main" id="{FD58481C-6477-4900-8CC1-FA641B24AD4A}"/>
+                </a:ext>
+              </a:extLst>
+            </p:cNvPr>
+            <p:cNvSpPr/>
+            <p:nvPr/>
+          </p:nvSpPr>
+          <p:spPr>
+            <a:xfrm>
+              <a:off x="6736769" y="1368945"/>
+              <a:ext cx="288000" cy="4073328"/>
+            </a:xfrm>
+            <a:prstGeom prst="roundRect">
+              <a:avLst>
+                <a:gd name="adj" fmla="val 50000"/>
+              </a:avLst>
+            </a:prstGeom>
+            <a:solidFill>
+              <a:srgbClr val="C0B8B5"/>
+            </a:solidFill>
+            <a:ln>
+              <a:noFill/>
+            </a:ln>
+          </p:spPr>
+          <p:style>
+            <a:lnRef idx="2">
+              <a:schemeClr val="accent1">
+                <a:shade val="15000"/>
+              </a:schemeClr>
+            </a:lnRef>
+            <a:fillRef idx="1">
+              <a:schemeClr val="accent1"/>
+            </a:fillRef>
+            <a:effectRef idx="0">
+              <a:schemeClr val="accent1"/>
+            </a:effectRef>
+            <a:fontRef idx="minor">
+              <a:schemeClr val="lt1"/>
+            </a:fontRef>
+          </p:style>
+          <p:txBody>
+            <a:bodyPr rtlCol="0" anchor="ctr"/>
+            <a:lstStyle/>
+            <a:p>
+              <a:pPr algn="ctr"/>
+              <a:endParaRPr kumimoji="1" lang="ja-JP" altLang="en-US"/>
+            </a:p>
+          </p:txBody>
+        </p:sp>
+        <p:sp>
+          <p:nvSpPr>
+            <p:cNvPr id="10" name="角丸四角形 9">
+              <a:extLst>
+                <a:ext uri="{FF2B5EF4-FFF2-40B4-BE49-F238E27FC236}">
+                  <a16:creationId xmlns:a16="http://schemas.microsoft.com/office/drawing/2014/main" id="{825ED96D-29AB-CA3E-C2AD-4B393F44E1EC}"/>
+                </a:ext>
+              </a:extLst>
+            </p:cNvPr>
+            <p:cNvSpPr/>
+            <p:nvPr/>
+          </p:nvSpPr>
+          <p:spPr>
+            <a:xfrm rot="3519410" flipV="1">
+              <a:off x="7232957" y="4319058"/>
+              <a:ext cx="288000" cy="1445336"/>
+            </a:xfrm>
+            <a:prstGeom prst="roundRect">
+              <a:avLst>
+                <a:gd name="adj" fmla="val 50000"/>
+              </a:avLst>
+            </a:prstGeom>
+            <a:solidFill>
+              <a:srgbClr val="C0B8B5"/>
+            </a:solidFill>
+            <a:ln>
+              <a:noFill/>
+            </a:ln>
+          </p:spPr>
+          <p:style>
+            <a:lnRef idx="2">
+              <a:schemeClr val="accent1">
+                <a:shade val="15000"/>
+              </a:schemeClr>
+            </a:lnRef>
+            <a:fillRef idx="1">
+              <a:schemeClr val="accent1"/>
+            </a:fillRef>
+            <a:effectRef idx="0">
+              <a:schemeClr val="accent1"/>
+            </a:effectRef>
+            <a:fontRef idx="minor">
+              <a:schemeClr val="lt1"/>
+            </a:fontRef>
+          </p:style>
+          <p:txBody>
+            <a:bodyPr rtlCol="0" anchor="ctr"/>
+            <a:lstStyle/>
+            <a:p>
+              <a:pPr algn="ctr"/>
+              <a:endParaRPr kumimoji="1" lang="ja-JP" altLang="en-US"/>
+            </a:p>
+          </p:txBody>
+        </p:sp>
+        <p:sp>
+          <p:nvSpPr>
+            <p:cNvPr id="11" name="角丸四角形 10">
+              <a:extLst>
+                <a:ext uri="{FF2B5EF4-FFF2-40B4-BE49-F238E27FC236}">
+                  <a16:creationId xmlns:a16="http://schemas.microsoft.com/office/drawing/2014/main" id="{AA90DA82-F37C-A59D-1BCF-1AB36CF874C2}"/>
+                </a:ext>
+              </a:extLst>
+            </p:cNvPr>
+            <p:cNvSpPr/>
+            <p:nvPr/>
+          </p:nvSpPr>
+          <p:spPr>
+            <a:xfrm rot="2570777" flipV="1">
+              <a:off x="5383170" y="817687"/>
+              <a:ext cx="288000" cy="4240363"/>
+            </a:xfrm>
+            <a:prstGeom prst="roundRect">
+              <a:avLst>
+                <a:gd name="adj" fmla="val 50000"/>
+              </a:avLst>
+            </a:prstGeom>
+            <a:solidFill>
+              <a:srgbClr val="C0B8B5"/>
+            </a:solidFill>
+            <a:ln>
+              <a:noFill/>
+            </a:ln>
+          </p:spPr>
+          <p:style>
+            <a:lnRef idx="2">
+              <a:schemeClr val="accent1">
+                <a:shade val="15000"/>
+              </a:schemeClr>
+            </a:lnRef>
+            <a:fillRef idx="1">
+              <a:schemeClr val="accent1"/>
+            </a:fillRef>
+            <a:effectRef idx="0">
+              <a:schemeClr val="accent1"/>
+            </a:effectRef>
+            <a:fontRef idx="minor">
+              <a:schemeClr val="lt1"/>
+            </a:fontRef>
+          </p:style>
+          <p:txBody>
+            <a:bodyPr rtlCol="0" anchor="ctr"/>
+            <a:lstStyle/>
+            <a:p>
+              <a:pPr algn="ctr"/>
+              <a:endParaRPr kumimoji="1" lang="ja-JP" altLang="en-US"/>
+            </a:p>
+          </p:txBody>
+        </p:sp>
+        <p:sp>
+          <p:nvSpPr>
+            <p:cNvPr id="12" name="角丸四角形 11">
+              <a:extLst>
+                <a:ext uri="{FF2B5EF4-FFF2-40B4-BE49-F238E27FC236}">
+                  <a16:creationId xmlns:a16="http://schemas.microsoft.com/office/drawing/2014/main" id="{DF8566DF-83C0-28A5-8552-7BCE48F4CBA8}"/>
+                </a:ext>
+              </a:extLst>
+            </p:cNvPr>
+            <p:cNvSpPr/>
+            <p:nvPr/>
+          </p:nvSpPr>
+          <p:spPr>
+            <a:xfrm rot="19029223">
+              <a:off x="5391122" y="1769455"/>
+              <a:ext cx="288000" cy="4240363"/>
+            </a:xfrm>
+            <a:prstGeom prst="roundRect">
+              <a:avLst>
+                <a:gd name="adj" fmla="val 50000"/>
+              </a:avLst>
+            </a:prstGeom>
+            <a:solidFill>
+              <a:srgbClr val="C0B8B5"/>
+            </a:solidFill>
+            <a:ln>
+              <a:noFill/>
+            </a:ln>
+          </p:spPr>
+          <p:style>
+            <a:lnRef idx="2">
+              <a:schemeClr val="accent1">
+                <a:shade val="15000"/>
+              </a:schemeClr>
+            </a:lnRef>
+            <a:fillRef idx="1">
+              <a:schemeClr val="accent1"/>
+            </a:fillRef>
+            <a:effectRef idx="0">
+              <a:schemeClr val="accent1"/>
+            </a:effectRef>
+            <a:fontRef idx="minor">
+              <a:schemeClr val="lt1"/>
+            </a:fontRef>
+          </p:style>
+          <p:txBody>
+            <a:bodyPr rtlCol="0" anchor="ctr"/>
+            <a:lstStyle/>
+            <a:p>
+              <a:pPr algn="ctr"/>
+              <a:endParaRPr kumimoji="1" lang="ja-JP" altLang="en-US"/>
+            </a:p>
+          </p:txBody>
+        </p:sp>
+        <p:sp>
+          <p:nvSpPr>
+            <p:cNvPr id="17" name="角丸四角形 16">
+              <a:extLst>
+                <a:ext uri="{FF2B5EF4-FFF2-40B4-BE49-F238E27FC236}">
+                  <a16:creationId xmlns:a16="http://schemas.microsoft.com/office/drawing/2014/main" id="{BA88EF3E-BDFC-DFFE-6839-9CF5FE895F63}"/>
+                </a:ext>
+              </a:extLst>
+            </p:cNvPr>
+            <p:cNvSpPr/>
+            <p:nvPr/>
+          </p:nvSpPr>
+          <p:spPr>
+            <a:xfrm rot="18754095">
+              <a:off x="5547082" y="1616742"/>
+              <a:ext cx="288000" cy="3303832"/>
+            </a:xfrm>
+            <a:prstGeom prst="roundRect">
+              <a:avLst>
+                <a:gd name="adj" fmla="val 50000"/>
+              </a:avLst>
+            </a:prstGeom>
+            <a:solidFill>
+              <a:srgbClr val="C0B8B5"/>
+            </a:solidFill>
+            <a:ln>
+              <a:noFill/>
+            </a:ln>
+          </p:spPr>
+          <p:style>
+            <a:lnRef idx="2">
+              <a:schemeClr val="accent1">
+                <a:shade val="15000"/>
+              </a:schemeClr>
+            </a:lnRef>
+            <a:fillRef idx="1">
+              <a:schemeClr val="accent1"/>
+            </a:fillRef>
+            <a:effectRef idx="0">
+              <a:schemeClr val="accent1"/>
+            </a:effectRef>
+            <a:fontRef idx="minor">
+              <a:schemeClr val="lt1"/>
+            </a:fontRef>
+          </p:style>
+          <p:txBody>
+            <a:bodyPr rtlCol="0" anchor="ctr"/>
+            <a:lstStyle/>
+            <a:p>
+              <a:pPr algn="ctr"/>
+              <a:endParaRPr kumimoji="1" lang="ja-JP" altLang="en-US"/>
+            </a:p>
+          </p:txBody>
+        </p:sp>
+        <p:sp>
+          <p:nvSpPr>
+            <p:cNvPr id="18" name="角丸四角形 17">
+              <a:extLst>
+                <a:ext uri="{FF2B5EF4-FFF2-40B4-BE49-F238E27FC236}">
+                  <a16:creationId xmlns:a16="http://schemas.microsoft.com/office/drawing/2014/main" id="{1F4D87A2-514F-44B9-4366-D91783A56AAC}"/>
+                </a:ext>
+              </a:extLst>
+            </p:cNvPr>
+            <p:cNvSpPr/>
+            <p:nvPr/>
+          </p:nvSpPr>
+          <p:spPr>
+            <a:xfrm rot="3004943" flipV="1">
+              <a:off x="5579549" y="1961825"/>
+              <a:ext cx="288000" cy="3303832"/>
+            </a:xfrm>
+            <a:prstGeom prst="roundRect">
+              <a:avLst>
+                <a:gd name="adj" fmla="val 50000"/>
+              </a:avLst>
+            </a:prstGeom>
+            <a:solidFill>
+              <a:srgbClr val="C0B8B5"/>
+            </a:solidFill>
+            <a:ln>
+              <a:noFill/>
+            </a:ln>
+          </p:spPr>
+          <p:style>
+            <a:lnRef idx="2">
+              <a:schemeClr val="accent1">
+                <a:shade val="15000"/>
+              </a:schemeClr>
+            </a:lnRef>
+            <a:fillRef idx="1">
+              <a:schemeClr val="accent1"/>
+            </a:fillRef>
+            <a:effectRef idx="0">
+              <a:schemeClr val="accent1"/>
+            </a:effectRef>
+            <a:fontRef idx="minor">
+              <a:schemeClr val="lt1"/>
+            </a:fontRef>
+          </p:style>
+          <p:txBody>
+            <a:bodyPr rtlCol="0" anchor="ctr"/>
+            <a:lstStyle/>
+            <a:p>
+              <a:pPr algn="ctr"/>
+              <a:endParaRPr kumimoji="1" lang="ja-JP" altLang="en-US"/>
+            </a:p>
+          </p:txBody>
+        </p:sp>
+        <p:sp>
+          <p:nvSpPr>
+            <p:cNvPr id="19" name="角丸四角形 18">
+              <a:extLst>
+                <a:ext uri="{FF2B5EF4-FFF2-40B4-BE49-F238E27FC236}">
+                  <a16:creationId xmlns:a16="http://schemas.microsoft.com/office/drawing/2014/main" id="{FFB8CCE1-F171-3A1B-CBBC-06D7C174DA41}"/>
+                </a:ext>
+              </a:extLst>
+            </p:cNvPr>
+            <p:cNvSpPr/>
+            <p:nvPr/>
+          </p:nvSpPr>
+          <p:spPr>
+            <a:xfrm rot="3853656">
+              <a:off x="4230769" y="1998137"/>
+              <a:ext cx="288000" cy="692553"/>
+            </a:xfrm>
+            <a:prstGeom prst="roundRect">
+              <a:avLst>
+                <a:gd name="adj" fmla="val 50000"/>
+              </a:avLst>
+            </a:prstGeom>
+            <a:solidFill>
+              <a:srgbClr val="C0B8B5"/>
+            </a:solidFill>
+            <a:ln>
+              <a:noFill/>
+            </a:ln>
+          </p:spPr>
+          <p:style>
+            <a:lnRef idx="2">
+              <a:schemeClr val="accent1">
+                <a:shade val="15000"/>
+              </a:schemeClr>
+            </a:lnRef>
+            <a:fillRef idx="1">
+              <a:schemeClr val="accent1"/>
+            </a:fillRef>
+            <a:effectRef idx="0">
+              <a:schemeClr val="accent1"/>
+            </a:effectRef>
+            <a:fontRef idx="minor">
+              <a:schemeClr val="lt1"/>
+            </a:fontRef>
+          </p:style>
+          <p:txBody>
+            <a:bodyPr rtlCol="0" anchor="ctr"/>
+            <a:lstStyle/>
+            <a:p>
+              <a:pPr algn="ctr"/>
+              <a:endParaRPr kumimoji="1" lang="ja-JP" altLang="en-US"/>
+            </a:p>
+          </p:txBody>
+        </p:sp>
+        <p:sp>
+          <p:nvSpPr>
+            <p:cNvPr id="20" name="角丸四角形 19">
+              <a:extLst>
+                <a:ext uri="{FF2B5EF4-FFF2-40B4-BE49-F238E27FC236}">
+                  <a16:creationId xmlns:a16="http://schemas.microsoft.com/office/drawing/2014/main" id="{76FDDF47-7E59-41A3-88B1-B8A935BB8D98}"/>
+                </a:ext>
+              </a:extLst>
+            </p:cNvPr>
+            <p:cNvSpPr/>
+            <p:nvPr/>
+          </p:nvSpPr>
+          <p:spPr>
+            <a:xfrm rot="17746344" flipV="1">
+              <a:off x="4227640" y="4142402"/>
+              <a:ext cx="288000" cy="692553"/>
+            </a:xfrm>
+            <a:prstGeom prst="roundRect">
+              <a:avLst>
+                <a:gd name="adj" fmla="val 50000"/>
+              </a:avLst>
+            </a:prstGeom>
+            <a:solidFill>
+              <a:srgbClr val="C0B8B5"/>
+            </a:solidFill>
+            <a:ln>
+              <a:noFill/>
+            </a:ln>
+          </p:spPr>
+          <p:style>
+            <a:lnRef idx="2">
+              <a:schemeClr val="accent1">
+                <a:shade val="15000"/>
+              </a:schemeClr>
+            </a:lnRef>
+            <a:fillRef idx="1">
+              <a:schemeClr val="accent1"/>
+            </a:fillRef>
+            <a:effectRef idx="0">
+              <a:schemeClr val="accent1"/>
+            </a:effectRef>
+            <a:fontRef idx="minor">
+              <a:schemeClr val="lt1"/>
+            </a:fontRef>
+          </p:style>
+          <p:txBody>
+            <a:bodyPr rtlCol="0" anchor="ctr"/>
+            <a:lstStyle/>
+            <a:p>
+              <a:pPr algn="ctr"/>
+              <a:endParaRPr kumimoji="1" lang="ja-JP" altLang="en-US"/>
+            </a:p>
+          </p:txBody>
+        </p:sp>
+      </p:grpSp>
+      <p:grpSp>
+        <p:nvGrpSpPr>
+          <p:cNvPr id="25" name="グループ化 24">
+            <a:extLst>
+              <a:ext uri="{FF2B5EF4-FFF2-40B4-BE49-F238E27FC236}">
+                <a16:creationId xmlns:a16="http://schemas.microsoft.com/office/drawing/2014/main" id="{54475547-CC2F-E4DA-51E9-CFCDBF8FDAC8}"/>
+              </a:ext>
+            </a:extLst>
+          </p:cNvPr>
+          <p:cNvGrpSpPr/>
+          <p:nvPr/>
+        </p:nvGrpSpPr>
+        <p:grpSpPr>
+          <a:xfrm>
+            <a:off x="8237979" y="832934"/>
+            <a:ext cx="4074262" cy="5192131"/>
+            <a:chOff x="4025363" y="817687"/>
+            <a:chExt cx="4074262" cy="5192131"/>
+          </a:xfrm>
+        </p:grpSpPr>
+        <p:sp>
+          <p:nvSpPr>
+            <p:cNvPr id="26" name="角丸四角形 25">
+              <a:extLst>
+                <a:ext uri="{FF2B5EF4-FFF2-40B4-BE49-F238E27FC236}">
+                  <a16:creationId xmlns:a16="http://schemas.microsoft.com/office/drawing/2014/main" id="{BA2CDD41-DF22-97A7-BA69-146EFBE59EBB}"/>
+                </a:ext>
+              </a:extLst>
+            </p:cNvPr>
+            <p:cNvSpPr/>
+            <p:nvPr/>
+          </p:nvSpPr>
+          <p:spPr>
+            <a:xfrm>
+              <a:off x="7722447" y="1946302"/>
+              <a:ext cx="288000" cy="2923822"/>
+            </a:xfrm>
+            <a:prstGeom prst="roundRect">
+              <a:avLst>
+                <a:gd name="adj" fmla="val 50000"/>
+              </a:avLst>
+            </a:prstGeom>
+            <a:solidFill>
+              <a:srgbClr val="C0B8B5"/>
+            </a:solidFill>
+            <a:ln>
+              <a:noFill/>
+            </a:ln>
+          </p:spPr>
+          <p:style>
+            <a:lnRef idx="2">
+              <a:schemeClr val="accent1">
+                <a:shade val="15000"/>
+              </a:schemeClr>
+            </a:lnRef>
+            <a:fillRef idx="1">
+              <a:schemeClr val="accent1"/>
+            </a:fillRef>
+            <a:effectRef idx="0">
+              <a:schemeClr val="accent1"/>
+            </a:effectRef>
+            <a:fontRef idx="minor">
+              <a:schemeClr val="lt1"/>
+            </a:fontRef>
+          </p:style>
+          <p:txBody>
+            <a:bodyPr rtlCol="0" anchor="ctr"/>
+            <a:lstStyle/>
+            <a:p>
+              <a:pPr algn="ctr"/>
+              <a:endParaRPr kumimoji="1" lang="ja-JP" altLang="en-US"/>
+            </a:p>
+          </p:txBody>
+        </p:sp>
+        <p:sp>
+          <p:nvSpPr>
+            <p:cNvPr id="27" name="角丸四角形 26">
+              <a:extLst>
+                <a:ext uri="{FF2B5EF4-FFF2-40B4-BE49-F238E27FC236}">
+                  <a16:creationId xmlns:a16="http://schemas.microsoft.com/office/drawing/2014/main" id="{9AC734FA-7F9F-B5AD-D50C-964823943B3E}"/>
+                </a:ext>
+              </a:extLst>
+            </p:cNvPr>
+            <p:cNvSpPr/>
+            <p:nvPr/>
+          </p:nvSpPr>
+          <p:spPr>
+            <a:xfrm rot="18080590">
+              <a:off x="7222686" y="1057367"/>
+              <a:ext cx="288000" cy="1445336"/>
+            </a:xfrm>
+            <a:prstGeom prst="roundRect">
+              <a:avLst>
+                <a:gd name="adj" fmla="val 50000"/>
+              </a:avLst>
+            </a:prstGeom>
+            <a:solidFill>
+              <a:srgbClr val="C0B8B5"/>
+            </a:solidFill>
+            <a:ln>
+              <a:noFill/>
+            </a:ln>
+          </p:spPr>
+          <p:style>
+            <a:lnRef idx="2">
+              <a:schemeClr val="accent1">
+                <a:shade val="15000"/>
+              </a:schemeClr>
+            </a:lnRef>
+            <a:fillRef idx="1">
+              <a:schemeClr val="accent1"/>
+            </a:fillRef>
+            <a:effectRef idx="0">
+              <a:schemeClr val="accent1"/>
+            </a:effectRef>
+            <a:fontRef idx="minor">
+              <a:schemeClr val="lt1"/>
+            </a:fontRef>
+          </p:style>
+          <p:txBody>
+            <a:bodyPr rtlCol="0" anchor="ctr"/>
+            <a:lstStyle/>
+            <a:p>
+              <a:pPr algn="ctr"/>
+              <a:endParaRPr kumimoji="1" lang="ja-JP" altLang="en-US"/>
+            </a:p>
+          </p:txBody>
+        </p:sp>
+        <p:sp>
+          <p:nvSpPr>
+            <p:cNvPr id="28" name="角丸四角形 27">
+              <a:extLst>
+                <a:ext uri="{FF2B5EF4-FFF2-40B4-BE49-F238E27FC236}">
+                  <a16:creationId xmlns:a16="http://schemas.microsoft.com/office/drawing/2014/main" id="{91B8AEEC-82A4-7CA0-A5C0-236ADD724B32}"/>
+                </a:ext>
+              </a:extLst>
+            </p:cNvPr>
+            <p:cNvSpPr/>
+            <p:nvPr/>
+          </p:nvSpPr>
+          <p:spPr>
+            <a:xfrm>
+              <a:off x="6736769" y="1368945"/>
+              <a:ext cx="288000" cy="4073328"/>
+            </a:xfrm>
+            <a:prstGeom prst="roundRect">
+              <a:avLst>
+                <a:gd name="adj" fmla="val 50000"/>
+              </a:avLst>
+            </a:prstGeom>
+            <a:solidFill>
+              <a:srgbClr val="C0B8B5"/>
+            </a:solidFill>
+            <a:ln>
+              <a:noFill/>
+            </a:ln>
+          </p:spPr>
+          <p:style>
+            <a:lnRef idx="2">
+              <a:schemeClr val="accent1">
+                <a:shade val="15000"/>
+              </a:schemeClr>
+            </a:lnRef>
+            <a:fillRef idx="1">
+              <a:schemeClr val="accent1"/>
+            </a:fillRef>
+            <a:effectRef idx="0">
+              <a:schemeClr val="accent1"/>
+            </a:effectRef>
+            <a:fontRef idx="minor">
+              <a:schemeClr val="lt1"/>
+            </a:fontRef>
+          </p:style>
+          <p:txBody>
+            <a:bodyPr rtlCol="0" anchor="ctr"/>
+            <a:lstStyle/>
+            <a:p>
+              <a:pPr algn="ctr"/>
+              <a:endParaRPr kumimoji="1" lang="ja-JP" altLang="en-US"/>
+            </a:p>
+          </p:txBody>
+        </p:sp>
+        <p:sp>
+          <p:nvSpPr>
+            <p:cNvPr id="29" name="角丸四角形 28">
+              <a:extLst>
+                <a:ext uri="{FF2B5EF4-FFF2-40B4-BE49-F238E27FC236}">
+                  <a16:creationId xmlns:a16="http://schemas.microsoft.com/office/drawing/2014/main" id="{CEAD7F40-B4E4-80AB-30D8-864816309FFC}"/>
+                </a:ext>
+              </a:extLst>
+            </p:cNvPr>
+            <p:cNvSpPr/>
+            <p:nvPr/>
+          </p:nvSpPr>
+          <p:spPr>
+            <a:xfrm rot="3519410" flipV="1">
+              <a:off x="7232957" y="4319058"/>
+              <a:ext cx="288000" cy="1445336"/>
+            </a:xfrm>
+            <a:prstGeom prst="roundRect">
+              <a:avLst>
+                <a:gd name="adj" fmla="val 50000"/>
+              </a:avLst>
+            </a:prstGeom>
+            <a:solidFill>
+              <a:srgbClr val="C0B8B5"/>
+            </a:solidFill>
+            <a:ln>
+              <a:noFill/>
+            </a:ln>
+          </p:spPr>
+          <p:style>
+            <a:lnRef idx="2">
+              <a:schemeClr val="accent1">
+                <a:shade val="15000"/>
+              </a:schemeClr>
+            </a:lnRef>
+            <a:fillRef idx="1">
+              <a:schemeClr val="accent1"/>
+            </a:fillRef>
+            <a:effectRef idx="0">
+              <a:schemeClr val="accent1"/>
+            </a:effectRef>
+            <a:fontRef idx="minor">
+              <a:schemeClr val="lt1"/>
+            </a:fontRef>
+          </p:style>
+          <p:txBody>
+            <a:bodyPr rtlCol="0" anchor="ctr"/>
+            <a:lstStyle/>
+            <a:p>
+              <a:pPr algn="ctr"/>
+              <a:endParaRPr kumimoji="1" lang="ja-JP" altLang="en-US"/>
+            </a:p>
+          </p:txBody>
+        </p:sp>
+        <p:sp>
+          <p:nvSpPr>
+            <p:cNvPr id="30" name="角丸四角形 29">
+              <a:extLst>
+                <a:ext uri="{FF2B5EF4-FFF2-40B4-BE49-F238E27FC236}">
+                  <a16:creationId xmlns:a16="http://schemas.microsoft.com/office/drawing/2014/main" id="{C05F325D-65B1-52FB-59A4-2EDEC8B3FDE3}"/>
+                </a:ext>
+              </a:extLst>
+            </p:cNvPr>
+            <p:cNvSpPr/>
+            <p:nvPr/>
+          </p:nvSpPr>
+          <p:spPr>
+            <a:xfrm rot="2570777" flipV="1">
+              <a:off x="5383170" y="817687"/>
+              <a:ext cx="288000" cy="4240363"/>
+            </a:xfrm>
+            <a:prstGeom prst="roundRect">
+              <a:avLst>
+                <a:gd name="adj" fmla="val 50000"/>
+              </a:avLst>
+            </a:prstGeom>
+            <a:solidFill>
+              <a:srgbClr val="C0B8B5"/>
+            </a:solidFill>
+            <a:ln>
+              <a:noFill/>
+            </a:ln>
+          </p:spPr>
+          <p:style>
+            <a:lnRef idx="2">
+              <a:schemeClr val="accent1">
+                <a:shade val="15000"/>
+              </a:schemeClr>
+            </a:lnRef>
+            <a:fillRef idx="1">
+              <a:schemeClr val="accent1"/>
+            </a:fillRef>
+            <a:effectRef idx="0">
+              <a:schemeClr val="accent1"/>
+            </a:effectRef>
+            <a:fontRef idx="minor">
+              <a:schemeClr val="lt1"/>
+            </a:fontRef>
+          </p:style>
+          <p:txBody>
+            <a:bodyPr rtlCol="0" anchor="ctr"/>
+            <a:lstStyle/>
+            <a:p>
+              <a:pPr algn="ctr"/>
+              <a:endParaRPr kumimoji="1" lang="ja-JP" altLang="en-US"/>
+            </a:p>
+          </p:txBody>
+        </p:sp>
+        <p:sp>
+          <p:nvSpPr>
+            <p:cNvPr id="31" name="角丸四角形 30">
+              <a:extLst>
+                <a:ext uri="{FF2B5EF4-FFF2-40B4-BE49-F238E27FC236}">
+                  <a16:creationId xmlns:a16="http://schemas.microsoft.com/office/drawing/2014/main" id="{99716628-9D9D-CC81-51B8-FE56C7707A77}"/>
+                </a:ext>
+              </a:extLst>
+            </p:cNvPr>
+            <p:cNvSpPr/>
+            <p:nvPr/>
+          </p:nvSpPr>
+          <p:spPr>
+            <a:xfrm rot="19029223">
+              <a:off x="5391122" y="1769455"/>
+              <a:ext cx="288000" cy="4240363"/>
+            </a:xfrm>
+            <a:prstGeom prst="roundRect">
+              <a:avLst>
+                <a:gd name="adj" fmla="val 50000"/>
+              </a:avLst>
+            </a:prstGeom>
+            <a:solidFill>
+              <a:srgbClr val="C0B8B5"/>
+            </a:solidFill>
+            <a:ln>
+              <a:noFill/>
+            </a:ln>
+          </p:spPr>
+          <p:style>
+            <a:lnRef idx="2">
+              <a:schemeClr val="accent1">
+                <a:shade val="15000"/>
+              </a:schemeClr>
+            </a:lnRef>
+            <a:fillRef idx="1">
+              <a:schemeClr val="accent1"/>
+            </a:fillRef>
+            <a:effectRef idx="0">
+              <a:schemeClr val="accent1"/>
+            </a:effectRef>
+            <a:fontRef idx="minor">
+              <a:schemeClr val="lt1"/>
+            </a:fontRef>
+          </p:style>
+          <p:txBody>
+            <a:bodyPr rtlCol="0" anchor="ctr"/>
+            <a:lstStyle/>
+            <a:p>
+              <a:pPr algn="ctr"/>
+              <a:endParaRPr kumimoji="1" lang="ja-JP" altLang="en-US"/>
+            </a:p>
+          </p:txBody>
+        </p:sp>
+        <p:sp>
+          <p:nvSpPr>
+            <p:cNvPr id="32" name="角丸四角形 31">
+              <a:extLst>
+                <a:ext uri="{FF2B5EF4-FFF2-40B4-BE49-F238E27FC236}">
+                  <a16:creationId xmlns:a16="http://schemas.microsoft.com/office/drawing/2014/main" id="{34843040-38F0-DD87-32B1-EEC92015019D}"/>
+                </a:ext>
+              </a:extLst>
+            </p:cNvPr>
+            <p:cNvSpPr/>
+            <p:nvPr/>
+          </p:nvSpPr>
+          <p:spPr>
+            <a:xfrm rot="18754095">
+              <a:off x="5547082" y="1616742"/>
+              <a:ext cx="288000" cy="3303832"/>
+            </a:xfrm>
+            <a:prstGeom prst="roundRect">
+              <a:avLst>
+                <a:gd name="adj" fmla="val 50000"/>
+              </a:avLst>
+            </a:prstGeom>
+            <a:solidFill>
+              <a:srgbClr val="C0B8B5"/>
+            </a:solidFill>
+            <a:ln>
+              <a:noFill/>
+            </a:ln>
+          </p:spPr>
+          <p:style>
+            <a:lnRef idx="2">
+              <a:schemeClr val="accent1">
+                <a:shade val="15000"/>
+              </a:schemeClr>
+            </a:lnRef>
+            <a:fillRef idx="1">
+              <a:schemeClr val="accent1"/>
+            </a:fillRef>
+            <a:effectRef idx="0">
+              <a:schemeClr val="accent1"/>
+            </a:effectRef>
+            <a:fontRef idx="minor">
+              <a:schemeClr val="lt1"/>
+            </a:fontRef>
+          </p:style>
+          <p:txBody>
+            <a:bodyPr rtlCol="0" anchor="ctr"/>
+            <a:lstStyle/>
+            <a:p>
+              <a:pPr algn="ctr"/>
+              <a:endParaRPr kumimoji="1" lang="ja-JP" altLang="en-US"/>
+            </a:p>
+          </p:txBody>
+        </p:sp>
+        <p:sp>
+          <p:nvSpPr>
+            <p:cNvPr id="33" name="角丸四角形 32">
+              <a:extLst>
+                <a:ext uri="{FF2B5EF4-FFF2-40B4-BE49-F238E27FC236}">
+                  <a16:creationId xmlns:a16="http://schemas.microsoft.com/office/drawing/2014/main" id="{909E8888-F7FE-1D90-B8F4-F14737D9C544}"/>
+                </a:ext>
+              </a:extLst>
+            </p:cNvPr>
+            <p:cNvSpPr/>
+            <p:nvPr/>
+          </p:nvSpPr>
+          <p:spPr>
+            <a:xfrm rot="3004943" flipV="1">
+              <a:off x="5579549" y="1961825"/>
+              <a:ext cx="288000" cy="3303832"/>
+            </a:xfrm>
+            <a:prstGeom prst="roundRect">
+              <a:avLst>
+                <a:gd name="adj" fmla="val 50000"/>
+              </a:avLst>
+            </a:prstGeom>
+            <a:solidFill>
+              <a:srgbClr val="C0B8B5"/>
+            </a:solidFill>
+            <a:ln>
+              <a:noFill/>
+            </a:ln>
+          </p:spPr>
+          <p:style>
+            <a:lnRef idx="2">
+              <a:schemeClr val="accent1">
+                <a:shade val="15000"/>
+              </a:schemeClr>
+            </a:lnRef>
+            <a:fillRef idx="1">
+              <a:schemeClr val="accent1"/>
+            </a:fillRef>
+            <a:effectRef idx="0">
+              <a:schemeClr val="accent1"/>
+            </a:effectRef>
+            <a:fontRef idx="minor">
+              <a:schemeClr val="lt1"/>
+            </a:fontRef>
+          </p:style>
+          <p:txBody>
+            <a:bodyPr rtlCol="0" anchor="ctr"/>
+            <a:lstStyle/>
+            <a:p>
+              <a:pPr algn="ctr"/>
+              <a:endParaRPr kumimoji="1" lang="ja-JP" altLang="en-US"/>
+            </a:p>
+          </p:txBody>
+        </p:sp>
+        <p:sp>
+          <p:nvSpPr>
+            <p:cNvPr id="35" name="角丸四角形 34">
+              <a:extLst>
+                <a:ext uri="{FF2B5EF4-FFF2-40B4-BE49-F238E27FC236}">
+                  <a16:creationId xmlns:a16="http://schemas.microsoft.com/office/drawing/2014/main" id="{79630CAD-4B2E-C533-1377-25F4286A1BBE}"/>
+                </a:ext>
+              </a:extLst>
+            </p:cNvPr>
+            <p:cNvSpPr/>
+            <p:nvPr/>
+          </p:nvSpPr>
+          <p:spPr>
+            <a:xfrm rot="3853656">
+              <a:off x="4230769" y="1998137"/>
+              <a:ext cx="288000" cy="692553"/>
+            </a:xfrm>
+            <a:prstGeom prst="roundRect">
+              <a:avLst>
+                <a:gd name="adj" fmla="val 50000"/>
+              </a:avLst>
+            </a:prstGeom>
+            <a:solidFill>
+              <a:srgbClr val="C0B8B5"/>
+            </a:solidFill>
+            <a:ln>
+              <a:noFill/>
+            </a:ln>
+          </p:spPr>
+          <p:style>
+            <a:lnRef idx="2">
+              <a:schemeClr val="accent1">
+                <a:shade val="15000"/>
+              </a:schemeClr>
+            </a:lnRef>
+            <a:fillRef idx="1">
+              <a:schemeClr val="accent1"/>
+            </a:fillRef>
+            <a:effectRef idx="0">
+              <a:schemeClr val="accent1"/>
+            </a:effectRef>
+            <a:fontRef idx="minor">
+              <a:schemeClr val="lt1"/>
+            </a:fontRef>
+          </p:style>
+          <p:txBody>
+            <a:bodyPr rtlCol="0" anchor="ctr"/>
+            <a:lstStyle/>
+            <a:p>
+              <a:pPr algn="ctr"/>
+              <a:endParaRPr kumimoji="1" lang="ja-JP" altLang="en-US"/>
+            </a:p>
+          </p:txBody>
+        </p:sp>
+        <p:sp>
+          <p:nvSpPr>
+            <p:cNvPr id="36" name="角丸四角形 35">
+              <a:extLst>
+                <a:ext uri="{FF2B5EF4-FFF2-40B4-BE49-F238E27FC236}">
+                  <a16:creationId xmlns:a16="http://schemas.microsoft.com/office/drawing/2014/main" id="{4A52C074-A573-0F89-A463-F9EA655DC777}"/>
+                </a:ext>
+              </a:extLst>
+            </p:cNvPr>
+            <p:cNvSpPr/>
+            <p:nvPr/>
+          </p:nvSpPr>
+          <p:spPr>
+            <a:xfrm rot="17746344" flipV="1">
+              <a:off x="4227640" y="4142402"/>
+              <a:ext cx="288000" cy="692553"/>
+            </a:xfrm>
+            <a:prstGeom prst="roundRect">
+              <a:avLst>
+                <a:gd name="adj" fmla="val 50000"/>
+              </a:avLst>
+            </a:prstGeom>
+            <a:solidFill>
+              <a:srgbClr val="C0B8B5"/>
+            </a:solidFill>
+            <a:ln>
+              <a:noFill/>
+            </a:ln>
+          </p:spPr>
+          <p:style>
+            <a:lnRef idx="2">
+              <a:schemeClr val="accent1">
+                <a:shade val="15000"/>
+              </a:schemeClr>
+            </a:lnRef>
+            <a:fillRef idx="1">
+              <a:schemeClr val="accent1"/>
+            </a:fillRef>
+            <a:effectRef idx="0">
+              <a:schemeClr val="accent1"/>
+            </a:effectRef>
+            <a:fontRef idx="minor">
+              <a:schemeClr val="lt1"/>
+            </a:fontRef>
+          </p:style>
+          <p:txBody>
+            <a:bodyPr rtlCol="0" anchor="ctr"/>
+            <a:lstStyle/>
+            <a:p>
+              <a:pPr algn="ctr"/>
+              <a:endParaRPr kumimoji="1" lang="ja-JP" altLang="en-US"/>
+            </a:p>
+          </p:txBody>
+        </p:sp>
+      </p:grpSp>
+    </p:spTree>
+    <p:extLst>
+      <p:ext uri="{BB962C8B-B14F-4D97-AF65-F5344CB8AC3E}">
+        <p14:creationId xmlns:p14="http://schemas.microsoft.com/office/powerpoint/2010/main" val="3994056940"/>
+      </p:ext>
+    </p:extLst>
+  </p:cSld>
+  <p:clrMapOvr>
+    <a:masterClrMapping/>
+  </p:clrMapOvr>
+</p:sld>
+</file>
+
+<file path=ppt/slides/slide12.xml><?xml version="1.0" encoding="utf-8"?>
+<p:sld xmlns:a="http://schemas.openxmlformats.org/drawingml/2006/main" xmlns:r="http://schemas.openxmlformats.org/officeDocument/2006/relationships" xmlns:p="http://schemas.openxmlformats.org/presentationml/2006/main">
+  <p:cSld>
+    <p:spTree>
+      <p:nvGrpSpPr>
+        <p:cNvPr id="1" name=""/>
+        <p:cNvGrpSpPr/>
+        <p:nvPr/>
+      </p:nvGrpSpPr>
+      <p:grpSpPr>
+        <a:xfrm>
+          <a:off x="0" y="0"/>
+          <a:ext cx="0" cy="0"/>
+          <a:chOff x="0" y="0"/>
+          <a:chExt cx="0" cy="0"/>
+        </a:xfrm>
+      </p:grpSpPr>
+      <p:sp>
+        <p:nvSpPr>
+          <p:cNvPr id="2" name="タイトル 1">
+            <a:extLst>
+              <a:ext uri="{FF2B5EF4-FFF2-40B4-BE49-F238E27FC236}">
+                <a16:creationId xmlns:a16="http://schemas.microsoft.com/office/drawing/2014/main" id="{335A8BCB-B9AA-5FBA-F436-41D35907A5FB}"/>
+              </a:ext>
+            </a:extLst>
+          </p:cNvPr>
+          <p:cNvSpPr>
+            <a:spLocks noGrp="1"/>
+          </p:cNvSpPr>
+          <p:nvPr>
+            <p:ph type="title"/>
+          </p:nvPr>
+        </p:nvSpPr>
+        <p:spPr/>
+        <p:txBody>
+          <a:bodyPr/>
+          <a:lstStyle/>
+          <a:p>
+            <a:endParaRPr kumimoji="1" lang="ja-JP" altLang="en-US"/>
+          </a:p>
+        </p:txBody>
+      </p:sp>
+      <p:pic>
+        <p:nvPicPr>
+          <p:cNvPr id="5" name="コンテンツ プレースホルダー 4">
+            <a:extLst>
+              <a:ext uri="{FF2B5EF4-FFF2-40B4-BE49-F238E27FC236}">
+                <a16:creationId xmlns:a16="http://schemas.microsoft.com/office/drawing/2014/main" id="{5E374483-2695-BA1C-55F9-3D0CFC1B4DD6}"/>
+              </a:ext>
+            </a:extLst>
+          </p:cNvPr>
+          <p:cNvPicPr>
+            <a:picLocks noGrp="1" noChangeAspect="1"/>
+          </p:cNvPicPr>
+          <p:nvPr>
+            <p:ph idx="1"/>
+          </p:nvPr>
+        </p:nvPicPr>
+        <p:blipFill>
+          <a:blip r:embed="rId2"/>
+          <a:stretch>
+            <a:fillRect/>
+          </a:stretch>
+        </p:blipFill>
+        <p:spPr>
+          <a:xfrm>
+            <a:off x="838200" y="3666481"/>
+            <a:ext cx="10515600" cy="669625"/>
+          </a:xfrm>
+        </p:spPr>
+      </p:pic>
+      <p:sp>
+        <p:nvSpPr>
+          <p:cNvPr id="6" name="下矢印 5">
+            <a:extLst>
+              <a:ext uri="{FF2B5EF4-FFF2-40B4-BE49-F238E27FC236}">
+                <a16:creationId xmlns:a16="http://schemas.microsoft.com/office/drawing/2014/main" id="{149FDC35-E94B-093F-0731-58297BF0D913}"/>
+              </a:ext>
+            </a:extLst>
+          </p:cNvPr>
+          <p:cNvSpPr/>
+          <p:nvPr/>
+        </p:nvSpPr>
+        <p:spPr>
+          <a:xfrm flipV="1">
+            <a:off x="7104993" y="4146328"/>
+            <a:ext cx="515007" cy="346842"/>
+          </a:xfrm>
+          <a:prstGeom prst="downArrow">
+            <a:avLst/>
+          </a:prstGeom>
+          <a:solidFill>
+            <a:schemeClr val="accent3">
+              <a:lumMod val="20000"/>
+              <a:lumOff val="80000"/>
+            </a:schemeClr>
+          </a:solidFill>
+          <a:ln>
+            <a:solidFill>
+              <a:schemeClr val="tx1">
+                <a:lumMod val="65000"/>
+                <a:lumOff val="35000"/>
+              </a:schemeClr>
+            </a:solidFill>
+          </a:ln>
+        </p:spPr>
+        <p:style>
+          <a:lnRef idx="2">
+            <a:schemeClr val="accent1">
+              <a:shade val="50000"/>
+            </a:schemeClr>
+          </a:lnRef>
+          <a:fillRef idx="1">
+            <a:schemeClr val="accent1"/>
+          </a:fillRef>
+          <a:effectRef idx="0">
+            <a:schemeClr val="accent1"/>
+          </a:effectRef>
+          <a:fontRef idx="minor">
+            <a:schemeClr val="lt1"/>
+          </a:fontRef>
+        </p:style>
+        <p:txBody>
+          <a:bodyPr rtlCol="0" anchor="ctr"/>
+          <a:lstStyle/>
+          <a:p>
+            <a:pPr algn="ctr"/>
+            <a:endParaRPr kumimoji="1" lang="ja-JP" altLang="en-US"/>
+          </a:p>
+        </p:txBody>
+      </p:sp>
+      <p:sp>
+        <p:nvSpPr>
+          <p:cNvPr id="7" name="下矢印 6">
+            <a:extLst>
+              <a:ext uri="{FF2B5EF4-FFF2-40B4-BE49-F238E27FC236}">
+                <a16:creationId xmlns:a16="http://schemas.microsoft.com/office/drawing/2014/main" id="{12EF858E-F8DE-97D0-634A-890AD0ADA88B}"/>
+              </a:ext>
+            </a:extLst>
+          </p:cNvPr>
+          <p:cNvSpPr/>
+          <p:nvPr/>
+        </p:nvSpPr>
+        <p:spPr>
+          <a:xfrm flipV="1">
+            <a:off x="8098222" y="4146328"/>
+            <a:ext cx="515007" cy="346842"/>
+          </a:xfrm>
+          <a:prstGeom prst="downArrow">
+            <a:avLst/>
+          </a:prstGeom>
+          <a:solidFill>
+            <a:schemeClr val="accent3">
+              <a:lumMod val="20000"/>
+              <a:lumOff val="80000"/>
+            </a:schemeClr>
+          </a:solidFill>
+          <a:ln>
+            <a:solidFill>
+              <a:schemeClr val="tx1">
+                <a:lumMod val="65000"/>
+                <a:lumOff val="35000"/>
+              </a:schemeClr>
+            </a:solidFill>
+          </a:ln>
+        </p:spPr>
+        <p:style>
+          <a:lnRef idx="2">
+            <a:schemeClr val="accent1">
+              <a:shade val="50000"/>
+            </a:schemeClr>
+          </a:lnRef>
+          <a:fillRef idx="1">
+            <a:schemeClr val="accent1"/>
+          </a:fillRef>
+          <a:effectRef idx="0">
+            <a:schemeClr val="accent1"/>
+          </a:effectRef>
+          <a:fontRef idx="minor">
+            <a:schemeClr val="lt1"/>
+          </a:fontRef>
+        </p:style>
+        <p:txBody>
+          <a:bodyPr rtlCol="0" anchor="ctr"/>
+          <a:lstStyle/>
+          <a:p>
+            <a:pPr algn="ctr"/>
+            <a:endParaRPr kumimoji="1" lang="ja-JP" altLang="en-US"/>
+          </a:p>
+        </p:txBody>
+      </p:sp>
+      <p:sp>
+        <p:nvSpPr>
+          <p:cNvPr id="8" name="テキスト ボックス 7">
+            <a:extLst>
+              <a:ext uri="{FF2B5EF4-FFF2-40B4-BE49-F238E27FC236}">
+                <a16:creationId xmlns:a16="http://schemas.microsoft.com/office/drawing/2014/main" id="{BCE33FFC-20E0-384F-4E16-B897EFF659DD}"/>
+              </a:ext>
+            </a:extLst>
+          </p:cNvPr>
+          <p:cNvSpPr txBox="1"/>
+          <p:nvPr/>
+        </p:nvSpPr>
+        <p:spPr>
+          <a:xfrm>
+            <a:off x="6096000" y="4508933"/>
+            <a:ext cx="1842236" cy="523220"/>
+          </a:xfrm>
+          <a:prstGeom prst="rect">
+            <a:avLst/>
+          </a:prstGeom>
+          <a:noFill/>
+        </p:spPr>
+        <p:txBody>
+          <a:bodyPr wrap="none" rtlCol="0">
+            <a:spAutoFit/>
+          </a:bodyPr>
+          <a:lstStyle/>
+          <a:p>
+            <a:r>
+              <a:rPr kumimoji="1" lang="en-US" altLang="ja-JP" sz="1400" b="1" dirty="0" err="1">
+                <a:latin typeface="Meiryo UI" panose="020B0604030504040204" pitchFamily="34" charset="-128"/>
+                <a:ea typeface="Meiryo UI" panose="020B0604030504040204" pitchFamily="34" charset="-128"/>
+              </a:rPr>
+              <a:t>NewTerminal.app</a:t>
+            </a:r>
+            <a:endParaRPr kumimoji="1" lang="en-US" altLang="ja-JP" sz="1400" b="1" dirty="0">
+              <a:latin typeface="Meiryo UI" panose="020B0604030504040204" pitchFamily="34" charset="-128"/>
+              <a:ea typeface="Meiryo UI" panose="020B0604030504040204" pitchFamily="34" charset="-128"/>
+            </a:endParaRPr>
+          </a:p>
+          <a:p>
+            <a:r>
+              <a:rPr kumimoji="1" lang="en-US" altLang="ja-JP" sz="1400" dirty="0">
+                <a:latin typeface="Meiryo UI" panose="020B0604030504040204" pitchFamily="34" charset="-128"/>
+                <a:ea typeface="Meiryo UI" panose="020B0604030504040204" pitchFamily="34" charset="-128"/>
+              </a:rPr>
+              <a:t>Terminal</a:t>
+            </a:r>
+            <a:r>
+              <a:rPr kumimoji="1" lang="ja-JP" altLang="en-US" sz="1400">
+                <a:latin typeface="Meiryo UI" panose="020B0604030504040204" pitchFamily="34" charset="-128"/>
+                <a:ea typeface="Meiryo UI" panose="020B0604030504040204" pitchFamily="34" charset="-128"/>
+              </a:rPr>
+              <a:t>を開くボタン</a:t>
+            </a:r>
+          </a:p>
+        </p:txBody>
+      </p:sp>
+      <p:sp>
+        <p:nvSpPr>
+          <p:cNvPr id="9" name="テキスト ボックス 8">
+            <a:extLst>
+              <a:ext uri="{FF2B5EF4-FFF2-40B4-BE49-F238E27FC236}">
+                <a16:creationId xmlns:a16="http://schemas.microsoft.com/office/drawing/2014/main" id="{7BD6CB6F-53B9-A6C5-0232-F599BBB52837}"/>
+              </a:ext>
+            </a:extLst>
+          </p:cNvPr>
+          <p:cNvSpPr txBox="1"/>
+          <p:nvPr/>
+        </p:nvSpPr>
+        <p:spPr>
+          <a:xfrm>
+            <a:off x="8098222" y="4508933"/>
+            <a:ext cx="2178802" cy="523220"/>
+          </a:xfrm>
+          <a:prstGeom prst="rect">
+            <a:avLst/>
+          </a:prstGeom>
+          <a:noFill/>
+        </p:spPr>
+        <p:txBody>
+          <a:bodyPr wrap="none" rtlCol="0">
+            <a:spAutoFit/>
+          </a:bodyPr>
+          <a:lstStyle/>
+          <a:p>
+            <a:r>
+              <a:rPr kumimoji="1" lang="en-US" altLang="ja-JP" sz="1400" b="1" dirty="0" err="1">
+                <a:latin typeface="Meiryo UI" panose="020B0604030504040204" pitchFamily="34" charset="-128"/>
+                <a:ea typeface="Meiryo UI" panose="020B0604030504040204" pitchFamily="34" charset="-128"/>
+              </a:rPr>
+              <a:t>NewText.app</a:t>
+            </a:r>
+            <a:endParaRPr kumimoji="1" lang="en-US" altLang="ja-JP" sz="1400" b="1" dirty="0">
+              <a:latin typeface="Meiryo UI" panose="020B0604030504040204" pitchFamily="34" charset="-128"/>
+              <a:ea typeface="Meiryo UI" panose="020B0604030504040204" pitchFamily="34" charset="-128"/>
+            </a:endParaRPr>
+          </a:p>
+          <a:p>
+            <a:r>
+              <a:rPr kumimoji="1" lang="ja-JP" altLang="en-US" sz="1400">
+                <a:latin typeface="Meiryo UI" panose="020B0604030504040204" pitchFamily="34" charset="-128"/>
+                <a:ea typeface="Meiryo UI" panose="020B0604030504040204" pitchFamily="34" charset="-128"/>
+              </a:rPr>
+              <a:t>空テキストファイル作成ボタン</a:t>
+            </a:r>
+          </a:p>
+        </p:txBody>
+      </p:sp>
+    </p:spTree>
+    <p:extLst>
+      <p:ext uri="{BB962C8B-B14F-4D97-AF65-F5344CB8AC3E}">
+        <p14:creationId xmlns:p14="http://schemas.microsoft.com/office/powerpoint/2010/main" val="3182617714"/>
+      </p:ext>
+    </p:extLst>
+  </p:cSld>
+  <p:clrMapOvr>
+    <a:masterClrMapping/>
+  </p:clrMapOvr>
+</p:sld>
+</file>
+
+<file path=ppt/slides/slide13.xml><?xml version="1.0" encoding="utf-8"?>
+<p:sld xmlns:a="http://schemas.openxmlformats.org/drawingml/2006/main" xmlns:r="http://schemas.openxmlformats.org/officeDocument/2006/relationships" xmlns:p="http://schemas.openxmlformats.org/presentationml/2006/main">
+  <p:cSld>
+    <p:spTree>
+      <p:nvGrpSpPr>
+        <p:cNvPr id="1" name=""/>
+        <p:cNvGrpSpPr/>
+        <p:nvPr/>
+      </p:nvGrpSpPr>
+      <p:grpSpPr>
+        <a:xfrm>
+          <a:off x="0" y="0"/>
+          <a:ext cx="0" cy="0"/>
+          <a:chOff x="0" y="0"/>
+          <a:chExt cx="0" cy="0"/>
+        </a:xfrm>
+      </p:grpSpPr>
+      <p:pic>
+        <p:nvPicPr>
+          <p:cNvPr id="4" name="図 3">
+            <a:extLst>
+              <a:ext uri="{FF2B5EF4-FFF2-40B4-BE49-F238E27FC236}">
+                <a16:creationId xmlns:a16="http://schemas.microsoft.com/office/drawing/2014/main" id="{9C537510-9496-E2B0-7FEE-4CAC022AE9EE}"/>
+              </a:ext>
+            </a:extLst>
+          </p:cNvPr>
+          <p:cNvPicPr>
+            <a:picLocks noChangeAspect="1"/>
+          </p:cNvPicPr>
+          <p:nvPr/>
+        </p:nvPicPr>
+        <p:blipFill>
+          <a:blip r:embed="rId2"/>
+          <a:stretch>
+            <a:fillRect/>
+          </a:stretch>
+        </p:blipFill>
+        <p:spPr>
+          <a:xfrm>
+            <a:off x="2209800" y="2708654"/>
+            <a:ext cx="7772400" cy="1440692"/>
+          </a:xfrm>
+          <a:prstGeom prst="rect">
+            <a:avLst/>
+          </a:prstGeom>
+        </p:spPr>
+      </p:pic>
+      <p:sp>
+        <p:nvSpPr>
+          <p:cNvPr id="5" name="曲折矢印 4">
+            <a:extLst>
+              <a:ext uri="{FF2B5EF4-FFF2-40B4-BE49-F238E27FC236}">
+                <a16:creationId xmlns:a16="http://schemas.microsoft.com/office/drawing/2014/main" id="{EABE9FFD-674B-07F7-0F57-68573B5FFE76}"/>
+              </a:ext>
+            </a:extLst>
+          </p:cNvPr>
+          <p:cNvSpPr/>
+          <p:nvPr/>
+        </p:nvSpPr>
+        <p:spPr>
+          <a:xfrm rot="16200000" flipV="1">
+            <a:off x="6599183" y="2735318"/>
+            <a:ext cx="570186" cy="1303283"/>
+          </a:xfrm>
+          <a:prstGeom prst="bentArrow">
+            <a:avLst/>
+          </a:prstGeom>
+          <a:solidFill>
+            <a:srgbClr val="CBCBCA"/>
+          </a:solidFill>
+          <a:ln>
+            <a:solidFill>
+              <a:srgbClr val="CBCBCA"/>
+            </a:solidFill>
+          </a:ln>
+        </p:spPr>
+        <p:style>
+          <a:lnRef idx="2">
+            <a:schemeClr val="accent1">
+              <a:shade val="50000"/>
+            </a:schemeClr>
+          </a:lnRef>
+          <a:fillRef idx="1">
+            <a:schemeClr val="accent1"/>
+          </a:fillRef>
+          <a:effectRef idx="0">
+            <a:schemeClr val="accent1"/>
+          </a:effectRef>
+          <a:fontRef idx="minor">
+            <a:schemeClr val="lt1"/>
+          </a:fontRef>
+        </p:style>
+        <p:txBody>
+          <a:bodyPr rtlCol="0" anchor="ctr"/>
+          <a:lstStyle/>
+          <a:p>
+            <a:pPr algn="ctr"/>
+            <a:endParaRPr kumimoji="1" lang="ja-JP" altLang="en-US">
+              <a:solidFill>
+                <a:schemeClr val="tx1"/>
+              </a:solidFill>
+            </a:endParaRPr>
+          </a:p>
+        </p:txBody>
+      </p:sp>
+      <p:sp>
+        <p:nvSpPr>
+          <p:cNvPr id="6" name="テキスト ボックス 5">
+            <a:extLst>
+              <a:ext uri="{FF2B5EF4-FFF2-40B4-BE49-F238E27FC236}">
+                <a16:creationId xmlns:a16="http://schemas.microsoft.com/office/drawing/2014/main" id="{AA4B2A54-F820-325C-2090-8A59AA57FA8F}"/>
+              </a:ext>
+            </a:extLst>
+          </p:cNvPr>
+          <p:cNvSpPr txBox="1"/>
+          <p:nvPr/>
+        </p:nvSpPr>
+        <p:spPr>
+          <a:xfrm>
+            <a:off x="7083973" y="3487387"/>
+            <a:ext cx="1191352" cy="369332"/>
+          </a:xfrm>
+          <a:prstGeom prst="rect">
+            <a:avLst/>
+          </a:prstGeom>
+          <a:noFill/>
+        </p:spPr>
+        <p:txBody>
+          <a:bodyPr wrap="none" rtlCol="0">
+            <a:spAutoFit/>
+          </a:bodyPr>
+          <a:lstStyle/>
+          <a:p>
+            <a:r>
+              <a:rPr kumimoji="1" lang="en-US" altLang="ja-JP" dirty="0">
+                <a:ln w="38100">
+                  <a:solidFill>
+                    <a:schemeClr val="tx1"/>
+                  </a:solidFill>
+                </a:ln>
+                <a:latin typeface="Meiryo UI" panose="020B0604030504040204" pitchFamily="34" charset="-128"/>
+                <a:ea typeface="Meiryo UI" panose="020B0604030504040204" pitchFamily="34" charset="-128"/>
+              </a:rPr>
+              <a:t>⌘+</a:t>
+            </a:r>
+            <a:r>
+              <a:rPr kumimoji="1" lang="ja-JP" altLang="en-US">
+                <a:ln w="38100">
+                  <a:solidFill>
+                    <a:schemeClr val="tx1"/>
+                  </a:solidFill>
+                </a:ln>
+                <a:latin typeface="Meiryo UI" panose="020B0604030504040204" pitchFamily="34" charset="-128"/>
+                <a:ea typeface="Meiryo UI" panose="020B0604030504040204" pitchFamily="34" charset="-128"/>
+              </a:rPr>
+              <a:t>ドラッグ</a:t>
+            </a:r>
+          </a:p>
+        </p:txBody>
+      </p:sp>
+      <p:sp>
+        <p:nvSpPr>
+          <p:cNvPr id="7" name="テキスト ボックス 6">
+            <a:extLst>
+              <a:ext uri="{FF2B5EF4-FFF2-40B4-BE49-F238E27FC236}">
+                <a16:creationId xmlns:a16="http://schemas.microsoft.com/office/drawing/2014/main" id="{23D3BFFD-ACFB-55B7-57EF-DAD01400121E}"/>
+              </a:ext>
+            </a:extLst>
+          </p:cNvPr>
+          <p:cNvSpPr txBox="1"/>
+          <p:nvPr/>
+        </p:nvSpPr>
+        <p:spPr>
+          <a:xfrm>
+            <a:off x="7083973" y="3487387"/>
+            <a:ext cx="1191352" cy="369332"/>
+          </a:xfrm>
+          <a:prstGeom prst="rect">
+            <a:avLst/>
+          </a:prstGeom>
+          <a:noFill/>
+        </p:spPr>
+        <p:txBody>
+          <a:bodyPr wrap="none" rtlCol="0">
+            <a:spAutoFit/>
+          </a:bodyPr>
+          <a:lstStyle/>
+          <a:p>
+            <a:r>
+              <a:rPr kumimoji="1" lang="en-US" altLang="ja-JP" dirty="0">
+                <a:solidFill>
+                  <a:schemeClr val="bg1"/>
+                </a:solidFill>
+                <a:latin typeface="Meiryo UI" panose="020B0604030504040204" pitchFamily="34" charset="-128"/>
+                <a:ea typeface="Meiryo UI" panose="020B0604030504040204" pitchFamily="34" charset="-128"/>
+              </a:rPr>
+              <a:t>⌘+</a:t>
+            </a:r>
+            <a:r>
+              <a:rPr kumimoji="1" lang="ja-JP" altLang="en-US">
+                <a:solidFill>
+                  <a:schemeClr val="bg1"/>
+                </a:solidFill>
+                <a:latin typeface="Meiryo UI" panose="020B0604030504040204" pitchFamily="34" charset="-128"/>
+                <a:ea typeface="Meiryo UI" panose="020B0604030504040204" pitchFamily="34" charset="-128"/>
+              </a:rPr>
+              <a:t>ドラッグ</a:t>
+            </a:r>
+          </a:p>
+        </p:txBody>
+      </p:sp>
+    </p:spTree>
+    <p:extLst>
+      <p:ext uri="{BB962C8B-B14F-4D97-AF65-F5344CB8AC3E}">
+        <p14:creationId xmlns:p14="http://schemas.microsoft.com/office/powerpoint/2010/main" val="895378125"/>
+      </p:ext>
+    </p:extLst>
+  </p:cSld>
+  <p:clrMapOvr>
+    <a:masterClrMapping/>
+  </p:clrMapOvr>
+</p:sld>
+</file>
+
+<file path=ppt/slides/slide2.xml><?xml version="1.0" encoding="utf-8"?>
 <p:sld xmlns:a="http://schemas.openxmlformats.org/drawingml/2006/main" xmlns:r="http://schemas.openxmlformats.org/officeDocument/2006/relationships" xmlns:p="http://schemas.openxmlformats.org/presentationml/2006/main">
   <p:cSld>
     <p:spTree>
@@ -6593,199 +8492,7 @@
 </p:sld>
 </file>
 
-<file path=ppt/slides/slide4.xml><?xml version="1.0" encoding="utf-8"?>
-<p:sld xmlns:a="http://schemas.openxmlformats.org/drawingml/2006/main" xmlns:r="http://schemas.openxmlformats.org/officeDocument/2006/relationships" xmlns:p="http://schemas.openxmlformats.org/presentationml/2006/main">
-  <p:cSld>
-    <p:spTree>
-      <p:nvGrpSpPr>
-        <p:cNvPr id="1" name=""/>
-        <p:cNvGrpSpPr/>
-        <p:nvPr/>
-      </p:nvGrpSpPr>
-      <p:grpSpPr>
-        <a:xfrm>
-          <a:off x="0" y="0"/>
-          <a:ext cx="0" cy="0"/>
-          <a:chOff x="0" y="0"/>
-          <a:chExt cx="0" cy="0"/>
-        </a:xfrm>
-      </p:grpSpPr>
-      <p:sp>
-        <p:nvSpPr>
-          <p:cNvPr id="6" name="正方形/長方形 5">
-            <a:extLst>
-              <a:ext uri="{FF2B5EF4-FFF2-40B4-BE49-F238E27FC236}">
-                <a16:creationId xmlns:a16="http://schemas.microsoft.com/office/drawing/2014/main" id="{D8AB8ED6-1CBB-10E9-3A01-259728945359}"/>
-              </a:ext>
-            </a:extLst>
-          </p:cNvPr>
-          <p:cNvSpPr/>
-          <p:nvPr/>
-        </p:nvSpPr>
-        <p:spPr>
-          <a:xfrm>
-            <a:off x="2685000" y="9000"/>
-            <a:ext cx="6840000" cy="6840000"/>
-          </a:xfrm>
-          <a:prstGeom prst="rect">
-            <a:avLst/>
-          </a:prstGeom>
-          <a:solidFill>
-            <a:srgbClr val="332826"/>
-          </a:solidFill>
-          <a:ln>
-            <a:noFill/>
-          </a:ln>
-        </p:spPr>
-        <p:style>
-          <a:lnRef idx="2">
-            <a:schemeClr val="accent1">
-              <a:shade val="50000"/>
-            </a:schemeClr>
-          </a:lnRef>
-          <a:fillRef idx="1">
-            <a:schemeClr val="accent1"/>
-          </a:fillRef>
-          <a:effectRef idx="0">
-            <a:schemeClr val="accent1"/>
-          </a:effectRef>
-          <a:fontRef idx="minor">
-            <a:schemeClr val="lt1"/>
-          </a:fontRef>
-        </p:style>
-        <p:txBody>
-          <a:bodyPr rtlCol="0" anchor="ctr"/>
-          <a:lstStyle/>
-          <a:p>
-            <a:pPr algn="ctr"/>
-            <a:endParaRPr kumimoji="1" lang="ja-JP" altLang="en-US"/>
-          </a:p>
-        </p:txBody>
-      </p:sp>
-      <p:sp>
-        <p:nvSpPr>
-          <p:cNvPr id="8" name="角丸四角形 7">
-            <a:extLst>
-              <a:ext uri="{FF2B5EF4-FFF2-40B4-BE49-F238E27FC236}">
-                <a16:creationId xmlns:a16="http://schemas.microsoft.com/office/drawing/2014/main" id="{ACFC660C-BA1A-C9E0-2663-101E096FB1E3}"/>
-              </a:ext>
-            </a:extLst>
-          </p:cNvPr>
-          <p:cNvSpPr/>
-          <p:nvPr/>
-        </p:nvSpPr>
-        <p:spPr>
-          <a:xfrm rot="5400000">
-            <a:off x="4304270" y="1050325"/>
-            <a:ext cx="3583460" cy="4633784"/>
-          </a:xfrm>
-          <a:prstGeom prst="roundRect">
-            <a:avLst/>
-          </a:prstGeom>
-          <a:noFill/>
-          <a:ln w="203200">
-            <a:solidFill>
-              <a:srgbClr val="C0B8B5"/>
-            </a:solidFill>
-          </a:ln>
-        </p:spPr>
-        <p:style>
-          <a:lnRef idx="2">
-            <a:schemeClr val="accent1">
-              <a:shade val="50000"/>
-            </a:schemeClr>
-          </a:lnRef>
-          <a:fillRef idx="1">
-            <a:schemeClr val="accent1"/>
-          </a:fillRef>
-          <a:effectRef idx="0">
-            <a:schemeClr val="accent1"/>
-          </a:effectRef>
-          <a:fontRef idx="minor">
-            <a:schemeClr val="lt1"/>
-          </a:fontRef>
-        </p:style>
-        <p:txBody>
-          <a:bodyPr rtlCol="0" anchor="ctr"/>
-          <a:lstStyle/>
-          <a:p>
-            <a:pPr algn="ctr"/>
-            <a:endParaRPr kumimoji="1" lang="ja-JP" altLang="en-US"/>
-          </a:p>
-        </p:txBody>
-      </p:sp>
-      <p:sp>
-        <p:nvSpPr>
-          <p:cNvPr id="2" name="テキスト ボックス 1">
-            <a:extLst>
-              <a:ext uri="{FF2B5EF4-FFF2-40B4-BE49-F238E27FC236}">
-                <a16:creationId xmlns:a16="http://schemas.microsoft.com/office/drawing/2014/main" id="{0164DC93-1121-BBE3-098E-45797030CB1D}"/>
-              </a:ext>
-            </a:extLst>
-          </p:cNvPr>
-          <p:cNvSpPr txBox="1"/>
-          <p:nvPr/>
-        </p:nvSpPr>
-        <p:spPr>
-          <a:xfrm>
-            <a:off x="3998912" y="1317366"/>
-            <a:ext cx="2525050" cy="2646878"/>
-          </a:xfrm>
-          <a:prstGeom prst="rect">
-            <a:avLst/>
-          </a:prstGeom>
-          <a:noFill/>
-        </p:spPr>
-        <p:txBody>
-          <a:bodyPr wrap="none" rtlCol="0">
-            <a:spAutoFit/>
-          </a:bodyPr>
-          <a:lstStyle/>
-          <a:p>
-            <a:r>
-              <a:rPr lang="en-US" altLang="ja-JP" sz="16600" b="1" dirty="0">
-                <a:solidFill>
-                  <a:srgbClr val="C0B8B5"/>
-                </a:solidFill>
-                <a:latin typeface="Consolas" panose="020B0609020204030204" pitchFamily="49" charset="0"/>
-                <a:cs typeface="Consolas" panose="020B0609020204030204" pitchFamily="49" charset="0"/>
-              </a:rPr>
-              <a:t>&gt;</a:t>
-            </a:r>
-            <a:r>
-              <a:rPr kumimoji="1" lang="en-US" altLang="ja-JP" sz="16600" b="1" dirty="0">
-                <a:solidFill>
-                  <a:srgbClr val="C0B8B5"/>
-                </a:solidFill>
-                <a:latin typeface="Consolas" panose="020B0609020204030204" pitchFamily="49" charset="0"/>
-                <a:cs typeface="Consolas" panose="020B0609020204030204" pitchFamily="49" charset="0"/>
-              </a:rPr>
-              <a:t>_</a:t>
-            </a:r>
-            <a:endParaRPr kumimoji="1" lang="ja-JP" altLang="en-US" sz="16600" b="1">
-              <a:solidFill>
-                <a:srgbClr val="C0B8B5"/>
-              </a:solidFill>
-              <a:latin typeface="Consolas" panose="020B0609020204030204" pitchFamily="49" charset="0"/>
-              <a:cs typeface="Consolas" panose="020B0609020204030204" pitchFamily="49" charset="0"/>
-            </a:endParaRPr>
-          </a:p>
-        </p:txBody>
-      </p:sp>
-    </p:spTree>
-    <p:extLst>
-      <p:ext uri="{BB962C8B-B14F-4D97-AF65-F5344CB8AC3E}">
-        <p14:creationId xmlns:p14="http://schemas.microsoft.com/office/powerpoint/2010/main" val="3505905106"/>
-      </p:ext>
-    </p:extLst>
-  </p:cSld>
-  <p:clrMapOvr>
-    <a:masterClrMapping/>
-  </p:clrMapOvr>
-</p:sld>
-</file>
-
-<file path=ppt/slides/slide5.xml><?xml version="1.0" encoding="utf-8"?>
+<file path=ppt/slides/slide3.xml><?xml version="1.0" encoding="utf-8"?>
 <p:sld xmlns:a="http://schemas.openxmlformats.org/drawingml/2006/main" xmlns:r="http://schemas.openxmlformats.org/officeDocument/2006/relationships" xmlns:p="http://schemas.openxmlformats.org/presentationml/2006/main">
   <p:cSld>
     <p:spTree>
@@ -6992,7 +8699,7 @@
 </p:sld>
 </file>
 
-<file path=ppt/slides/slide6.xml><?xml version="1.0" encoding="utf-8"?>
+<file path=ppt/slides/slide4.xml><?xml version="1.0" encoding="utf-8"?>
 <p:sld xmlns:a="http://schemas.openxmlformats.org/drawingml/2006/main" xmlns:r="http://schemas.openxmlformats.org/officeDocument/2006/relationships" xmlns:p="http://schemas.openxmlformats.org/presentationml/2006/main">
   <p:cSld>
     <p:spTree>
@@ -7202,7 +8909,7 @@
 </p:sld>
 </file>
 
-<file path=ppt/slides/slide7.xml><?xml version="1.0" encoding="utf-8"?>
+<file path=ppt/slides/slide5.xml><?xml version="1.0" encoding="utf-8"?>
 <p:sld xmlns:a="http://schemas.openxmlformats.org/drawingml/2006/main" xmlns:r="http://schemas.openxmlformats.org/officeDocument/2006/relationships" xmlns:p="http://schemas.openxmlformats.org/presentationml/2006/main">
   <p:cSld>
     <p:spTree>
@@ -7678,7 +9385,7 @@
 </p:sld>
 </file>
 
-<file path=ppt/slides/slide8.xml><?xml version="1.0" encoding="utf-8"?>
+<file path=ppt/slides/slide6.xml><?xml version="1.0" encoding="utf-8"?>
 <p:sld xmlns:a="http://schemas.openxmlformats.org/drawingml/2006/main" xmlns:r="http://schemas.openxmlformats.org/officeDocument/2006/relationships" xmlns:p="http://schemas.openxmlformats.org/presentationml/2006/main">
   <p:cSld>
     <p:spTree>
@@ -8200,7 +9907,7 @@
 </p:sld>
 </file>
 
-<file path=ppt/slides/slide9.xml><?xml version="1.0" encoding="utf-8"?>
+<file path=ppt/slides/slide7.xml><?xml version="1.0" encoding="utf-8"?>
 <p:sld xmlns:a="http://schemas.openxmlformats.org/drawingml/2006/main" xmlns:r="http://schemas.openxmlformats.org/officeDocument/2006/relationships" xmlns:p="http://schemas.openxmlformats.org/presentationml/2006/main">
   <p:cSld>
     <p:spTree>
@@ -8208,7 +9915,7 @@
         <p:cNvPr id="1" name="">
           <a:extLst>
             <a:ext uri="{FF2B5EF4-FFF2-40B4-BE49-F238E27FC236}">
-              <a16:creationId xmlns:a16="http://schemas.microsoft.com/office/drawing/2014/main" id="{CD2320F2-B772-92E3-2BC7-B29F17654E49}"/>
+              <a16:creationId xmlns:a16="http://schemas.microsoft.com/office/drawing/2014/main" id="{678AB8F1-9764-A9AB-3BEA-56E188F266C3}"/>
             </a:ext>
           </a:extLst>
         </p:cNvPr>
@@ -8228,7 +9935,7 @@
           <p:cNvPr id="6" name="正方形/長方形 5">
             <a:extLst>
               <a:ext uri="{FF2B5EF4-FFF2-40B4-BE49-F238E27FC236}">
-                <a16:creationId xmlns:a16="http://schemas.microsoft.com/office/drawing/2014/main" id="{0AC49742-4B4A-7760-0001-56AD4A23E6D2}"/>
+                <a16:creationId xmlns:a16="http://schemas.microsoft.com/office/drawing/2014/main" id="{1143CCE3-39BD-4B5F-150D-60279E2BAAE2}"/>
               </a:ext>
             </a:extLst>
           </p:cNvPr>
@@ -8237,11 +9944,2942 @@
         </p:nvSpPr>
         <p:spPr>
           <a:xfrm>
-            <a:off x="2685000" y="9000"/>
+            <a:off x="2676000" y="0"/>
             <a:ext cx="6840000" cy="6840000"/>
           </a:xfrm>
           <a:prstGeom prst="rect">
             <a:avLst/>
+          </a:prstGeom>
+          <a:solidFill>
+            <a:srgbClr val="332826"/>
+          </a:solidFill>
+          <a:ln>
+            <a:solidFill>
+              <a:srgbClr val="332826"/>
+            </a:solidFill>
+          </a:ln>
+        </p:spPr>
+        <p:style>
+          <a:lnRef idx="2">
+            <a:schemeClr val="accent1">
+              <a:shade val="50000"/>
+            </a:schemeClr>
+          </a:lnRef>
+          <a:fillRef idx="1">
+            <a:schemeClr val="accent1"/>
+          </a:fillRef>
+          <a:effectRef idx="0">
+            <a:schemeClr val="accent1"/>
+          </a:effectRef>
+          <a:fontRef idx="minor">
+            <a:schemeClr val="lt1"/>
+          </a:fontRef>
+        </p:style>
+        <p:txBody>
+          <a:bodyPr rtlCol="0" anchor="ctr"/>
+          <a:lstStyle/>
+          <a:p>
+            <a:pPr algn="ctr"/>
+            <a:endParaRPr kumimoji="1" lang="ja-JP" altLang="en-US"/>
+          </a:p>
+        </p:txBody>
+      </p:sp>
+      <p:grpSp>
+        <p:nvGrpSpPr>
+          <p:cNvPr id="39" name="グループ化 38">
+            <a:extLst>
+              <a:ext uri="{FF2B5EF4-FFF2-40B4-BE49-F238E27FC236}">
+                <a16:creationId xmlns:a16="http://schemas.microsoft.com/office/drawing/2014/main" id="{753505CE-6BEC-0AF4-C0D2-C0D32E558DDF}"/>
+              </a:ext>
+            </a:extLst>
+          </p:cNvPr>
+          <p:cNvGrpSpPr/>
+          <p:nvPr/>
+        </p:nvGrpSpPr>
+        <p:grpSpPr>
+          <a:xfrm>
+            <a:off x="3825760" y="977538"/>
+            <a:ext cx="4308981" cy="4633784"/>
+            <a:chOff x="3773942" y="977538"/>
+            <a:chExt cx="4308981" cy="4633784"/>
+          </a:xfrm>
+        </p:grpSpPr>
+        <p:grpSp>
+          <p:nvGrpSpPr>
+            <p:cNvPr id="38" name="グループ化 37">
+              <a:extLst>
+                <a:ext uri="{FF2B5EF4-FFF2-40B4-BE49-F238E27FC236}">
+                  <a16:creationId xmlns:a16="http://schemas.microsoft.com/office/drawing/2014/main" id="{5555488C-9297-6A7A-9456-05E26E224C9A}"/>
+                </a:ext>
+              </a:extLst>
+            </p:cNvPr>
+            <p:cNvGrpSpPr/>
+            <p:nvPr/>
+          </p:nvGrpSpPr>
+          <p:grpSpPr>
+            <a:xfrm>
+              <a:off x="4499463" y="977538"/>
+              <a:ext cx="3583460" cy="4633784"/>
+              <a:chOff x="8335892" y="729777"/>
+              <a:chExt cx="3583460" cy="4633784"/>
+            </a:xfrm>
+          </p:grpSpPr>
+          <p:sp>
+            <p:nvSpPr>
+              <p:cNvPr id="34" name="フリーフォーム 33">
+                <a:extLst>
+                  <a:ext uri="{FF2B5EF4-FFF2-40B4-BE49-F238E27FC236}">
+                    <a16:creationId xmlns:a16="http://schemas.microsoft.com/office/drawing/2014/main" id="{3D8DBCFD-E9FE-EC16-87FD-1FE97EF0E369}"/>
+                  </a:ext>
+                </a:extLst>
+              </p:cNvPr>
+              <p:cNvSpPr>
+                <a:spLocks noChangeAspect="1"/>
+              </p:cNvSpPr>
+              <p:nvPr/>
+            </p:nvSpPr>
+            <p:spPr>
+              <a:xfrm rot="10800000">
+                <a:off x="10521381" y="853487"/>
+                <a:ext cx="1254170" cy="1254179"/>
+              </a:xfrm>
+              <a:custGeom>
+                <a:avLst/>
+                <a:gdLst>
+                  <a:gd name="connsiteX0" fmla="*/ 1254170 w 1254170"/>
+                  <a:gd name="connsiteY0" fmla="*/ 1254179 h 1254179"/>
+                  <a:gd name="connsiteX1" fmla="*/ 0 w 1254170"/>
+                  <a:gd name="connsiteY1" fmla="*/ 0 h 1254179"/>
+                  <a:gd name="connsiteX2" fmla="*/ 1087826 w 1254170"/>
+                  <a:gd name="connsiteY2" fmla="*/ 0 h 1254179"/>
+                  <a:gd name="connsiteX3" fmla="*/ 1254170 w 1254170"/>
+                  <a:gd name="connsiteY3" fmla="*/ 166344 h 1254179"/>
+                  <a:gd name="connsiteX4" fmla="*/ 1254170 w 1254170"/>
+                  <a:gd name="connsiteY4" fmla="*/ 1254179 h 1254179"/>
+                </a:gdLst>
+                <a:ahLst/>
+                <a:cxnLst>
+                  <a:cxn ang="0">
+                    <a:pos x="connsiteX0" y="connsiteY0"/>
+                  </a:cxn>
+                  <a:cxn ang="0">
+                    <a:pos x="connsiteX1" y="connsiteY1"/>
+                  </a:cxn>
+                  <a:cxn ang="0">
+                    <a:pos x="connsiteX2" y="connsiteY2"/>
+                  </a:cxn>
+                  <a:cxn ang="0">
+                    <a:pos x="connsiteX3" y="connsiteY3"/>
+                  </a:cxn>
+                  <a:cxn ang="0">
+                    <a:pos x="connsiteX4" y="connsiteY4"/>
+                  </a:cxn>
+                </a:cxnLst>
+                <a:rect l="l" t="t" r="r" b="b"/>
+                <a:pathLst>
+                  <a:path w="1254170" h="1254179">
+                    <a:moveTo>
+                      <a:pt x="1254170" y="1254179"/>
+                    </a:moveTo>
+                    <a:lnTo>
+                      <a:pt x="0" y="0"/>
+                    </a:lnTo>
+                    <a:lnTo>
+                      <a:pt x="1087826" y="0"/>
+                    </a:lnTo>
+                    <a:cubicBezTo>
+                      <a:pt x="1179695" y="0"/>
+                      <a:pt x="1254170" y="74475"/>
+                      <a:pt x="1254170" y="166344"/>
+                    </a:cubicBezTo>
+                    <a:lnTo>
+                      <a:pt x="1254170" y="1254179"/>
+                    </a:lnTo>
+                    <a:close/>
+                  </a:path>
+                </a:pathLst>
+              </a:custGeom>
+              <a:solidFill>
+                <a:srgbClr val="C0B8B5"/>
+              </a:solidFill>
+              <a:ln>
+                <a:solidFill>
+                  <a:srgbClr val="A8A5A6"/>
+                </a:solidFill>
+              </a:ln>
+            </p:spPr>
+            <p:style>
+              <a:lnRef idx="2">
+                <a:schemeClr val="accent1">
+                  <a:shade val="15000"/>
+                </a:schemeClr>
+              </a:lnRef>
+              <a:fillRef idx="1">
+                <a:schemeClr val="accent1"/>
+              </a:fillRef>
+              <a:effectRef idx="0">
+                <a:schemeClr val="accent1"/>
+              </a:effectRef>
+              <a:fontRef idx="minor">
+                <a:schemeClr val="lt1"/>
+              </a:fontRef>
+            </p:style>
+            <p:txBody>
+              <a:bodyPr wrap="square" rtlCol="0" anchor="ctr">
+                <a:noAutofit/>
+              </a:bodyPr>
+              <a:lstStyle/>
+              <a:p>
+                <a:pPr algn="ctr"/>
+                <a:endParaRPr kumimoji="1" lang="ja-JP" altLang="en-US"/>
+              </a:p>
+            </p:txBody>
+          </p:sp>
+          <p:sp>
+            <p:nvSpPr>
+              <p:cNvPr id="24" name="フリーフォーム 23">
+                <a:extLst>
+                  <a:ext uri="{FF2B5EF4-FFF2-40B4-BE49-F238E27FC236}">
+                    <a16:creationId xmlns:a16="http://schemas.microsoft.com/office/drawing/2014/main" id="{2EB95D43-C874-79A2-63CD-BFB6F4081C34}"/>
+                  </a:ext>
+                </a:extLst>
+              </p:cNvPr>
+              <p:cNvSpPr/>
+              <p:nvPr/>
+            </p:nvSpPr>
+            <p:spPr>
+              <a:xfrm>
+                <a:off x="8335892" y="729777"/>
+                <a:ext cx="3583460" cy="4633784"/>
+              </a:xfrm>
+              <a:custGeom>
+                <a:avLst/>
+                <a:gdLst>
+                  <a:gd name="connsiteX0" fmla="*/ 166344 w 3583460"/>
+                  <a:gd name="connsiteY0" fmla="*/ 0 h 4633784"/>
+                  <a:gd name="connsiteX1" fmla="*/ 2270952 w 3583460"/>
+                  <a:gd name="connsiteY1" fmla="*/ 0 h 4633784"/>
+                  <a:gd name="connsiteX2" fmla="*/ 3583460 w 3583460"/>
+                  <a:gd name="connsiteY2" fmla="*/ 1312517 h 4633784"/>
+                  <a:gd name="connsiteX3" fmla="*/ 3583460 w 3583460"/>
+                  <a:gd name="connsiteY3" fmla="*/ 4467440 h 4633784"/>
+                  <a:gd name="connsiteX4" fmla="*/ 3417116 w 3583460"/>
+                  <a:gd name="connsiteY4" fmla="*/ 4633784 h 4633784"/>
+                  <a:gd name="connsiteX5" fmla="*/ 166344 w 3583460"/>
+                  <a:gd name="connsiteY5" fmla="*/ 4633784 h 4633784"/>
+                  <a:gd name="connsiteX6" fmla="*/ 0 w 3583460"/>
+                  <a:gd name="connsiteY6" fmla="*/ 4467440 h 4633784"/>
+                  <a:gd name="connsiteX7" fmla="*/ 0 w 3583460"/>
+                  <a:gd name="connsiteY7" fmla="*/ 166344 h 4633784"/>
+                  <a:gd name="connsiteX8" fmla="*/ 166344 w 3583460"/>
+                  <a:gd name="connsiteY8" fmla="*/ 0 h 4633784"/>
+                </a:gdLst>
+                <a:ahLst/>
+                <a:cxnLst>
+                  <a:cxn ang="0">
+                    <a:pos x="connsiteX0" y="connsiteY0"/>
+                  </a:cxn>
+                  <a:cxn ang="0">
+                    <a:pos x="connsiteX1" y="connsiteY1"/>
+                  </a:cxn>
+                  <a:cxn ang="0">
+                    <a:pos x="connsiteX2" y="connsiteY2"/>
+                  </a:cxn>
+                  <a:cxn ang="0">
+                    <a:pos x="connsiteX3" y="connsiteY3"/>
+                  </a:cxn>
+                  <a:cxn ang="0">
+                    <a:pos x="connsiteX4" y="connsiteY4"/>
+                  </a:cxn>
+                  <a:cxn ang="0">
+                    <a:pos x="connsiteX5" y="connsiteY5"/>
+                  </a:cxn>
+                  <a:cxn ang="0">
+                    <a:pos x="connsiteX6" y="connsiteY6"/>
+                  </a:cxn>
+                  <a:cxn ang="0">
+                    <a:pos x="connsiteX7" y="connsiteY7"/>
+                  </a:cxn>
+                  <a:cxn ang="0">
+                    <a:pos x="connsiteX8" y="connsiteY8"/>
+                  </a:cxn>
+                </a:cxnLst>
+                <a:rect l="l" t="t" r="r" b="b"/>
+                <a:pathLst>
+                  <a:path w="3583460" h="4633784">
+                    <a:moveTo>
+                      <a:pt x="166344" y="0"/>
+                    </a:moveTo>
+                    <a:lnTo>
+                      <a:pt x="2270952" y="0"/>
+                    </a:lnTo>
+                    <a:lnTo>
+                      <a:pt x="3583460" y="1312517"/>
+                    </a:lnTo>
+                    <a:lnTo>
+                      <a:pt x="3583460" y="4467440"/>
+                    </a:lnTo>
+                    <a:cubicBezTo>
+                      <a:pt x="3583460" y="4559309"/>
+                      <a:pt x="3508985" y="4633784"/>
+                      <a:pt x="3417116" y="4633784"/>
+                    </a:cubicBezTo>
+                    <a:lnTo>
+                      <a:pt x="166344" y="4633784"/>
+                    </a:lnTo>
+                    <a:cubicBezTo>
+                      <a:pt x="74475" y="4633784"/>
+                      <a:pt x="0" y="4559309"/>
+                      <a:pt x="0" y="4467440"/>
+                    </a:cubicBezTo>
+                    <a:lnTo>
+                      <a:pt x="0" y="166344"/>
+                    </a:lnTo>
+                    <a:cubicBezTo>
+                      <a:pt x="0" y="74475"/>
+                      <a:pt x="74475" y="0"/>
+                      <a:pt x="166344" y="0"/>
+                    </a:cubicBezTo>
+                    <a:close/>
+                  </a:path>
+                </a:pathLst>
+              </a:custGeom>
+              <a:noFill/>
+              <a:ln w="355600">
+                <a:solidFill>
+                  <a:srgbClr val="C0B8B5"/>
+                </a:solidFill>
+              </a:ln>
+            </p:spPr>
+            <p:style>
+              <a:lnRef idx="2">
+                <a:schemeClr val="accent1">
+                  <a:shade val="50000"/>
+                </a:schemeClr>
+              </a:lnRef>
+              <a:fillRef idx="1">
+                <a:schemeClr val="accent1"/>
+              </a:fillRef>
+              <a:effectRef idx="0">
+                <a:schemeClr val="accent1"/>
+              </a:effectRef>
+              <a:fontRef idx="minor">
+                <a:schemeClr val="lt1"/>
+              </a:fontRef>
+            </p:style>
+            <p:txBody>
+              <a:bodyPr wrap="square" rtlCol="0" anchor="ctr">
+                <a:noAutofit/>
+              </a:bodyPr>
+              <a:lstStyle/>
+              <a:p>
+                <a:pPr algn="ctr"/>
+                <a:endParaRPr kumimoji="1" lang="ja-JP" altLang="en-US"/>
+              </a:p>
+            </p:txBody>
+          </p:sp>
+        </p:grpSp>
+        <p:sp>
+          <p:nvSpPr>
+            <p:cNvPr id="3" name="テキスト ボックス 2">
+              <a:extLst>
+                <a:ext uri="{FF2B5EF4-FFF2-40B4-BE49-F238E27FC236}">
+                  <a16:creationId xmlns:a16="http://schemas.microsoft.com/office/drawing/2014/main" id="{8B5D8463-5CA6-7DA9-1386-682D2812EE44}"/>
+                </a:ext>
+              </a:extLst>
+            </p:cNvPr>
+            <p:cNvSpPr txBox="1"/>
+            <p:nvPr/>
+          </p:nvSpPr>
+          <p:spPr>
+            <a:xfrm>
+              <a:off x="3773942" y="2497976"/>
+              <a:ext cx="3889270" cy="2215991"/>
+            </a:xfrm>
+            <a:prstGeom prst="rect">
+              <a:avLst/>
+            </a:prstGeom>
+            <a:solidFill>
+              <a:srgbClr val="C0B8B5"/>
+            </a:solidFill>
+            <a:ln>
+              <a:noFill/>
+            </a:ln>
+          </p:spPr>
+          <p:txBody>
+            <a:bodyPr wrap="none" rtlCol="0">
+              <a:spAutoFit/>
+            </a:bodyPr>
+            <a:lstStyle/>
+            <a:p>
+              <a:r>
+                <a:rPr lang="en-US" altLang="ja-JP" sz="13800" b="1" dirty="0">
+                  <a:solidFill>
+                    <a:srgbClr val="332826"/>
+                  </a:solidFill>
+                  <a:latin typeface="Arial" panose="020B0604020202020204" pitchFamily="34" charset="0"/>
+                  <a:ea typeface="Meiryo UI" panose="020B0604030504040204" pitchFamily="34" charset="-128"/>
+                  <a:cs typeface="Arial" panose="020B0604020202020204" pitchFamily="34" charset="0"/>
+                </a:rPr>
+                <a:t> ZIP </a:t>
+              </a:r>
+              <a:endParaRPr kumimoji="1" lang="ja-JP" altLang="en-US" sz="13800" b="1">
+                <a:solidFill>
+                  <a:srgbClr val="332826"/>
+                </a:solidFill>
+                <a:latin typeface="Arial" panose="020B0604020202020204" pitchFamily="34" charset="0"/>
+                <a:ea typeface="Meiryo UI" panose="020B0604030504040204" pitchFamily="34" charset="-128"/>
+                <a:cs typeface="Arial" panose="020B0604020202020204" pitchFamily="34" charset="0"/>
+              </a:endParaRPr>
+            </a:p>
+          </p:txBody>
+        </p:sp>
+      </p:grpSp>
+    </p:spTree>
+    <p:extLst>
+      <p:ext uri="{BB962C8B-B14F-4D97-AF65-F5344CB8AC3E}">
+        <p14:creationId xmlns:p14="http://schemas.microsoft.com/office/powerpoint/2010/main" val="2410695658"/>
+      </p:ext>
+    </p:extLst>
+  </p:cSld>
+  <p:clrMapOvr>
+    <a:masterClrMapping/>
+  </p:clrMapOvr>
+</p:sld>
+</file>
+
+<file path=ppt/slides/slide8.xml><?xml version="1.0" encoding="utf-8"?>
+<p:sld xmlns:a="http://schemas.openxmlformats.org/drawingml/2006/main" xmlns:r="http://schemas.openxmlformats.org/officeDocument/2006/relationships" xmlns:p="http://schemas.openxmlformats.org/presentationml/2006/main">
+  <p:cSld>
+    <p:spTree>
+      <p:nvGrpSpPr>
+        <p:cNvPr id="1" name="">
+          <a:extLst>
+            <a:ext uri="{FF2B5EF4-FFF2-40B4-BE49-F238E27FC236}">
+              <a16:creationId xmlns:a16="http://schemas.microsoft.com/office/drawing/2014/main" id="{65C871C1-15C5-07FE-20F1-B085C6B1C03C}"/>
+            </a:ext>
+          </a:extLst>
+        </p:cNvPr>
+        <p:cNvGrpSpPr/>
+        <p:nvPr/>
+      </p:nvGrpSpPr>
+      <p:grpSpPr>
+        <a:xfrm>
+          <a:off x="0" y="0"/>
+          <a:ext cx="0" cy="0"/>
+          <a:chOff x="0" y="0"/>
+          <a:chExt cx="0" cy="0"/>
+        </a:xfrm>
+      </p:grpSpPr>
+      <p:sp>
+        <p:nvSpPr>
+          <p:cNvPr id="6" name="正方形/長方形 5">
+            <a:extLst>
+              <a:ext uri="{FF2B5EF4-FFF2-40B4-BE49-F238E27FC236}">
+                <a16:creationId xmlns:a16="http://schemas.microsoft.com/office/drawing/2014/main" id="{11A8E4C2-75EC-FB58-1252-468D11369692}"/>
+              </a:ext>
+            </a:extLst>
+          </p:cNvPr>
+          <p:cNvSpPr/>
+          <p:nvPr/>
+        </p:nvSpPr>
+        <p:spPr>
+          <a:xfrm>
+            <a:off x="2676000" y="0"/>
+            <a:ext cx="6840000" cy="6840000"/>
+          </a:xfrm>
+          <a:prstGeom prst="rect">
+            <a:avLst/>
+          </a:prstGeom>
+          <a:solidFill>
+            <a:srgbClr val="E8E5E6"/>
+          </a:solidFill>
+          <a:ln>
+            <a:noFill/>
+          </a:ln>
+        </p:spPr>
+        <p:style>
+          <a:lnRef idx="2">
+            <a:schemeClr val="accent1">
+              <a:shade val="50000"/>
+            </a:schemeClr>
+          </a:lnRef>
+          <a:fillRef idx="1">
+            <a:schemeClr val="accent1"/>
+          </a:fillRef>
+          <a:effectRef idx="0">
+            <a:schemeClr val="accent1"/>
+          </a:effectRef>
+          <a:fontRef idx="minor">
+            <a:schemeClr val="lt1"/>
+          </a:fontRef>
+        </p:style>
+        <p:txBody>
+          <a:bodyPr rtlCol="0" anchor="ctr"/>
+          <a:lstStyle/>
+          <a:p>
+            <a:pPr algn="ctr"/>
+            <a:endParaRPr kumimoji="1" lang="ja-JP" altLang="en-US"/>
+          </a:p>
+        </p:txBody>
+      </p:sp>
+      <p:grpSp>
+        <p:nvGrpSpPr>
+          <p:cNvPr id="39" name="グループ化 38">
+            <a:extLst>
+              <a:ext uri="{FF2B5EF4-FFF2-40B4-BE49-F238E27FC236}">
+                <a16:creationId xmlns:a16="http://schemas.microsoft.com/office/drawing/2014/main" id="{670C2E18-372B-2E66-C9EA-BCCE896E6C26}"/>
+              </a:ext>
+            </a:extLst>
+          </p:cNvPr>
+          <p:cNvGrpSpPr/>
+          <p:nvPr/>
+        </p:nvGrpSpPr>
+        <p:grpSpPr>
+          <a:xfrm>
+            <a:off x="3825760" y="977538"/>
+            <a:ext cx="4308981" cy="4633784"/>
+            <a:chOff x="3773942" y="977538"/>
+            <a:chExt cx="4308981" cy="4633784"/>
+          </a:xfrm>
+        </p:grpSpPr>
+        <p:grpSp>
+          <p:nvGrpSpPr>
+            <p:cNvPr id="38" name="グループ化 37">
+              <a:extLst>
+                <a:ext uri="{FF2B5EF4-FFF2-40B4-BE49-F238E27FC236}">
+                  <a16:creationId xmlns:a16="http://schemas.microsoft.com/office/drawing/2014/main" id="{A18B1391-BE0A-8F87-BC55-E76AA439888F}"/>
+                </a:ext>
+              </a:extLst>
+            </p:cNvPr>
+            <p:cNvGrpSpPr/>
+            <p:nvPr/>
+          </p:nvGrpSpPr>
+          <p:grpSpPr>
+            <a:xfrm>
+              <a:off x="4499463" y="977538"/>
+              <a:ext cx="3583460" cy="4633784"/>
+              <a:chOff x="8335892" y="729777"/>
+              <a:chExt cx="3583460" cy="4633784"/>
+            </a:xfrm>
+          </p:grpSpPr>
+          <p:sp>
+            <p:nvSpPr>
+              <p:cNvPr id="34" name="フリーフォーム 33">
+                <a:extLst>
+                  <a:ext uri="{FF2B5EF4-FFF2-40B4-BE49-F238E27FC236}">
+                    <a16:creationId xmlns:a16="http://schemas.microsoft.com/office/drawing/2014/main" id="{EB3ECFFC-A3F9-1AA5-FC24-9AEE19C22263}"/>
+                  </a:ext>
+                </a:extLst>
+              </p:cNvPr>
+              <p:cNvSpPr>
+                <a:spLocks noChangeAspect="1"/>
+              </p:cNvSpPr>
+              <p:nvPr/>
+            </p:nvSpPr>
+            <p:spPr>
+              <a:xfrm rot="10800000">
+                <a:off x="10521381" y="853487"/>
+                <a:ext cx="1254170" cy="1254179"/>
+              </a:xfrm>
+              <a:custGeom>
+                <a:avLst/>
+                <a:gdLst>
+                  <a:gd name="connsiteX0" fmla="*/ 1254170 w 1254170"/>
+                  <a:gd name="connsiteY0" fmla="*/ 1254179 h 1254179"/>
+                  <a:gd name="connsiteX1" fmla="*/ 0 w 1254170"/>
+                  <a:gd name="connsiteY1" fmla="*/ 0 h 1254179"/>
+                  <a:gd name="connsiteX2" fmla="*/ 1087826 w 1254170"/>
+                  <a:gd name="connsiteY2" fmla="*/ 0 h 1254179"/>
+                  <a:gd name="connsiteX3" fmla="*/ 1254170 w 1254170"/>
+                  <a:gd name="connsiteY3" fmla="*/ 166344 h 1254179"/>
+                  <a:gd name="connsiteX4" fmla="*/ 1254170 w 1254170"/>
+                  <a:gd name="connsiteY4" fmla="*/ 1254179 h 1254179"/>
+                </a:gdLst>
+                <a:ahLst/>
+                <a:cxnLst>
+                  <a:cxn ang="0">
+                    <a:pos x="connsiteX0" y="connsiteY0"/>
+                  </a:cxn>
+                  <a:cxn ang="0">
+                    <a:pos x="connsiteX1" y="connsiteY1"/>
+                  </a:cxn>
+                  <a:cxn ang="0">
+                    <a:pos x="connsiteX2" y="connsiteY2"/>
+                  </a:cxn>
+                  <a:cxn ang="0">
+                    <a:pos x="connsiteX3" y="connsiteY3"/>
+                  </a:cxn>
+                  <a:cxn ang="0">
+                    <a:pos x="connsiteX4" y="connsiteY4"/>
+                  </a:cxn>
+                </a:cxnLst>
+                <a:rect l="l" t="t" r="r" b="b"/>
+                <a:pathLst>
+                  <a:path w="1254170" h="1254179">
+                    <a:moveTo>
+                      <a:pt x="1254170" y="1254179"/>
+                    </a:moveTo>
+                    <a:lnTo>
+                      <a:pt x="0" y="0"/>
+                    </a:lnTo>
+                    <a:lnTo>
+                      <a:pt x="1087826" y="0"/>
+                    </a:lnTo>
+                    <a:cubicBezTo>
+                      <a:pt x="1179695" y="0"/>
+                      <a:pt x="1254170" y="74475"/>
+                      <a:pt x="1254170" y="166344"/>
+                    </a:cubicBezTo>
+                    <a:lnTo>
+                      <a:pt x="1254170" y="1254179"/>
+                    </a:lnTo>
+                    <a:close/>
+                  </a:path>
+                </a:pathLst>
+              </a:custGeom>
+              <a:solidFill>
+                <a:srgbClr val="6D6766"/>
+              </a:solidFill>
+              <a:ln>
+                <a:noFill/>
+              </a:ln>
+            </p:spPr>
+            <p:style>
+              <a:lnRef idx="2">
+                <a:schemeClr val="accent1">
+                  <a:shade val="15000"/>
+                </a:schemeClr>
+              </a:lnRef>
+              <a:fillRef idx="1">
+                <a:schemeClr val="accent1"/>
+              </a:fillRef>
+              <a:effectRef idx="0">
+                <a:schemeClr val="accent1"/>
+              </a:effectRef>
+              <a:fontRef idx="minor">
+                <a:schemeClr val="lt1"/>
+              </a:fontRef>
+            </p:style>
+            <p:txBody>
+              <a:bodyPr wrap="square" rtlCol="0" anchor="ctr">
+                <a:noAutofit/>
+              </a:bodyPr>
+              <a:lstStyle/>
+              <a:p>
+                <a:pPr algn="ctr"/>
+                <a:endParaRPr kumimoji="1" lang="ja-JP" altLang="en-US"/>
+              </a:p>
+            </p:txBody>
+          </p:sp>
+          <p:sp>
+            <p:nvSpPr>
+              <p:cNvPr id="24" name="フリーフォーム 23">
+                <a:extLst>
+                  <a:ext uri="{FF2B5EF4-FFF2-40B4-BE49-F238E27FC236}">
+                    <a16:creationId xmlns:a16="http://schemas.microsoft.com/office/drawing/2014/main" id="{52273957-88D9-5D89-9AB4-F7F238FF10AA}"/>
+                  </a:ext>
+                </a:extLst>
+              </p:cNvPr>
+              <p:cNvSpPr/>
+              <p:nvPr/>
+            </p:nvSpPr>
+            <p:spPr>
+              <a:xfrm>
+                <a:off x="8335892" y="729777"/>
+                <a:ext cx="3583460" cy="4633784"/>
+              </a:xfrm>
+              <a:custGeom>
+                <a:avLst/>
+                <a:gdLst>
+                  <a:gd name="connsiteX0" fmla="*/ 166344 w 3583460"/>
+                  <a:gd name="connsiteY0" fmla="*/ 0 h 4633784"/>
+                  <a:gd name="connsiteX1" fmla="*/ 2270952 w 3583460"/>
+                  <a:gd name="connsiteY1" fmla="*/ 0 h 4633784"/>
+                  <a:gd name="connsiteX2" fmla="*/ 3583460 w 3583460"/>
+                  <a:gd name="connsiteY2" fmla="*/ 1312517 h 4633784"/>
+                  <a:gd name="connsiteX3" fmla="*/ 3583460 w 3583460"/>
+                  <a:gd name="connsiteY3" fmla="*/ 4467440 h 4633784"/>
+                  <a:gd name="connsiteX4" fmla="*/ 3417116 w 3583460"/>
+                  <a:gd name="connsiteY4" fmla="*/ 4633784 h 4633784"/>
+                  <a:gd name="connsiteX5" fmla="*/ 166344 w 3583460"/>
+                  <a:gd name="connsiteY5" fmla="*/ 4633784 h 4633784"/>
+                  <a:gd name="connsiteX6" fmla="*/ 0 w 3583460"/>
+                  <a:gd name="connsiteY6" fmla="*/ 4467440 h 4633784"/>
+                  <a:gd name="connsiteX7" fmla="*/ 0 w 3583460"/>
+                  <a:gd name="connsiteY7" fmla="*/ 166344 h 4633784"/>
+                  <a:gd name="connsiteX8" fmla="*/ 166344 w 3583460"/>
+                  <a:gd name="connsiteY8" fmla="*/ 0 h 4633784"/>
+                </a:gdLst>
+                <a:ahLst/>
+                <a:cxnLst>
+                  <a:cxn ang="0">
+                    <a:pos x="connsiteX0" y="connsiteY0"/>
+                  </a:cxn>
+                  <a:cxn ang="0">
+                    <a:pos x="connsiteX1" y="connsiteY1"/>
+                  </a:cxn>
+                  <a:cxn ang="0">
+                    <a:pos x="connsiteX2" y="connsiteY2"/>
+                  </a:cxn>
+                  <a:cxn ang="0">
+                    <a:pos x="connsiteX3" y="connsiteY3"/>
+                  </a:cxn>
+                  <a:cxn ang="0">
+                    <a:pos x="connsiteX4" y="connsiteY4"/>
+                  </a:cxn>
+                  <a:cxn ang="0">
+                    <a:pos x="connsiteX5" y="connsiteY5"/>
+                  </a:cxn>
+                  <a:cxn ang="0">
+                    <a:pos x="connsiteX6" y="connsiteY6"/>
+                  </a:cxn>
+                  <a:cxn ang="0">
+                    <a:pos x="connsiteX7" y="connsiteY7"/>
+                  </a:cxn>
+                  <a:cxn ang="0">
+                    <a:pos x="connsiteX8" y="connsiteY8"/>
+                  </a:cxn>
+                </a:cxnLst>
+                <a:rect l="l" t="t" r="r" b="b"/>
+                <a:pathLst>
+                  <a:path w="3583460" h="4633784">
+                    <a:moveTo>
+                      <a:pt x="166344" y="0"/>
+                    </a:moveTo>
+                    <a:lnTo>
+                      <a:pt x="2270952" y="0"/>
+                    </a:lnTo>
+                    <a:lnTo>
+                      <a:pt x="3583460" y="1312517"/>
+                    </a:lnTo>
+                    <a:lnTo>
+                      <a:pt x="3583460" y="4467440"/>
+                    </a:lnTo>
+                    <a:cubicBezTo>
+                      <a:pt x="3583460" y="4559309"/>
+                      <a:pt x="3508985" y="4633784"/>
+                      <a:pt x="3417116" y="4633784"/>
+                    </a:cubicBezTo>
+                    <a:lnTo>
+                      <a:pt x="166344" y="4633784"/>
+                    </a:lnTo>
+                    <a:cubicBezTo>
+                      <a:pt x="74475" y="4633784"/>
+                      <a:pt x="0" y="4559309"/>
+                      <a:pt x="0" y="4467440"/>
+                    </a:cubicBezTo>
+                    <a:lnTo>
+                      <a:pt x="0" y="166344"/>
+                    </a:lnTo>
+                    <a:cubicBezTo>
+                      <a:pt x="0" y="74475"/>
+                      <a:pt x="74475" y="0"/>
+                      <a:pt x="166344" y="0"/>
+                    </a:cubicBezTo>
+                    <a:close/>
+                  </a:path>
+                </a:pathLst>
+              </a:custGeom>
+              <a:noFill/>
+              <a:ln w="355600">
+                <a:solidFill>
+                  <a:srgbClr val="6D6766"/>
+                </a:solidFill>
+              </a:ln>
+            </p:spPr>
+            <p:style>
+              <a:lnRef idx="2">
+                <a:schemeClr val="accent1">
+                  <a:shade val="50000"/>
+                </a:schemeClr>
+              </a:lnRef>
+              <a:fillRef idx="1">
+                <a:schemeClr val="accent1"/>
+              </a:fillRef>
+              <a:effectRef idx="0">
+                <a:schemeClr val="accent1"/>
+              </a:effectRef>
+              <a:fontRef idx="minor">
+                <a:schemeClr val="lt1"/>
+              </a:fontRef>
+            </p:style>
+            <p:txBody>
+              <a:bodyPr wrap="square" rtlCol="0" anchor="ctr">
+                <a:noAutofit/>
+              </a:bodyPr>
+              <a:lstStyle/>
+              <a:p>
+                <a:pPr algn="ctr"/>
+                <a:endParaRPr kumimoji="1" lang="ja-JP" altLang="en-US"/>
+              </a:p>
+            </p:txBody>
+          </p:sp>
+        </p:grpSp>
+        <p:sp>
+          <p:nvSpPr>
+            <p:cNvPr id="3" name="テキスト ボックス 2">
+              <a:extLst>
+                <a:ext uri="{FF2B5EF4-FFF2-40B4-BE49-F238E27FC236}">
+                  <a16:creationId xmlns:a16="http://schemas.microsoft.com/office/drawing/2014/main" id="{3BC96B3F-6D3A-3173-BF1B-BA120AA3CE17}"/>
+                </a:ext>
+              </a:extLst>
+            </p:cNvPr>
+            <p:cNvSpPr txBox="1"/>
+            <p:nvPr/>
+          </p:nvSpPr>
+          <p:spPr>
+            <a:xfrm>
+              <a:off x="3773942" y="2497976"/>
+              <a:ext cx="3889270" cy="2215991"/>
+            </a:xfrm>
+            <a:prstGeom prst="rect">
+              <a:avLst/>
+            </a:prstGeom>
+            <a:solidFill>
+              <a:srgbClr val="6D6766"/>
+            </a:solidFill>
+            <a:ln>
+              <a:noFill/>
+            </a:ln>
+          </p:spPr>
+          <p:txBody>
+            <a:bodyPr wrap="none" rtlCol="0">
+              <a:spAutoFit/>
+            </a:bodyPr>
+            <a:lstStyle/>
+            <a:p>
+              <a:r>
+                <a:rPr lang="en-US" altLang="ja-JP" sz="13800" b="1" dirty="0">
+                  <a:solidFill>
+                    <a:srgbClr val="E8E5E6"/>
+                  </a:solidFill>
+                  <a:latin typeface="Arial" panose="020B0604020202020204" pitchFamily="34" charset="0"/>
+                  <a:ea typeface="Meiryo UI" panose="020B0604030504040204" pitchFamily="34" charset="-128"/>
+                  <a:cs typeface="Arial" panose="020B0604020202020204" pitchFamily="34" charset="0"/>
+                </a:rPr>
+                <a:t> ZIP </a:t>
+              </a:r>
+              <a:endParaRPr kumimoji="1" lang="ja-JP" altLang="en-US" sz="13800" b="1">
+                <a:solidFill>
+                  <a:srgbClr val="E8E5E6"/>
+                </a:solidFill>
+                <a:latin typeface="Arial" panose="020B0604020202020204" pitchFamily="34" charset="0"/>
+                <a:ea typeface="Meiryo UI" panose="020B0604030504040204" pitchFamily="34" charset="-128"/>
+                <a:cs typeface="Arial" panose="020B0604020202020204" pitchFamily="34" charset="0"/>
+              </a:endParaRPr>
+            </a:p>
+          </p:txBody>
+        </p:sp>
+      </p:grpSp>
+    </p:spTree>
+    <p:extLst>
+      <p:ext uri="{BB962C8B-B14F-4D97-AF65-F5344CB8AC3E}">
+        <p14:creationId xmlns:p14="http://schemas.microsoft.com/office/powerpoint/2010/main" val="2324462233"/>
+      </p:ext>
+    </p:extLst>
+  </p:cSld>
+  <p:clrMapOvr>
+    <a:masterClrMapping/>
+  </p:clrMapOvr>
+</p:sld>
+</file>
+
+<file path=ppt/slides/slide9.xml><?xml version="1.0" encoding="utf-8"?>
+<p:sld xmlns:a="http://schemas.openxmlformats.org/drawingml/2006/main" xmlns:r="http://schemas.openxmlformats.org/officeDocument/2006/relationships" xmlns:p="http://schemas.openxmlformats.org/presentationml/2006/main">
+  <p:cSld>
+    <p:spTree>
+      <p:nvGrpSpPr>
+        <p:cNvPr id="1" name=""/>
+        <p:cNvGrpSpPr/>
+        <p:nvPr/>
+      </p:nvGrpSpPr>
+      <p:grpSpPr>
+        <a:xfrm>
+          <a:off x="0" y="0"/>
+          <a:ext cx="0" cy="0"/>
+          <a:chOff x="0" y="0"/>
+          <a:chExt cx="0" cy="0"/>
+        </a:xfrm>
+      </p:grpSpPr>
+      <p:sp>
+        <p:nvSpPr>
+          <p:cNvPr id="33" name="正方形/長方形 32">
+            <a:extLst>
+              <a:ext uri="{FF2B5EF4-FFF2-40B4-BE49-F238E27FC236}">
+                <a16:creationId xmlns:a16="http://schemas.microsoft.com/office/drawing/2014/main" id="{5C9170E7-E3C1-CD69-DF19-0F276EBED67A}"/>
+              </a:ext>
+            </a:extLst>
+          </p:cNvPr>
+          <p:cNvSpPr/>
+          <p:nvPr/>
+        </p:nvSpPr>
+        <p:spPr>
+          <a:xfrm>
+            <a:off x="2675999" y="18000"/>
+            <a:ext cx="6840000" cy="6840000"/>
+          </a:xfrm>
+          <a:prstGeom prst="rect">
+            <a:avLst/>
+          </a:prstGeom>
+          <a:solidFill>
+            <a:srgbClr val="332826"/>
+          </a:solidFill>
+          <a:ln>
+            <a:solidFill>
+              <a:srgbClr val="332826"/>
+            </a:solidFill>
+          </a:ln>
+        </p:spPr>
+        <p:style>
+          <a:lnRef idx="2">
+            <a:schemeClr val="accent1">
+              <a:shade val="50000"/>
+            </a:schemeClr>
+          </a:lnRef>
+          <a:fillRef idx="1">
+            <a:schemeClr val="accent1"/>
+          </a:fillRef>
+          <a:effectRef idx="0">
+            <a:schemeClr val="accent1"/>
+          </a:effectRef>
+          <a:fontRef idx="minor">
+            <a:schemeClr val="lt1"/>
+          </a:fontRef>
+        </p:style>
+        <p:txBody>
+          <a:bodyPr rtlCol="0" anchor="ctr"/>
+          <a:lstStyle/>
+          <a:p>
+            <a:pPr algn="ctr"/>
+            <a:endParaRPr kumimoji="1" lang="ja-JP" altLang="en-US"/>
+          </a:p>
+        </p:txBody>
+      </p:sp>
+      <p:grpSp>
+        <p:nvGrpSpPr>
+          <p:cNvPr id="32" name="グループ化 31">
+            <a:extLst>
+              <a:ext uri="{FF2B5EF4-FFF2-40B4-BE49-F238E27FC236}">
+                <a16:creationId xmlns:a16="http://schemas.microsoft.com/office/drawing/2014/main" id="{15780189-EE92-1EFC-1A7A-35D34D606A0C}"/>
+              </a:ext>
+            </a:extLst>
+          </p:cNvPr>
+          <p:cNvGrpSpPr/>
+          <p:nvPr/>
+        </p:nvGrpSpPr>
+        <p:grpSpPr>
+          <a:xfrm>
+            <a:off x="3577944" y="848099"/>
+            <a:ext cx="5036110" cy="5179802"/>
+            <a:chOff x="3385150" y="838900"/>
+            <a:chExt cx="4219919" cy="4340324"/>
+          </a:xfrm>
+        </p:grpSpPr>
+        <p:sp>
+          <p:nvSpPr>
+            <p:cNvPr id="5" name="角丸四角形 4">
+              <a:extLst>
+                <a:ext uri="{FF2B5EF4-FFF2-40B4-BE49-F238E27FC236}">
+                  <a16:creationId xmlns:a16="http://schemas.microsoft.com/office/drawing/2014/main" id="{AC565989-52BB-3D15-E665-4CC221F9339E}"/>
+                </a:ext>
+              </a:extLst>
+            </p:cNvPr>
+            <p:cNvSpPr/>
+            <p:nvPr/>
+          </p:nvSpPr>
+          <p:spPr>
+            <a:xfrm>
+              <a:off x="7227891" y="1683253"/>
+              <a:ext cx="288000" cy="2923822"/>
+            </a:xfrm>
+            <a:prstGeom prst="roundRect">
+              <a:avLst>
+                <a:gd name="adj" fmla="val 50000"/>
+              </a:avLst>
+            </a:prstGeom>
+            <a:solidFill>
+              <a:srgbClr val="C0B8B5"/>
+            </a:solidFill>
+            <a:ln>
+              <a:noFill/>
+            </a:ln>
+          </p:spPr>
+          <p:style>
+            <a:lnRef idx="2">
+              <a:schemeClr val="accent1">
+                <a:shade val="15000"/>
+              </a:schemeClr>
+            </a:lnRef>
+            <a:fillRef idx="1">
+              <a:schemeClr val="accent1"/>
+            </a:fillRef>
+            <a:effectRef idx="0">
+              <a:schemeClr val="accent1"/>
+            </a:effectRef>
+            <a:fontRef idx="minor">
+              <a:schemeClr val="lt1"/>
+            </a:fontRef>
+          </p:style>
+          <p:txBody>
+            <a:bodyPr rtlCol="0" anchor="ctr"/>
+            <a:lstStyle/>
+            <a:p>
+              <a:pPr algn="ctr"/>
+              <a:endParaRPr kumimoji="1" lang="ja-JP" altLang="en-US"/>
+            </a:p>
+          </p:txBody>
+        </p:sp>
+        <p:sp>
+          <p:nvSpPr>
+            <p:cNvPr id="6" name="角丸四角形 5">
+              <a:extLst>
+                <a:ext uri="{FF2B5EF4-FFF2-40B4-BE49-F238E27FC236}">
+                  <a16:creationId xmlns:a16="http://schemas.microsoft.com/office/drawing/2014/main" id="{F19BD22A-BCCB-2CAA-B99D-1D594EB83AF0}"/>
+                </a:ext>
+              </a:extLst>
+            </p:cNvPr>
+            <p:cNvSpPr/>
+            <p:nvPr/>
+          </p:nvSpPr>
+          <p:spPr>
+            <a:xfrm rot="18080590">
+              <a:off x="6728130" y="794318"/>
+              <a:ext cx="288000" cy="1445336"/>
+            </a:xfrm>
+            <a:prstGeom prst="roundRect">
+              <a:avLst>
+                <a:gd name="adj" fmla="val 50000"/>
+              </a:avLst>
+            </a:prstGeom>
+            <a:solidFill>
+              <a:srgbClr val="C0B8B5"/>
+            </a:solidFill>
+            <a:ln>
+              <a:noFill/>
+            </a:ln>
+          </p:spPr>
+          <p:style>
+            <a:lnRef idx="2">
+              <a:schemeClr val="accent1">
+                <a:shade val="15000"/>
+              </a:schemeClr>
+            </a:lnRef>
+            <a:fillRef idx="1">
+              <a:schemeClr val="accent1"/>
+            </a:fillRef>
+            <a:effectRef idx="0">
+              <a:schemeClr val="accent1"/>
+            </a:effectRef>
+            <a:fontRef idx="minor">
+              <a:schemeClr val="lt1"/>
+            </a:fontRef>
+          </p:style>
+          <p:txBody>
+            <a:bodyPr rtlCol="0" anchor="ctr"/>
+            <a:lstStyle/>
+            <a:p>
+              <a:pPr algn="ctr"/>
+              <a:endParaRPr kumimoji="1" lang="ja-JP" altLang="en-US"/>
+            </a:p>
+          </p:txBody>
+        </p:sp>
+        <p:sp>
+          <p:nvSpPr>
+            <p:cNvPr id="7" name="角丸四角形 6">
+              <a:extLst>
+                <a:ext uri="{FF2B5EF4-FFF2-40B4-BE49-F238E27FC236}">
+                  <a16:creationId xmlns:a16="http://schemas.microsoft.com/office/drawing/2014/main" id="{9B667D26-1227-5C6F-2C0B-073E3D91FC95}"/>
+                </a:ext>
+              </a:extLst>
+            </p:cNvPr>
+            <p:cNvSpPr/>
+            <p:nvPr/>
+          </p:nvSpPr>
+          <p:spPr>
+            <a:xfrm>
+              <a:off x="6242213" y="1105896"/>
+              <a:ext cx="288000" cy="4073328"/>
+            </a:xfrm>
+            <a:prstGeom prst="roundRect">
+              <a:avLst>
+                <a:gd name="adj" fmla="val 50000"/>
+              </a:avLst>
+            </a:prstGeom>
+            <a:solidFill>
+              <a:srgbClr val="C0B8B5"/>
+            </a:solidFill>
+            <a:ln>
+              <a:noFill/>
+            </a:ln>
+          </p:spPr>
+          <p:style>
+            <a:lnRef idx="2">
+              <a:schemeClr val="accent1">
+                <a:shade val="15000"/>
+              </a:schemeClr>
+            </a:lnRef>
+            <a:fillRef idx="1">
+              <a:schemeClr val="accent1"/>
+            </a:fillRef>
+            <a:effectRef idx="0">
+              <a:schemeClr val="accent1"/>
+            </a:effectRef>
+            <a:fontRef idx="minor">
+              <a:schemeClr val="lt1"/>
+            </a:fontRef>
+          </p:style>
+          <p:txBody>
+            <a:bodyPr rtlCol="0" anchor="ctr"/>
+            <a:lstStyle/>
+            <a:p>
+              <a:pPr algn="ctr"/>
+              <a:endParaRPr kumimoji="1" lang="ja-JP" altLang="en-US"/>
+            </a:p>
+          </p:txBody>
+        </p:sp>
+        <p:sp>
+          <p:nvSpPr>
+            <p:cNvPr id="8" name="角丸四角形 7">
+              <a:extLst>
+                <a:ext uri="{FF2B5EF4-FFF2-40B4-BE49-F238E27FC236}">
+                  <a16:creationId xmlns:a16="http://schemas.microsoft.com/office/drawing/2014/main" id="{44B7B46D-66D8-A149-ED5F-9394A227B67B}"/>
+                </a:ext>
+              </a:extLst>
+            </p:cNvPr>
+            <p:cNvSpPr/>
+            <p:nvPr/>
+          </p:nvSpPr>
+          <p:spPr>
+            <a:xfrm rot="3519410" flipV="1">
+              <a:off x="6738401" y="4056009"/>
+              <a:ext cx="288000" cy="1445336"/>
+            </a:xfrm>
+            <a:prstGeom prst="roundRect">
+              <a:avLst>
+                <a:gd name="adj" fmla="val 50000"/>
+              </a:avLst>
+            </a:prstGeom>
+            <a:solidFill>
+              <a:srgbClr val="C0B8B5"/>
+            </a:solidFill>
+            <a:ln>
+              <a:noFill/>
+            </a:ln>
+          </p:spPr>
+          <p:style>
+            <a:lnRef idx="2">
+              <a:schemeClr val="accent1">
+                <a:shade val="15000"/>
+              </a:schemeClr>
+            </a:lnRef>
+            <a:fillRef idx="1">
+              <a:schemeClr val="accent1"/>
+            </a:fillRef>
+            <a:effectRef idx="0">
+              <a:schemeClr val="accent1"/>
+            </a:effectRef>
+            <a:fontRef idx="minor">
+              <a:schemeClr val="lt1"/>
+            </a:fontRef>
+          </p:style>
+          <p:txBody>
+            <a:bodyPr rtlCol="0" anchor="ctr"/>
+            <a:lstStyle/>
+            <a:p>
+              <a:pPr algn="ctr"/>
+              <a:endParaRPr kumimoji="1" lang="ja-JP" altLang="en-US"/>
+            </a:p>
+          </p:txBody>
+        </p:sp>
+        <p:sp>
+          <p:nvSpPr>
+            <p:cNvPr id="31" name="フリーフォーム 30">
+              <a:extLst>
+                <a:ext uri="{FF2B5EF4-FFF2-40B4-BE49-F238E27FC236}">
+                  <a16:creationId xmlns:a16="http://schemas.microsoft.com/office/drawing/2014/main" id="{98C9942B-6BB1-C824-B746-25229CD4EB6B}"/>
+                </a:ext>
+              </a:extLst>
+            </p:cNvPr>
+            <p:cNvSpPr/>
+            <p:nvPr/>
+          </p:nvSpPr>
+          <p:spPr>
+            <a:xfrm rot="2570777" flipV="1">
+              <a:off x="4798349" y="2627439"/>
+              <a:ext cx="288000" cy="289401"/>
+            </a:xfrm>
+            <a:custGeom>
+              <a:avLst/>
+              <a:gdLst>
+                <a:gd name="connsiteX0" fmla="*/ 0 w 288000"/>
+                <a:gd name="connsiteY0" fmla="*/ 288003 h 289401"/>
+                <a:gd name="connsiteX1" fmla="*/ 288000 w 288000"/>
+                <a:gd name="connsiteY1" fmla="*/ 289401 h 289401"/>
+                <a:gd name="connsiteX2" fmla="*/ 288000 w 288000"/>
+                <a:gd name="connsiteY2" fmla="*/ 1397 h 289401"/>
+                <a:gd name="connsiteX3" fmla="*/ 0 w 288000"/>
+                <a:gd name="connsiteY3" fmla="*/ 0 h 289401"/>
+                <a:gd name="connsiteX4" fmla="*/ 0 w 288000"/>
+                <a:gd name="connsiteY4" fmla="*/ 288003 h 289401"/>
+              </a:gdLst>
+              <a:ahLst/>
+              <a:cxnLst>
+                <a:cxn ang="0">
+                  <a:pos x="connsiteX0" y="connsiteY0"/>
+                </a:cxn>
+                <a:cxn ang="0">
+                  <a:pos x="connsiteX1" y="connsiteY1"/>
+                </a:cxn>
+                <a:cxn ang="0">
+                  <a:pos x="connsiteX2" y="connsiteY2"/>
+                </a:cxn>
+                <a:cxn ang="0">
+                  <a:pos x="connsiteX3" y="connsiteY3"/>
+                </a:cxn>
+                <a:cxn ang="0">
+                  <a:pos x="connsiteX4" y="connsiteY4"/>
+                </a:cxn>
+              </a:cxnLst>
+              <a:rect l="l" t="t" r="r" b="b"/>
+              <a:pathLst>
+                <a:path w="288000" h="289401">
+                  <a:moveTo>
+                    <a:pt x="0" y="288003"/>
+                  </a:moveTo>
+                  <a:lnTo>
+                    <a:pt x="288000" y="289401"/>
+                  </a:lnTo>
+                  <a:lnTo>
+                    <a:pt x="288000" y="1397"/>
+                  </a:lnTo>
+                  <a:lnTo>
+                    <a:pt x="0" y="0"/>
+                  </a:lnTo>
+                  <a:lnTo>
+                    <a:pt x="0" y="288003"/>
+                  </a:lnTo>
+                  <a:close/>
+                </a:path>
+              </a:pathLst>
+            </a:custGeom>
+            <a:solidFill>
+              <a:srgbClr val="C0B8B5"/>
+            </a:solidFill>
+            <a:ln>
+              <a:noFill/>
+            </a:ln>
+          </p:spPr>
+          <p:style>
+            <a:lnRef idx="2">
+              <a:schemeClr val="accent1">
+                <a:shade val="15000"/>
+              </a:schemeClr>
+            </a:lnRef>
+            <a:fillRef idx="1">
+              <a:schemeClr val="accent1"/>
+            </a:fillRef>
+            <a:effectRef idx="0">
+              <a:schemeClr val="accent1"/>
+            </a:effectRef>
+            <a:fontRef idx="minor">
+              <a:schemeClr val="lt1"/>
+            </a:fontRef>
+          </p:style>
+          <p:txBody>
+            <a:bodyPr wrap="square" rtlCol="0" anchor="ctr">
+              <a:noAutofit/>
+            </a:bodyPr>
+            <a:lstStyle/>
+            <a:p>
+              <a:pPr algn="ctr"/>
+              <a:endParaRPr kumimoji="1" lang="ja-JP" altLang="en-US"/>
+            </a:p>
+          </p:txBody>
+        </p:sp>
+        <p:sp>
+          <p:nvSpPr>
+            <p:cNvPr id="30" name="フリーフォーム 29">
+              <a:extLst>
+                <a:ext uri="{FF2B5EF4-FFF2-40B4-BE49-F238E27FC236}">
+                  <a16:creationId xmlns:a16="http://schemas.microsoft.com/office/drawing/2014/main" id="{D8C0D660-EA0D-2354-3F85-841E8A95B7C9}"/>
+                </a:ext>
+              </a:extLst>
+            </p:cNvPr>
+            <p:cNvSpPr/>
+            <p:nvPr/>
+          </p:nvSpPr>
+          <p:spPr>
+            <a:xfrm rot="2570777" flipV="1">
+              <a:off x="4451202" y="2991162"/>
+              <a:ext cx="288000" cy="310509"/>
+            </a:xfrm>
+            <a:custGeom>
+              <a:avLst/>
+              <a:gdLst>
+                <a:gd name="connsiteX0" fmla="*/ 0 w 288000"/>
+                <a:gd name="connsiteY0" fmla="*/ 310509 h 310509"/>
+                <a:gd name="connsiteX1" fmla="*/ 288000 w 288000"/>
+                <a:gd name="connsiteY1" fmla="*/ 288816 h 310509"/>
+                <a:gd name="connsiteX2" fmla="*/ 288000 w 288000"/>
+                <a:gd name="connsiteY2" fmla="*/ 0 h 310509"/>
+                <a:gd name="connsiteX3" fmla="*/ 0 w 288000"/>
+                <a:gd name="connsiteY3" fmla="*/ 21693 h 310509"/>
+                <a:gd name="connsiteX4" fmla="*/ 0 w 288000"/>
+                <a:gd name="connsiteY4" fmla="*/ 310509 h 310509"/>
+              </a:gdLst>
+              <a:ahLst/>
+              <a:cxnLst>
+                <a:cxn ang="0">
+                  <a:pos x="connsiteX0" y="connsiteY0"/>
+                </a:cxn>
+                <a:cxn ang="0">
+                  <a:pos x="connsiteX1" y="connsiteY1"/>
+                </a:cxn>
+                <a:cxn ang="0">
+                  <a:pos x="connsiteX2" y="connsiteY2"/>
+                </a:cxn>
+                <a:cxn ang="0">
+                  <a:pos x="connsiteX3" y="connsiteY3"/>
+                </a:cxn>
+                <a:cxn ang="0">
+                  <a:pos x="connsiteX4" y="connsiteY4"/>
+                </a:cxn>
+              </a:cxnLst>
+              <a:rect l="l" t="t" r="r" b="b"/>
+              <a:pathLst>
+                <a:path w="288000" h="310509">
+                  <a:moveTo>
+                    <a:pt x="0" y="310509"/>
+                  </a:moveTo>
+                  <a:lnTo>
+                    <a:pt x="288000" y="288816"/>
+                  </a:lnTo>
+                  <a:lnTo>
+                    <a:pt x="288000" y="0"/>
+                  </a:lnTo>
+                  <a:lnTo>
+                    <a:pt x="0" y="21693"/>
+                  </a:lnTo>
+                  <a:lnTo>
+                    <a:pt x="0" y="310509"/>
+                  </a:lnTo>
+                  <a:close/>
+                </a:path>
+              </a:pathLst>
+            </a:custGeom>
+            <a:solidFill>
+              <a:srgbClr val="C0B8B5"/>
+            </a:solidFill>
+            <a:ln>
+              <a:noFill/>
+            </a:ln>
+          </p:spPr>
+          <p:style>
+            <a:lnRef idx="2">
+              <a:schemeClr val="accent1">
+                <a:shade val="15000"/>
+              </a:schemeClr>
+            </a:lnRef>
+            <a:fillRef idx="1">
+              <a:schemeClr val="accent1"/>
+            </a:fillRef>
+            <a:effectRef idx="0">
+              <a:schemeClr val="accent1"/>
+            </a:effectRef>
+            <a:fontRef idx="minor">
+              <a:schemeClr val="lt1"/>
+            </a:fontRef>
+          </p:style>
+          <p:txBody>
+            <a:bodyPr wrap="square" rtlCol="0" anchor="ctr">
+              <a:noAutofit/>
+            </a:bodyPr>
+            <a:lstStyle/>
+            <a:p>
+              <a:pPr algn="ctr"/>
+              <a:endParaRPr kumimoji="1" lang="ja-JP" altLang="en-US"/>
+            </a:p>
+          </p:txBody>
+        </p:sp>
+        <p:sp>
+          <p:nvSpPr>
+            <p:cNvPr id="28" name="フリーフォーム 27">
+              <a:extLst>
+                <a:ext uri="{FF2B5EF4-FFF2-40B4-BE49-F238E27FC236}">
+                  <a16:creationId xmlns:a16="http://schemas.microsoft.com/office/drawing/2014/main" id="{E50FF74F-DF63-C0C4-8A63-5EF9FAEEE51F}"/>
+                </a:ext>
+              </a:extLst>
+            </p:cNvPr>
+            <p:cNvSpPr/>
+            <p:nvPr/>
+          </p:nvSpPr>
+          <p:spPr>
+            <a:xfrm rot="2570777" flipV="1">
+              <a:off x="5245072" y="3055619"/>
+              <a:ext cx="327081" cy="289591"/>
+            </a:xfrm>
+            <a:custGeom>
+              <a:avLst/>
+              <a:gdLst>
+                <a:gd name="connsiteX0" fmla="*/ 36590 w 327081"/>
+                <a:gd name="connsiteY0" fmla="*/ 288181 h 289591"/>
+                <a:gd name="connsiteX1" fmla="*/ 327081 w 327081"/>
+                <a:gd name="connsiteY1" fmla="*/ 289591 h 289591"/>
+                <a:gd name="connsiteX2" fmla="*/ 290491 w 327081"/>
+                <a:gd name="connsiteY2" fmla="*/ 1410 h 289591"/>
+                <a:gd name="connsiteX3" fmla="*/ 0 w 327081"/>
+                <a:gd name="connsiteY3" fmla="*/ 0 h 289591"/>
+                <a:gd name="connsiteX4" fmla="*/ 36590 w 327081"/>
+                <a:gd name="connsiteY4" fmla="*/ 288181 h 289591"/>
+              </a:gdLst>
+              <a:ahLst/>
+              <a:cxnLst>
+                <a:cxn ang="0">
+                  <a:pos x="connsiteX0" y="connsiteY0"/>
+                </a:cxn>
+                <a:cxn ang="0">
+                  <a:pos x="connsiteX1" y="connsiteY1"/>
+                </a:cxn>
+                <a:cxn ang="0">
+                  <a:pos x="connsiteX2" y="connsiteY2"/>
+                </a:cxn>
+                <a:cxn ang="0">
+                  <a:pos x="connsiteX3" y="connsiteY3"/>
+                </a:cxn>
+                <a:cxn ang="0">
+                  <a:pos x="connsiteX4" y="connsiteY4"/>
+                </a:cxn>
+              </a:cxnLst>
+              <a:rect l="l" t="t" r="r" b="b"/>
+              <a:pathLst>
+                <a:path w="327081" h="289591">
+                  <a:moveTo>
+                    <a:pt x="36590" y="288181"/>
+                  </a:moveTo>
+                  <a:lnTo>
+                    <a:pt x="327081" y="289591"/>
+                  </a:lnTo>
+                  <a:lnTo>
+                    <a:pt x="290491" y="1410"/>
+                  </a:lnTo>
+                  <a:lnTo>
+                    <a:pt x="0" y="0"/>
+                  </a:lnTo>
+                  <a:lnTo>
+                    <a:pt x="36590" y="288181"/>
+                  </a:lnTo>
+                  <a:close/>
+                </a:path>
+              </a:pathLst>
+            </a:custGeom>
+            <a:solidFill>
+              <a:srgbClr val="C0B8B5"/>
+            </a:solidFill>
+            <a:ln>
+              <a:noFill/>
+            </a:ln>
+          </p:spPr>
+          <p:style>
+            <a:lnRef idx="2">
+              <a:schemeClr val="accent1">
+                <a:shade val="15000"/>
+              </a:schemeClr>
+            </a:lnRef>
+            <a:fillRef idx="1">
+              <a:schemeClr val="accent1"/>
+            </a:fillRef>
+            <a:effectRef idx="0">
+              <a:schemeClr val="accent1"/>
+            </a:effectRef>
+            <a:fontRef idx="minor">
+              <a:schemeClr val="lt1"/>
+            </a:fontRef>
+          </p:style>
+          <p:txBody>
+            <a:bodyPr wrap="square" rtlCol="0" anchor="ctr">
+              <a:noAutofit/>
+            </a:bodyPr>
+            <a:lstStyle/>
+            <a:p>
+              <a:pPr algn="ctr"/>
+              <a:endParaRPr kumimoji="1" lang="ja-JP" altLang="en-US"/>
+            </a:p>
+          </p:txBody>
+        </p:sp>
+        <p:sp>
+          <p:nvSpPr>
+            <p:cNvPr id="27" name="フリーフォーム 26">
+              <a:extLst>
+                <a:ext uri="{FF2B5EF4-FFF2-40B4-BE49-F238E27FC236}">
+                  <a16:creationId xmlns:a16="http://schemas.microsoft.com/office/drawing/2014/main" id="{B3CC1DF5-C005-AB01-CF31-226C94ABE5C3}"/>
+                </a:ext>
+              </a:extLst>
+            </p:cNvPr>
+            <p:cNvSpPr/>
+            <p:nvPr/>
+          </p:nvSpPr>
+          <p:spPr>
+            <a:xfrm rot="2570777" flipV="1">
+              <a:off x="4816869" y="3406137"/>
+              <a:ext cx="323885" cy="307739"/>
+            </a:xfrm>
+            <a:custGeom>
+              <a:avLst/>
+              <a:gdLst>
+                <a:gd name="connsiteX0" fmla="*/ 36324 w 323885"/>
+                <a:gd name="connsiteY0" fmla="*/ 307739 h 307739"/>
+                <a:gd name="connsiteX1" fmla="*/ 323885 w 323885"/>
+                <a:gd name="connsiteY1" fmla="*/ 286080 h 307739"/>
+                <a:gd name="connsiteX2" fmla="*/ 287562 w 323885"/>
+                <a:gd name="connsiteY2" fmla="*/ 0 h 307739"/>
+                <a:gd name="connsiteX3" fmla="*/ 0 w 323885"/>
+                <a:gd name="connsiteY3" fmla="*/ 21659 h 307739"/>
+                <a:gd name="connsiteX4" fmla="*/ 36324 w 323885"/>
+                <a:gd name="connsiteY4" fmla="*/ 307739 h 307739"/>
+              </a:gdLst>
+              <a:ahLst/>
+              <a:cxnLst>
+                <a:cxn ang="0">
+                  <a:pos x="connsiteX0" y="connsiteY0"/>
+                </a:cxn>
+                <a:cxn ang="0">
+                  <a:pos x="connsiteX1" y="connsiteY1"/>
+                </a:cxn>
+                <a:cxn ang="0">
+                  <a:pos x="connsiteX2" y="connsiteY2"/>
+                </a:cxn>
+                <a:cxn ang="0">
+                  <a:pos x="connsiteX3" y="connsiteY3"/>
+                </a:cxn>
+                <a:cxn ang="0">
+                  <a:pos x="connsiteX4" y="connsiteY4"/>
+                </a:cxn>
+              </a:cxnLst>
+              <a:rect l="l" t="t" r="r" b="b"/>
+              <a:pathLst>
+                <a:path w="323885" h="307739">
+                  <a:moveTo>
+                    <a:pt x="36324" y="307739"/>
+                  </a:moveTo>
+                  <a:lnTo>
+                    <a:pt x="323885" y="286080"/>
+                  </a:lnTo>
+                  <a:lnTo>
+                    <a:pt x="287562" y="0"/>
+                  </a:lnTo>
+                  <a:lnTo>
+                    <a:pt x="0" y="21659"/>
+                  </a:lnTo>
+                  <a:lnTo>
+                    <a:pt x="36324" y="307739"/>
+                  </a:lnTo>
+                  <a:close/>
+                </a:path>
+              </a:pathLst>
+            </a:custGeom>
+            <a:solidFill>
+              <a:srgbClr val="C0B8B5"/>
+            </a:solidFill>
+            <a:ln>
+              <a:noFill/>
+            </a:ln>
+          </p:spPr>
+          <p:style>
+            <a:lnRef idx="2">
+              <a:schemeClr val="accent1">
+                <a:shade val="15000"/>
+              </a:schemeClr>
+            </a:lnRef>
+            <a:fillRef idx="1">
+              <a:schemeClr val="accent1"/>
+            </a:fillRef>
+            <a:effectRef idx="0">
+              <a:schemeClr val="accent1"/>
+            </a:effectRef>
+            <a:fontRef idx="minor">
+              <a:schemeClr val="lt1"/>
+            </a:fontRef>
+          </p:style>
+          <p:txBody>
+            <a:bodyPr wrap="square" rtlCol="0" anchor="ctr">
+              <a:noAutofit/>
+            </a:bodyPr>
+            <a:lstStyle/>
+            <a:p>
+              <a:pPr algn="ctr"/>
+              <a:endParaRPr kumimoji="1" lang="ja-JP" altLang="en-US"/>
+            </a:p>
+          </p:txBody>
+        </p:sp>
+        <p:sp>
+          <p:nvSpPr>
+            <p:cNvPr id="26" name="フリーフォーム 25">
+              <a:extLst>
+                <a:ext uri="{FF2B5EF4-FFF2-40B4-BE49-F238E27FC236}">
+                  <a16:creationId xmlns:a16="http://schemas.microsoft.com/office/drawing/2014/main" id="{42BAAE61-CEEA-8D8D-57C6-1D3D7EFA8A7E}"/>
+                </a:ext>
+              </a:extLst>
+            </p:cNvPr>
+            <p:cNvSpPr/>
+            <p:nvPr/>
+          </p:nvSpPr>
+          <p:spPr>
+            <a:xfrm rot="2570777" flipV="1">
+              <a:off x="5613104" y="838900"/>
+              <a:ext cx="288000" cy="2109616"/>
+            </a:xfrm>
+            <a:custGeom>
+              <a:avLst/>
+              <a:gdLst>
+                <a:gd name="connsiteX0" fmla="*/ 42177 w 288000"/>
+                <a:gd name="connsiteY0" fmla="*/ 2067440 h 2109616"/>
+                <a:gd name="connsiteX1" fmla="*/ 144000 w 288000"/>
+                <a:gd name="connsiteY1" fmla="*/ 2109616 h 2109616"/>
+                <a:gd name="connsiteX2" fmla="*/ 288000 w 288000"/>
+                <a:gd name="connsiteY2" fmla="*/ 1965616 h 2109616"/>
+                <a:gd name="connsiteX3" fmla="*/ 288000 w 288000"/>
+                <a:gd name="connsiteY3" fmla="*/ 1398 h 2109616"/>
+                <a:gd name="connsiteX4" fmla="*/ 0 w 288000"/>
+                <a:gd name="connsiteY4" fmla="*/ 0 h 2109616"/>
+                <a:gd name="connsiteX5" fmla="*/ 0 w 288000"/>
+                <a:gd name="connsiteY5" fmla="*/ 1965616 h 2109616"/>
+                <a:gd name="connsiteX6" fmla="*/ 42177 w 288000"/>
+                <a:gd name="connsiteY6" fmla="*/ 2067440 h 2109616"/>
+              </a:gdLst>
+              <a:ahLst/>
+              <a:cxnLst>
+                <a:cxn ang="0">
+                  <a:pos x="connsiteX0" y="connsiteY0"/>
+                </a:cxn>
+                <a:cxn ang="0">
+                  <a:pos x="connsiteX1" y="connsiteY1"/>
+                </a:cxn>
+                <a:cxn ang="0">
+                  <a:pos x="connsiteX2" y="connsiteY2"/>
+                </a:cxn>
+                <a:cxn ang="0">
+                  <a:pos x="connsiteX3" y="connsiteY3"/>
+                </a:cxn>
+                <a:cxn ang="0">
+                  <a:pos x="connsiteX4" y="connsiteY4"/>
+                </a:cxn>
+                <a:cxn ang="0">
+                  <a:pos x="connsiteX5" y="connsiteY5"/>
+                </a:cxn>
+                <a:cxn ang="0">
+                  <a:pos x="connsiteX6" y="connsiteY6"/>
+                </a:cxn>
+              </a:cxnLst>
+              <a:rect l="l" t="t" r="r" b="b"/>
+              <a:pathLst>
+                <a:path w="288000" h="2109616">
+                  <a:moveTo>
+                    <a:pt x="42177" y="2067440"/>
+                  </a:moveTo>
+                  <a:cubicBezTo>
+                    <a:pt x="68236" y="2093498"/>
+                    <a:pt x="104236" y="2109616"/>
+                    <a:pt x="144000" y="2109616"/>
+                  </a:cubicBezTo>
+                  <a:cubicBezTo>
+                    <a:pt x="223529" y="2109616"/>
+                    <a:pt x="288000" y="2045145"/>
+                    <a:pt x="288000" y="1965616"/>
+                  </a:cubicBezTo>
+                  <a:lnTo>
+                    <a:pt x="288000" y="1398"/>
+                  </a:lnTo>
+                  <a:lnTo>
+                    <a:pt x="0" y="0"/>
+                  </a:lnTo>
+                  <a:lnTo>
+                    <a:pt x="0" y="1965616"/>
+                  </a:lnTo>
+                  <a:cubicBezTo>
+                    <a:pt x="0" y="2005381"/>
+                    <a:pt x="16118" y="2041381"/>
+                    <a:pt x="42177" y="2067440"/>
+                  </a:cubicBezTo>
+                  <a:close/>
+                </a:path>
+              </a:pathLst>
+            </a:custGeom>
+            <a:solidFill>
+              <a:srgbClr val="C0B8B5"/>
+            </a:solidFill>
+            <a:ln>
+              <a:noFill/>
+            </a:ln>
+          </p:spPr>
+          <p:style>
+            <a:lnRef idx="2">
+              <a:schemeClr val="accent1">
+                <a:shade val="15000"/>
+              </a:schemeClr>
+            </a:lnRef>
+            <a:fillRef idx="1">
+              <a:schemeClr val="accent1"/>
+            </a:fillRef>
+            <a:effectRef idx="0">
+              <a:schemeClr val="accent1"/>
+            </a:effectRef>
+            <a:fontRef idx="minor">
+              <a:schemeClr val="lt1"/>
+            </a:fontRef>
+          </p:style>
+          <p:txBody>
+            <a:bodyPr wrap="square" rtlCol="0" anchor="ctr">
+              <a:noAutofit/>
+            </a:bodyPr>
+            <a:lstStyle/>
+            <a:p>
+              <a:pPr algn="ctr"/>
+              <a:endParaRPr kumimoji="1" lang="ja-JP" altLang="en-US"/>
+            </a:p>
+          </p:txBody>
+        </p:sp>
+        <p:sp>
+          <p:nvSpPr>
+            <p:cNvPr id="25" name="フリーフォーム 24">
+              <a:extLst>
+                <a:ext uri="{FF2B5EF4-FFF2-40B4-BE49-F238E27FC236}">
+                  <a16:creationId xmlns:a16="http://schemas.microsoft.com/office/drawing/2014/main" id="{5B930926-3C9B-D82C-6184-DD87881E0DF7}"/>
+                </a:ext>
+              </a:extLst>
+            </p:cNvPr>
+            <p:cNvSpPr/>
+            <p:nvPr/>
+          </p:nvSpPr>
+          <p:spPr>
+            <a:xfrm rot="2570777" flipV="1">
+              <a:off x="3826967" y="2134704"/>
+              <a:ext cx="1162772" cy="292946"/>
+            </a:xfrm>
+            <a:custGeom>
+              <a:avLst/>
+              <a:gdLst>
+                <a:gd name="connsiteX0" fmla="*/ 41683 w 1162772"/>
+                <a:gd name="connsiteY0" fmla="*/ 245329 h 292946"/>
+                <a:gd name="connsiteX1" fmla="*/ 143300 w 1162772"/>
+                <a:gd name="connsiteY1" fmla="*/ 287999 h 292946"/>
+                <a:gd name="connsiteX2" fmla="*/ 1162772 w 1162772"/>
+                <a:gd name="connsiteY2" fmla="*/ 292946 h 292946"/>
+                <a:gd name="connsiteX3" fmla="*/ 1162772 w 1162772"/>
+                <a:gd name="connsiteY3" fmla="*/ 4943 h 292946"/>
+                <a:gd name="connsiteX4" fmla="*/ 144698 w 1162772"/>
+                <a:gd name="connsiteY4" fmla="*/ 2 h 292946"/>
+                <a:gd name="connsiteX5" fmla="*/ 1 w 1162772"/>
+                <a:gd name="connsiteY5" fmla="*/ 143301 h 292946"/>
+                <a:gd name="connsiteX6" fmla="*/ 41683 w 1162772"/>
+                <a:gd name="connsiteY6" fmla="*/ 245329 h 292946"/>
+              </a:gdLst>
+              <a:ahLst/>
+              <a:cxnLst>
+                <a:cxn ang="0">
+                  <a:pos x="connsiteX0" y="connsiteY0"/>
+                </a:cxn>
+                <a:cxn ang="0">
+                  <a:pos x="connsiteX1" y="connsiteY1"/>
+                </a:cxn>
+                <a:cxn ang="0">
+                  <a:pos x="connsiteX2" y="connsiteY2"/>
+                </a:cxn>
+                <a:cxn ang="0">
+                  <a:pos x="connsiteX3" y="connsiteY3"/>
+                </a:cxn>
+                <a:cxn ang="0">
+                  <a:pos x="connsiteX4" y="connsiteY4"/>
+                </a:cxn>
+                <a:cxn ang="0">
+                  <a:pos x="connsiteX5" y="connsiteY5"/>
+                </a:cxn>
+                <a:cxn ang="0">
+                  <a:pos x="connsiteX6" y="connsiteY6"/>
+                </a:cxn>
+              </a:cxnLst>
+              <a:rect l="l" t="t" r="r" b="b"/>
+              <a:pathLst>
+                <a:path w="1162772" h="292946">
+                  <a:moveTo>
+                    <a:pt x="41683" y="245329"/>
+                  </a:moveTo>
+                  <a:cubicBezTo>
+                    <a:pt x="67615" y="271514"/>
+                    <a:pt x="103536" y="287806"/>
+                    <a:pt x="143300" y="287999"/>
+                  </a:cubicBezTo>
+                  <a:lnTo>
+                    <a:pt x="1162772" y="292946"/>
+                  </a:lnTo>
+                  <a:lnTo>
+                    <a:pt x="1162772" y="4943"/>
+                  </a:lnTo>
+                  <a:lnTo>
+                    <a:pt x="144698" y="2"/>
+                  </a:lnTo>
+                  <a:cubicBezTo>
+                    <a:pt x="65170" y="-383"/>
+                    <a:pt x="387" y="63773"/>
+                    <a:pt x="1" y="143301"/>
+                  </a:cubicBezTo>
+                  <a:cubicBezTo>
+                    <a:pt x="-192" y="183066"/>
+                    <a:pt x="15751" y="219144"/>
+                    <a:pt x="41683" y="245329"/>
+                  </a:cubicBezTo>
+                  <a:close/>
+                </a:path>
+              </a:pathLst>
+            </a:custGeom>
+            <a:solidFill>
+              <a:srgbClr val="C0B8B5"/>
+            </a:solidFill>
+            <a:ln>
+              <a:noFill/>
+            </a:ln>
+          </p:spPr>
+          <p:style>
+            <a:lnRef idx="2">
+              <a:schemeClr val="accent1">
+                <a:shade val="15000"/>
+              </a:schemeClr>
+            </a:lnRef>
+            <a:fillRef idx="1">
+              <a:schemeClr val="accent1"/>
+            </a:fillRef>
+            <a:effectRef idx="0">
+              <a:schemeClr val="accent1"/>
+            </a:effectRef>
+            <a:fontRef idx="minor">
+              <a:schemeClr val="lt1"/>
+            </a:fontRef>
+          </p:style>
+          <p:txBody>
+            <a:bodyPr wrap="square" rtlCol="0" anchor="ctr">
+              <a:noAutofit/>
+            </a:bodyPr>
+            <a:lstStyle/>
+            <a:p>
+              <a:pPr algn="ctr"/>
+              <a:endParaRPr kumimoji="1" lang="ja-JP" altLang="en-US"/>
+            </a:p>
+          </p:txBody>
+        </p:sp>
+        <p:sp>
+          <p:nvSpPr>
+            <p:cNvPr id="24" name="フリーフォーム 23">
+              <a:extLst>
+                <a:ext uri="{FF2B5EF4-FFF2-40B4-BE49-F238E27FC236}">
+                  <a16:creationId xmlns:a16="http://schemas.microsoft.com/office/drawing/2014/main" id="{6EDAFCC9-486D-FB6D-C98F-EA640804121D}"/>
+                </a:ext>
+              </a:extLst>
+            </p:cNvPr>
+            <p:cNvSpPr/>
+            <p:nvPr/>
+          </p:nvSpPr>
+          <p:spPr>
+            <a:xfrm rot="2570777" flipV="1">
+              <a:off x="3385150" y="2371894"/>
+              <a:ext cx="1317541" cy="376806"/>
+            </a:xfrm>
+            <a:custGeom>
+              <a:avLst/>
+              <a:gdLst>
+                <a:gd name="connsiteX0" fmla="*/ 50119 w 1317541"/>
+                <a:gd name="connsiteY0" fmla="*/ 341983 h 376806"/>
+                <a:gd name="connsiteX1" fmla="*/ 154822 w 1317541"/>
+                <a:gd name="connsiteY1" fmla="*/ 376393 h 376806"/>
+                <a:gd name="connsiteX2" fmla="*/ 1317541 w 1317541"/>
+                <a:gd name="connsiteY2" fmla="*/ 288816 h 376806"/>
+                <a:gd name="connsiteX3" fmla="*/ 1317541 w 1317541"/>
+                <a:gd name="connsiteY3" fmla="*/ 0 h 376806"/>
+                <a:gd name="connsiteX4" fmla="*/ 133191 w 1317541"/>
+                <a:gd name="connsiteY4" fmla="*/ 89206 h 376806"/>
+                <a:gd name="connsiteX5" fmla="*/ 413 w 1317541"/>
+                <a:gd name="connsiteY5" fmla="*/ 243615 h 376806"/>
+                <a:gd name="connsiteX6" fmla="*/ 50119 w 1317541"/>
+                <a:gd name="connsiteY6" fmla="*/ 341983 h 376806"/>
+              </a:gdLst>
+              <a:ahLst/>
+              <a:cxnLst>
+                <a:cxn ang="0">
+                  <a:pos x="connsiteX0" y="connsiteY0"/>
+                </a:cxn>
+                <a:cxn ang="0">
+                  <a:pos x="connsiteX1" y="connsiteY1"/>
+                </a:cxn>
+                <a:cxn ang="0">
+                  <a:pos x="connsiteX2" y="connsiteY2"/>
+                </a:cxn>
+                <a:cxn ang="0">
+                  <a:pos x="connsiteX3" y="connsiteY3"/>
+                </a:cxn>
+                <a:cxn ang="0">
+                  <a:pos x="connsiteX4" y="connsiteY4"/>
+                </a:cxn>
+                <a:cxn ang="0">
+                  <a:pos x="connsiteX5" y="connsiteY5"/>
+                </a:cxn>
+                <a:cxn ang="0">
+                  <a:pos x="connsiteX6" y="connsiteY6"/>
+                </a:cxn>
+              </a:cxnLst>
+              <a:rect l="l" t="t" r="r" b="b"/>
+              <a:pathLst>
+                <a:path w="1317541" h="376806">
+                  <a:moveTo>
+                    <a:pt x="50119" y="341983"/>
+                  </a:moveTo>
+                  <a:cubicBezTo>
+                    <a:pt x="78061" y="366011"/>
+                    <a:pt x="115170" y="379380"/>
+                    <a:pt x="154822" y="376393"/>
+                  </a:cubicBezTo>
+                  <a:lnTo>
+                    <a:pt x="1317541" y="288816"/>
+                  </a:lnTo>
+                  <a:lnTo>
+                    <a:pt x="1317541" y="0"/>
+                  </a:lnTo>
+                  <a:lnTo>
+                    <a:pt x="133191" y="89206"/>
+                  </a:lnTo>
+                  <a:cubicBezTo>
+                    <a:pt x="53886" y="95179"/>
+                    <a:pt x="-5560" y="164310"/>
+                    <a:pt x="413" y="243615"/>
+                  </a:cubicBezTo>
+                  <a:cubicBezTo>
+                    <a:pt x="3399" y="283267"/>
+                    <a:pt x="22176" y="317955"/>
+                    <a:pt x="50119" y="341983"/>
+                  </a:cubicBezTo>
+                  <a:close/>
+                </a:path>
+              </a:pathLst>
+            </a:custGeom>
+            <a:solidFill>
+              <a:srgbClr val="C0B8B5"/>
+            </a:solidFill>
+            <a:ln>
+              <a:noFill/>
+            </a:ln>
+          </p:spPr>
+          <p:style>
+            <a:lnRef idx="2">
+              <a:schemeClr val="accent1">
+                <a:shade val="15000"/>
+              </a:schemeClr>
+            </a:lnRef>
+            <a:fillRef idx="1">
+              <a:schemeClr val="accent1"/>
+            </a:fillRef>
+            <a:effectRef idx="0">
+              <a:schemeClr val="accent1"/>
+            </a:effectRef>
+            <a:fontRef idx="minor">
+              <a:schemeClr val="lt1"/>
+            </a:fontRef>
+          </p:style>
+          <p:txBody>
+            <a:bodyPr wrap="square" rtlCol="0" anchor="ctr">
+              <a:noAutofit/>
+            </a:bodyPr>
+            <a:lstStyle/>
+            <a:p>
+              <a:pPr algn="ctr"/>
+              <a:endParaRPr kumimoji="1" lang="ja-JP" altLang="en-US"/>
+            </a:p>
+          </p:txBody>
+        </p:sp>
+        <p:sp>
+          <p:nvSpPr>
+            <p:cNvPr id="23" name="フリーフォーム 22">
+              <a:extLst>
+                <a:ext uri="{FF2B5EF4-FFF2-40B4-BE49-F238E27FC236}">
+                  <a16:creationId xmlns:a16="http://schemas.microsoft.com/office/drawing/2014/main" id="{0D279D8D-BAD9-02BA-6D04-5C5E8451B785}"/>
+                </a:ext>
+              </a:extLst>
+            </p:cNvPr>
+            <p:cNvSpPr/>
+            <p:nvPr/>
+          </p:nvSpPr>
+          <p:spPr>
+            <a:xfrm rot="2570777" flipV="1">
+              <a:off x="5785340" y="2060089"/>
+              <a:ext cx="431401" cy="1264208"/>
+            </a:xfrm>
+            <a:custGeom>
+              <a:avLst/>
+              <a:gdLst>
+                <a:gd name="connsiteX0" fmla="*/ 199199 w 431401"/>
+                <a:gd name="connsiteY0" fmla="*/ 1234032 h 1264208"/>
+                <a:gd name="connsiteX1" fmla="*/ 305525 w 431401"/>
+                <a:gd name="connsiteY1" fmla="*/ 1263046 h 1264208"/>
+                <a:gd name="connsiteX2" fmla="*/ 430239 w 431401"/>
+                <a:gd name="connsiteY2" fmla="*/ 1102055 h 1264208"/>
+                <a:gd name="connsiteX3" fmla="*/ 290491 w 431401"/>
+                <a:gd name="connsiteY3" fmla="*/ 1410 h 1264208"/>
+                <a:gd name="connsiteX4" fmla="*/ 0 w 431401"/>
+                <a:gd name="connsiteY4" fmla="*/ 0 h 1264208"/>
+                <a:gd name="connsiteX5" fmla="*/ 144533 w 431401"/>
+                <a:gd name="connsiteY5" fmla="*/ 1138332 h 1264208"/>
+                <a:gd name="connsiteX6" fmla="*/ 199199 w 431401"/>
+                <a:gd name="connsiteY6" fmla="*/ 1234032 h 1264208"/>
+              </a:gdLst>
+              <a:ahLst/>
+              <a:cxnLst>
+                <a:cxn ang="0">
+                  <a:pos x="connsiteX0" y="connsiteY0"/>
+                </a:cxn>
+                <a:cxn ang="0">
+                  <a:pos x="connsiteX1" y="connsiteY1"/>
+                </a:cxn>
+                <a:cxn ang="0">
+                  <a:pos x="connsiteX2" y="connsiteY2"/>
+                </a:cxn>
+                <a:cxn ang="0">
+                  <a:pos x="connsiteX3" y="connsiteY3"/>
+                </a:cxn>
+                <a:cxn ang="0">
+                  <a:pos x="connsiteX4" y="connsiteY4"/>
+                </a:cxn>
+                <a:cxn ang="0">
+                  <a:pos x="connsiteX5" y="connsiteY5"/>
+                </a:cxn>
+                <a:cxn ang="0">
+                  <a:pos x="connsiteX6" y="connsiteY6"/>
+                </a:cxn>
+              </a:cxnLst>
+              <a:rect l="l" t="t" r="r" b="b"/>
+              <a:pathLst>
+                <a:path w="431401" h="1264208">
+                  <a:moveTo>
+                    <a:pt x="199199" y="1234032"/>
+                  </a:moveTo>
+                  <a:cubicBezTo>
+                    <a:pt x="228333" y="1256601"/>
+                    <a:pt x="266076" y="1268055"/>
+                    <a:pt x="305525" y="1263046"/>
+                  </a:cubicBezTo>
+                  <a:cubicBezTo>
+                    <a:pt x="384420" y="1253029"/>
+                    <a:pt x="440256" y="1180951"/>
+                    <a:pt x="430239" y="1102055"/>
+                  </a:cubicBezTo>
+                  <a:lnTo>
+                    <a:pt x="290491" y="1410"/>
+                  </a:lnTo>
+                  <a:lnTo>
+                    <a:pt x="0" y="0"/>
+                  </a:lnTo>
+                  <a:lnTo>
+                    <a:pt x="144533" y="1138332"/>
+                  </a:lnTo>
+                  <a:cubicBezTo>
+                    <a:pt x="149542" y="1177780"/>
+                    <a:pt x="170065" y="1211462"/>
+                    <a:pt x="199199" y="1234032"/>
+                  </a:cubicBezTo>
+                  <a:close/>
+                </a:path>
+              </a:pathLst>
+            </a:custGeom>
+            <a:solidFill>
+              <a:srgbClr val="C0B8B5"/>
+            </a:solidFill>
+            <a:ln>
+              <a:noFill/>
+            </a:ln>
+          </p:spPr>
+          <p:style>
+            <a:lnRef idx="2">
+              <a:schemeClr val="accent1">
+                <a:shade val="15000"/>
+              </a:schemeClr>
+            </a:lnRef>
+            <a:fillRef idx="1">
+              <a:schemeClr val="accent1"/>
+            </a:fillRef>
+            <a:effectRef idx="0">
+              <a:schemeClr val="accent1"/>
+            </a:effectRef>
+            <a:fontRef idx="minor">
+              <a:schemeClr val="lt1"/>
+            </a:fontRef>
+          </p:style>
+          <p:txBody>
+            <a:bodyPr wrap="square" rtlCol="0" anchor="ctr">
+              <a:noAutofit/>
+            </a:bodyPr>
+            <a:lstStyle/>
+            <a:p>
+              <a:pPr algn="ctr"/>
+              <a:endParaRPr kumimoji="1" lang="ja-JP" altLang="en-US"/>
+            </a:p>
+          </p:txBody>
+        </p:sp>
+        <p:sp>
+          <p:nvSpPr>
+            <p:cNvPr id="22" name="フリーフォーム 21">
+              <a:extLst>
+                <a:ext uri="{FF2B5EF4-FFF2-40B4-BE49-F238E27FC236}">
+                  <a16:creationId xmlns:a16="http://schemas.microsoft.com/office/drawing/2014/main" id="{FD0E36A6-CACA-6D08-F183-540673015C47}"/>
+                </a:ext>
+              </a:extLst>
+            </p:cNvPr>
+            <p:cNvSpPr/>
+            <p:nvPr/>
+          </p:nvSpPr>
+          <p:spPr>
+            <a:xfrm rot="2570777" flipV="1">
+              <a:off x="5000685" y="2847163"/>
+              <a:ext cx="362146" cy="289761"/>
+            </a:xfrm>
+            <a:custGeom>
+              <a:avLst/>
+              <a:gdLst>
+                <a:gd name="connsiteX0" fmla="*/ 0 w 362146"/>
+                <a:gd name="connsiteY0" fmla="*/ 288004 h 289761"/>
+                <a:gd name="connsiteX1" fmla="*/ 362146 w 362146"/>
+                <a:gd name="connsiteY1" fmla="*/ 289761 h 289761"/>
+                <a:gd name="connsiteX2" fmla="*/ 325556 w 362146"/>
+                <a:gd name="connsiteY2" fmla="*/ 1580 h 289761"/>
+                <a:gd name="connsiteX3" fmla="*/ 0 w 362146"/>
+                <a:gd name="connsiteY3" fmla="*/ 0 h 289761"/>
+                <a:gd name="connsiteX4" fmla="*/ 0 w 362146"/>
+                <a:gd name="connsiteY4" fmla="*/ 288004 h 289761"/>
+              </a:gdLst>
+              <a:ahLst/>
+              <a:cxnLst>
+                <a:cxn ang="0">
+                  <a:pos x="connsiteX0" y="connsiteY0"/>
+                </a:cxn>
+                <a:cxn ang="0">
+                  <a:pos x="connsiteX1" y="connsiteY1"/>
+                </a:cxn>
+                <a:cxn ang="0">
+                  <a:pos x="connsiteX2" y="connsiteY2"/>
+                </a:cxn>
+                <a:cxn ang="0">
+                  <a:pos x="connsiteX3" y="connsiteY3"/>
+                </a:cxn>
+                <a:cxn ang="0">
+                  <a:pos x="connsiteX4" y="connsiteY4"/>
+                </a:cxn>
+              </a:cxnLst>
+              <a:rect l="l" t="t" r="r" b="b"/>
+              <a:pathLst>
+                <a:path w="362146" h="289761">
+                  <a:moveTo>
+                    <a:pt x="0" y="288004"/>
+                  </a:moveTo>
+                  <a:lnTo>
+                    <a:pt x="362146" y="289761"/>
+                  </a:lnTo>
+                  <a:lnTo>
+                    <a:pt x="325556" y="1580"/>
+                  </a:lnTo>
+                  <a:lnTo>
+                    <a:pt x="0" y="0"/>
+                  </a:lnTo>
+                  <a:lnTo>
+                    <a:pt x="0" y="288004"/>
+                  </a:lnTo>
+                  <a:close/>
+                </a:path>
+              </a:pathLst>
+            </a:custGeom>
+            <a:solidFill>
+              <a:srgbClr val="C0B8B5"/>
+            </a:solidFill>
+            <a:ln>
+              <a:noFill/>
+            </a:ln>
+          </p:spPr>
+          <p:style>
+            <a:lnRef idx="2">
+              <a:schemeClr val="accent1">
+                <a:shade val="15000"/>
+              </a:schemeClr>
+            </a:lnRef>
+            <a:fillRef idx="1">
+              <a:schemeClr val="accent1"/>
+            </a:fillRef>
+            <a:effectRef idx="0">
+              <a:schemeClr val="accent1"/>
+            </a:effectRef>
+            <a:fontRef idx="minor">
+              <a:schemeClr val="lt1"/>
+            </a:fontRef>
+          </p:style>
+          <p:txBody>
+            <a:bodyPr wrap="square" rtlCol="0" anchor="ctr">
+              <a:noAutofit/>
+            </a:bodyPr>
+            <a:lstStyle/>
+            <a:p>
+              <a:pPr algn="ctr"/>
+              <a:endParaRPr kumimoji="1" lang="ja-JP" altLang="en-US"/>
+            </a:p>
+          </p:txBody>
+        </p:sp>
+        <p:sp>
+          <p:nvSpPr>
+            <p:cNvPr id="20" name="フリーフォーム 19">
+              <a:extLst>
+                <a:ext uri="{FF2B5EF4-FFF2-40B4-BE49-F238E27FC236}">
+                  <a16:creationId xmlns:a16="http://schemas.microsoft.com/office/drawing/2014/main" id="{4A869BB7-4BE2-A449-6875-9E85E42132BA}"/>
+                </a:ext>
+              </a:extLst>
+            </p:cNvPr>
+            <p:cNvSpPr/>
+            <p:nvPr/>
+          </p:nvSpPr>
+          <p:spPr>
+            <a:xfrm rot="2570777" flipV="1">
+              <a:off x="3903598" y="3065119"/>
+              <a:ext cx="288000" cy="1343399"/>
+            </a:xfrm>
+            <a:custGeom>
+              <a:avLst/>
+              <a:gdLst>
+                <a:gd name="connsiteX0" fmla="*/ 0 w 288000"/>
+                <a:gd name="connsiteY0" fmla="*/ 1343399 h 1343399"/>
+                <a:gd name="connsiteX1" fmla="*/ 288000 w 288000"/>
+                <a:gd name="connsiteY1" fmla="*/ 1321706 h 1343399"/>
+                <a:gd name="connsiteX2" fmla="*/ 288000 w 288000"/>
+                <a:gd name="connsiteY2" fmla="*/ 144000 h 1343399"/>
+                <a:gd name="connsiteX3" fmla="*/ 144000 w 288000"/>
+                <a:gd name="connsiteY3" fmla="*/ 0 h 1343399"/>
+                <a:gd name="connsiteX4" fmla="*/ 0 w 288000"/>
+                <a:gd name="connsiteY4" fmla="*/ 144000 h 1343399"/>
+                <a:gd name="connsiteX5" fmla="*/ 0 w 288000"/>
+                <a:gd name="connsiteY5" fmla="*/ 1343399 h 1343399"/>
+              </a:gdLst>
+              <a:ahLst/>
+              <a:cxnLst>
+                <a:cxn ang="0">
+                  <a:pos x="connsiteX0" y="connsiteY0"/>
+                </a:cxn>
+                <a:cxn ang="0">
+                  <a:pos x="connsiteX1" y="connsiteY1"/>
+                </a:cxn>
+                <a:cxn ang="0">
+                  <a:pos x="connsiteX2" y="connsiteY2"/>
+                </a:cxn>
+                <a:cxn ang="0">
+                  <a:pos x="connsiteX3" y="connsiteY3"/>
+                </a:cxn>
+                <a:cxn ang="0">
+                  <a:pos x="connsiteX4" y="connsiteY4"/>
+                </a:cxn>
+                <a:cxn ang="0">
+                  <a:pos x="connsiteX5" y="connsiteY5"/>
+                </a:cxn>
+              </a:cxnLst>
+              <a:rect l="l" t="t" r="r" b="b"/>
+              <a:pathLst>
+                <a:path w="288000" h="1343399">
+                  <a:moveTo>
+                    <a:pt x="0" y="1343399"/>
+                  </a:moveTo>
+                  <a:lnTo>
+                    <a:pt x="288000" y="1321706"/>
+                  </a:lnTo>
+                  <a:lnTo>
+                    <a:pt x="288000" y="144000"/>
+                  </a:lnTo>
+                  <a:cubicBezTo>
+                    <a:pt x="288001" y="64471"/>
+                    <a:pt x="223529" y="0"/>
+                    <a:pt x="144000" y="0"/>
+                  </a:cubicBezTo>
+                  <a:cubicBezTo>
+                    <a:pt x="64472" y="0"/>
+                    <a:pt x="0" y="64471"/>
+                    <a:pt x="0" y="144000"/>
+                  </a:cubicBezTo>
+                  <a:lnTo>
+                    <a:pt x="0" y="1343399"/>
+                  </a:lnTo>
+                  <a:close/>
+                </a:path>
+              </a:pathLst>
+            </a:custGeom>
+            <a:solidFill>
+              <a:srgbClr val="C0B8B5"/>
+            </a:solidFill>
+            <a:ln>
+              <a:noFill/>
+            </a:ln>
+          </p:spPr>
+          <p:style>
+            <a:lnRef idx="2">
+              <a:schemeClr val="accent1">
+                <a:shade val="15000"/>
+              </a:schemeClr>
+            </a:lnRef>
+            <a:fillRef idx="1">
+              <a:schemeClr val="accent1"/>
+            </a:fillRef>
+            <a:effectRef idx="0">
+              <a:schemeClr val="accent1"/>
+            </a:effectRef>
+            <a:fontRef idx="minor">
+              <a:schemeClr val="lt1"/>
+            </a:fontRef>
+          </p:style>
+          <p:txBody>
+            <a:bodyPr wrap="square" rtlCol="0" anchor="ctr">
+              <a:noAutofit/>
+            </a:bodyPr>
+            <a:lstStyle/>
+            <a:p>
+              <a:pPr algn="ctr"/>
+              <a:endParaRPr kumimoji="1" lang="ja-JP" altLang="en-US"/>
+            </a:p>
+          </p:txBody>
+        </p:sp>
+        <p:sp>
+          <p:nvSpPr>
+            <p:cNvPr id="19" name="フリーフォーム 18">
+              <a:extLst>
+                <a:ext uri="{FF2B5EF4-FFF2-40B4-BE49-F238E27FC236}">
+                  <a16:creationId xmlns:a16="http://schemas.microsoft.com/office/drawing/2014/main" id="{1E0CE85D-DA6A-67C8-823B-48A96A08F114}"/>
+                </a:ext>
+              </a:extLst>
+            </p:cNvPr>
+            <p:cNvSpPr/>
+            <p:nvPr/>
+          </p:nvSpPr>
+          <p:spPr>
+            <a:xfrm rot="2570777" flipV="1">
+              <a:off x="4647758" y="3204897"/>
+              <a:ext cx="292892" cy="308141"/>
+            </a:xfrm>
+            <a:custGeom>
+              <a:avLst/>
+              <a:gdLst>
+                <a:gd name="connsiteX0" fmla="*/ 0 w 292892"/>
+                <a:gd name="connsiteY0" fmla="*/ 308141 h 308141"/>
+                <a:gd name="connsiteX1" fmla="*/ 292892 w 292892"/>
+                <a:gd name="connsiteY1" fmla="*/ 286080 h 308141"/>
+                <a:gd name="connsiteX2" fmla="*/ 256568 w 292892"/>
+                <a:gd name="connsiteY2" fmla="*/ 0 h 308141"/>
+                <a:gd name="connsiteX3" fmla="*/ 0 w 292892"/>
+                <a:gd name="connsiteY3" fmla="*/ 19325 h 308141"/>
+                <a:gd name="connsiteX4" fmla="*/ 0 w 292892"/>
+                <a:gd name="connsiteY4" fmla="*/ 308141 h 308141"/>
+              </a:gdLst>
+              <a:ahLst/>
+              <a:cxnLst>
+                <a:cxn ang="0">
+                  <a:pos x="connsiteX0" y="connsiteY0"/>
+                </a:cxn>
+                <a:cxn ang="0">
+                  <a:pos x="connsiteX1" y="connsiteY1"/>
+                </a:cxn>
+                <a:cxn ang="0">
+                  <a:pos x="connsiteX2" y="connsiteY2"/>
+                </a:cxn>
+                <a:cxn ang="0">
+                  <a:pos x="connsiteX3" y="connsiteY3"/>
+                </a:cxn>
+                <a:cxn ang="0">
+                  <a:pos x="connsiteX4" y="connsiteY4"/>
+                </a:cxn>
+              </a:cxnLst>
+              <a:rect l="l" t="t" r="r" b="b"/>
+              <a:pathLst>
+                <a:path w="292892" h="308141">
+                  <a:moveTo>
+                    <a:pt x="0" y="308141"/>
+                  </a:moveTo>
+                  <a:lnTo>
+                    <a:pt x="292892" y="286080"/>
+                  </a:lnTo>
+                  <a:lnTo>
+                    <a:pt x="256568" y="0"/>
+                  </a:lnTo>
+                  <a:lnTo>
+                    <a:pt x="0" y="19325"/>
+                  </a:lnTo>
+                  <a:lnTo>
+                    <a:pt x="0" y="308141"/>
+                  </a:lnTo>
+                  <a:close/>
+                </a:path>
+              </a:pathLst>
+            </a:custGeom>
+            <a:solidFill>
+              <a:srgbClr val="C0B8B5"/>
+            </a:solidFill>
+            <a:ln>
+              <a:noFill/>
+            </a:ln>
+          </p:spPr>
+          <p:style>
+            <a:lnRef idx="2">
+              <a:schemeClr val="accent1">
+                <a:shade val="15000"/>
+              </a:schemeClr>
+            </a:lnRef>
+            <a:fillRef idx="1">
+              <a:schemeClr val="accent1"/>
+            </a:fillRef>
+            <a:effectRef idx="0">
+              <a:schemeClr val="accent1"/>
+            </a:effectRef>
+            <a:fontRef idx="minor">
+              <a:schemeClr val="lt1"/>
+            </a:fontRef>
+          </p:style>
+          <p:txBody>
+            <a:bodyPr wrap="square" rtlCol="0" anchor="ctr">
+              <a:noAutofit/>
+            </a:bodyPr>
+            <a:lstStyle/>
+            <a:p>
+              <a:pPr algn="ctr"/>
+              <a:endParaRPr kumimoji="1" lang="ja-JP" altLang="en-US"/>
+            </a:p>
+          </p:txBody>
+        </p:sp>
+        <p:sp>
+          <p:nvSpPr>
+            <p:cNvPr id="17" name="フリーフォーム 16">
+              <a:extLst>
+                <a:ext uri="{FF2B5EF4-FFF2-40B4-BE49-F238E27FC236}">
+                  <a16:creationId xmlns:a16="http://schemas.microsoft.com/office/drawing/2014/main" id="{1E24AF3E-F380-6FAD-8216-3FF45E940345}"/>
+                </a:ext>
+              </a:extLst>
+            </p:cNvPr>
+            <p:cNvSpPr/>
+            <p:nvPr/>
+          </p:nvSpPr>
+          <p:spPr>
+            <a:xfrm rot="2570777" flipV="1">
+              <a:off x="5338887" y="3558290"/>
+              <a:ext cx="1236976" cy="293305"/>
+            </a:xfrm>
+            <a:custGeom>
+              <a:avLst/>
+              <a:gdLst>
+                <a:gd name="connsiteX0" fmla="*/ 36590 w 1236976"/>
+                <a:gd name="connsiteY0" fmla="*/ 288181 h 293305"/>
+                <a:gd name="connsiteX1" fmla="*/ 1092278 w 1236976"/>
+                <a:gd name="connsiteY1" fmla="*/ 293304 h 293305"/>
+                <a:gd name="connsiteX2" fmla="*/ 1236975 w 1236976"/>
+                <a:gd name="connsiteY2" fmla="*/ 150004 h 293305"/>
+                <a:gd name="connsiteX3" fmla="*/ 1093676 w 1236976"/>
+                <a:gd name="connsiteY3" fmla="*/ 5307 h 293305"/>
+                <a:gd name="connsiteX4" fmla="*/ 0 w 1236976"/>
+                <a:gd name="connsiteY4" fmla="*/ 0 h 293305"/>
+                <a:gd name="connsiteX5" fmla="*/ 36590 w 1236976"/>
+                <a:gd name="connsiteY5" fmla="*/ 288181 h 293305"/>
+              </a:gdLst>
+              <a:ahLst/>
+              <a:cxnLst>
+                <a:cxn ang="0">
+                  <a:pos x="connsiteX0" y="connsiteY0"/>
+                </a:cxn>
+                <a:cxn ang="0">
+                  <a:pos x="connsiteX1" y="connsiteY1"/>
+                </a:cxn>
+                <a:cxn ang="0">
+                  <a:pos x="connsiteX2" y="connsiteY2"/>
+                </a:cxn>
+                <a:cxn ang="0">
+                  <a:pos x="connsiteX3" y="connsiteY3"/>
+                </a:cxn>
+                <a:cxn ang="0">
+                  <a:pos x="connsiteX4" y="connsiteY4"/>
+                </a:cxn>
+                <a:cxn ang="0">
+                  <a:pos x="connsiteX5" y="connsiteY5"/>
+                </a:cxn>
+              </a:cxnLst>
+              <a:rect l="l" t="t" r="r" b="b"/>
+              <a:pathLst>
+                <a:path w="1236976" h="293305">
+                  <a:moveTo>
+                    <a:pt x="36590" y="288181"/>
+                  </a:moveTo>
+                  <a:lnTo>
+                    <a:pt x="1092278" y="293304"/>
+                  </a:lnTo>
+                  <a:cubicBezTo>
+                    <a:pt x="1171806" y="293689"/>
+                    <a:pt x="1236589" y="229532"/>
+                    <a:pt x="1236975" y="150004"/>
+                  </a:cubicBezTo>
+                  <a:cubicBezTo>
+                    <a:pt x="1237360" y="70476"/>
+                    <a:pt x="1173204" y="5693"/>
+                    <a:pt x="1093676" y="5307"/>
+                  </a:cubicBezTo>
+                  <a:lnTo>
+                    <a:pt x="0" y="0"/>
+                  </a:lnTo>
+                  <a:lnTo>
+                    <a:pt x="36590" y="288181"/>
+                  </a:lnTo>
+                  <a:close/>
+                </a:path>
+              </a:pathLst>
+            </a:custGeom>
+            <a:solidFill>
+              <a:srgbClr val="C0B8B5"/>
+            </a:solidFill>
+            <a:ln>
+              <a:noFill/>
+            </a:ln>
+          </p:spPr>
+          <p:style>
+            <a:lnRef idx="2">
+              <a:schemeClr val="accent1">
+                <a:shade val="15000"/>
+              </a:schemeClr>
+            </a:lnRef>
+            <a:fillRef idx="1">
+              <a:schemeClr val="accent1"/>
+            </a:fillRef>
+            <a:effectRef idx="0">
+              <a:schemeClr val="accent1"/>
+            </a:effectRef>
+            <a:fontRef idx="minor">
+              <a:schemeClr val="lt1"/>
+            </a:fontRef>
+          </p:style>
+          <p:txBody>
+            <a:bodyPr wrap="square" rtlCol="0" anchor="ctr">
+              <a:noAutofit/>
+            </a:bodyPr>
+            <a:lstStyle/>
+            <a:p>
+              <a:pPr algn="ctr"/>
+              <a:endParaRPr kumimoji="1" lang="ja-JP" altLang="en-US"/>
+            </a:p>
+          </p:txBody>
+        </p:sp>
+        <p:sp>
+          <p:nvSpPr>
+            <p:cNvPr id="16" name="フリーフォーム 15">
+              <a:extLst>
+                <a:ext uri="{FF2B5EF4-FFF2-40B4-BE49-F238E27FC236}">
+                  <a16:creationId xmlns:a16="http://schemas.microsoft.com/office/drawing/2014/main" id="{5531095E-AE3F-D1D8-7A26-618345E06524}"/>
+                </a:ext>
+              </a:extLst>
+            </p:cNvPr>
+            <p:cNvSpPr/>
+            <p:nvPr/>
+          </p:nvSpPr>
+          <p:spPr>
+            <a:xfrm rot="2570777" flipV="1">
+              <a:off x="4215733" y="3442103"/>
+              <a:ext cx="418483" cy="1184114"/>
+            </a:xfrm>
+            <a:custGeom>
+              <a:avLst/>
+              <a:gdLst>
+                <a:gd name="connsiteX0" fmla="*/ 130921 w 418483"/>
+                <a:gd name="connsiteY0" fmla="*/ 1184114 h 1184114"/>
+                <a:gd name="connsiteX1" fmla="*/ 418483 w 418483"/>
+                <a:gd name="connsiteY1" fmla="*/ 1162455 h 1184114"/>
+                <a:gd name="connsiteX2" fmla="*/ 286869 w 418483"/>
+                <a:gd name="connsiteY2" fmla="*/ 125878 h 1184114"/>
+                <a:gd name="connsiteX3" fmla="*/ 125879 w 418483"/>
+                <a:gd name="connsiteY3" fmla="*/ 1163 h 1184114"/>
+                <a:gd name="connsiteX4" fmla="*/ 1163 w 418483"/>
+                <a:gd name="connsiteY4" fmla="*/ 162153 h 1184114"/>
+                <a:gd name="connsiteX5" fmla="*/ 130921 w 418483"/>
+                <a:gd name="connsiteY5" fmla="*/ 1184114 h 1184114"/>
+              </a:gdLst>
+              <a:ahLst/>
+              <a:cxnLst>
+                <a:cxn ang="0">
+                  <a:pos x="connsiteX0" y="connsiteY0"/>
+                </a:cxn>
+                <a:cxn ang="0">
+                  <a:pos x="connsiteX1" y="connsiteY1"/>
+                </a:cxn>
+                <a:cxn ang="0">
+                  <a:pos x="connsiteX2" y="connsiteY2"/>
+                </a:cxn>
+                <a:cxn ang="0">
+                  <a:pos x="connsiteX3" y="connsiteY3"/>
+                </a:cxn>
+                <a:cxn ang="0">
+                  <a:pos x="connsiteX4" y="connsiteY4"/>
+                </a:cxn>
+                <a:cxn ang="0">
+                  <a:pos x="connsiteX5" y="connsiteY5"/>
+                </a:cxn>
+              </a:cxnLst>
+              <a:rect l="l" t="t" r="r" b="b"/>
+              <a:pathLst>
+                <a:path w="418483" h="1184114">
+                  <a:moveTo>
+                    <a:pt x="130921" y="1184114"/>
+                  </a:moveTo>
+                  <a:lnTo>
+                    <a:pt x="418483" y="1162455"/>
+                  </a:lnTo>
+                  <a:lnTo>
+                    <a:pt x="286869" y="125878"/>
+                  </a:lnTo>
+                  <a:cubicBezTo>
+                    <a:pt x="276852" y="46982"/>
+                    <a:pt x="204774" y="-8855"/>
+                    <a:pt x="125879" y="1163"/>
+                  </a:cubicBezTo>
+                  <a:cubicBezTo>
+                    <a:pt x="46983" y="11180"/>
+                    <a:pt x="-8855" y="83258"/>
+                    <a:pt x="1163" y="162153"/>
+                  </a:cubicBezTo>
+                  <a:lnTo>
+                    <a:pt x="130921" y="1184114"/>
+                  </a:lnTo>
+                  <a:close/>
+                </a:path>
+              </a:pathLst>
+            </a:custGeom>
+            <a:solidFill>
+              <a:srgbClr val="C0B8B5"/>
+            </a:solidFill>
+            <a:ln>
+              <a:noFill/>
+            </a:ln>
+          </p:spPr>
+          <p:style>
+            <a:lnRef idx="2">
+              <a:schemeClr val="accent1">
+                <a:shade val="15000"/>
+              </a:schemeClr>
+            </a:lnRef>
+            <a:fillRef idx="1">
+              <a:schemeClr val="accent1"/>
+            </a:fillRef>
+            <a:effectRef idx="0">
+              <a:schemeClr val="accent1"/>
+            </a:effectRef>
+            <a:fontRef idx="minor">
+              <a:schemeClr val="lt1"/>
+            </a:fontRef>
+          </p:style>
+          <p:txBody>
+            <a:bodyPr wrap="square" rtlCol="0" anchor="ctr">
+              <a:noAutofit/>
+            </a:bodyPr>
+            <a:lstStyle/>
+            <a:p>
+              <a:pPr algn="ctr"/>
+              <a:endParaRPr kumimoji="1" lang="ja-JP" altLang="en-US"/>
+            </a:p>
+          </p:txBody>
+        </p:sp>
+        <p:sp>
+          <p:nvSpPr>
+            <p:cNvPr id="15" name="フリーフォーム 14">
+              <a:extLst>
+                <a:ext uri="{FF2B5EF4-FFF2-40B4-BE49-F238E27FC236}">
+                  <a16:creationId xmlns:a16="http://schemas.microsoft.com/office/drawing/2014/main" id="{72ADED87-F29F-DD5A-230A-5600D8A0C239}"/>
+                </a:ext>
+              </a:extLst>
+            </p:cNvPr>
+            <p:cNvSpPr/>
+            <p:nvPr/>
+          </p:nvSpPr>
+          <p:spPr>
+            <a:xfrm rot="2570777" flipV="1">
+              <a:off x="4736684" y="4198015"/>
+              <a:ext cx="2079541" cy="431466"/>
+            </a:xfrm>
+            <a:custGeom>
+              <a:avLst/>
+              <a:gdLst>
+                <a:gd name="connsiteX0" fmla="*/ 36323 w 2079541"/>
+                <a:gd name="connsiteY0" fmla="*/ 431466 h 431466"/>
+                <a:gd name="connsiteX1" fmla="*/ 1946350 w 2079541"/>
+                <a:gd name="connsiteY1" fmla="*/ 287601 h 431466"/>
+                <a:gd name="connsiteX2" fmla="*/ 2079128 w 2079541"/>
+                <a:gd name="connsiteY2" fmla="*/ 133192 h 431466"/>
+                <a:gd name="connsiteX3" fmla="*/ 1924719 w 2079541"/>
+                <a:gd name="connsiteY3" fmla="*/ 414 h 431466"/>
+                <a:gd name="connsiteX4" fmla="*/ 0 w 2079541"/>
+                <a:gd name="connsiteY4" fmla="*/ 145386 h 431466"/>
+                <a:gd name="connsiteX5" fmla="*/ 36323 w 2079541"/>
+                <a:gd name="connsiteY5" fmla="*/ 431466 h 431466"/>
+              </a:gdLst>
+              <a:ahLst/>
+              <a:cxnLst>
+                <a:cxn ang="0">
+                  <a:pos x="connsiteX0" y="connsiteY0"/>
+                </a:cxn>
+                <a:cxn ang="0">
+                  <a:pos x="connsiteX1" y="connsiteY1"/>
+                </a:cxn>
+                <a:cxn ang="0">
+                  <a:pos x="connsiteX2" y="connsiteY2"/>
+                </a:cxn>
+                <a:cxn ang="0">
+                  <a:pos x="connsiteX3" y="connsiteY3"/>
+                </a:cxn>
+                <a:cxn ang="0">
+                  <a:pos x="connsiteX4" y="connsiteY4"/>
+                </a:cxn>
+                <a:cxn ang="0">
+                  <a:pos x="connsiteX5" y="connsiteY5"/>
+                </a:cxn>
+              </a:cxnLst>
+              <a:rect l="l" t="t" r="r" b="b"/>
+              <a:pathLst>
+                <a:path w="2079541" h="431466">
+                  <a:moveTo>
+                    <a:pt x="36323" y="431466"/>
+                  </a:moveTo>
+                  <a:lnTo>
+                    <a:pt x="1946350" y="287601"/>
+                  </a:lnTo>
+                  <a:cubicBezTo>
+                    <a:pt x="2025654" y="281628"/>
+                    <a:pt x="2085101" y="212496"/>
+                    <a:pt x="2079128" y="133192"/>
+                  </a:cubicBezTo>
+                  <a:cubicBezTo>
+                    <a:pt x="2073154" y="53888"/>
+                    <a:pt x="2004023" y="-5558"/>
+                    <a:pt x="1924719" y="414"/>
+                  </a:cubicBezTo>
+                  <a:lnTo>
+                    <a:pt x="0" y="145386"/>
+                  </a:lnTo>
+                  <a:lnTo>
+                    <a:pt x="36323" y="431466"/>
+                  </a:lnTo>
+                  <a:close/>
+                </a:path>
+              </a:pathLst>
+            </a:custGeom>
+            <a:solidFill>
+              <a:srgbClr val="C0B8B5"/>
+            </a:solidFill>
+            <a:ln>
+              <a:noFill/>
+            </a:ln>
+          </p:spPr>
+          <p:style>
+            <a:lnRef idx="2">
+              <a:schemeClr val="accent1">
+                <a:shade val="15000"/>
+              </a:schemeClr>
+            </a:lnRef>
+            <a:fillRef idx="1">
+              <a:schemeClr val="accent1"/>
+            </a:fillRef>
+            <a:effectRef idx="0">
+              <a:schemeClr val="accent1"/>
+            </a:effectRef>
+            <a:fontRef idx="minor">
+              <a:schemeClr val="lt1"/>
+            </a:fontRef>
+          </p:style>
+          <p:txBody>
+            <a:bodyPr wrap="square" rtlCol="0" anchor="ctr">
+              <a:noAutofit/>
+            </a:bodyPr>
+            <a:lstStyle/>
+            <a:p>
+              <a:pPr algn="ctr"/>
+              <a:endParaRPr kumimoji="1" lang="ja-JP" altLang="en-US"/>
+            </a:p>
+          </p:txBody>
+        </p:sp>
+        <p:sp>
+          <p:nvSpPr>
+            <p:cNvPr id="13" name="角丸四角形 12">
+              <a:extLst>
+                <a:ext uri="{FF2B5EF4-FFF2-40B4-BE49-F238E27FC236}">
+                  <a16:creationId xmlns:a16="http://schemas.microsoft.com/office/drawing/2014/main" id="{F9224F5C-29BF-E1F6-8119-BF02CCDA3237}"/>
+                </a:ext>
+              </a:extLst>
+            </p:cNvPr>
+            <p:cNvSpPr/>
+            <p:nvPr/>
+          </p:nvSpPr>
+          <p:spPr>
+            <a:xfrm rot="3853656">
+              <a:off x="3736213" y="1735088"/>
+              <a:ext cx="288000" cy="692553"/>
+            </a:xfrm>
+            <a:prstGeom prst="roundRect">
+              <a:avLst>
+                <a:gd name="adj" fmla="val 50000"/>
+              </a:avLst>
+            </a:prstGeom>
+            <a:solidFill>
+              <a:srgbClr val="C0B8B5"/>
+            </a:solidFill>
+            <a:ln>
+              <a:noFill/>
+            </a:ln>
+          </p:spPr>
+          <p:style>
+            <a:lnRef idx="2">
+              <a:schemeClr val="accent1">
+                <a:shade val="15000"/>
+              </a:schemeClr>
+            </a:lnRef>
+            <a:fillRef idx="1">
+              <a:schemeClr val="accent1"/>
+            </a:fillRef>
+            <a:effectRef idx="0">
+              <a:schemeClr val="accent1"/>
+            </a:effectRef>
+            <a:fontRef idx="minor">
+              <a:schemeClr val="lt1"/>
+            </a:fontRef>
+          </p:style>
+          <p:txBody>
+            <a:bodyPr rtlCol="0" anchor="ctr"/>
+            <a:lstStyle/>
+            <a:p>
+              <a:pPr algn="ctr"/>
+              <a:endParaRPr kumimoji="1" lang="ja-JP" altLang="en-US"/>
+            </a:p>
+          </p:txBody>
+        </p:sp>
+        <p:sp>
+          <p:nvSpPr>
+            <p:cNvPr id="14" name="角丸四角形 13">
+              <a:extLst>
+                <a:ext uri="{FF2B5EF4-FFF2-40B4-BE49-F238E27FC236}">
+                  <a16:creationId xmlns:a16="http://schemas.microsoft.com/office/drawing/2014/main" id="{B865E05F-DDAC-309A-CDAC-30CABA943185}"/>
+                </a:ext>
+              </a:extLst>
+            </p:cNvPr>
+            <p:cNvSpPr/>
+            <p:nvPr/>
+          </p:nvSpPr>
+          <p:spPr>
+            <a:xfrm rot="17746344" flipV="1">
+              <a:off x="3733084" y="3879353"/>
+              <a:ext cx="288000" cy="692553"/>
+            </a:xfrm>
+            <a:prstGeom prst="roundRect">
+              <a:avLst>
+                <a:gd name="adj" fmla="val 50000"/>
+              </a:avLst>
+            </a:prstGeom>
+            <a:solidFill>
+              <a:srgbClr val="C0B8B5"/>
+            </a:solidFill>
+            <a:ln>
+              <a:noFill/>
+            </a:ln>
+          </p:spPr>
+          <p:style>
+            <a:lnRef idx="2">
+              <a:schemeClr val="accent1">
+                <a:shade val="15000"/>
+              </a:schemeClr>
+            </a:lnRef>
+            <a:fillRef idx="1">
+              <a:schemeClr val="accent1"/>
+            </a:fillRef>
+            <a:effectRef idx="0">
+              <a:schemeClr val="accent1"/>
+            </a:effectRef>
+            <a:fontRef idx="minor">
+              <a:schemeClr val="lt1"/>
+            </a:fontRef>
+          </p:style>
+          <p:txBody>
+            <a:bodyPr rtlCol="0" anchor="ctr"/>
+            <a:lstStyle/>
+            <a:p>
+              <a:pPr algn="ctr"/>
+              <a:endParaRPr kumimoji="1" lang="ja-JP" altLang="en-US"/>
+            </a:p>
+          </p:txBody>
+        </p:sp>
+      </p:grpSp>
+      <p:sp>
+        <p:nvSpPr>
+          <p:cNvPr id="34" name="円/楕円 33">
+            <a:extLst>
+              <a:ext uri="{FF2B5EF4-FFF2-40B4-BE49-F238E27FC236}">
+                <a16:creationId xmlns:a16="http://schemas.microsoft.com/office/drawing/2014/main" id="{4C8B166D-3DD2-2021-6E51-381525126C20}"/>
+              </a:ext>
+            </a:extLst>
+          </p:cNvPr>
+          <p:cNvSpPr/>
+          <p:nvPr/>
+        </p:nvSpPr>
+        <p:spPr>
+          <a:xfrm>
+            <a:off x="6763914" y="519854"/>
+            <a:ext cx="2016000" cy="2016000"/>
+          </a:xfrm>
+          <a:prstGeom prst="ellipse">
+            <a:avLst/>
+          </a:prstGeom>
+          <a:solidFill>
+            <a:srgbClr val="C0B8B5"/>
+          </a:solidFill>
+          <a:ln>
+            <a:noFill/>
+          </a:ln>
+        </p:spPr>
+        <p:style>
+          <a:lnRef idx="2">
+            <a:schemeClr val="accent1">
+              <a:shade val="50000"/>
+            </a:schemeClr>
+          </a:lnRef>
+          <a:fillRef idx="1">
+            <a:schemeClr val="accent1"/>
+          </a:fillRef>
+          <a:effectRef idx="0">
+            <a:schemeClr val="accent1"/>
+          </a:effectRef>
+          <a:fontRef idx="minor">
+            <a:schemeClr val="lt1"/>
+          </a:fontRef>
+        </p:style>
+        <p:txBody>
+          <a:bodyPr rtlCol="0" anchor="ctr"/>
+          <a:lstStyle/>
+          <a:p>
+            <a:pPr algn="ctr"/>
+            <a:endParaRPr kumimoji="1" lang="ja-JP" altLang="en-US"/>
+          </a:p>
+        </p:txBody>
+      </p:sp>
+      <p:sp>
+        <p:nvSpPr>
+          <p:cNvPr id="35" name="十字形 34">
+            <a:extLst>
+              <a:ext uri="{FF2B5EF4-FFF2-40B4-BE49-F238E27FC236}">
+                <a16:creationId xmlns:a16="http://schemas.microsoft.com/office/drawing/2014/main" id="{EA1B1C67-C1CB-FCD2-0C24-4BFE7963A8D2}"/>
+              </a:ext>
+            </a:extLst>
+          </p:cNvPr>
+          <p:cNvSpPr/>
+          <p:nvPr/>
+        </p:nvSpPr>
+        <p:spPr>
+          <a:xfrm>
+            <a:off x="7084728" y="843854"/>
+            <a:ext cx="1368000" cy="1368000"/>
+          </a:xfrm>
+          <a:prstGeom prst="plus">
+            <a:avLst>
+              <a:gd name="adj" fmla="val 38436"/>
+            </a:avLst>
           </a:prstGeom>
           <a:solidFill>
             <a:srgbClr val="332826"/>
@@ -8275,292 +12913,10 @@
           </a:p>
         </p:txBody>
       </p:sp>
-      <p:grpSp>
-        <p:nvGrpSpPr>
-          <p:cNvPr id="18" name="グループ化 17">
-            <a:extLst>
-              <a:ext uri="{FF2B5EF4-FFF2-40B4-BE49-F238E27FC236}">
-                <a16:creationId xmlns:a16="http://schemas.microsoft.com/office/drawing/2014/main" id="{EACB8444-E0BD-FB6D-132F-CF79B30AC2D9}"/>
-              </a:ext>
-            </a:extLst>
-          </p:cNvPr>
-          <p:cNvGrpSpPr/>
-          <p:nvPr/>
-        </p:nvGrpSpPr>
-        <p:grpSpPr>
-          <a:xfrm>
-            <a:off x="3993308" y="883507"/>
-            <a:ext cx="3583460" cy="4633784"/>
-            <a:chOff x="4300151" y="1099751"/>
-            <a:chExt cx="3583460" cy="4633784"/>
-          </a:xfrm>
-        </p:grpSpPr>
-        <p:sp>
-          <p:nvSpPr>
-            <p:cNvPr id="8" name="角丸四角形 7">
-              <a:extLst>
-                <a:ext uri="{FF2B5EF4-FFF2-40B4-BE49-F238E27FC236}">
-                  <a16:creationId xmlns:a16="http://schemas.microsoft.com/office/drawing/2014/main" id="{5F5B0C50-AB41-C33A-6380-1B802816505B}"/>
-                </a:ext>
-              </a:extLst>
-            </p:cNvPr>
-            <p:cNvSpPr/>
-            <p:nvPr/>
-          </p:nvSpPr>
-          <p:spPr>
-            <a:xfrm>
-              <a:off x="4300151" y="1099751"/>
-              <a:ext cx="3583460" cy="4633784"/>
-            </a:xfrm>
-            <a:prstGeom prst="roundRect">
-              <a:avLst/>
-            </a:prstGeom>
-            <a:noFill/>
-            <a:ln w="355600">
-              <a:solidFill>
-                <a:srgbClr val="C0B8B5"/>
-              </a:solidFill>
-            </a:ln>
-          </p:spPr>
-          <p:style>
-            <a:lnRef idx="2">
-              <a:schemeClr val="accent1">
-                <a:shade val="50000"/>
-              </a:schemeClr>
-            </a:lnRef>
-            <a:fillRef idx="1">
-              <a:schemeClr val="accent1"/>
-            </a:fillRef>
-            <a:effectRef idx="0">
-              <a:schemeClr val="accent1"/>
-            </a:effectRef>
-            <a:fontRef idx="minor">
-              <a:schemeClr val="lt1"/>
-            </a:fontRef>
-          </p:style>
-          <p:txBody>
-            <a:bodyPr rtlCol="0" anchor="ctr"/>
-            <a:lstStyle/>
-            <a:p>
-              <a:pPr algn="ctr"/>
-              <a:endParaRPr kumimoji="1" lang="ja-JP" altLang="en-US"/>
-            </a:p>
-          </p:txBody>
-        </p:sp>
-        <p:grpSp>
-          <p:nvGrpSpPr>
-            <p:cNvPr id="17" name="グループ化 16">
-              <a:extLst>
-                <a:ext uri="{FF2B5EF4-FFF2-40B4-BE49-F238E27FC236}">
-                  <a16:creationId xmlns:a16="http://schemas.microsoft.com/office/drawing/2014/main" id="{1B25F458-D719-8757-B25D-53C1DB0AC61B}"/>
-                </a:ext>
-              </a:extLst>
-            </p:cNvPr>
-            <p:cNvGrpSpPr/>
-            <p:nvPr/>
-          </p:nvGrpSpPr>
-          <p:grpSpPr>
-            <a:xfrm>
-              <a:off x="5009351" y="2131541"/>
-              <a:ext cx="2165060" cy="2570205"/>
-              <a:chOff x="5002791" y="2298357"/>
-              <a:chExt cx="2165060" cy="2570205"/>
-            </a:xfrm>
-          </p:grpSpPr>
-          <p:cxnSp>
-            <p:nvCxnSpPr>
-              <p:cNvPr id="12" name="直線コネクタ 11">
-                <a:extLst>
-                  <a:ext uri="{FF2B5EF4-FFF2-40B4-BE49-F238E27FC236}">
-                    <a16:creationId xmlns:a16="http://schemas.microsoft.com/office/drawing/2014/main" id="{5AEC21C3-A51E-D43E-CA5C-167745C6CCFB}"/>
-                  </a:ext>
-                </a:extLst>
-              </p:cNvPr>
-              <p:cNvCxnSpPr>
-                <a:cxnSpLocks/>
-              </p:cNvCxnSpPr>
-              <p:nvPr/>
-            </p:nvCxnSpPr>
-            <p:spPr>
-              <a:xfrm>
-                <a:off x="5002791" y="2298357"/>
-                <a:ext cx="2165060" cy="0"/>
-              </a:xfrm>
-              <a:prstGeom prst="line">
-                <a:avLst/>
-              </a:prstGeom>
-              <a:ln w="355600">
-                <a:solidFill>
-                  <a:srgbClr val="C0B8B5"/>
-                </a:solidFill>
-              </a:ln>
-            </p:spPr>
-            <p:style>
-              <a:lnRef idx="1">
-                <a:schemeClr val="accent1"/>
-              </a:lnRef>
-              <a:fillRef idx="0">
-                <a:schemeClr val="accent1"/>
-              </a:fillRef>
-              <a:effectRef idx="0">
-                <a:schemeClr val="accent1"/>
-              </a:effectRef>
-              <a:fontRef idx="minor">
-                <a:schemeClr val="tx1"/>
-              </a:fontRef>
-            </p:style>
-          </p:cxnSp>
-          <p:cxnSp>
-            <p:nvCxnSpPr>
-              <p:cNvPr id="16" name="直線コネクタ 15">
-                <a:extLst>
-                  <a:ext uri="{FF2B5EF4-FFF2-40B4-BE49-F238E27FC236}">
-                    <a16:creationId xmlns:a16="http://schemas.microsoft.com/office/drawing/2014/main" id="{DB068314-8CA4-9693-787B-D4011C2DF29C}"/>
-                  </a:ext>
-                </a:extLst>
-              </p:cNvPr>
-              <p:cNvCxnSpPr>
-                <a:cxnSpLocks/>
-              </p:cNvCxnSpPr>
-              <p:nvPr/>
-            </p:nvCxnSpPr>
-            <p:spPr>
-              <a:xfrm>
-                <a:off x="5002791" y="4868562"/>
-                <a:ext cx="2165060" cy="0"/>
-              </a:xfrm>
-              <a:prstGeom prst="line">
-                <a:avLst/>
-              </a:prstGeom>
-              <a:ln w="355600">
-                <a:solidFill>
-                  <a:srgbClr val="C0B8B5"/>
-                </a:solidFill>
-              </a:ln>
-            </p:spPr>
-            <p:style>
-              <a:lnRef idx="1">
-                <a:schemeClr val="accent1"/>
-              </a:lnRef>
-              <a:fillRef idx="0">
-                <a:schemeClr val="accent1"/>
-              </a:fillRef>
-              <a:effectRef idx="0">
-                <a:schemeClr val="accent1"/>
-              </a:effectRef>
-              <a:fontRef idx="minor">
-                <a:schemeClr val="tx1"/>
-              </a:fontRef>
-            </p:style>
-          </p:cxnSp>
-        </p:grpSp>
-      </p:grpSp>
-      <p:sp>
-        <p:nvSpPr>
-          <p:cNvPr id="2" name="下矢印 1">
-            <a:extLst>
-              <a:ext uri="{FF2B5EF4-FFF2-40B4-BE49-F238E27FC236}">
-                <a16:creationId xmlns:a16="http://schemas.microsoft.com/office/drawing/2014/main" id="{871F6EAE-0EE3-F011-D8EB-B0165010B984}"/>
-              </a:ext>
-            </a:extLst>
-          </p:cNvPr>
-          <p:cNvSpPr/>
-          <p:nvPr/>
-        </p:nvSpPr>
-        <p:spPr>
-          <a:xfrm>
-            <a:off x="6191922" y="2547279"/>
-            <a:ext cx="879176" cy="1196948"/>
-          </a:xfrm>
-          <a:prstGeom prst="downArrow">
-            <a:avLst/>
-          </a:prstGeom>
-          <a:solidFill>
-            <a:srgbClr val="C0B8B5"/>
-          </a:solidFill>
-          <a:ln>
-            <a:solidFill>
-              <a:srgbClr val="C0B8B5"/>
-            </a:solidFill>
-          </a:ln>
-        </p:spPr>
-        <p:style>
-          <a:lnRef idx="2">
-            <a:schemeClr val="accent1">
-              <a:shade val="15000"/>
-            </a:schemeClr>
-          </a:lnRef>
-          <a:fillRef idx="1">
-            <a:schemeClr val="accent1"/>
-          </a:fillRef>
-          <a:effectRef idx="0">
-            <a:schemeClr val="accent1"/>
-          </a:effectRef>
-          <a:fontRef idx="minor">
-            <a:schemeClr val="lt1"/>
-          </a:fontRef>
-        </p:style>
-        <p:txBody>
-          <a:bodyPr rtlCol="0" anchor="ctr"/>
-          <a:lstStyle/>
-          <a:p>
-            <a:pPr algn="ctr"/>
-            <a:endParaRPr kumimoji="1" lang="ja-JP" altLang="en-US"/>
-          </a:p>
-        </p:txBody>
-      </p:sp>
-      <p:sp>
-        <p:nvSpPr>
-          <p:cNvPr id="4" name="テキスト ボックス 3">
-            <a:extLst>
-              <a:ext uri="{FF2B5EF4-FFF2-40B4-BE49-F238E27FC236}">
-                <a16:creationId xmlns:a16="http://schemas.microsoft.com/office/drawing/2014/main" id="{DC5AF267-167B-7D98-A97E-F5D054666E71}"/>
-              </a:ext>
-            </a:extLst>
-          </p:cNvPr>
-          <p:cNvSpPr txBox="1"/>
-          <p:nvPr/>
-        </p:nvSpPr>
-        <p:spPr>
-          <a:xfrm>
-            <a:off x="4483720" y="2021599"/>
-            <a:ext cx="1750800" cy="2215991"/>
-          </a:xfrm>
-          <a:prstGeom prst="rect">
-            <a:avLst/>
-          </a:prstGeom>
-          <a:noFill/>
-        </p:spPr>
-        <p:txBody>
-          <a:bodyPr wrap="none" rtlCol="0">
-            <a:spAutoFit/>
-          </a:bodyPr>
-          <a:lstStyle/>
-          <a:p>
-            <a:r>
-              <a:rPr kumimoji="1" lang="en-US" altLang="ja-JP" sz="13800" b="1" dirty="0">
-                <a:solidFill>
-                  <a:srgbClr val="C0B8B5"/>
-                </a:solidFill>
-                <a:latin typeface="Gill Sans MT" panose="020B0502020104020203" pitchFamily="34" charset="0"/>
-                <a:cs typeface="Arial" panose="020B0604020202020204" pitchFamily="34" charset="0"/>
-              </a:rPr>
-              <a:t>M</a:t>
-            </a:r>
-            <a:endParaRPr kumimoji="1" lang="ja-JP" altLang="en-US" sz="13800" b="1">
-              <a:solidFill>
-                <a:srgbClr val="C0B8B5"/>
-              </a:solidFill>
-              <a:latin typeface="Gill Sans MT" panose="020B0502020104020203" pitchFamily="34" charset="0"/>
-              <a:cs typeface="Arial" panose="020B0604020202020204" pitchFamily="34" charset="0"/>
-            </a:endParaRPr>
-          </a:p>
-        </p:txBody>
-      </p:sp>
     </p:spTree>
     <p:extLst>
       <p:ext uri="{BB962C8B-B14F-4D97-AF65-F5344CB8AC3E}">
-        <p14:creationId xmlns:p14="http://schemas.microsoft.com/office/powerpoint/2010/main" val="4274926621"/>
+        <p14:creationId xmlns:p14="http://schemas.microsoft.com/office/powerpoint/2010/main" val="387228525"/>
       </p:ext>
     </p:extLst>
   </p:cSld>

--- a/icon.pptx
+++ b/icon.pptx
@@ -6316,7 +6316,7 @@
         </p:blipFill>
         <p:spPr>
           <a:xfrm>
-            <a:off x="-1574658" y="97035"/>
+            <a:off x="3712959" y="1023361"/>
             <a:ext cx="5095773" cy="5095773"/>
           </a:xfrm>
           <a:prstGeom prst="rect">
@@ -6836,567 +6836,6 @@
               <a:extLst>
                 <a:ext uri="{FF2B5EF4-FFF2-40B4-BE49-F238E27FC236}">
                   <a16:creationId xmlns:a16="http://schemas.microsoft.com/office/drawing/2014/main" id="{76FDDF47-7E59-41A3-88B1-B8A935BB8D98}"/>
-                </a:ext>
-              </a:extLst>
-            </p:cNvPr>
-            <p:cNvSpPr/>
-            <p:nvPr/>
-          </p:nvSpPr>
-          <p:spPr>
-            <a:xfrm rot="17746344" flipV="1">
-              <a:off x="4227640" y="4142402"/>
-              <a:ext cx="288000" cy="692553"/>
-            </a:xfrm>
-            <a:prstGeom prst="roundRect">
-              <a:avLst>
-                <a:gd name="adj" fmla="val 50000"/>
-              </a:avLst>
-            </a:prstGeom>
-            <a:solidFill>
-              <a:srgbClr val="C0B8B5"/>
-            </a:solidFill>
-            <a:ln>
-              <a:noFill/>
-            </a:ln>
-          </p:spPr>
-          <p:style>
-            <a:lnRef idx="2">
-              <a:schemeClr val="accent1">
-                <a:shade val="15000"/>
-              </a:schemeClr>
-            </a:lnRef>
-            <a:fillRef idx="1">
-              <a:schemeClr val="accent1"/>
-            </a:fillRef>
-            <a:effectRef idx="0">
-              <a:schemeClr val="accent1"/>
-            </a:effectRef>
-            <a:fontRef idx="minor">
-              <a:schemeClr val="lt1"/>
-            </a:fontRef>
-          </p:style>
-          <p:txBody>
-            <a:bodyPr rtlCol="0" anchor="ctr"/>
-            <a:lstStyle/>
-            <a:p>
-              <a:pPr algn="ctr"/>
-              <a:endParaRPr kumimoji="1" lang="ja-JP" altLang="en-US"/>
-            </a:p>
-          </p:txBody>
-        </p:sp>
-      </p:grpSp>
-      <p:grpSp>
-        <p:nvGrpSpPr>
-          <p:cNvPr id="25" name="グループ化 24">
-            <a:extLst>
-              <a:ext uri="{FF2B5EF4-FFF2-40B4-BE49-F238E27FC236}">
-                <a16:creationId xmlns:a16="http://schemas.microsoft.com/office/drawing/2014/main" id="{54475547-CC2F-E4DA-51E9-CFCDBF8FDAC8}"/>
-              </a:ext>
-            </a:extLst>
-          </p:cNvPr>
-          <p:cNvGrpSpPr/>
-          <p:nvPr/>
-        </p:nvGrpSpPr>
-        <p:grpSpPr>
-          <a:xfrm>
-            <a:off x="8237979" y="832934"/>
-            <a:ext cx="4074262" cy="5192131"/>
-            <a:chOff x="4025363" y="817687"/>
-            <a:chExt cx="4074262" cy="5192131"/>
-          </a:xfrm>
-        </p:grpSpPr>
-        <p:sp>
-          <p:nvSpPr>
-            <p:cNvPr id="26" name="角丸四角形 25">
-              <a:extLst>
-                <a:ext uri="{FF2B5EF4-FFF2-40B4-BE49-F238E27FC236}">
-                  <a16:creationId xmlns:a16="http://schemas.microsoft.com/office/drawing/2014/main" id="{BA2CDD41-DF22-97A7-BA69-146EFBE59EBB}"/>
-                </a:ext>
-              </a:extLst>
-            </p:cNvPr>
-            <p:cNvSpPr/>
-            <p:nvPr/>
-          </p:nvSpPr>
-          <p:spPr>
-            <a:xfrm>
-              <a:off x="7722447" y="1946302"/>
-              <a:ext cx="288000" cy="2923822"/>
-            </a:xfrm>
-            <a:prstGeom prst="roundRect">
-              <a:avLst>
-                <a:gd name="adj" fmla="val 50000"/>
-              </a:avLst>
-            </a:prstGeom>
-            <a:solidFill>
-              <a:srgbClr val="C0B8B5"/>
-            </a:solidFill>
-            <a:ln>
-              <a:noFill/>
-            </a:ln>
-          </p:spPr>
-          <p:style>
-            <a:lnRef idx="2">
-              <a:schemeClr val="accent1">
-                <a:shade val="15000"/>
-              </a:schemeClr>
-            </a:lnRef>
-            <a:fillRef idx="1">
-              <a:schemeClr val="accent1"/>
-            </a:fillRef>
-            <a:effectRef idx="0">
-              <a:schemeClr val="accent1"/>
-            </a:effectRef>
-            <a:fontRef idx="minor">
-              <a:schemeClr val="lt1"/>
-            </a:fontRef>
-          </p:style>
-          <p:txBody>
-            <a:bodyPr rtlCol="0" anchor="ctr"/>
-            <a:lstStyle/>
-            <a:p>
-              <a:pPr algn="ctr"/>
-              <a:endParaRPr kumimoji="1" lang="ja-JP" altLang="en-US"/>
-            </a:p>
-          </p:txBody>
-        </p:sp>
-        <p:sp>
-          <p:nvSpPr>
-            <p:cNvPr id="27" name="角丸四角形 26">
-              <a:extLst>
-                <a:ext uri="{FF2B5EF4-FFF2-40B4-BE49-F238E27FC236}">
-                  <a16:creationId xmlns:a16="http://schemas.microsoft.com/office/drawing/2014/main" id="{9AC734FA-7F9F-B5AD-D50C-964823943B3E}"/>
-                </a:ext>
-              </a:extLst>
-            </p:cNvPr>
-            <p:cNvSpPr/>
-            <p:nvPr/>
-          </p:nvSpPr>
-          <p:spPr>
-            <a:xfrm rot="18080590">
-              <a:off x="7222686" y="1057367"/>
-              <a:ext cx="288000" cy="1445336"/>
-            </a:xfrm>
-            <a:prstGeom prst="roundRect">
-              <a:avLst>
-                <a:gd name="adj" fmla="val 50000"/>
-              </a:avLst>
-            </a:prstGeom>
-            <a:solidFill>
-              <a:srgbClr val="C0B8B5"/>
-            </a:solidFill>
-            <a:ln>
-              <a:noFill/>
-            </a:ln>
-          </p:spPr>
-          <p:style>
-            <a:lnRef idx="2">
-              <a:schemeClr val="accent1">
-                <a:shade val="15000"/>
-              </a:schemeClr>
-            </a:lnRef>
-            <a:fillRef idx="1">
-              <a:schemeClr val="accent1"/>
-            </a:fillRef>
-            <a:effectRef idx="0">
-              <a:schemeClr val="accent1"/>
-            </a:effectRef>
-            <a:fontRef idx="minor">
-              <a:schemeClr val="lt1"/>
-            </a:fontRef>
-          </p:style>
-          <p:txBody>
-            <a:bodyPr rtlCol="0" anchor="ctr"/>
-            <a:lstStyle/>
-            <a:p>
-              <a:pPr algn="ctr"/>
-              <a:endParaRPr kumimoji="1" lang="ja-JP" altLang="en-US"/>
-            </a:p>
-          </p:txBody>
-        </p:sp>
-        <p:sp>
-          <p:nvSpPr>
-            <p:cNvPr id="28" name="角丸四角形 27">
-              <a:extLst>
-                <a:ext uri="{FF2B5EF4-FFF2-40B4-BE49-F238E27FC236}">
-                  <a16:creationId xmlns:a16="http://schemas.microsoft.com/office/drawing/2014/main" id="{91B8AEEC-82A4-7CA0-A5C0-236ADD724B32}"/>
-                </a:ext>
-              </a:extLst>
-            </p:cNvPr>
-            <p:cNvSpPr/>
-            <p:nvPr/>
-          </p:nvSpPr>
-          <p:spPr>
-            <a:xfrm>
-              <a:off x="6736769" y="1368945"/>
-              <a:ext cx="288000" cy="4073328"/>
-            </a:xfrm>
-            <a:prstGeom prst="roundRect">
-              <a:avLst>
-                <a:gd name="adj" fmla="val 50000"/>
-              </a:avLst>
-            </a:prstGeom>
-            <a:solidFill>
-              <a:srgbClr val="C0B8B5"/>
-            </a:solidFill>
-            <a:ln>
-              <a:noFill/>
-            </a:ln>
-          </p:spPr>
-          <p:style>
-            <a:lnRef idx="2">
-              <a:schemeClr val="accent1">
-                <a:shade val="15000"/>
-              </a:schemeClr>
-            </a:lnRef>
-            <a:fillRef idx="1">
-              <a:schemeClr val="accent1"/>
-            </a:fillRef>
-            <a:effectRef idx="0">
-              <a:schemeClr val="accent1"/>
-            </a:effectRef>
-            <a:fontRef idx="minor">
-              <a:schemeClr val="lt1"/>
-            </a:fontRef>
-          </p:style>
-          <p:txBody>
-            <a:bodyPr rtlCol="0" anchor="ctr"/>
-            <a:lstStyle/>
-            <a:p>
-              <a:pPr algn="ctr"/>
-              <a:endParaRPr kumimoji="1" lang="ja-JP" altLang="en-US"/>
-            </a:p>
-          </p:txBody>
-        </p:sp>
-        <p:sp>
-          <p:nvSpPr>
-            <p:cNvPr id="29" name="角丸四角形 28">
-              <a:extLst>
-                <a:ext uri="{FF2B5EF4-FFF2-40B4-BE49-F238E27FC236}">
-                  <a16:creationId xmlns:a16="http://schemas.microsoft.com/office/drawing/2014/main" id="{CEAD7F40-B4E4-80AB-30D8-864816309FFC}"/>
-                </a:ext>
-              </a:extLst>
-            </p:cNvPr>
-            <p:cNvSpPr/>
-            <p:nvPr/>
-          </p:nvSpPr>
-          <p:spPr>
-            <a:xfrm rot="3519410" flipV="1">
-              <a:off x="7232957" y="4319058"/>
-              <a:ext cx="288000" cy="1445336"/>
-            </a:xfrm>
-            <a:prstGeom prst="roundRect">
-              <a:avLst>
-                <a:gd name="adj" fmla="val 50000"/>
-              </a:avLst>
-            </a:prstGeom>
-            <a:solidFill>
-              <a:srgbClr val="C0B8B5"/>
-            </a:solidFill>
-            <a:ln>
-              <a:noFill/>
-            </a:ln>
-          </p:spPr>
-          <p:style>
-            <a:lnRef idx="2">
-              <a:schemeClr val="accent1">
-                <a:shade val="15000"/>
-              </a:schemeClr>
-            </a:lnRef>
-            <a:fillRef idx="1">
-              <a:schemeClr val="accent1"/>
-            </a:fillRef>
-            <a:effectRef idx="0">
-              <a:schemeClr val="accent1"/>
-            </a:effectRef>
-            <a:fontRef idx="minor">
-              <a:schemeClr val="lt1"/>
-            </a:fontRef>
-          </p:style>
-          <p:txBody>
-            <a:bodyPr rtlCol="0" anchor="ctr"/>
-            <a:lstStyle/>
-            <a:p>
-              <a:pPr algn="ctr"/>
-              <a:endParaRPr kumimoji="1" lang="ja-JP" altLang="en-US"/>
-            </a:p>
-          </p:txBody>
-        </p:sp>
-        <p:sp>
-          <p:nvSpPr>
-            <p:cNvPr id="30" name="角丸四角形 29">
-              <a:extLst>
-                <a:ext uri="{FF2B5EF4-FFF2-40B4-BE49-F238E27FC236}">
-                  <a16:creationId xmlns:a16="http://schemas.microsoft.com/office/drawing/2014/main" id="{C05F325D-65B1-52FB-59A4-2EDEC8B3FDE3}"/>
-                </a:ext>
-              </a:extLst>
-            </p:cNvPr>
-            <p:cNvSpPr/>
-            <p:nvPr/>
-          </p:nvSpPr>
-          <p:spPr>
-            <a:xfrm rot="2570777" flipV="1">
-              <a:off x="5383170" y="817687"/>
-              <a:ext cx="288000" cy="4240363"/>
-            </a:xfrm>
-            <a:prstGeom prst="roundRect">
-              <a:avLst>
-                <a:gd name="adj" fmla="val 50000"/>
-              </a:avLst>
-            </a:prstGeom>
-            <a:solidFill>
-              <a:srgbClr val="C0B8B5"/>
-            </a:solidFill>
-            <a:ln>
-              <a:noFill/>
-            </a:ln>
-          </p:spPr>
-          <p:style>
-            <a:lnRef idx="2">
-              <a:schemeClr val="accent1">
-                <a:shade val="15000"/>
-              </a:schemeClr>
-            </a:lnRef>
-            <a:fillRef idx="1">
-              <a:schemeClr val="accent1"/>
-            </a:fillRef>
-            <a:effectRef idx="0">
-              <a:schemeClr val="accent1"/>
-            </a:effectRef>
-            <a:fontRef idx="minor">
-              <a:schemeClr val="lt1"/>
-            </a:fontRef>
-          </p:style>
-          <p:txBody>
-            <a:bodyPr rtlCol="0" anchor="ctr"/>
-            <a:lstStyle/>
-            <a:p>
-              <a:pPr algn="ctr"/>
-              <a:endParaRPr kumimoji="1" lang="ja-JP" altLang="en-US"/>
-            </a:p>
-          </p:txBody>
-        </p:sp>
-        <p:sp>
-          <p:nvSpPr>
-            <p:cNvPr id="31" name="角丸四角形 30">
-              <a:extLst>
-                <a:ext uri="{FF2B5EF4-FFF2-40B4-BE49-F238E27FC236}">
-                  <a16:creationId xmlns:a16="http://schemas.microsoft.com/office/drawing/2014/main" id="{99716628-9D9D-CC81-51B8-FE56C7707A77}"/>
-                </a:ext>
-              </a:extLst>
-            </p:cNvPr>
-            <p:cNvSpPr/>
-            <p:nvPr/>
-          </p:nvSpPr>
-          <p:spPr>
-            <a:xfrm rot="19029223">
-              <a:off x="5391122" y="1769455"/>
-              <a:ext cx="288000" cy="4240363"/>
-            </a:xfrm>
-            <a:prstGeom prst="roundRect">
-              <a:avLst>
-                <a:gd name="adj" fmla="val 50000"/>
-              </a:avLst>
-            </a:prstGeom>
-            <a:solidFill>
-              <a:srgbClr val="C0B8B5"/>
-            </a:solidFill>
-            <a:ln>
-              <a:noFill/>
-            </a:ln>
-          </p:spPr>
-          <p:style>
-            <a:lnRef idx="2">
-              <a:schemeClr val="accent1">
-                <a:shade val="15000"/>
-              </a:schemeClr>
-            </a:lnRef>
-            <a:fillRef idx="1">
-              <a:schemeClr val="accent1"/>
-            </a:fillRef>
-            <a:effectRef idx="0">
-              <a:schemeClr val="accent1"/>
-            </a:effectRef>
-            <a:fontRef idx="minor">
-              <a:schemeClr val="lt1"/>
-            </a:fontRef>
-          </p:style>
-          <p:txBody>
-            <a:bodyPr rtlCol="0" anchor="ctr"/>
-            <a:lstStyle/>
-            <a:p>
-              <a:pPr algn="ctr"/>
-              <a:endParaRPr kumimoji="1" lang="ja-JP" altLang="en-US"/>
-            </a:p>
-          </p:txBody>
-        </p:sp>
-        <p:sp>
-          <p:nvSpPr>
-            <p:cNvPr id="32" name="角丸四角形 31">
-              <a:extLst>
-                <a:ext uri="{FF2B5EF4-FFF2-40B4-BE49-F238E27FC236}">
-                  <a16:creationId xmlns:a16="http://schemas.microsoft.com/office/drawing/2014/main" id="{34843040-38F0-DD87-32B1-EEC92015019D}"/>
-                </a:ext>
-              </a:extLst>
-            </p:cNvPr>
-            <p:cNvSpPr/>
-            <p:nvPr/>
-          </p:nvSpPr>
-          <p:spPr>
-            <a:xfrm rot="18754095">
-              <a:off x="5547082" y="1616742"/>
-              <a:ext cx="288000" cy="3303832"/>
-            </a:xfrm>
-            <a:prstGeom prst="roundRect">
-              <a:avLst>
-                <a:gd name="adj" fmla="val 50000"/>
-              </a:avLst>
-            </a:prstGeom>
-            <a:solidFill>
-              <a:srgbClr val="C0B8B5"/>
-            </a:solidFill>
-            <a:ln>
-              <a:noFill/>
-            </a:ln>
-          </p:spPr>
-          <p:style>
-            <a:lnRef idx="2">
-              <a:schemeClr val="accent1">
-                <a:shade val="15000"/>
-              </a:schemeClr>
-            </a:lnRef>
-            <a:fillRef idx="1">
-              <a:schemeClr val="accent1"/>
-            </a:fillRef>
-            <a:effectRef idx="0">
-              <a:schemeClr val="accent1"/>
-            </a:effectRef>
-            <a:fontRef idx="minor">
-              <a:schemeClr val="lt1"/>
-            </a:fontRef>
-          </p:style>
-          <p:txBody>
-            <a:bodyPr rtlCol="0" anchor="ctr"/>
-            <a:lstStyle/>
-            <a:p>
-              <a:pPr algn="ctr"/>
-              <a:endParaRPr kumimoji="1" lang="ja-JP" altLang="en-US"/>
-            </a:p>
-          </p:txBody>
-        </p:sp>
-        <p:sp>
-          <p:nvSpPr>
-            <p:cNvPr id="33" name="角丸四角形 32">
-              <a:extLst>
-                <a:ext uri="{FF2B5EF4-FFF2-40B4-BE49-F238E27FC236}">
-                  <a16:creationId xmlns:a16="http://schemas.microsoft.com/office/drawing/2014/main" id="{909E8888-F7FE-1D90-B8F4-F14737D9C544}"/>
-                </a:ext>
-              </a:extLst>
-            </p:cNvPr>
-            <p:cNvSpPr/>
-            <p:nvPr/>
-          </p:nvSpPr>
-          <p:spPr>
-            <a:xfrm rot="3004943" flipV="1">
-              <a:off x="5579549" y="1961825"/>
-              <a:ext cx="288000" cy="3303832"/>
-            </a:xfrm>
-            <a:prstGeom prst="roundRect">
-              <a:avLst>
-                <a:gd name="adj" fmla="val 50000"/>
-              </a:avLst>
-            </a:prstGeom>
-            <a:solidFill>
-              <a:srgbClr val="C0B8B5"/>
-            </a:solidFill>
-            <a:ln>
-              <a:noFill/>
-            </a:ln>
-          </p:spPr>
-          <p:style>
-            <a:lnRef idx="2">
-              <a:schemeClr val="accent1">
-                <a:shade val="15000"/>
-              </a:schemeClr>
-            </a:lnRef>
-            <a:fillRef idx="1">
-              <a:schemeClr val="accent1"/>
-            </a:fillRef>
-            <a:effectRef idx="0">
-              <a:schemeClr val="accent1"/>
-            </a:effectRef>
-            <a:fontRef idx="minor">
-              <a:schemeClr val="lt1"/>
-            </a:fontRef>
-          </p:style>
-          <p:txBody>
-            <a:bodyPr rtlCol="0" anchor="ctr"/>
-            <a:lstStyle/>
-            <a:p>
-              <a:pPr algn="ctr"/>
-              <a:endParaRPr kumimoji="1" lang="ja-JP" altLang="en-US"/>
-            </a:p>
-          </p:txBody>
-        </p:sp>
-        <p:sp>
-          <p:nvSpPr>
-            <p:cNvPr id="35" name="角丸四角形 34">
-              <a:extLst>
-                <a:ext uri="{FF2B5EF4-FFF2-40B4-BE49-F238E27FC236}">
-                  <a16:creationId xmlns:a16="http://schemas.microsoft.com/office/drawing/2014/main" id="{79630CAD-4B2E-C533-1377-25F4286A1BBE}"/>
-                </a:ext>
-              </a:extLst>
-            </p:cNvPr>
-            <p:cNvSpPr/>
-            <p:nvPr/>
-          </p:nvSpPr>
-          <p:spPr>
-            <a:xfrm rot="3853656">
-              <a:off x="4230769" y="1998137"/>
-              <a:ext cx="288000" cy="692553"/>
-            </a:xfrm>
-            <a:prstGeom prst="roundRect">
-              <a:avLst>
-                <a:gd name="adj" fmla="val 50000"/>
-              </a:avLst>
-            </a:prstGeom>
-            <a:solidFill>
-              <a:srgbClr val="C0B8B5"/>
-            </a:solidFill>
-            <a:ln>
-              <a:noFill/>
-            </a:ln>
-          </p:spPr>
-          <p:style>
-            <a:lnRef idx="2">
-              <a:schemeClr val="accent1">
-                <a:shade val="15000"/>
-              </a:schemeClr>
-            </a:lnRef>
-            <a:fillRef idx="1">
-              <a:schemeClr val="accent1"/>
-            </a:fillRef>
-            <a:effectRef idx="0">
-              <a:schemeClr val="accent1"/>
-            </a:effectRef>
-            <a:fontRef idx="minor">
-              <a:schemeClr val="lt1"/>
-            </a:fontRef>
-          </p:style>
-          <p:txBody>
-            <a:bodyPr rtlCol="0" anchor="ctr"/>
-            <a:lstStyle/>
-            <a:p>
-              <a:pPr algn="ctr"/>
-              <a:endParaRPr kumimoji="1" lang="ja-JP" altLang="en-US"/>
-            </a:p>
-          </p:txBody>
-        </p:sp>
-        <p:sp>
-          <p:nvSpPr>
-            <p:cNvPr id="36" name="角丸四角形 35">
-              <a:extLst>
-                <a:ext uri="{FF2B5EF4-FFF2-40B4-BE49-F238E27FC236}">
-                  <a16:creationId xmlns:a16="http://schemas.microsoft.com/office/drawing/2014/main" id="{4A52C074-A573-0F89-A463-F9EA655DC777}"/>
                 </a:ext>
               </a:extLst>
             </p:cNvPr>
